--- a/courses/apcsa/processing/processing1.pptx
+++ b/courses/apcsa/processing/processing1.pptx
@@ -1,19 +1,19 @@
 
 <file path=ppt/presentation.xml><?xml version="1.0" encoding="utf-8"?>
-<p:presentation xmlns:a="http://schemas.openxmlformats.org/drawingml/2006/main" xmlns:r="http://schemas.openxmlformats.org/officeDocument/2006/relationships" xmlns:p="http://schemas.openxmlformats.org/presentationml/2006/main" saveSubsetFonts="1" autoCompressPictures="0">
+<p:presentation xmlns:a="http://schemas.openxmlformats.org/drawingml/2006/main" xmlns:r="http://schemas.openxmlformats.org/officeDocument/2006/relationships" xmlns:p="http://schemas.openxmlformats.org/presentationml/2006/main" autoCompressPictures="0">
   <p:sldMasterIdLst>
-    <p:sldMasterId id="2147484242" r:id="rId1"/>
+    <p:sldMasterId id="2147483791" r:id="rId1"/>
   </p:sldMasterIdLst>
   <p:notesMasterIdLst>
     <p:notesMasterId r:id="rId34"/>
   </p:notesMasterIdLst>
   <p:sldIdLst>
-    <p:sldId id="256" r:id="rId2"/>
-    <p:sldId id="324" r:id="rId3"/>
-    <p:sldId id="321" r:id="rId4"/>
-    <p:sldId id="336" r:id="rId5"/>
-    <p:sldId id="337" r:id="rId6"/>
-    <p:sldId id="334" r:id="rId7"/>
+    <p:sldId id="555" r:id="rId2"/>
+    <p:sldId id="556" r:id="rId3"/>
+    <p:sldId id="557" r:id="rId4"/>
+    <p:sldId id="558" r:id="rId5"/>
+    <p:sldId id="559" r:id="rId6"/>
+    <p:sldId id="560" r:id="rId7"/>
     <p:sldId id="316" r:id="rId8"/>
     <p:sldId id="306" r:id="rId9"/>
     <p:sldId id="308" r:id="rId10"/>
@@ -22,22 +22,22 @@
     <p:sldId id="312" r:id="rId13"/>
     <p:sldId id="307" r:id="rId14"/>
     <p:sldId id="310" r:id="rId15"/>
-    <p:sldId id="339" r:id="rId16"/>
+    <p:sldId id="561" r:id="rId16"/>
     <p:sldId id="317" r:id="rId17"/>
     <p:sldId id="318" r:id="rId18"/>
     <p:sldId id="319" r:id="rId19"/>
     <p:sldId id="325" r:id="rId20"/>
     <p:sldId id="326" r:id="rId21"/>
     <p:sldId id="327" r:id="rId22"/>
-    <p:sldId id="328" r:id="rId23"/>
-    <p:sldId id="331" r:id="rId24"/>
+    <p:sldId id="562" r:id="rId23"/>
+    <p:sldId id="563" r:id="rId24"/>
     <p:sldId id="424" r:id="rId25"/>
-    <p:sldId id="333" r:id="rId26"/>
+    <p:sldId id="564" r:id="rId26"/>
     <p:sldId id="425" r:id="rId27"/>
-    <p:sldId id="335" r:id="rId28"/>
+    <p:sldId id="565" r:id="rId28"/>
     <p:sldId id="322" r:id="rId29"/>
     <p:sldId id="330" r:id="rId30"/>
-    <p:sldId id="338" r:id="rId31"/>
+    <p:sldId id="566" r:id="rId31"/>
     <p:sldId id="323" r:id="rId32"/>
     <p:sldId id="426" r:id="rId33"/>
   </p:sldIdLst>
@@ -47,7 +47,7 @@
     <a:defPPr>
       <a:defRPr lang="en-US"/>
     </a:defPPr>
-    <a:lvl1pPr marL="0" algn="l" defTabSz="713232" rtl="0" eaLnBrk="1" latinLnBrk="0" hangingPunct="1">
+    <a:lvl1pPr marL="0" algn="l" defTabSz="356616" rtl="0" eaLnBrk="1" latinLnBrk="0" hangingPunct="1">
       <a:defRPr sz="1404" kern="1200">
         <a:solidFill>
           <a:schemeClr val="tx1"/>
@@ -57,7 +57,7 @@
         <a:cs typeface="+mn-cs"/>
       </a:defRPr>
     </a:lvl1pPr>
-    <a:lvl2pPr marL="356616" algn="l" defTabSz="713232" rtl="0" eaLnBrk="1" latinLnBrk="0" hangingPunct="1">
+    <a:lvl2pPr marL="356616" algn="l" defTabSz="356616" rtl="0" eaLnBrk="1" latinLnBrk="0" hangingPunct="1">
       <a:defRPr sz="1404" kern="1200">
         <a:solidFill>
           <a:schemeClr val="tx1"/>
@@ -67,7 +67,7 @@
         <a:cs typeface="+mn-cs"/>
       </a:defRPr>
     </a:lvl2pPr>
-    <a:lvl3pPr marL="713232" algn="l" defTabSz="713232" rtl="0" eaLnBrk="1" latinLnBrk="0" hangingPunct="1">
+    <a:lvl3pPr marL="713232" algn="l" defTabSz="356616" rtl="0" eaLnBrk="1" latinLnBrk="0" hangingPunct="1">
       <a:defRPr sz="1404" kern="1200">
         <a:solidFill>
           <a:schemeClr val="tx1"/>
@@ -77,7 +77,7 @@
         <a:cs typeface="+mn-cs"/>
       </a:defRPr>
     </a:lvl3pPr>
-    <a:lvl4pPr marL="1069848" algn="l" defTabSz="713232" rtl="0" eaLnBrk="1" latinLnBrk="0" hangingPunct="1">
+    <a:lvl4pPr marL="1069848" algn="l" defTabSz="356616" rtl="0" eaLnBrk="1" latinLnBrk="0" hangingPunct="1">
       <a:defRPr sz="1404" kern="1200">
         <a:solidFill>
           <a:schemeClr val="tx1"/>
@@ -87,7 +87,7 @@
         <a:cs typeface="+mn-cs"/>
       </a:defRPr>
     </a:lvl4pPr>
-    <a:lvl5pPr marL="1426464" algn="l" defTabSz="713232" rtl="0" eaLnBrk="1" latinLnBrk="0" hangingPunct="1">
+    <a:lvl5pPr marL="1426464" algn="l" defTabSz="356616" rtl="0" eaLnBrk="1" latinLnBrk="0" hangingPunct="1">
       <a:defRPr sz="1404" kern="1200">
         <a:solidFill>
           <a:schemeClr val="tx1"/>
@@ -97,7 +97,7 @@
         <a:cs typeface="+mn-cs"/>
       </a:defRPr>
     </a:lvl5pPr>
-    <a:lvl6pPr marL="1783080" algn="l" defTabSz="713232" rtl="0" eaLnBrk="1" latinLnBrk="0" hangingPunct="1">
+    <a:lvl6pPr marL="1783080" algn="l" defTabSz="356616" rtl="0" eaLnBrk="1" latinLnBrk="0" hangingPunct="1">
       <a:defRPr sz="1404" kern="1200">
         <a:solidFill>
           <a:schemeClr val="tx1"/>
@@ -107,7 +107,7 @@
         <a:cs typeface="+mn-cs"/>
       </a:defRPr>
     </a:lvl6pPr>
-    <a:lvl7pPr marL="2139696" algn="l" defTabSz="713232" rtl="0" eaLnBrk="1" latinLnBrk="0" hangingPunct="1">
+    <a:lvl7pPr marL="2139696" algn="l" defTabSz="356616" rtl="0" eaLnBrk="1" latinLnBrk="0" hangingPunct="1">
       <a:defRPr sz="1404" kern="1200">
         <a:solidFill>
           <a:schemeClr val="tx1"/>
@@ -117,7 +117,7 @@
         <a:cs typeface="+mn-cs"/>
       </a:defRPr>
     </a:lvl7pPr>
-    <a:lvl8pPr marL="2496312" algn="l" defTabSz="713232" rtl="0" eaLnBrk="1" latinLnBrk="0" hangingPunct="1">
+    <a:lvl8pPr marL="2496312" algn="l" defTabSz="356616" rtl="0" eaLnBrk="1" latinLnBrk="0" hangingPunct="1">
       <a:defRPr sz="1404" kern="1200">
         <a:solidFill>
           <a:schemeClr val="tx1"/>
@@ -127,7 +127,7 @@
         <a:cs typeface="+mn-cs"/>
       </a:defRPr>
     </a:lvl8pPr>
-    <a:lvl9pPr marL="2852928" algn="l" defTabSz="713232" rtl="0" eaLnBrk="1" latinLnBrk="0" hangingPunct="1">
+    <a:lvl9pPr marL="2852928" algn="l" defTabSz="356616" rtl="0" eaLnBrk="1" latinLnBrk="0" hangingPunct="1">
       <a:defRPr sz="1404" kern="1200">
         <a:solidFill>
           <a:schemeClr val="tx1"/>
@@ -149,7 +149,8 @@
 <file path=ppt/revisionInfo.xml><?xml version="1.0" encoding="utf-8"?>
 <p1510:revInfo xmlns:a="http://schemas.openxmlformats.org/drawingml/2006/main" xmlns:r="http://schemas.openxmlformats.org/officeDocument/2006/relationships" xmlns:p1510="http://schemas.microsoft.com/office/powerpoint/2015/10/main">
   <p1510:revLst>
-    <p1510:client id="{5A9EF0C9-9AFC-CD43-B4E5-7BBA0EF183EB}" v="136" dt="2019-11-18T13:43:39.787"/>
+    <p1510:client id="{308CFCF3-47BA-8D4A-8A80-5ECC75BA7E52}" v="2" dt="2019-11-19T12:50:23.367"/>
+    <p1510:client id="{59CB9C7B-CBC7-E549-B176-97F9C29CB310}" v="4309" dt="2019-11-19T12:45:57.102"/>
   </p1510:revLst>
 </p1510:revInfo>
 </file>
@@ -157,759 +158,1675 @@
 <file path=ppt/changesInfos/changesInfo1.xml><?xml version="1.0" encoding="utf-8"?>
 <pc:chgInfo xmlns:a="http://schemas.openxmlformats.org/drawingml/2006/main" xmlns:r="http://schemas.openxmlformats.org/officeDocument/2006/relationships" xmlns:ac="http://schemas.microsoft.com/office/drawing/2013/main/command" xmlns:pc="http://schemas.microsoft.com/office/powerpoint/2013/main/command">
   <pc:docChgLst>
-    <pc:chgData name="Long B Nguyen" userId="f59fb8f3-a021-417a-8bc1-65c8d471c621" providerId="ADAL" clId="{5A9EF0C9-9AFC-CD43-B4E5-7BBA0EF183EB}"/>
-    <pc:docChg chg="addSld delSld modSld">
-      <pc:chgData name="Long B Nguyen" userId="f59fb8f3-a021-417a-8bc1-65c8d471c621" providerId="ADAL" clId="{5A9EF0C9-9AFC-CD43-B4E5-7BBA0EF183EB}" dt="2019-11-18T13:43:41.158" v="474" actId="2696"/>
+    <pc:chgData name="Long B Nguyen" userId="f59fb8f3-a021-417a-8bc1-65c8d471c621" providerId="ADAL" clId="{59CB9C7B-CBC7-E549-B176-97F9C29CB310}"/>
+    <pc:docChg chg="undo custSel addSld delSld modSld">
+      <pc:chgData name="Long B Nguyen" userId="f59fb8f3-a021-417a-8bc1-65c8d471c621" providerId="ADAL" clId="{59CB9C7B-CBC7-E549-B176-97F9C29CB310}" dt="2019-11-19T12:47:14.779" v="13175" actId="20577"/>
       <pc:docMkLst>
         <pc:docMk/>
       </pc:docMkLst>
-      <pc:sldChg chg="modSp">
-        <pc:chgData name="Long B Nguyen" userId="f59fb8f3-a021-417a-8bc1-65c8d471c621" providerId="ADAL" clId="{5A9EF0C9-9AFC-CD43-B4E5-7BBA0EF183EB}" dt="2019-11-18T13:01:03.667" v="23" actId="20577"/>
+      <pc:sldChg chg="modSp modAnim">
+        <pc:chgData name="Long B Nguyen" userId="f59fb8f3-a021-417a-8bc1-65c8d471c621" providerId="ADAL" clId="{59CB9C7B-CBC7-E549-B176-97F9C29CB310}" dt="2019-11-14T12:40:42.660" v="12558"/>
         <pc:sldMkLst>
           <pc:docMk/>
-          <pc:sldMk cId="3974137643" sldId="256"/>
+          <pc:sldMk cId="278045358" sldId="257"/>
         </pc:sldMkLst>
         <pc:spChg chg="mod">
-          <ac:chgData name="Long B Nguyen" userId="f59fb8f3-a021-417a-8bc1-65c8d471c621" providerId="ADAL" clId="{5A9EF0C9-9AFC-CD43-B4E5-7BBA0EF183EB}" dt="2019-11-18T13:01:03.667" v="23" actId="20577"/>
+          <ac:chgData name="Long B Nguyen" userId="f59fb8f3-a021-417a-8bc1-65c8d471c621" providerId="ADAL" clId="{59CB9C7B-CBC7-E549-B176-97F9C29CB310}" dt="2019-11-12T01:11:38.632" v="9417" actId="20577"/>
           <ac:spMkLst>
             <pc:docMk/>
-            <pc:sldMk cId="3974137643" sldId="256"/>
-            <ac:spMk id="3" creationId="{69ADCD5C-363A-6249-B0DD-5A7EF5ACE656}"/>
+            <pc:sldMk cId="278045358" sldId="257"/>
+            <ac:spMk id="2" creationId="{AA3A228F-61D0-D949-A5E7-F83756230BF8}"/>
+          </ac:spMkLst>
+        </pc:spChg>
+        <pc:spChg chg="mod">
+          <ac:chgData name="Long B Nguyen" userId="f59fb8f3-a021-417a-8bc1-65c8d471c621" providerId="ADAL" clId="{59CB9C7B-CBC7-E549-B176-97F9C29CB310}" dt="2019-11-13T15:49:37.520" v="12034" actId="20577"/>
+          <ac:spMkLst>
+            <pc:docMk/>
+            <pc:sldMk cId="278045358" sldId="257"/>
+            <ac:spMk id="9" creationId="{E3B2E017-30B2-884B-A113-B419A2ED51AD}"/>
+          </ac:spMkLst>
+        </pc:spChg>
+      </pc:sldChg>
+      <pc:sldChg chg="modSp">
+        <pc:chgData name="Long B Nguyen" userId="f59fb8f3-a021-417a-8bc1-65c8d471c621" providerId="ADAL" clId="{59CB9C7B-CBC7-E549-B176-97F9C29CB310}" dt="2019-11-12T15:11:32.112" v="11690" actId="20577"/>
+        <pc:sldMkLst>
+          <pc:docMk/>
+          <pc:sldMk cId="1438711869" sldId="284"/>
+        </pc:sldMkLst>
+        <pc:spChg chg="mod">
+          <ac:chgData name="Long B Nguyen" userId="f59fb8f3-a021-417a-8bc1-65c8d471c621" providerId="ADAL" clId="{59CB9C7B-CBC7-E549-B176-97F9C29CB310}" dt="2019-11-12T15:11:32.112" v="11690" actId="20577"/>
+          <ac:spMkLst>
+            <pc:docMk/>
+            <pc:sldMk cId="1438711869" sldId="284"/>
+            <ac:spMk id="9" creationId="{E3B2E017-30B2-884B-A113-B419A2ED51AD}"/>
+          </ac:spMkLst>
+        </pc:spChg>
+      </pc:sldChg>
+      <pc:sldChg chg="modSp">
+        <pc:chgData name="Long B Nguyen" userId="f59fb8f3-a021-417a-8bc1-65c8d471c621" providerId="ADAL" clId="{59CB9C7B-CBC7-E549-B176-97F9C29CB310}" dt="2019-11-13T15:48:40.306" v="11995" actId="20577"/>
+        <pc:sldMkLst>
+          <pc:docMk/>
+          <pc:sldMk cId="131840209" sldId="286"/>
+        </pc:sldMkLst>
+        <pc:spChg chg="mod">
+          <ac:chgData name="Long B Nguyen" userId="f59fb8f3-a021-417a-8bc1-65c8d471c621" providerId="ADAL" clId="{59CB9C7B-CBC7-E549-B176-97F9C29CB310}" dt="2019-11-13T15:48:40.306" v="11995" actId="20577"/>
+          <ac:spMkLst>
+            <pc:docMk/>
+            <pc:sldMk cId="131840209" sldId="286"/>
+            <ac:spMk id="9" creationId="{E3B2E017-30B2-884B-A113-B419A2ED51AD}"/>
+          </ac:spMkLst>
+        </pc:spChg>
+      </pc:sldChg>
+      <pc:sldChg chg="addSp delSp modSp">
+        <pc:chgData name="Long B Nguyen" userId="f59fb8f3-a021-417a-8bc1-65c8d471c621" providerId="ADAL" clId="{59CB9C7B-CBC7-E549-B176-97F9C29CB310}" dt="2019-11-10T19:22:00.946" v="8903" actId="20577"/>
+        <pc:sldMkLst>
+          <pc:docMk/>
+          <pc:sldMk cId="3036972376" sldId="321"/>
+        </pc:sldMkLst>
+        <pc:spChg chg="add del mod">
+          <ac:chgData name="Long B Nguyen" userId="f59fb8f3-a021-417a-8bc1-65c8d471c621" providerId="ADAL" clId="{59CB9C7B-CBC7-E549-B176-97F9C29CB310}" dt="2019-11-05T13:54:02.337" v="1287"/>
+          <ac:spMkLst>
+            <pc:docMk/>
+            <pc:sldMk cId="3036972376" sldId="321"/>
+            <ac:spMk id="3" creationId="{24F99C46-A32E-3148-9B44-9521E1A1E87B}"/>
+          </ac:spMkLst>
+        </pc:spChg>
+        <pc:spChg chg="add mod">
+          <ac:chgData name="Long B Nguyen" userId="f59fb8f3-a021-417a-8bc1-65c8d471c621" providerId="ADAL" clId="{59CB9C7B-CBC7-E549-B176-97F9C29CB310}" dt="2019-11-10T19:22:00.946" v="8903" actId="20577"/>
+          <ac:spMkLst>
+            <pc:docMk/>
+            <pc:sldMk cId="3036972376" sldId="321"/>
+            <ac:spMk id="4" creationId="{8659479A-1929-8C41-9815-9AEA66125320}"/>
+          </ac:spMkLst>
+        </pc:spChg>
+        <pc:spChg chg="mod">
+          <ac:chgData name="Long B Nguyen" userId="f59fb8f3-a021-417a-8bc1-65c8d471c621" providerId="ADAL" clId="{59CB9C7B-CBC7-E549-B176-97F9C29CB310}" dt="2019-11-04T19:50:37.380" v="66" actId="20577"/>
+          <ac:spMkLst>
+            <pc:docMk/>
+            <pc:sldMk cId="3036972376" sldId="321"/>
+            <ac:spMk id="9" creationId="{E3B2E017-30B2-884B-A113-B419A2ED51AD}"/>
+          </ac:spMkLst>
+        </pc:spChg>
+        <pc:cxnChg chg="add del mod">
+          <ac:chgData name="Long B Nguyen" userId="f59fb8f3-a021-417a-8bc1-65c8d471c621" providerId="ADAL" clId="{59CB9C7B-CBC7-E549-B176-97F9C29CB310}" dt="2019-11-05T13:54:02.337" v="1287"/>
+          <ac:cxnSpMkLst>
+            <pc:docMk/>
+            <pc:sldMk cId="3036972376" sldId="321"/>
+            <ac:cxnSpMk id="5" creationId="{4DB27AD3-BE1D-8F44-BD28-286CB0C4F16D}"/>
+          </ac:cxnSpMkLst>
+        </pc:cxnChg>
+      </pc:sldChg>
+      <pc:sldChg chg="addSp modSp modAnim">
+        <pc:chgData name="Long B Nguyen" userId="f59fb8f3-a021-417a-8bc1-65c8d471c621" providerId="ADAL" clId="{59CB9C7B-CBC7-E549-B176-97F9C29CB310}" dt="2019-11-14T13:00:38.436" v="12869" actId="20577"/>
+        <pc:sldMkLst>
+          <pc:docMk/>
+          <pc:sldMk cId="3329169435" sldId="324"/>
+        </pc:sldMkLst>
+        <pc:spChg chg="mod">
+          <ac:chgData name="Long B Nguyen" userId="f59fb8f3-a021-417a-8bc1-65c8d471c621" providerId="ADAL" clId="{59CB9C7B-CBC7-E549-B176-97F9C29CB310}" dt="2019-11-10T19:19:28.717" v="8860" actId="20577"/>
+          <ac:spMkLst>
+            <pc:docMk/>
+            <pc:sldMk cId="3329169435" sldId="324"/>
+            <ac:spMk id="2" creationId="{AA3A228F-61D0-D949-A5E7-F83756230BF8}"/>
+          </ac:spMkLst>
+        </pc:spChg>
+        <pc:spChg chg="add mod">
+          <ac:chgData name="Long B Nguyen" userId="f59fb8f3-a021-417a-8bc1-65c8d471c621" providerId="ADAL" clId="{59CB9C7B-CBC7-E549-B176-97F9C29CB310}" dt="2019-11-12T14:36:53.122" v="9544" actId="20577"/>
+          <ac:spMkLst>
+            <pc:docMk/>
+            <pc:sldMk cId="3329169435" sldId="324"/>
+            <ac:spMk id="3" creationId="{A1DFF59C-0607-DD47-93E1-3B5DBC7CB72D}"/>
+          </ac:spMkLst>
+        </pc:spChg>
+        <pc:spChg chg="add mod">
+          <ac:chgData name="Long B Nguyen" userId="f59fb8f3-a021-417a-8bc1-65c8d471c621" providerId="ADAL" clId="{59CB9C7B-CBC7-E549-B176-97F9C29CB310}" dt="2019-11-12T14:53:54.886" v="10799" actId="20577"/>
+          <ac:spMkLst>
+            <pc:docMk/>
+            <pc:sldMk cId="3329169435" sldId="324"/>
+            <ac:spMk id="8" creationId="{7C58B594-C488-9F41-BC3D-B12A7562F3F7}"/>
+          </ac:spMkLst>
+        </pc:spChg>
+        <pc:spChg chg="mod">
+          <ac:chgData name="Long B Nguyen" userId="f59fb8f3-a021-417a-8bc1-65c8d471c621" providerId="ADAL" clId="{59CB9C7B-CBC7-E549-B176-97F9C29CB310}" dt="2019-11-14T13:00:38.436" v="12869" actId="20577"/>
+          <ac:spMkLst>
+            <pc:docMk/>
+            <pc:sldMk cId="3329169435" sldId="324"/>
+            <ac:spMk id="9" creationId="{E3B2E017-30B2-884B-A113-B419A2ED51AD}"/>
+          </ac:spMkLst>
+        </pc:spChg>
+        <pc:spChg chg="add mod">
+          <ac:chgData name="Long B Nguyen" userId="f59fb8f3-a021-417a-8bc1-65c8d471c621" providerId="ADAL" clId="{59CB9C7B-CBC7-E549-B176-97F9C29CB310}" dt="2019-11-12T14:54:40.604" v="10805" actId="113"/>
+          <ac:spMkLst>
+            <pc:docMk/>
+            <pc:sldMk cId="3329169435" sldId="324"/>
+            <ac:spMk id="14" creationId="{5EDF072F-75BE-8741-9067-D2D254F08E47}"/>
+          </ac:spMkLst>
+        </pc:spChg>
+        <pc:cxnChg chg="add mod">
+          <ac:chgData name="Long B Nguyen" userId="f59fb8f3-a021-417a-8bc1-65c8d471c621" providerId="ADAL" clId="{59CB9C7B-CBC7-E549-B176-97F9C29CB310}" dt="2019-11-12T14:54:15.245" v="10800" actId="14100"/>
+          <ac:cxnSpMkLst>
+            <pc:docMk/>
+            <pc:sldMk cId="3329169435" sldId="324"/>
+            <ac:cxnSpMk id="4" creationId="{A46F3D1F-4E4F-FA42-90BE-0487CC045C6E}"/>
+          </ac:cxnSpMkLst>
+        </pc:cxnChg>
+        <pc:cxnChg chg="add mod">
+          <ac:chgData name="Long B Nguyen" userId="f59fb8f3-a021-417a-8bc1-65c8d471c621" providerId="ADAL" clId="{59CB9C7B-CBC7-E549-B176-97F9C29CB310}" dt="2019-11-05T13:38:52.025" v="508" actId="1036"/>
+          <ac:cxnSpMkLst>
+            <pc:docMk/>
+            <pc:sldMk cId="3329169435" sldId="324"/>
+            <ac:cxnSpMk id="10" creationId="{72A59FBC-12F0-5C49-8BA8-983F96E9EE0E}"/>
+          </ac:cxnSpMkLst>
+        </pc:cxnChg>
+        <pc:cxnChg chg="add mod">
+          <ac:chgData name="Long B Nguyen" userId="f59fb8f3-a021-417a-8bc1-65c8d471c621" providerId="ADAL" clId="{59CB9C7B-CBC7-E549-B176-97F9C29CB310}" dt="2019-11-12T14:54:28.685" v="10803" actId="14100"/>
+          <ac:cxnSpMkLst>
+            <pc:docMk/>
+            <pc:sldMk cId="3329169435" sldId="324"/>
+            <ac:cxnSpMk id="15" creationId="{F7544DEB-4070-1144-B42C-B2D00FB2B589}"/>
+          </ac:cxnSpMkLst>
+        </pc:cxnChg>
+      </pc:sldChg>
+      <pc:sldChg chg="addSp delSp modSp add delAnim modAnim">
+        <pc:chgData name="Long B Nguyen" userId="f59fb8f3-a021-417a-8bc1-65c8d471c621" providerId="ADAL" clId="{59CB9C7B-CBC7-E549-B176-97F9C29CB310}" dt="2019-11-14T12:43:23.402" v="12581"/>
+        <pc:sldMkLst>
+          <pc:docMk/>
+          <pc:sldMk cId="1776864183" sldId="328"/>
+        </pc:sldMkLst>
+        <pc:spChg chg="mod">
+          <ac:chgData name="Long B Nguyen" userId="f59fb8f3-a021-417a-8bc1-65c8d471c621" providerId="ADAL" clId="{59CB9C7B-CBC7-E549-B176-97F9C29CB310}" dt="2019-11-12T15:14:06.124" v="11712" actId="20577"/>
+          <ac:spMkLst>
+            <pc:docMk/>
+            <pc:sldMk cId="1776864183" sldId="328"/>
+            <ac:spMk id="2" creationId="{AA3A228F-61D0-D949-A5E7-F83756230BF8}"/>
+          </ac:spMkLst>
+        </pc:spChg>
+        <pc:spChg chg="add mod">
+          <ac:chgData name="Long B Nguyen" userId="f59fb8f3-a021-417a-8bc1-65c8d471c621" providerId="ADAL" clId="{59CB9C7B-CBC7-E549-B176-97F9C29CB310}" dt="2019-11-12T15:15:01.451" v="11782" actId="255"/>
+          <ac:spMkLst>
+            <pc:docMk/>
+            <pc:sldMk cId="1776864183" sldId="328"/>
+            <ac:spMk id="4" creationId="{FED0F1E3-82CD-B346-A913-A640D9993422}"/>
+          </ac:spMkLst>
+        </pc:spChg>
+        <pc:spChg chg="del">
+          <ac:chgData name="Long B Nguyen" userId="f59fb8f3-a021-417a-8bc1-65c8d471c621" providerId="ADAL" clId="{59CB9C7B-CBC7-E549-B176-97F9C29CB310}" dt="2019-11-12T15:14:09.609" v="11713" actId="478"/>
+          <ac:spMkLst>
+            <pc:docMk/>
+            <pc:sldMk cId="1776864183" sldId="328"/>
+            <ac:spMk id="8" creationId="{D57AD83D-A164-2C46-A5D9-850FF63C92FB}"/>
+          </ac:spMkLst>
+        </pc:spChg>
+        <pc:spChg chg="add mod">
+          <ac:chgData name="Long B Nguyen" userId="f59fb8f3-a021-417a-8bc1-65c8d471c621" providerId="ADAL" clId="{59CB9C7B-CBC7-E549-B176-97F9C29CB310}" dt="2019-11-12T15:17:48.107" v="11936" actId="1076"/>
+          <ac:spMkLst>
+            <pc:docMk/>
+            <pc:sldMk cId="1776864183" sldId="328"/>
+            <ac:spMk id="12" creationId="{9E2D0245-4E8B-0243-AE9F-4DE1A924CAF4}"/>
+          </ac:spMkLst>
+        </pc:spChg>
+        <pc:spChg chg="del">
+          <ac:chgData name="Long B Nguyen" userId="f59fb8f3-a021-417a-8bc1-65c8d471c621" providerId="ADAL" clId="{59CB9C7B-CBC7-E549-B176-97F9C29CB310}" dt="2019-11-12T15:14:25.270" v="11719" actId="478"/>
+          <ac:spMkLst>
+            <pc:docMk/>
+            <pc:sldMk cId="1776864183" sldId="328"/>
+            <ac:spMk id="15" creationId="{785021ED-C20D-0141-8AF2-FBA30E60D3E6}"/>
+          </ac:spMkLst>
+        </pc:spChg>
+        <pc:spChg chg="del">
+          <ac:chgData name="Long B Nguyen" userId="f59fb8f3-a021-417a-8bc1-65c8d471c621" providerId="ADAL" clId="{59CB9C7B-CBC7-E549-B176-97F9C29CB310}" dt="2019-11-12T15:14:22.851" v="11718" actId="478"/>
+          <ac:spMkLst>
+            <pc:docMk/>
+            <pc:sldMk cId="1776864183" sldId="328"/>
+            <ac:spMk id="16" creationId="{2C3068F1-27B1-8745-AC00-F5D5109130CF}"/>
+          </ac:spMkLst>
+        </pc:spChg>
+        <pc:spChg chg="add mod">
+          <ac:chgData name="Long B Nguyen" userId="f59fb8f3-a021-417a-8bc1-65c8d471c621" providerId="ADAL" clId="{59CB9C7B-CBC7-E549-B176-97F9C29CB310}" dt="2019-11-12T15:17:53.168" v="11938" actId="1076"/>
+          <ac:spMkLst>
+            <pc:docMk/>
+            <pc:sldMk cId="1776864183" sldId="328"/>
+            <ac:spMk id="18" creationId="{7116D9A5-60C1-8D4E-997E-2550DA5CAD84}"/>
+          </ac:spMkLst>
+        </pc:spChg>
+        <pc:spChg chg="add mod">
+          <ac:chgData name="Long B Nguyen" userId="f59fb8f3-a021-417a-8bc1-65c8d471c621" providerId="ADAL" clId="{59CB9C7B-CBC7-E549-B176-97F9C29CB310}" dt="2019-11-12T15:18:20.491" v="11962" actId="1076"/>
+          <ac:spMkLst>
+            <pc:docMk/>
+            <pc:sldMk cId="1776864183" sldId="328"/>
+            <ac:spMk id="22" creationId="{0E62641D-9476-0F48-9611-7021ACF92407}"/>
+          </ac:spMkLst>
+        </pc:spChg>
+        <pc:graphicFrameChg chg="mod modGraphic">
+          <ac:chgData name="Long B Nguyen" userId="f59fb8f3-a021-417a-8bc1-65c8d471c621" providerId="ADAL" clId="{59CB9C7B-CBC7-E549-B176-97F9C29CB310}" dt="2019-11-12T15:18:38.395" v="11977" actId="20577"/>
+          <ac:graphicFrameMkLst>
+            <pc:docMk/>
+            <pc:sldMk cId="1776864183" sldId="328"/>
+            <ac:graphicFrameMk id="3" creationId="{9AFC970E-3FBA-F843-9AA5-DEA44EAA51C8}"/>
+          </ac:graphicFrameMkLst>
+        </pc:graphicFrameChg>
+        <pc:graphicFrameChg chg="del">
+          <ac:chgData name="Long B Nguyen" userId="f59fb8f3-a021-417a-8bc1-65c8d471c621" providerId="ADAL" clId="{59CB9C7B-CBC7-E549-B176-97F9C29CB310}" dt="2019-11-12T15:14:13.755" v="11714" actId="478"/>
+          <ac:graphicFrameMkLst>
+            <pc:docMk/>
+            <pc:sldMk cId="1776864183" sldId="328"/>
+            <ac:graphicFrameMk id="5" creationId="{A202C015-BB96-FC4D-B798-E01CEEDE818A}"/>
+          </ac:graphicFrameMkLst>
+        </pc:graphicFrameChg>
+        <pc:graphicFrameChg chg="del modGraphic">
+          <ac:chgData name="Long B Nguyen" userId="f59fb8f3-a021-417a-8bc1-65c8d471c621" providerId="ADAL" clId="{59CB9C7B-CBC7-E549-B176-97F9C29CB310}" dt="2019-11-12T15:14:20.723" v="11717" actId="478"/>
+          <ac:graphicFrameMkLst>
+            <pc:docMk/>
+            <pc:sldMk cId="1776864183" sldId="328"/>
+            <ac:graphicFrameMk id="6" creationId="{CD4D97C6-774B-044C-9810-2CE615865126}"/>
+          </ac:graphicFrameMkLst>
+        </pc:graphicFrameChg>
+        <pc:cxnChg chg="del">
+          <ac:chgData name="Long B Nguyen" userId="f59fb8f3-a021-417a-8bc1-65c8d471c621" providerId="ADAL" clId="{59CB9C7B-CBC7-E549-B176-97F9C29CB310}" dt="2019-11-12T15:14:13.755" v="11714" actId="478"/>
+          <ac:cxnSpMkLst>
+            <pc:docMk/>
+            <pc:sldMk cId="1776864183" sldId="328"/>
+            <ac:cxnSpMk id="7" creationId="{0957043E-1F8C-8543-A3F1-31C9D596FC1F}"/>
+          </ac:cxnSpMkLst>
+        </pc:cxnChg>
+        <pc:cxnChg chg="del">
+          <ac:chgData name="Long B Nguyen" userId="f59fb8f3-a021-417a-8bc1-65c8d471c621" providerId="ADAL" clId="{59CB9C7B-CBC7-E549-B176-97F9C29CB310}" dt="2019-11-12T15:14:16.300" v="11715" actId="478"/>
+          <ac:cxnSpMkLst>
+            <pc:docMk/>
+            <pc:sldMk cId="1776864183" sldId="328"/>
+            <ac:cxnSpMk id="11" creationId="{EF130512-CDDF-C947-9F4C-970628FD5926}"/>
+          </ac:cxnSpMkLst>
+        </pc:cxnChg>
+        <pc:cxnChg chg="add mod">
+          <ac:chgData name="Long B Nguyen" userId="f59fb8f3-a021-417a-8bc1-65c8d471c621" providerId="ADAL" clId="{59CB9C7B-CBC7-E549-B176-97F9C29CB310}" dt="2019-11-12T15:17:50.325" v="11937" actId="14100"/>
+          <ac:cxnSpMkLst>
+            <pc:docMk/>
+            <pc:sldMk cId="1776864183" sldId="328"/>
+            <ac:cxnSpMk id="13" creationId="{8BC38A77-D77A-B949-95AE-18A25DC3C3F5}"/>
+          </ac:cxnSpMkLst>
+        </pc:cxnChg>
+        <pc:cxnChg chg="add del mod">
+          <ac:chgData name="Long B Nguyen" userId="f59fb8f3-a021-417a-8bc1-65c8d471c621" providerId="ADAL" clId="{59CB9C7B-CBC7-E549-B176-97F9C29CB310}" dt="2019-11-12T15:17:38.758" v="11908" actId="478"/>
+          <ac:cxnSpMkLst>
+            <pc:docMk/>
+            <pc:sldMk cId="1776864183" sldId="328"/>
+            <ac:cxnSpMk id="17" creationId="{F92AA7AF-571E-0D4A-BBBB-FE7856A0832F}"/>
+          </ac:cxnSpMkLst>
+        </pc:cxnChg>
+        <pc:cxnChg chg="add mod">
+          <ac:chgData name="Long B Nguyen" userId="f59fb8f3-a021-417a-8bc1-65c8d471c621" providerId="ADAL" clId="{59CB9C7B-CBC7-E549-B176-97F9C29CB310}" dt="2019-11-12T15:17:45.207" v="11935" actId="1037"/>
+          <ac:cxnSpMkLst>
+            <pc:docMk/>
+            <pc:sldMk cId="1776864183" sldId="328"/>
+            <ac:cxnSpMk id="20" creationId="{2FFEFA06-1569-2D46-A3A4-72572FB3A0DD}"/>
+          </ac:cxnSpMkLst>
+        </pc:cxnChg>
+        <pc:cxnChg chg="add mod">
+          <ac:chgData name="Long B Nguyen" userId="f59fb8f3-a021-417a-8bc1-65c8d471c621" providerId="ADAL" clId="{59CB9C7B-CBC7-E549-B176-97F9C29CB310}" dt="2019-11-12T15:18:16.030" v="11961" actId="14100"/>
+          <ac:cxnSpMkLst>
+            <pc:docMk/>
+            <pc:sldMk cId="1776864183" sldId="328"/>
+            <ac:cxnSpMk id="23" creationId="{DF859B50-AEDB-5C4C-BD6F-2305261149EE}"/>
+          </ac:cxnSpMkLst>
+        </pc:cxnChg>
+      </pc:sldChg>
+      <pc:sldChg chg="addSp modSp modAnim">
+        <pc:chgData name="Long B Nguyen" userId="f59fb8f3-a021-417a-8bc1-65c8d471c621" providerId="ADAL" clId="{59CB9C7B-CBC7-E549-B176-97F9C29CB310}" dt="2019-11-14T12:51:19.338" v="12789"/>
+        <pc:sldMkLst>
+          <pc:docMk/>
+          <pc:sldMk cId="1403592009" sldId="331"/>
+        </pc:sldMkLst>
+        <pc:spChg chg="add mod">
+          <ac:chgData name="Long B Nguyen" userId="f59fb8f3-a021-417a-8bc1-65c8d471c621" providerId="ADAL" clId="{59CB9C7B-CBC7-E549-B176-97F9C29CB310}" dt="2019-11-12T00:48:36.243" v="9287" actId="1076"/>
+          <ac:spMkLst>
+            <pc:docMk/>
+            <pc:sldMk cId="1403592009" sldId="331"/>
+            <ac:spMk id="4" creationId="{557F7968-AE4D-9746-81FE-F79B57BD6EFE}"/>
+          </ac:spMkLst>
+        </pc:spChg>
+        <pc:spChg chg="add mod">
+          <ac:chgData name="Long B Nguyen" userId="f59fb8f3-a021-417a-8bc1-65c8d471c621" providerId="ADAL" clId="{59CB9C7B-CBC7-E549-B176-97F9C29CB310}" dt="2019-11-12T00:48:25.450" v="9284" actId="1076"/>
+          <ac:spMkLst>
+            <pc:docMk/>
+            <pc:sldMk cId="1403592009" sldId="331"/>
+            <ac:spMk id="6" creationId="{95DF8A1A-4837-3C40-9A2C-4A5FFE885A41}"/>
+          </ac:spMkLst>
+        </pc:spChg>
+        <pc:spChg chg="mod">
+          <ac:chgData name="Long B Nguyen" userId="f59fb8f3-a021-417a-8bc1-65c8d471c621" providerId="ADAL" clId="{59CB9C7B-CBC7-E549-B176-97F9C29CB310}" dt="2019-11-12T00:46:34.030" v="9046" actId="207"/>
+          <ac:spMkLst>
+            <pc:docMk/>
+            <pc:sldMk cId="1403592009" sldId="331"/>
+            <ac:spMk id="9" creationId="{E3B2E017-30B2-884B-A113-B419A2ED51AD}"/>
+          </ac:spMkLst>
+        </pc:spChg>
+        <pc:cxnChg chg="add mod">
+          <ac:chgData name="Long B Nguyen" userId="f59fb8f3-a021-417a-8bc1-65c8d471c621" providerId="ADAL" clId="{59CB9C7B-CBC7-E549-B176-97F9C29CB310}" dt="2019-11-12T00:48:45.586" v="9289" actId="14100"/>
+          <ac:cxnSpMkLst>
+            <pc:docMk/>
+            <pc:sldMk cId="1403592009" sldId="331"/>
+            <ac:cxnSpMk id="5" creationId="{3734FE02-600C-2A44-BC16-F394E2FB5293}"/>
+          </ac:cxnSpMkLst>
+        </pc:cxnChg>
+        <pc:cxnChg chg="add mod">
+          <ac:chgData name="Long B Nguyen" userId="f59fb8f3-a021-417a-8bc1-65c8d471c621" providerId="ADAL" clId="{59CB9C7B-CBC7-E549-B176-97F9C29CB310}" dt="2019-11-12T00:48:32.563" v="9286" actId="14100"/>
+          <ac:cxnSpMkLst>
+            <pc:docMk/>
+            <pc:sldMk cId="1403592009" sldId="331"/>
+            <ac:cxnSpMk id="7" creationId="{C6885A45-616A-744B-A4F0-146A3737FC47}"/>
+          </ac:cxnSpMkLst>
+        </pc:cxnChg>
+      </pc:sldChg>
+      <pc:sldChg chg="addSp modSp add modAnim">
+        <pc:chgData name="Long B Nguyen" userId="f59fb8f3-a021-417a-8bc1-65c8d471c621" providerId="ADAL" clId="{59CB9C7B-CBC7-E549-B176-97F9C29CB310}" dt="2019-11-14T12:50:48.962" v="12785"/>
+        <pc:sldMkLst>
+          <pc:docMk/>
+          <pc:sldMk cId="1776526477" sldId="332"/>
+        </pc:sldMkLst>
+        <pc:spChg chg="mod">
+          <ac:chgData name="Long B Nguyen" userId="f59fb8f3-a021-417a-8bc1-65c8d471c621" providerId="ADAL" clId="{59CB9C7B-CBC7-E549-B176-97F9C29CB310}" dt="2019-11-06T17:40:28.615" v="1921" actId="1076"/>
+          <ac:spMkLst>
+            <pc:docMk/>
+            <pc:sldMk cId="1776526477" sldId="332"/>
+            <ac:spMk id="2" creationId="{AA3A228F-61D0-D949-A5E7-F83756230BF8}"/>
+          </ac:spMkLst>
+        </pc:spChg>
+        <pc:spChg chg="add mod">
+          <ac:chgData name="Long B Nguyen" userId="f59fb8f3-a021-417a-8bc1-65c8d471c621" providerId="ADAL" clId="{59CB9C7B-CBC7-E549-B176-97F9C29CB310}" dt="2019-11-14T12:49:55.911" v="12769" actId="1076"/>
+          <ac:spMkLst>
+            <pc:docMk/>
+            <pc:sldMk cId="1776526477" sldId="332"/>
+            <ac:spMk id="4" creationId="{BE66D76A-BB4F-8A4D-AB4B-A968E4D75F6C}"/>
+          </ac:spMkLst>
+        </pc:spChg>
+        <pc:spChg chg="add mod">
+          <ac:chgData name="Long B Nguyen" userId="f59fb8f3-a021-417a-8bc1-65c8d471c621" providerId="ADAL" clId="{59CB9C7B-CBC7-E549-B176-97F9C29CB310}" dt="2019-11-14T12:50:26.552" v="12783" actId="20577"/>
+          <ac:spMkLst>
+            <pc:docMk/>
+            <pc:sldMk cId="1776526477" sldId="332"/>
+            <ac:spMk id="6" creationId="{933C1516-15E0-6241-839C-CC896EC7C958}"/>
+          </ac:spMkLst>
+        </pc:spChg>
+        <pc:spChg chg="mod">
+          <ac:chgData name="Long B Nguyen" userId="f59fb8f3-a021-417a-8bc1-65c8d471c621" providerId="ADAL" clId="{59CB9C7B-CBC7-E549-B176-97F9C29CB310}" dt="2019-11-06T17:41:05.504" v="1934" actId="20577"/>
+          <ac:spMkLst>
+            <pc:docMk/>
+            <pc:sldMk cId="1776526477" sldId="332"/>
+            <ac:spMk id="9" creationId="{E3B2E017-30B2-884B-A113-B419A2ED51AD}"/>
+          </ac:spMkLst>
+        </pc:spChg>
+        <pc:cxnChg chg="add mod">
+          <ac:chgData name="Long B Nguyen" userId="f59fb8f3-a021-417a-8bc1-65c8d471c621" providerId="ADAL" clId="{59CB9C7B-CBC7-E549-B176-97F9C29CB310}" dt="2019-11-06T17:41:10.033" v="1935" actId="14100"/>
+          <ac:cxnSpMkLst>
+            <pc:docMk/>
+            <pc:sldMk cId="1776526477" sldId="332"/>
+            <ac:cxnSpMk id="5" creationId="{2ACA8F3D-2AEE-0146-8A7F-D08353AD1C3A}"/>
+          </ac:cxnSpMkLst>
+        </pc:cxnChg>
+      </pc:sldChg>
+      <pc:sldChg chg="addSp delSp modSp add modAnim">
+        <pc:chgData name="Long B Nguyen" userId="f59fb8f3-a021-417a-8bc1-65c8d471c621" providerId="ADAL" clId="{59CB9C7B-CBC7-E549-B176-97F9C29CB310}" dt="2019-11-14T13:02:05.813" v="12882"/>
+        <pc:sldMkLst>
+          <pc:docMk/>
+          <pc:sldMk cId="3768911574" sldId="333"/>
+        </pc:sldMkLst>
+        <pc:spChg chg="del">
+          <ac:chgData name="Long B Nguyen" userId="f59fb8f3-a021-417a-8bc1-65c8d471c621" providerId="ADAL" clId="{59CB9C7B-CBC7-E549-B176-97F9C29CB310}" dt="2019-11-05T13:39:00.362" v="509" actId="478"/>
+          <ac:spMkLst>
+            <pc:docMk/>
+            <pc:sldMk cId="3768911574" sldId="333"/>
+            <ac:spMk id="3" creationId="{A1DFF59C-0607-DD47-93E1-3B5DBC7CB72D}"/>
+          </ac:spMkLst>
+        </pc:spChg>
+        <pc:spChg chg="del">
+          <ac:chgData name="Long B Nguyen" userId="f59fb8f3-a021-417a-8bc1-65c8d471c621" providerId="ADAL" clId="{59CB9C7B-CBC7-E549-B176-97F9C29CB310}" dt="2019-11-05T13:39:12.947" v="513" actId="478"/>
+          <ac:spMkLst>
+            <pc:docMk/>
+            <pc:sldMk cId="3768911574" sldId="333"/>
+            <ac:spMk id="8" creationId="{7C58B594-C488-9F41-BC3D-B12A7562F3F7}"/>
+          </ac:spMkLst>
+        </pc:spChg>
+        <pc:spChg chg="mod">
+          <ac:chgData name="Long B Nguyen" userId="f59fb8f3-a021-417a-8bc1-65c8d471c621" providerId="ADAL" clId="{59CB9C7B-CBC7-E549-B176-97F9C29CB310}" dt="2019-11-05T13:44:18.384" v="791" actId="20577"/>
+          <ac:spMkLst>
+            <pc:docMk/>
+            <pc:sldMk cId="3768911574" sldId="333"/>
+            <ac:spMk id="9" creationId="{E3B2E017-30B2-884B-A113-B419A2ED51AD}"/>
+          </ac:spMkLst>
+        </pc:spChg>
+        <pc:spChg chg="mod">
+          <ac:chgData name="Long B Nguyen" userId="f59fb8f3-a021-417a-8bc1-65c8d471c621" providerId="ADAL" clId="{59CB9C7B-CBC7-E549-B176-97F9C29CB310}" dt="2019-11-14T12:45:21.882" v="12589" actId="20577"/>
+          <ac:spMkLst>
+            <pc:docMk/>
+            <pc:sldMk cId="3768911574" sldId="333"/>
+            <ac:spMk id="14" creationId="{5EDF072F-75BE-8741-9067-D2D254F08E47}"/>
+          </ac:spMkLst>
+        </pc:spChg>
+        <pc:spChg chg="add mod">
+          <ac:chgData name="Long B Nguyen" userId="f59fb8f3-a021-417a-8bc1-65c8d471c621" providerId="ADAL" clId="{59CB9C7B-CBC7-E549-B176-97F9C29CB310}" dt="2019-11-14T12:45:25.993" v="12592" actId="20577"/>
+          <ac:spMkLst>
+            <pc:docMk/>
+            <pc:sldMk cId="3768911574" sldId="333"/>
+            <ac:spMk id="16" creationId="{5A9C07C4-A578-9340-813C-79D04F7B9BE1}"/>
+          </ac:spMkLst>
+        </pc:spChg>
+        <pc:spChg chg="add mod">
+          <ac:chgData name="Long B Nguyen" userId="f59fb8f3-a021-417a-8bc1-65c8d471c621" providerId="ADAL" clId="{59CB9C7B-CBC7-E549-B176-97F9C29CB310}" dt="2019-11-14T12:46:25.792" v="12667" actId="1076"/>
+          <ac:spMkLst>
+            <pc:docMk/>
+            <pc:sldMk cId="3768911574" sldId="333"/>
+            <ac:spMk id="17" creationId="{A0DA8034-18BF-A04B-95E1-E02483E3609C}"/>
+          </ac:spMkLst>
+        </pc:spChg>
+        <pc:spChg chg="add mod">
+          <ac:chgData name="Long B Nguyen" userId="f59fb8f3-a021-417a-8bc1-65c8d471c621" providerId="ADAL" clId="{59CB9C7B-CBC7-E549-B176-97F9C29CB310}" dt="2019-11-14T12:45:11.008" v="12586" actId="20577"/>
+          <ac:spMkLst>
+            <pc:docMk/>
+            <pc:sldMk cId="3768911574" sldId="333"/>
+            <ac:spMk id="20" creationId="{F9A61694-4FC5-7F46-9DC1-78F5E8AD77B0}"/>
+          </ac:spMkLst>
+        </pc:spChg>
+        <pc:cxnChg chg="del">
+          <ac:chgData name="Long B Nguyen" userId="f59fb8f3-a021-417a-8bc1-65c8d471c621" providerId="ADAL" clId="{59CB9C7B-CBC7-E549-B176-97F9C29CB310}" dt="2019-11-05T13:39:02.337" v="510" actId="478"/>
+          <ac:cxnSpMkLst>
+            <pc:docMk/>
+            <pc:sldMk cId="3768911574" sldId="333"/>
+            <ac:cxnSpMk id="4" creationId="{A46F3D1F-4E4F-FA42-90BE-0487CC045C6E}"/>
+          </ac:cxnSpMkLst>
+        </pc:cxnChg>
+        <pc:cxnChg chg="del">
+          <ac:chgData name="Long B Nguyen" userId="f59fb8f3-a021-417a-8bc1-65c8d471c621" providerId="ADAL" clId="{59CB9C7B-CBC7-E549-B176-97F9C29CB310}" dt="2019-11-05T13:39:12.947" v="513" actId="478"/>
+          <ac:cxnSpMkLst>
+            <pc:docMk/>
+            <pc:sldMk cId="3768911574" sldId="333"/>
+            <ac:cxnSpMk id="10" creationId="{72A59FBC-12F0-5C49-8BA8-983F96E9EE0E}"/>
+          </ac:cxnSpMkLst>
+        </pc:cxnChg>
+        <pc:cxnChg chg="add mod">
+          <ac:chgData name="Long B Nguyen" userId="f59fb8f3-a021-417a-8bc1-65c8d471c621" providerId="ADAL" clId="{59CB9C7B-CBC7-E549-B176-97F9C29CB310}" dt="2019-11-10T19:21:05.339" v="8892" actId="1037"/>
+          <ac:cxnSpMkLst>
+            <pc:docMk/>
+            <pc:sldMk cId="3768911574" sldId="333"/>
+            <ac:cxnSpMk id="10" creationId="{78689255-3173-164C-A63E-73DEF65651F2}"/>
+          </ac:cxnSpMkLst>
+        </pc:cxnChg>
+        <pc:cxnChg chg="add mod">
+          <ac:chgData name="Long B Nguyen" userId="f59fb8f3-a021-417a-8bc1-65c8d471c621" providerId="ADAL" clId="{59CB9C7B-CBC7-E549-B176-97F9C29CB310}" dt="2019-11-05T13:39:49.663" v="528" actId="14100"/>
+          <ac:cxnSpMkLst>
+            <pc:docMk/>
+            <pc:sldMk cId="3768911574" sldId="333"/>
+            <ac:cxnSpMk id="12" creationId="{CC48B4CD-941B-0741-BFA8-B9998C524923}"/>
+          </ac:cxnSpMkLst>
+        </pc:cxnChg>
+        <pc:cxnChg chg="add mod">
+          <ac:chgData name="Long B Nguyen" userId="f59fb8f3-a021-417a-8bc1-65c8d471c621" providerId="ADAL" clId="{59CB9C7B-CBC7-E549-B176-97F9C29CB310}" dt="2019-11-05T13:39:43.740" v="525" actId="14100"/>
+          <ac:cxnSpMkLst>
+            <pc:docMk/>
+            <pc:sldMk cId="3768911574" sldId="333"/>
+            <ac:cxnSpMk id="13" creationId="{031D278B-4055-D447-8A45-9C9C2EE370C7}"/>
+          </ac:cxnSpMkLst>
+        </pc:cxnChg>
+        <pc:cxnChg chg="mod">
+          <ac:chgData name="Long B Nguyen" userId="f59fb8f3-a021-417a-8bc1-65c8d471c621" providerId="ADAL" clId="{59CB9C7B-CBC7-E549-B176-97F9C29CB310}" dt="2019-11-05T13:39:24.362" v="520" actId="692"/>
+          <ac:cxnSpMkLst>
+            <pc:docMk/>
+            <pc:sldMk cId="3768911574" sldId="333"/>
+            <ac:cxnSpMk id="15" creationId="{F7544DEB-4070-1144-B42C-B2D00FB2B589}"/>
+          </ac:cxnSpMkLst>
+        </pc:cxnChg>
+        <pc:cxnChg chg="add mod">
+          <ac:chgData name="Long B Nguyen" userId="f59fb8f3-a021-417a-8bc1-65c8d471c621" providerId="ADAL" clId="{59CB9C7B-CBC7-E549-B176-97F9C29CB310}" dt="2019-11-05T13:45:56.060" v="830" actId="14100"/>
+          <ac:cxnSpMkLst>
+            <pc:docMk/>
+            <pc:sldMk cId="3768911574" sldId="333"/>
+            <ac:cxnSpMk id="18" creationId="{0455C446-0CB9-7542-A5E5-DF0CA973519D}"/>
+          </ac:cxnSpMkLst>
+        </pc:cxnChg>
+        <pc:cxnChg chg="add mod">
+          <ac:chgData name="Long B Nguyen" userId="f59fb8f3-a021-417a-8bc1-65c8d471c621" providerId="ADAL" clId="{59CB9C7B-CBC7-E549-B176-97F9C29CB310}" dt="2019-11-14T12:46:41.528" v="12671" actId="14100"/>
+          <ac:cxnSpMkLst>
+            <pc:docMk/>
+            <pc:sldMk cId="3768911574" sldId="333"/>
+            <ac:cxnSpMk id="19" creationId="{A6C5B7ED-9686-3549-A3DD-5DD0CF6E8DED}"/>
+          </ac:cxnSpMkLst>
+        </pc:cxnChg>
+      </pc:sldChg>
+      <pc:sldChg chg="addSp delSp modSp add">
+        <pc:chgData name="Long B Nguyen" userId="f59fb8f3-a021-417a-8bc1-65c8d471c621" providerId="ADAL" clId="{59CB9C7B-CBC7-E549-B176-97F9C29CB310}" dt="2019-11-12T00:58:03.638" v="9374" actId="20577"/>
+        <pc:sldMkLst>
+          <pc:docMk/>
+          <pc:sldMk cId="1520390356" sldId="334"/>
+        </pc:sldMkLst>
+        <pc:spChg chg="del">
+          <ac:chgData name="Long B Nguyen" userId="f59fb8f3-a021-417a-8bc1-65c8d471c621" providerId="ADAL" clId="{59CB9C7B-CBC7-E549-B176-97F9C29CB310}" dt="2019-11-06T17:31:26.918" v="1461" actId="478"/>
+          <ac:spMkLst>
+            <pc:docMk/>
+            <pc:sldMk cId="1520390356" sldId="334"/>
+            <ac:spMk id="4" creationId="{557F7968-AE4D-9746-81FE-F79B57BD6EFE}"/>
+          </ac:spMkLst>
+        </pc:spChg>
+        <pc:spChg chg="mod">
+          <ac:chgData name="Long B Nguyen" userId="f59fb8f3-a021-417a-8bc1-65c8d471c621" providerId="ADAL" clId="{59CB9C7B-CBC7-E549-B176-97F9C29CB310}" dt="2019-11-12T00:58:03.638" v="9374" actId="20577"/>
+          <ac:spMkLst>
+            <pc:docMk/>
+            <pc:sldMk cId="1520390356" sldId="334"/>
+            <ac:spMk id="9" creationId="{E3B2E017-30B2-884B-A113-B419A2ED51AD}"/>
+          </ac:spMkLst>
+        </pc:spChg>
+        <pc:cxnChg chg="mod">
+          <ac:chgData name="Long B Nguyen" userId="f59fb8f3-a021-417a-8bc1-65c8d471c621" providerId="ADAL" clId="{59CB9C7B-CBC7-E549-B176-97F9C29CB310}" dt="2019-11-06T17:30:58.532" v="1457" actId="14100"/>
+          <ac:cxnSpMkLst>
+            <pc:docMk/>
+            <pc:sldMk cId="1520390356" sldId="334"/>
+            <ac:cxnSpMk id="5" creationId="{3734FE02-600C-2A44-BC16-F394E2FB5293}"/>
+          </ac:cxnSpMkLst>
+        </pc:cxnChg>
+        <pc:cxnChg chg="add mod">
+          <ac:chgData name="Long B Nguyen" userId="f59fb8f3-a021-417a-8bc1-65c8d471c621" providerId="ADAL" clId="{59CB9C7B-CBC7-E549-B176-97F9C29CB310}" dt="2019-11-06T17:31:06.805" v="1460" actId="14100"/>
+          <ac:cxnSpMkLst>
+            <pc:docMk/>
+            <pc:sldMk cId="1520390356" sldId="334"/>
+            <ac:cxnSpMk id="8" creationId="{EADE529A-64EB-0A40-B575-D437D32FAB41}"/>
+          </ac:cxnSpMkLst>
+        </pc:cxnChg>
+      </pc:sldChg>
+      <pc:sldChg chg="delSp modSp add modAnim">
+        <pc:chgData name="Long B Nguyen" userId="f59fb8f3-a021-417a-8bc1-65c8d471c621" providerId="ADAL" clId="{59CB9C7B-CBC7-E549-B176-97F9C29CB310}" dt="2019-11-14T12:48:46.852" v="12698" actId="20577"/>
+        <pc:sldMkLst>
+          <pc:docMk/>
+          <pc:sldMk cId="1370301937" sldId="335"/>
+        </pc:sldMkLst>
+        <pc:spChg chg="del">
+          <ac:chgData name="Long B Nguyen" userId="f59fb8f3-a021-417a-8bc1-65c8d471c621" providerId="ADAL" clId="{59CB9C7B-CBC7-E549-B176-97F9C29CB310}" dt="2019-11-06T17:36:49.176" v="1782" actId="478"/>
+          <ac:spMkLst>
+            <pc:docMk/>
+            <pc:sldMk cId="1370301937" sldId="335"/>
+            <ac:spMk id="14" creationId="{5EDF072F-75BE-8741-9067-D2D254F08E47}"/>
+          </ac:spMkLst>
+        </pc:spChg>
+        <pc:spChg chg="mod">
+          <ac:chgData name="Long B Nguyen" userId="f59fb8f3-a021-417a-8bc1-65c8d471c621" providerId="ADAL" clId="{59CB9C7B-CBC7-E549-B176-97F9C29CB310}" dt="2019-11-14T12:48:46.852" v="12698" actId="20577"/>
+          <ac:spMkLst>
+            <pc:docMk/>
+            <pc:sldMk cId="1370301937" sldId="335"/>
+            <ac:spMk id="20" creationId="{F9A61694-4FC5-7F46-9DC1-78F5E8AD77B0}"/>
+          </ac:spMkLst>
+        </pc:spChg>
+        <pc:cxnChg chg="del">
+          <ac:chgData name="Long B Nguyen" userId="f59fb8f3-a021-417a-8bc1-65c8d471c621" providerId="ADAL" clId="{59CB9C7B-CBC7-E549-B176-97F9C29CB310}" dt="2019-11-06T17:36:49.176" v="1782" actId="478"/>
+          <ac:cxnSpMkLst>
+            <pc:docMk/>
+            <pc:sldMk cId="1370301937" sldId="335"/>
+            <ac:cxnSpMk id="12" creationId="{CC48B4CD-941B-0741-BFA8-B9998C524923}"/>
+          </ac:cxnSpMkLst>
+        </pc:cxnChg>
+        <pc:cxnChg chg="del">
+          <ac:chgData name="Long B Nguyen" userId="f59fb8f3-a021-417a-8bc1-65c8d471c621" providerId="ADAL" clId="{59CB9C7B-CBC7-E549-B176-97F9C29CB310}" dt="2019-11-06T17:36:49.176" v="1782" actId="478"/>
+          <ac:cxnSpMkLst>
+            <pc:docMk/>
+            <pc:sldMk cId="1370301937" sldId="335"/>
+            <ac:cxnSpMk id="13" creationId="{031D278B-4055-D447-8A45-9C9C2EE370C7}"/>
+          </ac:cxnSpMkLst>
+        </pc:cxnChg>
+        <pc:cxnChg chg="del">
+          <ac:chgData name="Long B Nguyen" userId="f59fb8f3-a021-417a-8bc1-65c8d471c621" providerId="ADAL" clId="{59CB9C7B-CBC7-E549-B176-97F9C29CB310}" dt="2019-11-06T17:36:41.962" v="1781" actId="478"/>
+          <ac:cxnSpMkLst>
+            <pc:docMk/>
+            <pc:sldMk cId="1370301937" sldId="335"/>
+            <ac:cxnSpMk id="15" creationId="{F7544DEB-4070-1144-B42C-B2D00FB2B589}"/>
+          </ac:cxnSpMkLst>
+        </pc:cxnChg>
+        <pc:cxnChg chg="del">
+          <ac:chgData name="Long B Nguyen" userId="f59fb8f3-a021-417a-8bc1-65c8d471c621" providerId="ADAL" clId="{59CB9C7B-CBC7-E549-B176-97F9C29CB310}" dt="2019-11-06T17:36:40.542" v="1780" actId="478"/>
+          <ac:cxnSpMkLst>
+            <pc:docMk/>
+            <pc:sldMk cId="1370301937" sldId="335"/>
+            <ac:cxnSpMk id="18" creationId="{0455C446-0CB9-7542-A5E5-DF0CA973519D}"/>
+          </ac:cxnSpMkLst>
+        </pc:cxnChg>
+      </pc:sldChg>
+      <pc:sldChg chg="addSp delSp modSp add">
+        <pc:chgData name="Long B Nguyen" userId="f59fb8f3-a021-417a-8bc1-65c8d471c621" providerId="ADAL" clId="{59CB9C7B-CBC7-E549-B176-97F9C29CB310}" dt="2019-11-06T17:41:57.400" v="1984" actId="255"/>
+        <pc:sldMkLst>
+          <pc:docMk/>
+          <pc:sldMk cId="649473723" sldId="336"/>
+        </pc:sldMkLst>
+        <pc:spChg chg="del">
+          <ac:chgData name="Long B Nguyen" userId="f59fb8f3-a021-417a-8bc1-65c8d471c621" providerId="ADAL" clId="{59CB9C7B-CBC7-E549-B176-97F9C29CB310}" dt="2019-11-06T17:41:40.395" v="1977" actId="478"/>
+          <ac:spMkLst>
+            <pc:docMk/>
+            <pc:sldMk cId="649473723" sldId="336"/>
+            <ac:spMk id="4" creationId="{BE66D76A-BB4F-8A4D-AB4B-A968E4D75F6C}"/>
+          </ac:spMkLst>
+        </pc:spChg>
+        <pc:spChg chg="add mod">
+          <ac:chgData name="Long B Nguyen" userId="f59fb8f3-a021-417a-8bc1-65c8d471c621" providerId="ADAL" clId="{59CB9C7B-CBC7-E549-B176-97F9C29CB310}" dt="2019-11-06T17:41:57.400" v="1984" actId="255"/>
+          <ac:spMkLst>
+            <pc:docMk/>
+            <pc:sldMk cId="649473723" sldId="336"/>
+            <ac:spMk id="7" creationId="{A9401C64-AC9A-004F-A248-696EF36A106F}"/>
+          </ac:spMkLst>
+        </pc:spChg>
+        <pc:spChg chg="mod">
+          <ac:chgData name="Long B Nguyen" userId="f59fb8f3-a021-417a-8bc1-65c8d471c621" providerId="ADAL" clId="{59CB9C7B-CBC7-E549-B176-97F9C29CB310}" dt="2019-11-06T17:40:57.398" v="1930" actId="20577"/>
+          <ac:spMkLst>
+            <pc:docMk/>
+            <pc:sldMk cId="649473723" sldId="336"/>
+            <ac:spMk id="9" creationId="{E3B2E017-30B2-884B-A113-B419A2ED51AD}"/>
+          </ac:spMkLst>
+        </pc:spChg>
+        <pc:cxnChg chg="mod">
+          <ac:chgData name="Long B Nguyen" userId="f59fb8f3-a021-417a-8bc1-65c8d471c621" providerId="ADAL" clId="{59CB9C7B-CBC7-E549-B176-97F9C29CB310}" dt="2019-11-06T17:40:49.393" v="1926" actId="14100"/>
+          <ac:cxnSpMkLst>
+            <pc:docMk/>
+            <pc:sldMk cId="649473723" sldId="336"/>
+            <ac:cxnSpMk id="5" creationId="{2ACA8F3D-2AEE-0146-8A7F-D08353AD1C3A}"/>
+          </ac:cxnSpMkLst>
+        </pc:cxnChg>
+      </pc:sldChg>
+      <pc:sldChg chg="modSp add modAnim">
+        <pc:chgData name="Long B Nguyen" userId="f59fb8f3-a021-417a-8bc1-65c8d471c621" providerId="ADAL" clId="{59CB9C7B-CBC7-E549-B176-97F9C29CB310}" dt="2019-11-14T12:57:06.015" v="12816"/>
+        <pc:sldMkLst>
+          <pc:docMk/>
+          <pc:sldMk cId="1454819895" sldId="337"/>
+        </pc:sldMkLst>
+        <pc:spChg chg="mod">
+          <ac:chgData name="Long B Nguyen" userId="f59fb8f3-a021-417a-8bc1-65c8d471c621" providerId="ADAL" clId="{59CB9C7B-CBC7-E549-B176-97F9C29CB310}" dt="2019-11-12T00:45:18.003" v="9033" actId="20577"/>
+          <ac:spMkLst>
+            <pc:docMk/>
+            <pc:sldMk cId="1454819895" sldId="337"/>
+            <ac:spMk id="9" creationId="{E3B2E017-30B2-884B-A113-B419A2ED51AD}"/>
+          </ac:spMkLst>
+        </pc:spChg>
+      </pc:sldChg>
+      <pc:sldChg chg="modSp add modAnim">
+        <pc:chgData name="Long B Nguyen" userId="f59fb8f3-a021-417a-8bc1-65c8d471c621" providerId="ADAL" clId="{59CB9C7B-CBC7-E549-B176-97F9C29CB310}" dt="2019-11-14T12:57:17.150" v="12819"/>
+        <pc:sldMkLst>
+          <pc:docMk/>
+          <pc:sldMk cId="3761802647" sldId="338"/>
+        </pc:sldMkLst>
+        <pc:spChg chg="mod">
+          <ac:chgData name="Long B Nguyen" userId="f59fb8f3-a021-417a-8bc1-65c8d471c621" providerId="ADAL" clId="{59CB9C7B-CBC7-E549-B176-97F9C29CB310}" dt="2019-11-12T00:50:29.296" v="9342" actId="20577"/>
+          <ac:spMkLst>
+            <pc:docMk/>
+            <pc:sldMk cId="3761802647" sldId="338"/>
+            <ac:spMk id="9" creationId="{E3B2E017-30B2-884B-A113-B419A2ED51AD}"/>
+          </ac:spMkLst>
+        </pc:spChg>
+      </pc:sldChg>
+      <pc:sldChg chg="modSp add modAnim">
+        <pc:chgData name="Long B Nguyen" userId="f59fb8f3-a021-417a-8bc1-65c8d471c621" providerId="ADAL" clId="{59CB9C7B-CBC7-E549-B176-97F9C29CB310}" dt="2019-11-14T12:41:27.577" v="12568"/>
+        <pc:sldMkLst>
+          <pc:docMk/>
+          <pc:sldMk cId="2700872664" sldId="339"/>
+        </pc:sldMkLst>
+        <pc:spChg chg="mod">
+          <ac:chgData name="Long B Nguyen" userId="f59fb8f3-a021-417a-8bc1-65c8d471c621" providerId="ADAL" clId="{59CB9C7B-CBC7-E549-B176-97F9C29CB310}" dt="2019-11-10T19:18:36.909" v="8819" actId="20577"/>
+          <ac:spMkLst>
+            <pc:docMk/>
+            <pc:sldMk cId="2700872664" sldId="339"/>
+            <ac:spMk id="2" creationId="{AA3A228F-61D0-D949-A5E7-F83756230BF8}"/>
+          </ac:spMkLst>
+        </pc:spChg>
+        <pc:spChg chg="mod">
+          <ac:chgData name="Long B Nguyen" userId="f59fb8f3-a021-417a-8bc1-65c8d471c621" providerId="ADAL" clId="{59CB9C7B-CBC7-E549-B176-97F9C29CB310}" dt="2019-11-12T14:50:38.623" v="10523" actId="20577"/>
+          <ac:spMkLst>
+            <pc:docMk/>
+            <pc:sldMk cId="2700872664" sldId="339"/>
+            <ac:spMk id="9" creationId="{E3B2E017-30B2-884B-A113-B419A2ED51AD}"/>
+          </ac:spMkLst>
+        </pc:spChg>
+      </pc:sldChg>
+      <pc:sldChg chg="modSp add modAnim">
+        <pc:chgData name="Long B Nguyen" userId="f59fb8f3-a021-417a-8bc1-65c8d471c621" providerId="ADAL" clId="{59CB9C7B-CBC7-E549-B176-97F9C29CB310}" dt="2019-11-14T13:00:08.319" v="12834"/>
+        <pc:sldMkLst>
+          <pc:docMk/>
+          <pc:sldMk cId="2044636910" sldId="340"/>
+        </pc:sldMkLst>
+        <pc:spChg chg="mod">
+          <ac:chgData name="Long B Nguyen" userId="f59fb8f3-a021-417a-8bc1-65c8d471c621" providerId="ADAL" clId="{59CB9C7B-CBC7-E549-B176-97F9C29CB310}" dt="2019-11-10T19:19:14.943" v="8840" actId="20577"/>
+          <ac:spMkLst>
+            <pc:docMk/>
+            <pc:sldMk cId="2044636910" sldId="340"/>
+            <ac:spMk id="2" creationId="{AA3A228F-61D0-D949-A5E7-F83756230BF8}"/>
+          </ac:spMkLst>
+        </pc:spChg>
+        <pc:spChg chg="mod">
+          <ac:chgData name="Long B Nguyen" userId="f59fb8f3-a021-417a-8bc1-65c8d471c621" providerId="ADAL" clId="{59CB9C7B-CBC7-E549-B176-97F9C29CB310}" dt="2019-11-12T01:01:37.390" v="9406" actId="20577"/>
+          <ac:spMkLst>
+            <pc:docMk/>
+            <pc:sldMk cId="2044636910" sldId="340"/>
+            <ac:spMk id="9" creationId="{E3B2E017-30B2-884B-A113-B419A2ED51AD}"/>
+          </ac:spMkLst>
+        </pc:spChg>
+      </pc:sldChg>
+      <pc:sldChg chg="modSp add modAnim">
+        <pc:chgData name="Long B Nguyen" userId="f59fb8f3-a021-417a-8bc1-65c8d471c621" providerId="ADAL" clId="{59CB9C7B-CBC7-E549-B176-97F9C29CB310}" dt="2019-11-14T12:41:05.691" v="12564"/>
+        <pc:sldMkLst>
+          <pc:docMk/>
+          <pc:sldMk cId="2849583976" sldId="341"/>
+        </pc:sldMkLst>
+        <pc:spChg chg="mod">
+          <ac:chgData name="Long B Nguyen" userId="f59fb8f3-a021-417a-8bc1-65c8d471c621" providerId="ADAL" clId="{59CB9C7B-CBC7-E549-B176-97F9C29CB310}" dt="2019-11-13T15:50:19.846" v="12040" actId="20577"/>
+          <ac:spMkLst>
+            <pc:docMk/>
+            <pc:sldMk cId="2849583976" sldId="341"/>
+            <ac:spMk id="9" creationId="{E3B2E017-30B2-884B-A113-B419A2ED51AD}"/>
+          </ac:spMkLst>
+        </pc:spChg>
+      </pc:sldChg>
+      <pc:sldChg chg="modSp add modAnim">
+        <pc:chgData name="Long B Nguyen" userId="f59fb8f3-a021-417a-8bc1-65c8d471c621" providerId="ADAL" clId="{59CB9C7B-CBC7-E549-B176-97F9C29CB310}" dt="2019-11-14T12:40:58.843" v="12562"/>
+        <pc:sldMkLst>
+          <pc:docMk/>
+          <pc:sldMk cId="1097937752" sldId="342"/>
+        </pc:sldMkLst>
+        <pc:spChg chg="mod">
+          <ac:chgData name="Long B Nguyen" userId="f59fb8f3-a021-417a-8bc1-65c8d471c621" providerId="ADAL" clId="{59CB9C7B-CBC7-E549-B176-97F9C29CB310}" dt="2019-11-10T19:18:08.769" v="8792" actId="20577"/>
+          <ac:spMkLst>
+            <pc:docMk/>
+            <pc:sldMk cId="1097937752" sldId="342"/>
+            <ac:spMk id="2" creationId="{AA3A228F-61D0-D949-A5E7-F83756230BF8}"/>
+          </ac:spMkLst>
+        </pc:spChg>
+        <pc:spChg chg="mod">
+          <ac:chgData name="Long B Nguyen" userId="f59fb8f3-a021-417a-8bc1-65c8d471c621" providerId="ADAL" clId="{59CB9C7B-CBC7-E549-B176-97F9C29CB310}" dt="2019-11-13T15:50:02.213" v="12038" actId="114"/>
+          <ac:spMkLst>
+            <pc:docMk/>
+            <pc:sldMk cId="1097937752" sldId="342"/>
+            <ac:spMk id="9" creationId="{E3B2E017-30B2-884B-A113-B419A2ED51AD}"/>
+          </ac:spMkLst>
+        </pc:spChg>
+      </pc:sldChg>
+      <pc:sldChg chg="modSp add modAnim">
+        <pc:chgData name="Long B Nguyen" userId="f59fb8f3-a021-417a-8bc1-65c8d471c621" providerId="ADAL" clId="{59CB9C7B-CBC7-E549-B176-97F9C29CB310}" dt="2019-11-14T12:51:56.869" v="12795"/>
+        <pc:sldMkLst>
+          <pc:docMk/>
+          <pc:sldMk cId="2946703032" sldId="346"/>
+        </pc:sldMkLst>
+        <pc:spChg chg="mod">
+          <ac:chgData name="Long B Nguyen" userId="f59fb8f3-a021-417a-8bc1-65c8d471c621" providerId="ADAL" clId="{59CB9C7B-CBC7-E549-B176-97F9C29CB310}" dt="2019-11-12T00:56:32.031" v="9344" actId="14100"/>
+          <ac:spMkLst>
+            <pc:docMk/>
+            <pc:sldMk cId="2946703032" sldId="346"/>
+            <ac:spMk id="2" creationId="{AA3A228F-61D0-D949-A5E7-F83756230BF8}"/>
+          </ac:spMkLst>
+        </pc:spChg>
+        <pc:spChg chg="mod">
+          <ac:chgData name="Long B Nguyen" userId="f59fb8f3-a021-417a-8bc1-65c8d471c621" providerId="ADAL" clId="{59CB9C7B-CBC7-E549-B176-97F9C29CB310}" dt="2019-11-12T15:00:23.500" v="11132" actId="20577"/>
+          <ac:spMkLst>
+            <pc:docMk/>
+            <pc:sldMk cId="2946703032" sldId="346"/>
+            <ac:spMk id="9" creationId="{E3B2E017-30B2-884B-A113-B419A2ED51AD}"/>
+          </ac:spMkLst>
+        </pc:spChg>
+        <pc:spChg chg="mod">
+          <ac:chgData name="Long B Nguyen" userId="f59fb8f3-a021-417a-8bc1-65c8d471c621" providerId="ADAL" clId="{59CB9C7B-CBC7-E549-B176-97F9C29CB310}" dt="2019-11-10T19:16:44.615" v="8779" actId="1076"/>
+          <ac:spMkLst>
+            <pc:docMk/>
+            <pc:sldMk cId="2946703032" sldId="346"/>
+            <ac:spMk id="10" creationId="{9947108E-12E8-044F-805D-DC505E96834C}"/>
+          </ac:spMkLst>
+        </pc:spChg>
+      </pc:sldChg>
+      <pc:sldChg chg="delSp modSp add modAnim">
+        <pc:chgData name="Long B Nguyen" userId="f59fb8f3-a021-417a-8bc1-65c8d471c621" providerId="ADAL" clId="{59CB9C7B-CBC7-E549-B176-97F9C29CB310}" dt="2019-11-14T12:52:03.644" v="12797"/>
+        <pc:sldMkLst>
+          <pc:docMk/>
+          <pc:sldMk cId="3861312264" sldId="347"/>
+        </pc:sldMkLst>
+        <pc:spChg chg="mod">
+          <ac:chgData name="Long B Nguyen" userId="f59fb8f3-a021-417a-8bc1-65c8d471c621" providerId="ADAL" clId="{59CB9C7B-CBC7-E549-B176-97F9C29CB310}" dt="2019-11-10T18:41:18.297" v="6968" actId="20577"/>
+          <ac:spMkLst>
+            <pc:docMk/>
+            <pc:sldMk cId="3861312264" sldId="347"/>
+            <ac:spMk id="2" creationId="{AA3A228F-61D0-D949-A5E7-F83756230BF8}"/>
+          </ac:spMkLst>
+        </pc:spChg>
+        <pc:spChg chg="mod">
+          <ac:chgData name="Long B Nguyen" userId="f59fb8f3-a021-417a-8bc1-65c8d471c621" providerId="ADAL" clId="{59CB9C7B-CBC7-E549-B176-97F9C29CB310}" dt="2019-11-12T00:43:16.595" v="9017" actId="20577"/>
+          <ac:spMkLst>
+            <pc:docMk/>
+            <pc:sldMk cId="3861312264" sldId="347"/>
+            <ac:spMk id="9" creationId="{E3B2E017-30B2-884B-A113-B419A2ED51AD}"/>
+          </ac:spMkLst>
+        </pc:spChg>
+        <pc:spChg chg="del">
+          <ac:chgData name="Long B Nguyen" userId="f59fb8f3-a021-417a-8bc1-65c8d471c621" providerId="ADAL" clId="{59CB9C7B-CBC7-E549-B176-97F9C29CB310}" dt="2019-11-10T18:40:13.153" v="6927" actId="478"/>
+          <ac:spMkLst>
+            <pc:docMk/>
+            <pc:sldMk cId="3861312264" sldId="347"/>
+            <ac:spMk id="10" creationId="{9947108E-12E8-044F-805D-DC505E96834C}"/>
+          </ac:spMkLst>
+        </pc:spChg>
+      </pc:sldChg>
+      <pc:sldChg chg="addSp delSp modSp add modAnim">
+        <pc:chgData name="Long B Nguyen" userId="f59fb8f3-a021-417a-8bc1-65c8d471c621" providerId="ADAL" clId="{59CB9C7B-CBC7-E549-B176-97F9C29CB310}" dt="2019-11-14T13:12:01.541" v="12955" actId="20577"/>
+        <pc:sldMkLst>
+          <pc:docMk/>
+          <pc:sldMk cId="4152312606" sldId="348"/>
+        </pc:sldMkLst>
+        <pc:spChg chg="add mod">
+          <ac:chgData name="Long B Nguyen" userId="f59fb8f3-a021-417a-8bc1-65c8d471c621" providerId="ADAL" clId="{59CB9C7B-CBC7-E549-B176-97F9C29CB310}" dt="2019-11-14T13:12:01.541" v="12955" actId="20577"/>
+          <ac:spMkLst>
+            <pc:docMk/>
+            <pc:sldMk cId="4152312606" sldId="348"/>
+            <ac:spMk id="3" creationId="{74672431-8FFA-904A-BC8A-F824A588FCDD}"/>
+          </ac:spMkLst>
+        </pc:spChg>
+        <pc:spChg chg="add del mod">
+          <ac:chgData name="Long B Nguyen" userId="f59fb8f3-a021-417a-8bc1-65c8d471c621" providerId="ADAL" clId="{59CB9C7B-CBC7-E549-B176-97F9C29CB310}" dt="2019-11-10T19:00:18.499" v="7687" actId="478"/>
+          <ac:spMkLst>
+            <pc:docMk/>
+            <pc:sldMk cId="4152312606" sldId="348"/>
+            <ac:spMk id="3" creationId="{ABB60266-6ED5-534D-8933-CA03ABF66C15}"/>
+          </ac:spMkLst>
+        </pc:spChg>
+        <pc:spChg chg="add mod">
+          <ac:chgData name="Long B Nguyen" userId="f59fb8f3-a021-417a-8bc1-65c8d471c621" providerId="ADAL" clId="{59CB9C7B-CBC7-E549-B176-97F9C29CB310}" dt="2019-11-10T19:10:11.008" v="8412" actId="1036"/>
+          <ac:spMkLst>
+            <pc:docMk/>
+            <pc:sldMk cId="4152312606" sldId="348"/>
+            <ac:spMk id="4" creationId="{AFC1027A-A2B6-B44B-9245-2E5D826BC5DB}"/>
+          </ac:spMkLst>
+        </pc:spChg>
+        <pc:spChg chg="add mod">
+          <ac:chgData name="Long B Nguyen" userId="f59fb8f3-a021-417a-8bc1-65c8d471c621" providerId="ADAL" clId="{59CB9C7B-CBC7-E549-B176-97F9C29CB310}" dt="2019-11-10T19:11:32.585" v="8514" actId="207"/>
+          <ac:spMkLst>
+            <pc:docMk/>
+            <pc:sldMk cId="4152312606" sldId="348"/>
+            <ac:spMk id="5" creationId="{BABC40CC-AD73-DE40-9706-D1FABABD38CB}"/>
+          </ac:spMkLst>
+        </pc:spChg>
+        <pc:spChg chg="add mod">
+          <ac:chgData name="Long B Nguyen" userId="f59fb8f3-a021-417a-8bc1-65c8d471c621" providerId="ADAL" clId="{59CB9C7B-CBC7-E549-B176-97F9C29CB310}" dt="2019-11-10T19:10:11.008" v="8412" actId="1036"/>
+          <ac:spMkLst>
+            <pc:docMk/>
+            <pc:sldMk cId="4152312606" sldId="348"/>
+            <ac:spMk id="6" creationId="{DA0DFD29-B861-3643-8A1F-6A851B97825B}"/>
+          </ac:spMkLst>
+        </pc:spChg>
+        <pc:spChg chg="add mod">
+          <ac:chgData name="Long B Nguyen" userId="f59fb8f3-a021-417a-8bc1-65c8d471c621" providerId="ADAL" clId="{59CB9C7B-CBC7-E549-B176-97F9C29CB310}" dt="2019-11-10T19:10:20.645" v="8414" actId="255"/>
+          <ac:spMkLst>
+            <pc:docMk/>
+            <pc:sldMk cId="4152312606" sldId="348"/>
+            <ac:spMk id="7" creationId="{7FA88EF5-A7E3-4B42-AC10-E3709C51AEBA}"/>
+          </ac:spMkLst>
+        </pc:spChg>
+        <pc:spChg chg="add mod">
+          <ac:chgData name="Long B Nguyen" userId="f59fb8f3-a021-417a-8bc1-65c8d471c621" providerId="ADAL" clId="{59CB9C7B-CBC7-E549-B176-97F9C29CB310}" dt="2019-11-10T19:10:11.008" v="8412" actId="1036"/>
+          <ac:spMkLst>
+            <pc:docMk/>
+            <pc:sldMk cId="4152312606" sldId="348"/>
+            <ac:spMk id="8" creationId="{9678D9F0-77F4-7A43-B46C-EBDB97CE2005}"/>
+          </ac:spMkLst>
+        </pc:spChg>
+        <pc:spChg chg="mod">
+          <ac:chgData name="Long B Nguyen" userId="f59fb8f3-a021-417a-8bc1-65c8d471c621" providerId="ADAL" clId="{59CB9C7B-CBC7-E549-B176-97F9C29CB310}" dt="2019-11-12T00:43:34.297" v="9020" actId="20577"/>
+          <ac:spMkLst>
+            <pc:docMk/>
+            <pc:sldMk cId="4152312606" sldId="348"/>
+            <ac:spMk id="9" creationId="{E3B2E017-30B2-884B-A113-B419A2ED51AD}"/>
+          </ac:spMkLst>
+        </pc:spChg>
+      </pc:sldChg>
+      <pc:sldChg chg="modSp add modAnim">
+        <pc:chgData name="Long B Nguyen" userId="f59fb8f3-a021-417a-8bc1-65c8d471c621" providerId="ADAL" clId="{59CB9C7B-CBC7-E549-B176-97F9C29CB310}" dt="2019-11-14T13:07:01.353" v="12891" actId="20577"/>
+        <pc:sldMkLst>
+          <pc:docMk/>
+          <pc:sldMk cId="2239308720" sldId="349"/>
+        </pc:sldMkLst>
+        <pc:spChg chg="mod">
+          <ac:chgData name="Long B Nguyen" userId="f59fb8f3-a021-417a-8bc1-65c8d471c621" providerId="ADAL" clId="{59CB9C7B-CBC7-E549-B176-97F9C29CB310}" dt="2019-11-14T13:07:01.353" v="12891" actId="20577"/>
+          <ac:spMkLst>
+            <pc:docMk/>
+            <pc:sldMk cId="2239308720" sldId="349"/>
+            <ac:spMk id="5" creationId="{BABC40CC-AD73-DE40-9706-D1FABABD38CB}"/>
+          </ac:spMkLst>
+        </pc:spChg>
+        <pc:spChg chg="mod">
+          <ac:chgData name="Long B Nguyen" userId="f59fb8f3-a021-417a-8bc1-65c8d471c621" providerId="ADAL" clId="{59CB9C7B-CBC7-E549-B176-97F9C29CB310}" dt="2019-11-10T19:12:50.729" v="8607" actId="20577"/>
+          <ac:spMkLst>
+            <pc:docMk/>
+            <pc:sldMk cId="2239308720" sldId="349"/>
+            <ac:spMk id="7" creationId="{7FA88EF5-A7E3-4B42-AC10-E3709C51AEBA}"/>
+          </ac:spMkLst>
+        </pc:spChg>
+        <pc:spChg chg="mod">
+          <ac:chgData name="Long B Nguyen" userId="f59fb8f3-a021-417a-8bc1-65c8d471c621" providerId="ADAL" clId="{59CB9C7B-CBC7-E549-B176-97F9C29CB310}" dt="2019-11-10T19:11:23.207" v="8508" actId="20577"/>
+          <ac:spMkLst>
+            <pc:docMk/>
+            <pc:sldMk cId="2239308720" sldId="349"/>
+            <ac:spMk id="9" creationId="{E3B2E017-30B2-884B-A113-B419A2ED51AD}"/>
+          </ac:spMkLst>
+        </pc:spChg>
+      </pc:sldChg>
+      <pc:sldChg chg="modSp add modAnim">
+        <pc:chgData name="Long B Nguyen" userId="f59fb8f3-a021-417a-8bc1-65c8d471c621" providerId="ADAL" clId="{59CB9C7B-CBC7-E549-B176-97F9C29CB310}" dt="2019-11-14T12:56:28.365" v="12807"/>
+        <pc:sldMkLst>
+          <pc:docMk/>
+          <pc:sldMk cId="1532134668" sldId="350"/>
+        </pc:sldMkLst>
+        <pc:spChg chg="mod">
+          <ac:chgData name="Long B Nguyen" userId="f59fb8f3-a021-417a-8bc1-65c8d471c621" providerId="ADAL" clId="{59CB9C7B-CBC7-E549-B176-97F9C29CB310}" dt="2019-11-10T19:13:39.293" v="8668" actId="20577"/>
+          <ac:spMkLst>
+            <pc:docMk/>
+            <pc:sldMk cId="1532134668" sldId="350"/>
+            <ac:spMk id="5" creationId="{BABC40CC-AD73-DE40-9706-D1FABABD38CB}"/>
+          </ac:spMkLst>
+        </pc:spChg>
+        <pc:spChg chg="mod">
+          <ac:chgData name="Long B Nguyen" userId="f59fb8f3-a021-417a-8bc1-65c8d471c621" providerId="ADAL" clId="{59CB9C7B-CBC7-E549-B176-97F9C29CB310}" dt="2019-11-10T19:14:01.220" v="8681" actId="1076"/>
+          <ac:spMkLst>
+            <pc:docMk/>
+            <pc:sldMk cId="1532134668" sldId="350"/>
+            <ac:spMk id="7" creationId="{7FA88EF5-A7E3-4B42-AC10-E3709C51AEBA}"/>
+          </ac:spMkLst>
+        </pc:spChg>
+        <pc:spChg chg="mod">
+          <ac:chgData name="Long B Nguyen" userId="f59fb8f3-a021-417a-8bc1-65c8d471c621" providerId="ADAL" clId="{59CB9C7B-CBC7-E549-B176-97F9C29CB310}" dt="2019-11-10T19:13:22.858" v="8649" actId="20577"/>
+          <ac:spMkLst>
+            <pc:docMk/>
+            <pc:sldMk cId="1532134668" sldId="350"/>
+            <ac:spMk id="9" creationId="{E3B2E017-30B2-884B-A113-B419A2ED51AD}"/>
+          </ac:spMkLst>
+        </pc:spChg>
+      </pc:sldChg>
+      <pc:sldChg chg="add modAnim">
+        <pc:chgData name="Long B Nguyen" userId="f59fb8f3-a021-417a-8bc1-65c8d471c621" providerId="ADAL" clId="{59CB9C7B-CBC7-E549-B176-97F9C29CB310}" dt="2019-11-14T12:55:27.111" v="12804"/>
+        <pc:sldMkLst>
+          <pc:docMk/>
+          <pc:sldMk cId="3420249496" sldId="351"/>
+        </pc:sldMkLst>
+      </pc:sldChg>
+      <pc:sldChg chg="modSp add modAnim">
+        <pc:chgData name="Long B Nguyen" userId="f59fb8f3-a021-417a-8bc1-65c8d471c621" providerId="ADAL" clId="{59CB9C7B-CBC7-E549-B176-97F9C29CB310}" dt="2019-11-14T12:40:25.058" v="12554"/>
+        <pc:sldMkLst>
+          <pc:docMk/>
+          <pc:sldMk cId="2101795491" sldId="545"/>
+        </pc:sldMkLst>
+        <pc:spChg chg="mod">
+          <ac:chgData name="Long B Nguyen" userId="f59fb8f3-a021-417a-8bc1-65c8d471c621" providerId="ADAL" clId="{59CB9C7B-CBC7-E549-B176-97F9C29CB310}" dt="2019-11-12T00:41:44.199" v="8972" actId="20577"/>
+          <ac:spMkLst>
+            <pc:docMk/>
+            <pc:sldMk cId="2101795491" sldId="545"/>
+            <ac:spMk id="27650" creationId="{CDDBD0B0-F30B-EE40-92BE-F8B3992FD62C}"/>
+          </ac:spMkLst>
+        </pc:spChg>
+      </pc:sldChg>
+      <pc:sldChg chg="modSp add modAnim">
+        <pc:chgData name="Long B Nguyen" userId="f59fb8f3-a021-417a-8bc1-65c8d471c621" providerId="ADAL" clId="{59CB9C7B-CBC7-E549-B176-97F9C29CB310}" dt="2019-11-12T15:20:09.141" v="11989" actId="20577"/>
+        <pc:sldMkLst>
+          <pc:docMk/>
+          <pc:sldMk cId="1854861563" sldId="546"/>
+        </pc:sldMkLst>
+        <pc:spChg chg="mod">
+          <ac:chgData name="Long B Nguyen" userId="f59fb8f3-a021-417a-8bc1-65c8d471c621" providerId="ADAL" clId="{59CB9C7B-CBC7-E549-B176-97F9C29CB310}" dt="2019-11-12T01:38:55.875" v="9475" actId="20577"/>
+          <ac:spMkLst>
+            <pc:docMk/>
+            <pc:sldMk cId="1854861563" sldId="546"/>
+            <ac:spMk id="2" creationId="{AA3A228F-61D0-D949-A5E7-F83756230BF8}"/>
+          </ac:spMkLst>
+        </pc:spChg>
+        <pc:spChg chg="mod">
+          <ac:chgData name="Long B Nguyen" userId="f59fb8f3-a021-417a-8bc1-65c8d471c621" providerId="ADAL" clId="{59CB9C7B-CBC7-E549-B176-97F9C29CB310}" dt="2019-11-12T15:20:09.141" v="11989" actId="20577"/>
+          <ac:spMkLst>
+            <pc:docMk/>
+            <pc:sldMk cId="1854861563" sldId="546"/>
+            <ac:spMk id="9" creationId="{E3B2E017-30B2-884B-A113-B419A2ED51AD}"/>
+          </ac:spMkLst>
+        </pc:spChg>
+      </pc:sldChg>
+      <pc:sldChg chg="modSp add modAnim">
+        <pc:chgData name="Long B Nguyen" userId="f59fb8f3-a021-417a-8bc1-65c8d471c621" providerId="ADAL" clId="{59CB9C7B-CBC7-E549-B176-97F9C29CB310}" dt="2019-11-14T12:42:09.435" v="12575"/>
+        <pc:sldMkLst>
+          <pc:docMk/>
+          <pc:sldMk cId="906346442" sldId="547"/>
+        </pc:sldMkLst>
+        <pc:spChg chg="mod">
+          <ac:chgData name="Long B Nguyen" userId="f59fb8f3-a021-417a-8bc1-65c8d471c621" providerId="ADAL" clId="{59CB9C7B-CBC7-E549-B176-97F9C29CB310}" dt="2019-11-12T14:52:49.478" v="10756" actId="20577"/>
+          <ac:spMkLst>
+            <pc:docMk/>
+            <pc:sldMk cId="906346442" sldId="547"/>
+            <ac:spMk id="2" creationId="{AA3A228F-61D0-D949-A5E7-F83756230BF8}"/>
+          </ac:spMkLst>
+        </pc:spChg>
+        <pc:spChg chg="mod">
+          <ac:chgData name="Long B Nguyen" userId="f59fb8f3-a021-417a-8bc1-65c8d471c621" providerId="ADAL" clId="{59CB9C7B-CBC7-E549-B176-97F9C29CB310}" dt="2019-11-12T14:57:25.508" v="10934" actId="20577"/>
+          <ac:spMkLst>
+            <pc:docMk/>
+            <pc:sldMk cId="906346442" sldId="547"/>
+            <ac:spMk id="9" creationId="{E3B2E017-30B2-884B-A113-B419A2ED51AD}"/>
+          </ac:spMkLst>
+        </pc:spChg>
+      </pc:sldChg>
+      <pc:sldChg chg="modSp add modAnim">
+        <pc:chgData name="Long B Nguyen" userId="f59fb8f3-a021-417a-8bc1-65c8d471c621" providerId="ADAL" clId="{59CB9C7B-CBC7-E549-B176-97F9C29CB310}" dt="2019-11-14T12:49:01.182" v="12701"/>
+        <pc:sldMkLst>
+          <pc:docMk/>
+          <pc:sldMk cId="2079192273" sldId="548"/>
+        </pc:sldMkLst>
+        <pc:spChg chg="mod">
+          <ac:chgData name="Long B Nguyen" userId="f59fb8f3-a021-417a-8bc1-65c8d471c621" providerId="ADAL" clId="{59CB9C7B-CBC7-E549-B176-97F9C29CB310}" dt="2019-11-12T14:56:52.237" v="10880" actId="20577"/>
+          <ac:spMkLst>
+            <pc:docMk/>
+            <pc:sldMk cId="2079192273" sldId="548"/>
+            <ac:spMk id="2" creationId="{AA3A228F-61D0-D949-A5E7-F83756230BF8}"/>
+          </ac:spMkLst>
+        </pc:spChg>
+        <pc:spChg chg="mod">
+          <ac:chgData name="Long B Nguyen" userId="f59fb8f3-a021-417a-8bc1-65c8d471c621" providerId="ADAL" clId="{59CB9C7B-CBC7-E549-B176-97F9C29CB310}" dt="2019-11-12T14:58:49.833" v="11089" actId="20577"/>
+          <ac:spMkLst>
+            <pc:docMk/>
+            <pc:sldMk cId="2079192273" sldId="548"/>
+            <ac:spMk id="9" creationId="{E3B2E017-30B2-884B-A113-B419A2ED51AD}"/>
+          </ac:spMkLst>
+        </pc:spChg>
+      </pc:sldChg>
+      <pc:sldChg chg="delSp modSp add modAnim">
+        <pc:chgData name="Long B Nguyen" userId="f59fb8f3-a021-417a-8bc1-65c8d471c621" providerId="ADAL" clId="{59CB9C7B-CBC7-E549-B176-97F9C29CB310}" dt="2019-11-14T12:57:41.484" v="12822"/>
+        <pc:sldMkLst>
+          <pc:docMk/>
+          <pc:sldMk cId="1299838656" sldId="549"/>
+        </pc:sldMkLst>
+        <pc:spChg chg="mod">
+          <ac:chgData name="Long B Nguyen" userId="f59fb8f3-a021-417a-8bc1-65c8d471c621" providerId="ADAL" clId="{59CB9C7B-CBC7-E549-B176-97F9C29CB310}" dt="2019-11-12T15:10:57.849" v="11689" actId="20577"/>
+          <ac:spMkLst>
+            <pc:docMk/>
+            <pc:sldMk cId="1299838656" sldId="549"/>
+            <ac:spMk id="2" creationId="{AA3A228F-61D0-D949-A5E7-F83756230BF8}"/>
+          </ac:spMkLst>
+        </pc:spChg>
+        <pc:spChg chg="mod">
+          <ac:chgData name="Long B Nguyen" userId="f59fb8f3-a021-417a-8bc1-65c8d471c621" providerId="ADAL" clId="{59CB9C7B-CBC7-E549-B176-97F9C29CB310}" dt="2019-11-12T15:05:29.135" v="11446" actId="20577"/>
+          <ac:spMkLst>
+            <pc:docMk/>
+            <pc:sldMk cId="1299838656" sldId="549"/>
+            <ac:spMk id="9" creationId="{E3B2E017-30B2-884B-A113-B419A2ED51AD}"/>
+          </ac:spMkLst>
+        </pc:spChg>
+        <pc:spChg chg="del">
+          <ac:chgData name="Long B Nguyen" userId="f59fb8f3-a021-417a-8bc1-65c8d471c621" providerId="ADAL" clId="{59CB9C7B-CBC7-E549-B176-97F9C29CB310}" dt="2019-11-12T14:59:58.015" v="11128" actId="478"/>
+          <ac:spMkLst>
+            <pc:docMk/>
+            <pc:sldMk cId="1299838656" sldId="549"/>
+            <ac:spMk id="10" creationId="{9947108E-12E8-044F-805D-DC505E96834C}"/>
+          </ac:spMkLst>
+        </pc:spChg>
+      </pc:sldChg>
+      <pc:sldChg chg="modSp add modAnim">
+        <pc:chgData name="Long B Nguyen" userId="f59fb8f3-a021-417a-8bc1-65c8d471c621" providerId="ADAL" clId="{59CB9C7B-CBC7-E549-B176-97F9C29CB310}" dt="2019-11-14T12:58:19.218" v="12827"/>
+        <pc:sldMkLst>
+          <pc:docMk/>
+          <pc:sldMk cId="2820908233" sldId="551"/>
+        </pc:sldMkLst>
+        <pc:spChg chg="mod">
+          <ac:chgData name="Long B Nguyen" userId="f59fb8f3-a021-417a-8bc1-65c8d471c621" providerId="ADAL" clId="{59CB9C7B-CBC7-E549-B176-97F9C29CB310}" dt="2019-11-12T15:08:09.321" v="11682" actId="20577"/>
+          <ac:spMkLst>
+            <pc:docMk/>
+            <pc:sldMk cId="2820908233" sldId="551"/>
+            <ac:spMk id="2" creationId="{AA3A228F-61D0-D949-A5E7-F83756230BF8}"/>
+          </ac:spMkLst>
+        </pc:spChg>
+        <pc:spChg chg="mod">
+          <ac:chgData name="Long B Nguyen" userId="f59fb8f3-a021-417a-8bc1-65c8d471c621" providerId="ADAL" clId="{59CB9C7B-CBC7-E549-B176-97F9C29CB310}" dt="2019-11-12T15:08:50.392" v="11688" actId="207"/>
+          <ac:spMkLst>
+            <pc:docMk/>
+            <pc:sldMk cId="2820908233" sldId="551"/>
+            <ac:spMk id="9" creationId="{E3B2E017-30B2-884B-A113-B419A2ED51AD}"/>
+          </ac:spMkLst>
+        </pc:spChg>
+      </pc:sldChg>
+      <pc:sldChg chg="add del">
+        <pc:chgData name="Long B Nguyen" userId="f59fb8f3-a021-417a-8bc1-65c8d471c621" providerId="ADAL" clId="{59CB9C7B-CBC7-E549-B176-97F9C29CB310}" dt="2019-11-19T12:45:40.186" v="12957" actId="2696"/>
+        <pc:sldMkLst>
+          <pc:docMk/>
+          <pc:sldMk cId="1559918550" sldId="552"/>
+        </pc:sldMkLst>
+      </pc:sldChg>
+      <pc:sldChg chg="modSp add modAnim">
+        <pc:chgData name="Long B Nguyen" userId="f59fb8f3-a021-417a-8bc1-65c8d471c621" providerId="ADAL" clId="{59CB9C7B-CBC7-E549-B176-97F9C29CB310}" dt="2019-11-14T12:56:42.041" v="12810"/>
+        <pc:sldMkLst>
+          <pc:docMk/>
+          <pc:sldMk cId="1358728332" sldId="553"/>
+        </pc:sldMkLst>
+        <pc:spChg chg="mod">
+          <ac:chgData name="Long B Nguyen" userId="f59fb8f3-a021-417a-8bc1-65c8d471c621" providerId="ADAL" clId="{59CB9C7B-CBC7-E549-B176-97F9C29CB310}" dt="2019-11-13T15:57:03.762" v="12061" actId="20577"/>
+          <ac:spMkLst>
+            <pc:docMk/>
+            <pc:sldMk cId="1358728332" sldId="553"/>
+            <ac:spMk id="2" creationId="{AA3A228F-61D0-D949-A5E7-F83756230BF8}"/>
+          </ac:spMkLst>
+        </pc:spChg>
+        <pc:spChg chg="mod">
+          <ac:chgData name="Long B Nguyen" userId="f59fb8f3-a021-417a-8bc1-65c8d471c621" providerId="ADAL" clId="{59CB9C7B-CBC7-E549-B176-97F9C29CB310}" dt="2019-11-13T16:02:48.086" v="12552" actId="255"/>
+          <ac:spMkLst>
+            <pc:docMk/>
+            <pc:sldMk cId="1358728332" sldId="553"/>
+            <ac:spMk id="9" creationId="{E3B2E017-30B2-884B-A113-B419A2ED51AD}"/>
           </ac:spMkLst>
         </pc:spChg>
       </pc:sldChg>
       <pc:sldChg chg="modSp add">
-        <pc:chgData name="Long B Nguyen" userId="f59fb8f3-a021-417a-8bc1-65c8d471c621" providerId="ADAL" clId="{5A9EF0C9-9AFC-CD43-B4E5-7BBA0EF183EB}" dt="2019-11-18T13:03:55.126" v="66" actId="20577"/>
+        <pc:chgData name="Long B Nguyen" userId="f59fb8f3-a021-417a-8bc1-65c8d471c621" providerId="ADAL" clId="{59CB9C7B-CBC7-E549-B176-97F9C29CB310}" dt="2019-11-19T12:47:14.779" v="13175" actId="20577"/>
         <pc:sldMkLst>
           <pc:docMk/>
-          <pc:sldMk cId="3457588280" sldId="306"/>
+          <pc:sldMk cId="3027756854" sldId="554"/>
         </pc:sldMkLst>
         <pc:spChg chg="mod">
-          <ac:chgData name="Long B Nguyen" userId="f59fb8f3-a021-417a-8bc1-65c8d471c621" providerId="ADAL" clId="{5A9EF0C9-9AFC-CD43-B4E5-7BBA0EF183EB}" dt="2019-11-18T13:03:55.126" v="66" actId="20577"/>
+          <ac:chgData name="Long B Nguyen" userId="f59fb8f3-a021-417a-8bc1-65c8d471c621" providerId="ADAL" clId="{59CB9C7B-CBC7-E549-B176-97F9C29CB310}" dt="2019-11-19T12:47:14.779" v="13175" actId="20577"/>
           <ac:spMkLst>
             <pc:docMk/>
-            <pc:sldMk cId="3457588280" sldId="306"/>
-            <ac:spMk id="20482" creationId="{3F08065D-22F5-1B4A-B4B5-FFA336A1CACB}"/>
+            <pc:sldMk cId="3027756854" sldId="554"/>
+            <ac:spMk id="9" creationId="{E3B2E017-30B2-884B-A113-B419A2ED51AD}"/>
           </ac:spMkLst>
         </pc:spChg>
-        <pc:picChg chg="mod">
-          <ac:chgData name="Long B Nguyen" userId="f59fb8f3-a021-417a-8bc1-65c8d471c621" providerId="ADAL" clId="{5A9EF0C9-9AFC-CD43-B4E5-7BBA0EF183EB}" dt="2019-11-18T13:03:43.671" v="60" actId="14100"/>
-          <ac:picMkLst>
-            <pc:docMk/>
-            <pc:sldMk cId="3457588280" sldId="306"/>
-            <ac:picMk id="11267" creationId="{02092175-2DD0-3D4C-A635-5613F8C56924}"/>
-          </ac:picMkLst>
-        </pc:picChg>
+      </pc:sldChg>
+    </pc:docChg>
+  </pc:docChgLst>
+  <pc:docChgLst>
+    <pc:chgData name="Long B Nguyen" userId="f59fb8f3-a021-417a-8bc1-65c8d471c621" providerId="ADAL" clId="{308CFCF3-47BA-8D4A-8A80-5ECC75BA7E52}"/>
+    <pc:docChg chg="addSld delSld modSld">
+      <pc:chgData name="Long B Nguyen" userId="f59fb8f3-a021-417a-8bc1-65c8d471c621" providerId="ADAL" clId="{308CFCF3-47BA-8D4A-8A80-5ECC75BA7E52}" dt="2019-11-19T12:50:23.367" v="38" actId="207"/>
+      <pc:docMkLst>
+        <pc:docMk/>
+      </pc:docMkLst>
+      <pc:sldChg chg="del">
+        <pc:chgData name="Long B Nguyen" userId="f59fb8f3-a021-417a-8bc1-65c8d471c621" providerId="ADAL" clId="{308CFCF3-47BA-8D4A-8A80-5ECC75BA7E52}" dt="2019-11-19T12:49:13.963" v="1" actId="2696"/>
+        <pc:sldMkLst>
+          <pc:docMk/>
+          <pc:sldMk cId="4247104139" sldId="256"/>
+        </pc:sldMkLst>
+      </pc:sldChg>
+      <pc:sldChg chg="del">
+        <pc:chgData name="Long B Nguyen" userId="f59fb8f3-a021-417a-8bc1-65c8d471c621" providerId="ADAL" clId="{308CFCF3-47BA-8D4A-8A80-5ECC75BA7E52}" dt="2019-11-19T12:49:54.751" v="6" actId="2696"/>
+        <pc:sldMkLst>
+          <pc:docMk/>
+          <pc:sldMk cId="278045358" sldId="257"/>
+        </pc:sldMkLst>
+      </pc:sldChg>
+      <pc:sldChg chg="del">
+        <pc:chgData name="Long B Nguyen" userId="f59fb8f3-a021-417a-8bc1-65c8d471c621" providerId="ADAL" clId="{308CFCF3-47BA-8D4A-8A80-5ECC75BA7E52}" dt="2019-11-19T12:49:55.390" v="35" actId="2696"/>
+        <pc:sldMkLst>
+          <pc:docMk/>
+          <pc:sldMk cId="1438711869" sldId="284"/>
+        </pc:sldMkLst>
+      </pc:sldChg>
+      <pc:sldChg chg="del">
+        <pc:chgData name="Long B Nguyen" userId="f59fb8f3-a021-417a-8bc1-65c8d471c621" providerId="ADAL" clId="{308CFCF3-47BA-8D4A-8A80-5ECC75BA7E52}" dt="2019-11-19T12:49:54.721" v="4" actId="2696"/>
+        <pc:sldMkLst>
+          <pc:docMk/>
+          <pc:sldMk cId="131840209" sldId="286"/>
+        </pc:sldMkLst>
+      </pc:sldChg>
+      <pc:sldChg chg="add">
+        <pc:chgData name="Long B Nguyen" userId="f59fb8f3-a021-417a-8bc1-65c8d471c621" providerId="ADAL" clId="{308CFCF3-47BA-8D4A-8A80-5ECC75BA7E52}" dt="2019-11-19T12:49:08.416" v="0"/>
+        <pc:sldMkLst>
+          <pc:docMk/>
+          <pc:sldMk cId="1769313612" sldId="306"/>
+        </pc:sldMkLst>
+      </pc:sldChg>
+      <pc:sldChg chg="add">
+        <pc:chgData name="Long B Nguyen" userId="f59fb8f3-a021-417a-8bc1-65c8d471c621" providerId="ADAL" clId="{308CFCF3-47BA-8D4A-8A80-5ECC75BA7E52}" dt="2019-11-19T12:49:08.416" v="0"/>
+        <pc:sldMkLst>
+          <pc:docMk/>
+          <pc:sldMk cId="3175113722" sldId="307"/>
+        </pc:sldMkLst>
+      </pc:sldChg>
+      <pc:sldChg chg="add">
+        <pc:chgData name="Long B Nguyen" userId="f59fb8f3-a021-417a-8bc1-65c8d471c621" providerId="ADAL" clId="{308CFCF3-47BA-8D4A-8A80-5ECC75BA7E52}" dt="2019-11-19T12:49:08.416" v="0"/>
+        <pc:sldMkLst>
+          <pc:docMk/>
+          <pc:sldMk cId="3855133670" sldId="308"/>
+        </pc:sldMkLst>
+      </pc:sldChg>
+      <pc:sldChg chg="add">
+        <pc:chgData name="Long B Nguyen" userId="f59fb8f3-a021-417a-8bc1-65c8d471c621" providerId="ADAL" clId="{308CFCF3-47BA-8D4A-8A80-5ECC75BA7E52}" dt="2019-11-19T12:49:08.416" v="0"/>
+        <pc:sldMkLst>
+          <pc:docMk/>
+          <pc:sldMk cId="3585856351" sldId="309"/>
+        </pc:sldMkLst>
+      </pc:sldChg>
+      <pc:sldChg chg="add">
+        <pc:chgData name="Long B Nguyen" userId="f59fb8f3-a021-417a-8bc1-65c8d471c621" providerId="ADAL" clId="{308CFCF3-47BA-8D4A-8A80-5ECC75BA7E52}" dt="2019-11-19T12:49:08.416" v="0"/>
+        <pc:sldMkLst>
+          <pc:docMk/>
+          <pc:sldMk cId="3276587347" sldId="310"/>
+        </pc:sldMkLst>
+      </pc:sldChg>
+      <pc:sldChg chg="add">
+        <pc:chgData name="Long B Nguyen" userId="f59fb8f3-a021-417a-8bc1-65c8d471c621" providerId="ADAL" clId="{308CFCF3-47BA-8D4A-8A80-5ECC75BA7E52}" dt="2019-11-19T12:49:08.416" v="0"/>
+        <pc:sldMkLst>
+          <pc:docMk/>
+          <pc:sldMk cId="863905040" sldId="312"/>
+        </pc:sldMkLst>
+      </pc:sldChg>
+      <pc:sldChg chg="add">
+        <pc:chgData name="Long B Nguyen" userId="f59fb8f3-a021-417a-8bc1-65c8d471c621" providerId="ADAL" clId="{308CFCF3-47BA-8D4A-8A80-5ECC75BA7E52}" dt="2019-11-19T12:49:08.416" v="0"/>
+        <pc:sldMkLst>
+          <pc:docMk/>
+          <pc:sldMk cId="1871198671" sldId="313"/>
+        </pc:sldMkLst>
+      </pc:sldChg>
+      <pc:sldChg chg="add">
+        <pc:chgData name="Long B Nguyen" userId="f59fb8f3-a021-417a-8bc1-65c8d471c621" providerId="ADAL" clId="{308CFCF3-47BA-8D4A-8A80-5ECC75BA7E52}" dt="2019-11-19T12:49:08.416" v="0"/>
+        <pc:sldMkLst>
+          <pc:docMk/>
+          <pc:sldMk cId="1880090826" sldId="316"/>
+        </pc:sldMkLst>
+      </pc:sldChg>
+      <pc:sldChg chg="add">
+        <pc:chgData name="Long B Nguyen" userId="f59fb8f3-a021-417a-8bc1-65c8d471c621" providerId="ADAL" clId="{308CFCF3-47BA-8D4A-8A80-5ECC75BA7E52}" dt="2019-11-19T12:49:08.416" v="0"/>
+        <pc:sldMkLst>
+          <pc:docMk/>
+          <pc:sldMk cId="518539467" sldId="317"/>
+        </pc:sldMkLst>
+      </pc:sldChg>
+      <pc:sldChg chg="add">
+        <pc:chgData name="Long B Nguyen" userId="f59fb8f3-a021-417a-8bc1-65c8d471c621" providerId="ADAL" clId="{308CFCF3-47BA-8D4A-8A80-5ECC75BA7E52}" dt="2019-11-19T12:49:08.416" v="0"/>
+        <pc:sldMkLst>
+          <pc:docMk/>
+          <pc:sldMk cId="2878693247" sldId="318"/>
+        </pc:sldMkLst>
+      </pc:sldChg>
+      <pc:sldChg chg="add">
+        <pc:chgData name="Long B Nguyen" userId="f59fb8f3-a021-417a-8bc1-65c8d471c621" providerId="ADAL" clId="{308CFCF3-47BA-8D4A-8A80-5ECC75BA7E52}" dt="2019-11-19T12:49:08.416" v="0"/>
+        <pc:sldMkLst>
+          <pc:docMk/>
+          <pc:sldMk cId="3014449171" sldId="319"/>
+        </pc:sldMkLst>
+      </pc:sldChg>
+      <pc:sldChg chg="del">
+        <pc:chgData name="Long B Nguyen" userId="f59fb8f3-a021-417a-8bc1-65c8d471c621" providerId="ADAL" clId="{308CFCF3-47BA-8D4A-8A80-5ECC75BA7E52}" dt="2019-11-19T12:49:55.067" v="19" actId="2696"/>
+        <pc:sldMkLst>
+          <pc:docMk/>
+          <pc:sldMk cId="3036972376" sldId="321"/>
+        </pc:sldMkLst>
+      </pc:sldChg>
+      <pc:sldChg chg="add">
+        <pc:chgData name="Long B Nguyen" userId="f59fb8f3-a021-417a-8bc1-65c8d471c621" providerId="ADAL" clId="{308CFCF3-47BA-8D4A-8A80-5ECC75BA7E52}" dt="2019-11-19T12:49:08.416" v="0"/>
+        <pc:sldMkLst>
+          <pc:docMk/>
+          <pc:sldMk cId="1925491708" sldId="322"/>
+        </pc:sldMkLst>
+      </pc:sldChg>
+      <pc:sldChg chg="add">
+        <pc:chgData name="Long B Nguyen" userId="f59fb8f3-a021-417a-8bc1-65c8d471c621" providerId="ADAL" clId="{308CFCF3-47BA-8D4A-8A80-5ECC75BA7E52}" dt="2019-11-19T12:49:08.416" v="0"/>
+        <pc:sldMkLst>
+          <pc:docMk/>
+          <pc:sldMk cId="856464997" sldId="323"/>
+        </pc:sldMkLst>
+      </pc:sldChg>
+      <pc:sldChg chg="del">
+        <pc:chgData name="Long B Nguyen" userId="f59fb8f3-a021-417a-8bc1-65c8d471c621" providerId="ADAL" clId="{308CFCF3-47BA-8D4A-8A80-5ECC75BA7E52}" dt="2019-11-19T12:49:54.854" v="12" actId="2696"/>
+        <pc:sldMkLst>
+          <pc:docMk/>
+          <pc:sldMk cId="3329169435" sldId="324"/>
+        </pc:sldMkLst>
+      </pc:sldChg>
+      <pc:sldChg chg="add">
+        <pc:chgData name="Long B Nguyen" userId="f59fb8f3-a021-417a-8bc1-65c8d471c621" providerId="ADAL" clId="{308CFCF3-47BA-8D4A-8A80-5ECC75BA7E52}" dt="2019-11-19T12:49:08.416" v="0"/>
+        <pc:sldMkLst>
+          <pc:docMk/>
+          <pc:sldMk cId="2537719982" sldId="325"/>
+        </pc:sldMkLst>
+      </pc:sldChg>
+      <pc:sldChg chg="add">
+        <pc:chgData name="Long B Nguyen" userId="f59fb8f3-a021-417a-8bc1-65c8d471c621" providerId="ADAL" clId="{308CFCF3-47BA-8D4A-8A80-5ECC75BA7E52}" dt="2019-11-19T12:49:08.416" v="0"/>
+        <pc:sldMkLst>
+          <pc:docMk/>
+          <pc:sldMk cId="73332731" sldId="326"/>
+        </pc:sldMkLst>
+      </pc:sldChg>
+      <pc:sldChg chg="add">
+        <pc:chgData name="Long B Nguyen" userId="f59fb8f3-a021-417a-8bc1-65c8d471c621" providerId="ADAL" clId="{308CFCF3-47BA-8D4A-8A80-5ECC75BA7E52}" dt="2019-11-19T12:49:08.416" v="0"/>
+        <pc:sldMkLst>
+          <pc:docMk/>
+          <pc:sldMk cId="3935762855" sldId="327"/>
+        </pc:sldMkLst>
+      </pc:sldChg>
+      <pc:sldChg chg="del">
+        <pc:chgData name="Long B Nguyen" userId="f59fb8f3-a021-417a-8bc1-65c8d471c621" providerId="ADAL" clId="{308CFCF3-47BA-8D4A-8A80-5ECC75BA7E52}" dt="2019-11-19T12:49:54.890" v="13" actId="2696"/>
+        <pc:sldMkLst>
+          <pc:docMk/>
+          <pc:sldMk cId="1776864183" sldId="328"/>
+        </pc:sldMkLst>
+      </pc:sldChg>
+      <pc:sldChg chg="add">
+        <pc:chgData name="Long B Nguyen" userId="f59fb8f3-a021-417a-8bc1-65c8d471c621" providerId="ADAL" clId="{308CFCF3-47BA-8D4A-8A80-5ECC75BA7E52}" dt="2019-11-19T12:49:08.416" v="0"/>
+        <pc:sldMkLst>
+          <pc:docMk/>
+          <pc:sldMk cId="1369627949" sldId="330"/>
+        </pc:sldMkLst>
+      </pc:sldChg>
+      <pc:sldChg chg="del">
+        <pc:chgData name="Long B Nguyen" userId="f59fb8f3-a021-417a-8bc1-65c8d471c621" providerId="ADAL" clId="{308CFCF3-47BA-8D4A-8A80-5ECC75BA7E52}" dt="2019-11-19T12:49:55.092" v="20" actId="2696"/>
+        <pc:sldMkLst>
+          <pc:docMk/>
+          <pc:sldMk cId="1403592009" sldId="331"/>
+        </pc:sldMkLst>
+      </pc:sldChg>
+      <pc:sldChg chg="del">
+        <pc:chgData name="Long B Nguyen" userId="f59fb8f3-a021-417a-8bc1-65c8d471c621" providerId="ADAL" clId="{308CFCF3-47BA-8D4A-8A80-5ECC75BA7E52}" dt="2019-11-19T12:49:55.001" v="17" actId="2696"/>
+        <pc:sldMkLst>
+          <pc:docMk/>
+          <pc:sldMk cId="1776526477" sldId="332"/>
+        </pc:sldMkLst>
+      </pc:sldChg>
+      <pc:sldChg chg="del">
+        <pc:chgData name="Long B Nguyen" userId="f59fb8f3-a021-417a-8bc1-65c8d471c621" providerId="ADAL" clId="{308CFCF3-47BA-8D4A-8A80-5ECC75BA7E52}" dt="2019-11-19T12:49:54.925" v="14" actId="2696"/>
+        <pc:sldMkLst>
+          <pc:docMk/>
+          <pc:sldMk cId="3768911574" sldId="333"/>
+        </pc:sldMkLst>
+      </pc:sldChg>
+      <pc:sldChg chg="del">
+        <pc:chgData name="Long B Nguyen" userId="f59fb8f3-a021-417a-8bc1-65c8d471c621" providerId="ADAL" clId="{308CFCF3-47BA-8D4A-8A80-5ECC75BA7E52}" dt="2019-11-19T12:49:55.115" v="21" actId="2696"/>
+        <pc:sldMkLst>
+          <pc:docMk/>
+          <pc:sldMk cId="1520390356" sldId="334"/>
+        </pc:sldMkLst>
+      </pc:sldChg>
+      <pc:sldChg chg="del">
+        <pc:chgData name="Long B Nguyen" userId="f59fb8f3-a021-417a-8bc1-65c8d471c621" providerId="ADAL" clId="{308CFCF3-47BA-8D4A-8A80-5ECC75BA7E52}" dt="2019-11-19T12:49:54.938" v="15" actId="2696"/>
+        <pc:sldMkLst>
+          <pc:docMk/>
+          <pc:sldMk cId="1370301937" sldId="335"/>
+        </pc:sldMkLst>
+      </pc:sldChg>
+      <pc:sldChg chg="del">
+        <pc:chgData name="Long B Nguyen" userId="f59fb8f3-a021-417a-8bc1-65c8d471c621" providerId="ADAL" clId="{308CFCF3-47BA-8D4A-8A80-5ECC75BA7E52}" dt="2019-11-19T12:49:55.033" v="18" actId="2696"/>
+        <pc:sldMkLst>
+          <pc:docMk/>
+          <pc:sldMk cId="649473723" sldId="336"/>
+        </pc:sldMkLst>
+      </pc:sldChg>
+      <pc:sldChg chg="del">
+        <pc:chgData name="Long B Nguyen" userId="f59fb8f3-a021-417a-8bc1-65c8d471c621" providerId="ADAL" clId="{308CFCF3-47BA-8D4A-8A80-5ECC75BA7E52}" dt="2019-11-19T12:49:55.295" v="29" actId="2696"/>
+        <pc:sldMkLst>
+          <pc:docMk/>
+          <pc:sldMk cId="1454819895" sldId="337"/>
+        </pc:sldMkLst>
+      </pc:sldChg>
+      <pc:sldChg chg="del">
+        <pc:chgData name="Long B Nguyen" userId="f59fb8f3-a021-417a-8bc1-65c8d471c621" providerId="ADAL" clId="{308CFCF3-47BA-8D4A-8A80-5ECC75BA7E52}" dt="2019-11-19T12:49:55.313" v="30" actId="2696"/>
+        <pc:sldMkLst>
+          <pc:docMk/>
+          <pc:sldMk cId="3761802647" sldId="338"/>
+        </pc:sldMkLst>
+      </pc:sldChg>
+      <pc:sldChg chg="del">
+        <pc:chgData name="Long B Nguyen" userId="f59fb8f3-a021-417a-8bc1-65c8d471c621" providerId="ADAL" clId="{308CFCF3-47BA-8D4A-8A80-5ECC75BA7E52}" dt="2019-11-19T12:49:54.789" v="9" actId="2696"/>
+        <pc:sldMkLst>
+          <pc:docMk/>
+          <pc:sldMk cId="2700872664" sldId="339"/>
+        </pc:sldMkLst>
+      </pc:sldChg>
+      <pc:sldChg chg="del">
+        <pc:chgData name="Long B Nguyen" userId="f59fb8f3-a021-417a-8bc1-65c8d471c621" providerId="ADAL" clId="{308CFCF3-47BA-8D4A-8A80-5ECC75BA7E52}" dt="2019-11-19T12:49:54.803" v="10" actId="2696"/>
+        <pc:sldMkLst>
+          <pc:docMk/>
+          <pc:sldMk cId="2044636910" sldId="340"/>
+        </pc:sldMkLst>
+      </pc:sldChg>
+      <pc:sldChg chg="del">
+        <pc:chgData name="Long B Nguyen" userId="f59fb8f3-a021-417a-8bc1-65c8d471c621" providerId="ADAL" clId="{308CFCF3-47BA-8D4A-8A80-5ECC75BA7E52}" dt="2019-11-19T12:49:54.775" v="8" actId="2696"/>
+        <pc:sldMkLst>
+          <pc:docMk/>
+          <pc:sldMk cId="2849583976" sldId="341"/>
+        </pc:sldMkLst>
+      </pc:sldChg>
+      <pc:sldChg chg="del">
+        <pc:chgData name="Long B Nguyen" userId="f59fb8f3-a021-417a-8bc1-65c8d471c621" providerId="ADAL" clId="{308CFCF3-47BA-8D4A-8A80-5ECC75BA7E52}" dt="2019-11-19T12:49:54.762" v="7" actId="2696"/>
+        <pc:sldMkLst>
+          <pc:docMk/>
+          <pc:sldMk cId="1097937752" sldId="342"/>
+        </pc:sldMkLst>
+      </pc:sldChg>
+      <pc:sldChg chg="del">
+        <pc:chgData name="Long B Nguyen" userId="f59fb8f3-a021-417a-8bc1-65c8d471c621" providerId="ADAL" clId="{308CFCF3-47BA-8D4A-8A80-5ECC75BA7E52}" dt="2019-11-19T12:49:55.133" v="22" actId="2696"/>
+        <pc:sldMkLst>
+          <pc:docMk/>
+          <pc:sldMk cId="2946703032" sldId="346"/>
+        </pc:sldMkLst>
+      </pc:sldChg>
+      <pc:sldChg chg="del">
+        <pc:chgData name="Long B Nguyen" userId="f59fb8f3-a021-417a-8bc1-65c8d471c621" providerId="ADAL" clId="{308CFCF3-47BA-8D4A-8A80-5ECC75BA7E52}" dt="2019-11-19T12:49:55.164" v="23" actId="2696"/>
+        <pc:sldMkLst>
+          <pc:docMk/>
+          <pc:sldMk cId="3861312264" sldId="347"/>
+        </pc:sldMkLst>
+      </pc:sldChg>
+      <pc:sldChg chg="del">
+        <pc:chgData name="Long B Nguyen" userId="f59fb8f3-a021-417a-8bc1-65c8d471c621" providerId="ADAL" clId="{308CFCF3-47BA-8D4A-8A80-5ECC75BA7E52}" dt="2019-11-19T12:49:55.189" v="24" actId="2696"/>
+        <pc:sldMkLst>
+          <pc:docMk/>
+          <pc:sldMk cId="4152312606" sldId="348"/>
+        </pc:sldMkLst>
+      </pc:sldChg>
+      <pc:sldChg chg="del">
+        <pc:chgData name="Long B Nguyen" userId="f59fb8f3-a021-417a-8bc1-65c8d471c621" providerId="ADAL" clId="{308CFCF3-47BA-8D4A-8A80-5ECC75BA7E52}" dt="2019-11-19T12:49:55.235" v="26" actId="2696"/>
+        <pc:sldMkLst>
+          <pc:docMk/>
+          <pc:sldMk cId="2239308720" sldId="349"/>
+        </pc:sldMkLst>
+      </pc:sldChg>
+      <pc:sldChg chg="del">
+        <pc:chgData name="Long B Nguyen" userId="f59fb8f3-a021-417a-8bc1-65c8d471c621" providerId="ADAL" clId="{308CFCF3-47BA-8D4A-8A80-5ECC75BA7E52}" dt="2019-11-19T12:49:55.252" v="27" actId="2696"/>
+        <pc:sldMkLst>
+          <pc:docMk/>
+          <pc:sldMk cId="1532134668" sldId="350"/>
+        </pc:sldMkLst>
+      </pc:sldChg>
+      <pc:sldChg chg="del">
+        <pc:chgData name="Long B Nguyen" userId="f59fb8f3-a021-417a-8bc1-65c8d471c621" providerId="ADAL" clId="{308CFCF3-47BA-8D4A-8A80-5ECC75BA7E52}" dt="2019-11-19T12:49:55.212" v="25" actId="2696"/>
+        <pc:sldMkLst>
+          <pc:docMk/>
+          <pc:sldMk cId="3420249496" sldId="351"/>
+        </pc:sldMkLst>
+      </pc:sldChg>
+      <pc:sldChg chg="add">
+        <pc:chgData name="Long B Nguyen" userId="f59fb8f3-a021-417a-8bc1-65c8d471c621" providerId="ADAL" clId="{308CFCF3-47BA-8D4A-8A80-5ECC75BA7E52}" dt="2019-11-19T12:49:08.416" v="0"/>
+        <pc:sldMkLst>
+          <pc:docMk/>
+          <pc:sldMk cId="3212712238" sldId="424"/>
+        </pc:sldMkLst>
+      </pc:sldChg>
+      <pc:sldChg chg="add">
+        <pc:chgData name="Long B Nguyen" userId="f59fb8f3-a021-417a-8bc1-65c8d471c621" providerId="ADAL" clId="{308CFCF3-47BA-8D4A-8A80-5ECC75BA7E52}" dt="2019-11-19T12:49:08.416" v="0"/>
+        <pc:sldMkLst>
+          <pc:docMk/>
+          <pc:sldMk cId="2744089513" sldId="425"/>
+        </pc:sldMkLst>
+      </pc:sldChg>
+      <pc:sldChg chg="add">
+        <pc:chgData name="Long B Nguyen" userId="f59fb8f3-a021-417a-8bc1-65c8d471c621" providerId="ADAL" clId="{308CFCF3-47BA-8D4A-8A80-5ECC75BA7E52}" dt="2019-11-19T12:49:08.416" v="0"/>
+        <pc:sldMkLst>
+          <pc:docMk/>
+          <pc:sldMk cId="3169230028" sldId="426"/>
+        </pc:sldMkLst>
+      </pc:sldChg>
+      <pc:sldChg chg="del">
+        <pc:chgData name="Long B Nguyen" userId="f59fb8f3-a021-417a-8bc1-65c8d471c621" providerId="ADAL" clId="{308CFCF3-47BA-8D4A-8A80-5ECC75BA7E52}" dt="2019-11-19T12:49:54.737" v="5" actId="2696"/>
+        <pc:sldMkLst>
+          <pc:docMk/>
+          <pc:sldMk cId="2101795491" sldId="545"/>
+        </pc:sldMkLst>
+      </pc:sldChg>
+      <pc:sldChg chg="del">
+        <pc:chgData name="Long B Nguyen" userId="f59fb8f3-a021-417a-8bc1-65c8d471c621" providerId="ADAL" clId="{308CFCF3-47BA-8D4A-8A80-5ECC75BA7E52}" dt="2019-11-19T12:49:55.369" v="33" actId="2696"/>
+        <pc:sldMkLst>
+          <pc:docMk/>
+          <pc:sldMk cId="1854861563" sldId="546"/>
+        </pc:sldMkLst>
+      </pc:sldChg>
+      <pc:sldChg chg="del">
+        <pc:chgData name="Long B Nguyen" userId="f59fb8f3-a021-417a-8bc1-65c8d471c621" providerId="ADAL" clId="{308CFCF3-47BA-8D4A-8A80-5ECC75BA7E52}" dt="2019-11-19T12:49:54.838" v="11" actId="2696"/>
+        <pc:sldMkLst>
+          <pc:docMk/>
+          <pc:sldMk cId="906346442" sldId="547"/>
+        </pc:sldMkLst>
+      </pc:sldChg>
+      <pc:sldChg chg="del">
+        <pc:chgData name="Long B Nguyen" userId="f59fb8f3-a021-417a-8bc1-65c8d471c621" providerId="ADAL" clId="{308CFCF3-47BA-8D4A-8A80-5ECC75BA7E52}" dt="2019-11-19T12:49:54.972" v="16" actId="2696"/>
+        <pc:sldMkLst>
+          <pc:docMk/>
+          <pc:sldMk cId="2079192273" sldId="548"/>
+        </pc:sldMkLst>
+      </pc:sldChg>
+      <pc:sldChg chg="del">
+        <pc:chgData name="Long B Nguyen" userId="f59fb8f3-a021-417a-8bc1-65c8d471c621" providerId="ADAL" clId="{308CFCF3-47BA-8D4A-8A80-5ECC75BA7E52}" dt="2019-11-19T12:49:55.340" v="31" actId="2696"/>
+        <pc:sldMkLst>
+          <pc:docMk/>
+          <pc:sldMk cId="1299838656" sldId="549"/>
+        </pc:sldMkLst>
+      </pc:sldChg>
+      <pc:sldChg chg="del">
+        <pc:chgData name="Long B Nguyen" userId="f59fb8f3-a021-417a-8bc1-65c8d471c621" providerId="ADAL" clId="{308CFCF3-47BA-8D4A-8A80-5ECC75BA7E52}" dt="2019-11-19T12:49:55.357" v="32" actId="2696"/>
+        <pc:sldMkLst>
+          <pc:docMk/>
+          <pc:sldMk cId="2820908233" sldId="551"/>
+        </pc:sldMkLst>
+      </pc:sldChg>
+      <pc:sldChg chg="del">
+        <pc:chgData name="Long B Nguyen" userId="f59fb8f3-a021-417a-8bc1-65c8d471c621" providerId="ADAL" clId="{308CFCF3-47BA-8D4A-8A80-5ECC75BA7E52}" dt="2019-11-19T12:49:55.279" v="28" actId="2696"/>
+        <pc:sldMkLst>
+          <pc:docMk/>
+          <pc:sldMk cId="1358728332" sldId="553"/>
+        </pc:sldMkLst>
+      </pc:sldChg>
+      <pc:sldChg chg="del">
+        <pc:chgData name="Long B Nguyen" userId="f59fb8f3-a021-417a-8bc1-65c8d471c621" providerId="ADAL" clId="{308CFCF3-47BA-8D4A-8A80-5ECC75BA7E52}" dt="2019-11-19T12:49:55.378" v="34" actId="2696"/>
+        <pc:sldMkLst>
+          <pc:docMk/>
+          <pc:sldMk cId="3027756854" sldId="554"/>
+        </pc:sldMkLst>
+      </pc:sldChg>
+      <pc:sldChg chg="add">
+        <pc:chgData name="Long B Nguyen" userId="f59fb8f3-a021-417a-8bc1-65c8d471c621" providerId="ADAL" clId="{308CFCF3-47BA-8D4A-8A80-5ECC75BA7E52}" dt="2019-11-19T12:49:08.416" v="0"/>
+        <pc:sldMkLst>
+          <pc:docMk/>
+          <pc:sldMk cId="847347657" sldId="555"/>
+        </pc:sldMkLst>
       </pc:sldChg>
       <pc:sldChg chg="modSp add">
-        <pc:chgData name="Long B Nguyen" userId="f59fb8f3-a021-417a-8bc1-65c8d471c621" providerId="ADAL" clId="{5A9EF0C9-9AFC-CD43-B4E5-7BBA0EF183EB}" dt="2019-11-18T13:05:24.995" v="136" actId="1076"/>
+        <pc:chgData name="Long B Nguyen" userId="f59fb8f3-a021-417a-8bc1-65c8d471c621" providerId="ADAL" clId="{308CFCF3-47BA-8D4A-8A80-5ECC75BA7E52}" dt="2019-11-19T12:50:23.367" v="38" actId="207"/>
         <pc:sldMkLst>
           <pc:docMk/>
-          <pc:sldMk cId="3790295461" sldId="307"/>
+          <pc:sldMk cId="3515362357" sldId="556"/>
         </pc:sldMkLst>
         <pc:spChg chg="mod">
-          <ac:chgData name="Long B Nguyen" userId="f59fb8f3-a021-417a-8bc1-65c8d471c621" providerId="ADAL" clId="{5A9EF0C9-9AFC-CD43-B4E5-7BBA0EF183EB}" dt="2019-11-18T13:05:20.340" v="134" actId="14100"/>
+          <ac:chgData name="Long B Nguyen" userId="f59fb8f3-a021-417a-8bc1-65c8d471c621" providerId="ADAL" clId="{308CFCF3-47BA-8D4A-8A80-5ECC75BA7E52}" dt="2019-11-19T12:50:23.367" v="38" actId="207"/>
           <ac:spMkLst>
             <pc:docMk/>
-            <pc:sldMk cId="3790295461" sldId="307"/>
-            <ac:spMk id="20482" creationId="{4647B3F9-8A8F-FB4E-A9A1-ADAC1CD1217D}"/>
-          </ac:spMkLst>
-        </pc:spChg>
-        <pc:picChg chg="mod">
-          <ac:chgData name="Long B Nguyen" userId="f59fb8f3-a021-417a-8bc1-65c8d471c621" providerId="ADAL" clId="{5A9EF0C9-9AFC-CD43-B4E5-7BBA0EF183EB}" dt="2019-11-18T13:05:24.995" v="136" actId="1076"/>
-          <ac:picMkLst>
-            <pc:docMk/>
-            <pc:sldMk cId="3790295461" sldId="307"/>
-            <ac:picMk id="16386" creationId="{40FC02DB-B26D-5A4E-BBEE-D925F4751876}"/>
-          </ac:picMkLst>
-        </pc:picChg>
-      </pc:sldChg>
-      <pc:sldChg chg="modSp add">
-        <pc:chgData name="Long B Nguyen" userId="f59fb8f3-a021-417a-8bc1-65c8d471c621" providerId="ADAL" clId="{5A9EF0C9-9AFC-CD43-B4E5-7BBA0EF183EB}" dt="2019-11-18T13:15:37.587" v="418" actId="14100"/>
-        <pc:sldMkLst>
-          <pc:docMk/>
-          <pc:sldMk cId="732809715" sldId="308"/>
-        </pc:sldMkLst>
-        <pc:spChg chg="mod">
-          <ac:chgData name="Long B Nguyen" userId="f59fb8f3-a021-417a-8bc1-65c8d471c621" providerId="ADAL" clId="{5A9EF0C9-9AFC-CD43-B4E5-7BBA0EF183EB}" dt="2019-11-18T13:15:35.379" v="417" actId="14100"/>
-          <ac:spMkLst>
-            <pc:docMk/>
-            <pc:sldMk cId="732809715" sldId="308"/>
-            <ac:spMk id="20482" creationId="{F898970B-EA4B-5447-9CCD-BBB77899EA16}"/>
-          </ac:spMkLst>
-        </pc:spChg>
-        <pc:spChg chg="mod">
-          <ac:chgData name="Long B Nguyen" userId="f59fb8f3-a021-417a-8bc1-65c8d471c621" providerId="ADAL" clId="{5A9EF0C9-9AFC-CD43-B4E5-7BBA0EF183EB}" dt="2019-11-18T13:15:37.587" v="418" actId="14100"/>
-          <ac:spMkLst>
-            <pc:docMk/>
-            <pc:sldMk cId="732809715" sldId="308"/>
-            <ac:spMk id="20483" creationId="{A40AA280-3F94-D04A-88FB-96305DC268ED}"/>
-          </ac:spMkLst>
-        </pc:spChg>
-        <pc:picChg chg="mod">
-          <ac:chgData name="Long B Nguyen" userId="f59fb8f3-a021-417a-8bc1-65c8d471c621" providerId="ADAL" clId="{5A9EF0C9-9AFC-CD43-B4E5-7BBA0EF183EB}" dt="2019-11-18T13:04:04.575" v="92" actId="1038"/>
-          <ac:picMkLst>
-            <pc:docMk/>
-            <pc:sldMk cId="732809715" sldId="308"/>
-            <ac:picMk id="12291" creationId="{0A0C49C3-2913-EA43-8FE1-344434D9B958}"/>
-          </ac:picMkLst>
-        </pc:picChg>
-      </pc:sldChg>
-      <pc:sldChg chg="modSp add">
-        <pc:chgData name="Long B Nguyen" userId="f59fb8f3-a021-417a-8bc1-65c8d471c621" providerId="ADAL" clId="{5A9EF0C9-9AFC-CD43-B4E5-7BBA0EF183EB}" dt="2019-11-18T13:15:25.097" v="415" actId="255"/>
-        <pc:sldMkLst>
-          <pc:docMk/>
-          <pc:sldMk cId="4260195558" sldId="309"/>
-        </pc:sldMkLst>
-        <pc:spChg chg="mod">
-          <ac:chgData name="Long B Nguyen" userId="f59fb8f3-a021-417a-8bc1-65c8d471c621" providerId="ADAL" clId="{5A9EF0C9-9AFC-CD43-B4E5-7BBA0EF183EB}" dt="2019-11-18T13:15:25.097" v="415" actId="255"/>
-          <ac:spMkLst>
-            <pc:docMk/>
-            <pc:sldMk cId="4260195558" sldId="309"/>
-            <ac:spMk id="20483" creationId="{27143176-3E06-A54E-BA44-BA6A967C6460}"/>
+            <pc:sldMk cId="3515362357" sldId="556"/>
+            <ac:spMk id="20483" creationId="{11D6A34E-F264-984B-AD46-8F4C5C826246}"/>
           </ac:spMkLst>
         </pc:spChg>
       </pc:sldChg>
       <pc:sldChg chg="modSp add">
-        <pc:chgData name="Long B Nguyen" userId="f59fb8f3-a021-417a-8bc1-65c8d471c621" providerId="ADAL" clId="{5A9EF0C9-9AFC-CD43-B4E5-7BBA0EF183EB}" dt="2019-11-18T13:05:39.038" v="193" actId="1035"/>
+        <pc:chgData name="Long B Nguyen" userId="f59fb8f3-a021-417a-8bc1-65c8d471c621" providerId="ADAL" clId="{308CFCF3-47BA-8D4A-8A80-5ECC75BA7E52}" dt="2019-11-19T12:49:34.413" v="3" actId="1076"/>
         <pc:sldMkLst>
           <pc:docMk/>
-          <pc:sldMk cId="2244539106" sldId="310"/>
+          <pc:sldMk cId="56364418" sldId="557"/>
         </pc:sldMkLst>
         <pc:spChg chg="mod">
-          <ac:chgData name="Long B Nguyen" userId="f59fb8f3-a021-417a-8bc1-65c8d471c621" providerId="ADAL" clId="{5A9EF0C9-9AFC-CD43-B4E5-7BBA0EF183EB}" dt="2019-11-18T13:05:35.752" v="174" actId="14100"/>
+          <ac:chgData name="Long B Nguyen" userId="f59fb8f3-a021-417a-8bc1-65c8d471c621" providerId="ADAL" clId="{308CFCF3-47BA-8D4A-8A80-5ECC75BA7E52}" dt="2019-11-19T12:49:34.413" v="3" actId="1076"/>
           <ac:spMkLst>
             <pc:docMk/>
-            <pc:sldMk cId="2244539106" sldId="310"/>
-            <ac:spMk id="20482" creationId="{7B81DF02-135D-4540-AA44-C56D49C86196}"/>
-          </ac:spMkLst>
-        </pc:spChg>
-        <pc:picChg chg="mod">
-          <ac:chgData name="Long B Nguyen" userId="f59fb8f3-a021-417a-8bc1-65c8d471c621" providerId="ADAL" clId="{5A9EF0C9-9AFC-CD43-B4E5-7BBA0EF183EB}" dt="2019-11-18T13:05:39.038" v="193" actId="1035"/>
-          <ac:picMkLst>
-            <pc:docMk/>
-            <pc:sldMk cId="2244539106" sldId="310"/>
-            <ac:picMk id="17410" creationId="{EE57C632-8573-A54D-BAA3-E23397771F65}"/>
-          </ac:picMkLst>
-        </pc:picChg>
-      </pc:sldChg>
-      <pc:sldChg chg="modSp add">
-        <pc:chgData name="Long B Nguyen" userId="f59fb8f3-a021-417a-8bc1-65c8d471c621" providerId="ADAL" clId="{5A9EF0C9-9AFC-CD43-B4E5-7BBA0EF183EB}" dt="2019-11-18T13:16:02.869" v="424" actId="1076"/>
-        <pc:sldMkLst>
-          <pc:docMk/>
-          <pc:sldMk cId="3526380873" sldId="312"/>
-        </pc:sldMkLst>
-        <pc:spChg chg="mod">
-          <ac:chgData name="Long B Nguyen" userId="f59fb8f3-a021-417a-8bc1-65c8d471c621" providerId="ADAL" clId="{5A9EF0C9-9AFC-CD43-B4E5-7BBA0EF183EB}" dt="2019-11-18T13:04:40.464" v="121" actId="14100"/>
-          <ac:spMkLst>
-            <pc:docMk/>
-            <pc:sldMk cId="3526380873" sldId="312"/>
-            <ac:spMk id="20482" creationId="{73D160BB-46FA-B540-AB72-FF988D3E48D4}"/>
-          </ac:spMkLst>
-        </pc:spChg>
-        <pc:spChg chg="mod">
-          <ac:chgData name="Long B Nguyen" userId="f59fb8f3-a021-417a-8bc1-65c8d471c621" providerId="ADAL" clId="{5A9EF0C9-9AFC-CD43-B4E5-7BBA0EF183EB}" dt="2019-11-18T13:16:02.869" v="424" actId="1076"/>
-          <ac:spMkLst>
-            <pc:docMk/>
-            <pc:sldMk cId="3526380873" sldId="312"/>
-            <ac:spMk id="20483" creationId="{1BDDF6AF-7FBC-3849-B4A5-9D30ED403E3D}"/>
-          </ac:spMkLst>
-        </pc:spChg>
-      </pc:sldChg>
-      <pc:sldChg chg="modSp add">
-        <pc:chgData name="Long B Nguyen" userId="f59fb8f3-a021-417a-8bc1-65c8d471c621" providerId="ADAL" clId="{5A9EF0C9-9AFC-CD43-B4E5-7BBA0EF183EB}" dt="2019-11-18T13:15:42.633" v="419" actId="255"/>
-        <pc:sldMkLst>
-          <pc:docMk/>
-          <pc:sldMk cId="4068538264" sldId="313"/>
-        </pc:sldMkLst>
-        <pc:spChg chg="mod">
-          <ac:chgData name="Long B Nguyen" userId="f59fb8f3-a021-417a-8bc1-65c8d471c621" providerId="ADAL" clId="{5A9EF0C9-9AFC-CD43-B4E5-7BBA0EF183EB}" dt="2019-11-18T13:05:01.969" v="131" actId="14100"/>
-          <ac:spMkLst>
-            <pc:docMk/>
-            <pc:sldMk cId="4068538264" sldId="313"/>
-            <ac:spMk id="20482" creationId="{0957306F-67E2-854F-B7E0-9A252AADF108}"/>
-          </ac:spMkLst>
-        </pc:spChg>
-        <pc:spChg chg="mod">
-          <ac:chgData name="Long B Nguyen" userId="f59fb8f3-a021-417a-8bc1-65c8d471c621" providerId="ADAL" clId="{5A9EF0C9-9AFC-CD43-B4E5-7BBA0EF183EB}" dt="2019-11-18T13:15:42.633" v="419" actId="255"/>
-          <ac:spMkLst>
-            <pc:docMk/>
-            <pc:sldMk cId="4068538264" sldId="313"/>
-            <ac:spMk id="20483" creationId="{1F200ABD-6024-F048-94BB-113C30B1C4E9}"/>
-          </ac:spMkLst>
-        </pc:spChg>
-        <pc:picChg chg="mod">
-          <ac:chgData name="Long B Nguyen" userId="f59fb8f3-a021-417a-8bc1-65c8d471c621" providerId="ADAL" clId="{5A9EF0C9-9AFC-CD43-B4E5-7BBA0EF183EB}" dt="2019-11-18T13:04:11.576" v="118" actId="1037"/>
-          <ac:picMkLst>
-            <pc:docMk/>
-            <pc:sldMk cId="4068538264" sldId="313"/>
-            <ac:picMk id="13315" creationId="{C0A2BC84-069B-3C4A-9CD8-B1A6968692D7}"/>
-          </ac:picMkLst>
-        </pc:picChg>
-      </pc:sldChg>
-      <pc:sldChg chg="modSp add">
-        <pc:chgData name="Long B Nguyen" userId="f59fb8f3-a021-417a-8bc1-65c8d471c621" providerId="ADAL" clId="{5A9EF0C9-9AFC-CD43-B4E5-7BBA0EF183EB}" dt="2019-11-18T13:38:59.227" v="452" actId="113"/>
-        <pc:sldMkLst>
-          <pc:docMk/>
-          <pc:sldMk cId="4028667397" sldId="316"/>
-        </pc:sldMkLst>
-        <pc:spChg chg="mod">
-          <ac:chgData name="Long B Nguyen" userId="f59fb8f3-a021-417a-8bc1-65c8d471c621" providerId="ADAL" clId="{5A9EF0C9-9AFC-CD43-B4E5-7BBA0EF183EB}" dt="2019-11-18T13:38:59.227" v="452" actId="113"/>
-          <ac:spMkLst>
-            <pc:docMk/>
-            <pc:sldMk cId="4028667397" sldId="316"/>
-            <ac:spMk id="10242" creationId="{2E23079A-5ACF-FA4B-BC1D-0D52C05F7CA4}"/>
-          </ac:spMkLst>
-        </pc:spChg>
-        <pc:spChg chg="mod">
-          <ac:chgData name="Long B Nguyen" userId="f59fb8f3-a021-417a-8bc1-65c8d471c621" providerId="ADAL" clId="{5A9EF0C9-9AFC-CD43-B4E5-7BBA0EF183EB}" dt="2019-11-18T13:03:26.762" v="56" actId="14100"/>
-          <ac:spMkLst>
-            <pc:docMk/>
-            <pc:sldMk cId="4028667397" sldId="316"/>
-            <ac:spMk id="20482" creationId="{3FB25316-8593-A846-BFC7-91B95870F12D}"/>
-          </ac:spMkLst>
-        </pc:spChg>
-      </pc:sldChg>
-      <pc:sldChg chg="modSp add">
-        <pc:chgData name="Long B Nguyen" userId="f59fb8f3-a021-417a-8bc1-65c8d471c621" providerId="ADAL" clId="{5A9EF0C9-9AFC-CD43-B4E5-7BBA0EF183EB}" dt="2019-11-18T13:39:37.865" v="458" actId="113"/>
-        <pc:sldMkLst>
-          <pc:docMk/>
-          <pc:sldMk cId="4294450420" sldId="317"/>
-        </pc:sldMkLst>
-        <pc:spChg chg="mod">
-          <ac:chgData name="Long B Nguyen" userId="f59fb8f3-a021-417a-8bc1-65c8d471c621" providerId="ADAL" clId="{5A9EF0C9-9AFC-CD43-B4E5-7BBA0EF183EB}" dt="2019-11-18T13:39:37.865" v="458" actId="113"/>
-          <ac:spMkLst>
-            <pc:docMk/>
-            <pc:sldMk cId="4294450420" sldId="317"/>
-            <ac:spMk id="19458" creationId="{1188C5B2-1ACB-4841-8D05-C6AEE2C03CD6}"/>
-          </ac:spMkLst>
-        </pc:spChg>
-        <pc:spChg chg="mod">
-          <ac:chgData name="Long B Nguyen" userId="f59fb8f3-a021-417a-8bc1-65c8d471c621" providerId="ADAL" clId="{5A9EF0C9-9AFC-CD43-B4E5-7BBA0EF183EB}" dt="2019-11-18T13:05:57.381" v="197" actId="14100"/>
-          <ac:spMkLst>
-            <pc:docMk/>
-            <pc:sldMk cId="4294450420" sldId="317"/>
-            <ac:spMk id="20482" creationId="{2D08C253-8107-4843-9430-44B34157F0E3}"/>
-          </ac:spMkLst>
-        </pc:spChg>
-      </pc:sldChg>
-      <pc:sldChg chg="modSp add">
-        <pc:chgData name="Long B Nguyen" userId="f59fb8f3-a021-417a-8bc1-65c8d471c621" providerId="ADAL" clId="{5A9EF0C9-9AFC-CD43-B4E5-7BBA0EF183EB}" dt="2019-11-18T13:39:45.399" v="461" actId="113"/>
-        <pc:sldMkLst>
-          <pc:docMk/>
-          <pc:sldMk cId="4031124925" sldId="318"/>
-        </pc:sldMkLst>
-        <pc:spChg chg="mod">
-          <ac:chgData name="Long B Nguyen" userId="f59fb8f3-a021-417a-8bc1-65c8d471c621" providerId="ADAL" clId="{5A9EF0C9-9AFC-CD43-B4E5-7BBA0EF183EB}" dt="2019-11-18T13:39:45.399" v="461" actId="113"/>
-          <ac:spMkLst>
-            <pc:docMk/>
-            <pc:sldMk cId="4031124925" sldId="318"/>
-            <ac:spMk id="2" creationId="{519758D7-F148-8747-AAC2-8B30279E776C}"/>
-          </ac:spMkLst>
-        </pc:spChg>
-      </pc:sldChg>
-      <pc:sldChg chg="modSp add">
-        <pc:chgData name="Long B Nguyen" userId="f59fb8f3-a021-417a-8bc1-65c8d471c621" providerId="ADAL" clId="{5A9EF0C9-9AFC-CD43-B4E5-7BBA0EF183EB}" dt="2019-11-18T13:39:49.517" v="462" actId="113"/>
-        <pc:sldMkLst>
-          <pc:docMk/>
-          <pc:sldMk cId="3192863612" sldId="319"/>
-        </pc:sldMkLst>
-        <pc:spChg chg="mod">
-          <ac:chgData name="Long B Nguyen" userId="f59fb8f3-a021-417a-8bc1-65c8d471c621" providerId="ADAL" clId="{5A9EF0C9-9AFC-CD43-B4E5-7BBA0EF183EB}" dt="2019-11-18T13:06:22.603" v="241" actId="14100"/>
-          <ac:spMkLst>
-            <pc:docMk/>
-            <pc:sldMk cId="3192863612" sldId="319"/>
-            <ac:spMk id="20482" creationId="{A85E610B-E0D0-9A4B-A842-38E910DBD43E}"/>
-          </ac:spMkLst>
-        </pc:spChg>
-        <pc:spChg chg="mod">
-          <ac:chgData name="Long B Nguyen" userId="f59fb8f3-a021-417a-8bc1-65c8d471c621" providerId="ADAL" clId="{5A9EF0C9-9AFC-CD43-B4E5-7BBA0EF183EB}" dt="2019-11-18T13:39:49.517" v="462" actId="113"/>
-          <ac:spMkLst>
-            <pc:docMk/>
-            <pc:sldMk cId="3192863612" sldId="319"/>
-            <ac:spMk id="21506" creationId="{D58C4265-EE59-6D41-A04D-631460B6454B}"/>
-          </ac:spMkLst>
-        </pc:spChg>
-      </pc:sldChg>
-      <pc:sldChg chg="modSp add">
-        <pc:chgData name="Long B Nguyen" userId="f59fb8f3-a021-417a-8bc1-65c8d471c621" providerId="ADAL" clId="{5A9EF0C9-9AFC-CD43-B4E5-7BBA0EF183EB}" dt="2019-11-18T13:39:11.837" v="454" actId="113"/>
-        <pc:sldMkLst>
-          <pc:docMk/>
-          <pc:sldMk cId="2715817869" sldId="321"/>
-        </pc:sldMkLst>
-        <pc:spChg chg="mod">
-          <ac:chgData name="Long B Nguyen" userId="f59fb8f3-a021-417a-8bc1-65c8d471c621" providerId="ADAL" clId="{5A9EF0C9-9AFC-CD43-B4E5-7BBA0EF183EB}" dt="2019-11-18T13:39:11.837" v="454" actId="113"/>
-          <ac:spMkLst>
-            <pc:docMk/>
-            <pc:sldMk cId="2715817869" sldId="321"/>
-            <ac:spMk id="6146" creationId="{095FC28F-CF01-5C45-8C80-38CA0C2B9DF5}"/>
-          </ac:spMkLst>
-        </pc:spChg>
-        <pc:spChg chg="mod">
-          <ac:chgData name="Long B Nguyen" userId="f59fb8f3-a021-417a-8bc1-65c8d471c621" providerId="ADAL" clId="{5A9EF0C9-9AFC-CD43-B4E5-7BBA0EF183EB}" dt="2019-11-18T13:01:17.578" v="25" actId="14100"/>
-          <ac:spMkLst>
-            <pc:docMk/>
-            <pc:sldMk cId="2715817869" sldId="321"/>
+            <pc:sldMk cId="56364418" sldId="557"/>
             <ac:spMk id="20482" creationId="{6D756BCF-3D62-744E-A1A2-5EA11AF1F5DE}"/>
           </ac:spMkLst>
         </pc:spChg>
       </pc:sldChg>
       <pc:sldChg chg="modSp add">
-        <pc:chgData name="Long B Nguyen" userId="f59fb8f3-a021-417a-8bc1-65c8d471c621" providerId="ADAL" clId="{5A9EF0C9-9AFC-CD43-B4E5-7BBA0EF183EB}" dt="2019-11-18T13:18:03.039" v="443" actId="255"/>
+        <pc:chgData name="Long B Nguyen" userId="f59fb8f3-a021-417a-8bc1-65c8d471c621" providerId="ADAL" clId="{308CFCF3-47BA-8D4A-8A80-5ECC75BA7E52}" dt="2019-11-19T12:49:29.575" v="2" actId="1076"/>
         <pc:sldMkLst>
           <pc:docMk/>
-          <pc:sldMk cId="2067246317" sldId="322"/>
+          <pc:sldMk cId="4185702486" sldId="558"/>
         </pc:sldMkLst>
         <pc:spChg chg="mod">
-          <ac:chgData name="Long B Nguyen" userId="f59fb8f3-a021-417a-8bc1-65c8d471c621" providerId="ADAL" clId="{5A9EF0C9-9AFC-CD43-B4E5-7BBA0EF183EB}" dt="2019-11-18T13:11:58.722" v="405" actId="14100"/>
+          <ac:chgData name="Long B Nguyen" userId="f59fb8f3-a021-417a-8bc1-65c8d471c621" providerId="ADAL" clId="{308CFCF3-47BA-8D4A-8A80-5ECC75BA7E52}" dt="2019-11-19T12:49:29.575" v="2" actId="1076"/>
           <ac:spMkLst>
             <pc:docMk/>
-            <pc:sldMk cId="2067246317" sldId="322"/>
-            <ac:spMk id="20482" creationId="{CDA31265-BEED-1E44-AEB8-A0EC7AA2E02B}"/>
-          </ac:spMkLst>
-        </pc:spChg>
-        <pc:spChg chg="mod">
-          <ac:chgData name="Long B Nguyen" userId="f59fb8f3-a021-417a-8bc1-65c8d471c621" providerId="ADAL" clId="{5A9EF0C9-9AFC-CD43-B4E5-7BBA0EF183EB}" dt="2019-11-18T13:18:03.039" v="443" actId="255"/>
-          <ac:spMkLst>
-            <pc:docMk/>
-            <pc:sldMk cId="2067246317" sldId="322"/>
-            <ac:spMk id="36866" creationId="{CCCDCD2A-D4EE-2E4A-8312-0780BB3D1367}"/>
-          </ac:spMkLst>
-        </pc:spChg>
-      </pc:sldChg>
-      <pc:sldChg chg="modSp add">
-        <pc:chgData name="Long B Nguyen" userId="f59fb8f3-a021-417a-8bc1-65c8d471c621" providerId="ADAL" clId="{5A9EF0C9-9AFC-CD43-B4E5-7BBA0EF183EB}" dt="2019-11-18T13:40:48.736" v="472" actId="20577"/>
-        <pc:sldMkLst>
-          <pc:docMk/>
-          <pc:sldMk cId="3648743365" sldId="323"/>
-        </pc:sldMkLst>
-        <pc:spChg chg="mod">
-          <ac:chgData name="Long B Nguyen" userId="f59fb8f3-a021-417a-8bc1-65c8d471c621" providerId="ADAL" clId="{5A9EF0C9-9AFC-CD43-B4E5-7BBA0EF183EB}" dt="2019-11-18T13:12:23.196" v="410" actId="14100"/>
-          <ac:spMkLst>
-            <pc:docMk/>
-            <pc:sldMk cId="3648743365" sldId="323"/>
-            <ac:spMk id="20482" creationId="{715B9C82-A852-1148-8BDF-9817DF71C5AF}"/>
-          </ac:spMkLst>
-        </pc:spChg>
-        <pc:spChg chg="mod">
-          <ac:chgData name="Long B Nguyen" userId="f59fb8f3-a021-417a-8bc1-65c8d471c621" providerId="ADAL" clId="{5A9EF0C9-9AFC-CD43-B4E5-7BBA0EF183EB}" dt="2019-11-18T13:40:48.736" v="472" actId="20577"/>
-          <ac:spMkLst>
-            <pc:docMk/>
-            <pc:sldMk cId="3648743365" sldId="323"/>
-            <ac:spMk id="39938" creationId="{8B30D4E8-B5FD-A64F-B15C-85F2EA90B3F7}"/>
-          </ac:spMkLst>
-        </pc:spChg>
-      </pc:sldChg>
-      <pc:sldChg chg="modSp add">
-        <pc:chgData name="Long B Nguyen" userId="f59fb8f3-a021-417a-8bc1-65c8d471c621" providerId="ADAL" clId="{5A9EF0C9-9AFC-CD43-B4E5-7BBA0EF183EB}" dt="2019-11-18T13:14:40.259" v="414" actId="2711"/>
-        <pc:sldMkLst>
-          <pc:docMk/>
-          <pc:sldMk cId="2539776959" sldId="324"/>
-        </pc:sldMkLst>
-        <pc:spChg chg="mod">
-          <ac:chgData name="Long B Nguyen" userId="f59fb8f3-a021-417a-8bc1-65c8d471c621" providerId="ADAL" clId="{5A9EF0C9-9AFC-CD43-B4E5-7BBA0EF183EB}" dt="2019-11-18T13:14:40.259" v="414" actId="2711"/>
-          <ac:spMkLst>
-            <pc:docMk/>
-            <pc:sldMk cId="2539776959" sldId="324"/>
-            <ac:spMk id="20482" creationId="{122029F5-C3C9-E94E-9E27-3AADE7978759}"/>
-          </ac:spMkLst>
-        </pc:spChg>
-        <pc:spChg chg="mod">
-          <ac:chgData name="Long B Nguyen" userId="f59fb8f3-a021-417a-8bc1-65c8d471c621" providerId="ADAL" clId="{5A9EF0C9-9AFC-CD43-B4E5-7BBA0EF183EB}" dt="2019-11-18T13:14:32.630" v="413" actId="255"/>
-          <ac:spMkLst>
-            <pc:docMk/>
-            <pc:sldMk cId="2539776959" sldId="324"/>
-            <ac:spMk id="20483" creationId="{11D6A34E-F264-984B-AD46-8F4C5C826246}"/>
-          </ac:spMkLst>
-        </pc:spChg>
-      </pc:sldChg>
-      <pc:sldChg chg="modSp add">
-        <pc:chgData name="Long B Nguyen" userId="f59fb8f3-a021-417a-8bc1-65c8d471c621" providerId="ADAL" clId="{5A9EF0C9-9AFC-CD43-B4E5-7BBA0EF183EB}" dt="2019-11-18T13:07:07.587" v="247" actId="14100"/>
-        <pc:sldMkLst>
-          <pc:docMk/>
-          <pc:sldMk cId="1480112524" sldId="325"/>
-        </pc:sldMkLst>
-        <pc:spChg chg="mod">
-          <ac:chgData name="Long B Nguyen" userId="f59fb8f3-a021-417a-8bc1-65c8d471c621" providerId="ADAL" clId="{5A9EF0C9-9AFC-CD43-B4E5-7BBA0EF183EB}" dt="2019-11-18T13:07:05.457" v="246" actId="14100"/>
-          <ac:spMkLst>
-            <pc:docMk/>
-            <pc:sldMk cId="1480112524" sldId="325"/>
-            <ac:spMk id="22529" creationId="{8FC9BF54-BC5C-D541-BCD1-D99DA9E7A890}"/>
-          </ac:spMkLst>
-        </pc:spChg>
-        <pc:spChg chg="mod">
-          <ac:chgData name="Long B Nguyen" userId="f59fb8f3-a021-417a-8bc1-65c8d471c621" providerId="ADAL" clId="{5A9EF0C9-9AFC-CD43-B4E5-7BBA0EF183EB}" dt="2019-11-18T13:07:07.587" v="247" actId="14100"/>
-          <ac:spMkLst>
-            <pc:docMk/>
-            <pc:sldMk cId="1480112524" sldId="325"/>
-            <ac:spMk id="62467" creationId="{1D575D20-594C-2945-B2F4-512D3B748F19}"/>
-          </ac:spMkLst>
-        </pc:spChg>
-      </pc:sldChg>
-      <pc:sldChg chg="modSp add">
-        <pc:chgData name="Long B Nguyen" userId="f59fb8f3-a021-417a-8bc1-65c8d471c621" providerId="ADAL" clId="{5A9EF0C9-9AFC-CD43-B4E5-7BBA0EF183EB}" dt="2019-11-18T13:40:09.848" v="467" actId="20577"/>
-        <pc:sldMkLst>
-          <pc:docMk/>
-          <pc:sldMk cId="1126550256" sldId="326"/>
-        </pc:sldMkLst>
-        <pc:spChg chg="mod">
-          <ac:chgData name="Long B Nguyen" userId="f59fb8f3-a021-417a-8bc1-65c8d471c621" providerId="ADAL" clId="{5A9EF0C9-9AFC-CD43-B4E5-7BBA0EF183EB}" dt="2019-11-18T13:07:16.519" v="248" actId="14100"/>
-          <ac:spMkLst>
-            <pc:docMk/>
-            <pc:sldMk cId="1126550256" sldId="326"/>
-            <ac:spMk id="24577" creationId="{51B8378A-87DA-334E-8507-C3BDD734C809}"/>
-          </ac:spMkLst>
-        </pc:spChg>
-        <pc:spChg chg="mod">
-          <ac:chgData name="Long B Nguyen" userId="f59fb8f3-a021-417a-8bc1-65c8d471c621" providerId="ADAL" clId="{5A9EF0C9-9AFC-CD43-B4E5-7BBA0EF183EB}" dt="2019-11-18T13:40:09.848" v="467" actId="20577"/>
-          <ac:spMkLst>
-            <pc:docMk/>
-            <pc:sldMk cId="1126550256" sldId="326"/>
-            <ac:spMk id="24578" creationId="{B1C98508-EC6E-F94D-858B-398C313B3363}"/>
-          </ac:spMkLst>
-        </pc:spChg>
-      </pc:sldChg>
-      <pc:sldChg chg="modSp add">
-        <pc:chgData name="Long B Nguyen" userId="f59fb8f3-a021-417a-8bc1-65c8d471c621" providerId="ADAL" clId="{5A9EF0C9-9AFC-CD43-B4E5-7BBA0EF183EB}" dt="2019-11-18T13:16:56.795" v="433" actId="14100"/>
-        <pc:sldMkLst>
-          <pc:docMk/>
-          <pc:sldMk cId="1013976948" sldId="327"/>
-        </pc:sldMkLst>
-        <pc:spChg chg="mod">
-          <ac:chgData name="Long B Nguyen" userId="f59fb8f3-a021-417a-8bc1-65c8d471c621" providerId="ADAL" clId="{5A9EF0C9-9AFC-CD43-B4E5-7BBA0EF183EB}" dt="2019-11-18T13:16:52.492" v="431" actId="14100"/>
-          <ac:spMkLst>
-            <pc:docMk/>
-            <pc:sldMk cId="1013976948" sldId="327"/>
-            <ac:spMk id="26625" creationId="{E8538034-A182-104C-85BB-4372385916AB}"/>
-          </ac:spMkLst>
-        </pc:spChg>
-        <pc:spChg chg="mod">
-          <ac:chgData name="Long B Nguyen" userId="f59fb8f3-a021-417a-8bc1-65c8d471c621" providerId="ADAL" clId="{5A9EF0C9-9AFC-CD43-B4E5-7BBA0EF183EB}" dt="2019-11-18T13:16:56.795" v="433" actId="14100"/>
-          <ac:spMkLst>
-            <pc:docMk/>
-            <pc:sldMk cId="1013976948" sldId="327"/>
-            <ac:spMk id="26626" creationId="{4D0361EB-D6AE-704D-8E7B-E027D54EA1C7}"/>
-          </ac:spMkLst>
-        </pc:spChg>
-      </pc:sldChg>
-      <pc:sldChg chg="modSp add">
-        <pc:chgData name="Long B Nguyen" userId="f59fb8f3-a021-417a-8bc1-65c8d471c621" providerId="ADAL" clId="{5A9EF0C9-9AFC-CD43-B4E5-7BBA0EF183EB}" dt="2019-11-18T13:40:19.138" v="468" actId="113"/>
-        <pc:sldMkLst>
-          <pc:docMk/>
-          <pc:sldMk cId="940827800" sldId="328"/>
-        </pc:sldMkLst>
-        <pc:spChg chg="mod">
-          <ac:chgData name="Long B Nguyen" userId="f59fb8f3-a021-417a-8bc1-65c8d471c621" providerId="ADAL" clId="{5A9EF0C9-9AFC-CD43-B4E5-7BBA0EF183EB}" dt="2019-11-18T13:08:23.746" v="264" actId="1035"/>
-          <ac:spMkLst>
-            <pc:docMk/>
-            <pc:sldMk cId="940827800" sldId="328"/>
-            <ac:spMk id="28673" creationId="{261C51B8-3EEB-1A46-BD34-C709D7FC80AB}"/>
-          </ac:spMkLst>
-        </pc:spChg>
-        <pc:spChg chg="mod">
-          <ac:chgData name="Long B Nguyen" userId="f59fb8f3-a021-417a-8bc1-65c8d471c621" providerId="ADAL" clId="{5A9EF0C9-9AFC-CD43-B4E5-7BBA0EF183EB}" dt="2019-11-18T13:40:19.138" v="468" actId="113"/>
-          <ac:spMkLst>
-            <pc:docMk/>
-            <pc:sldMk cId="940827800" sldId="328"/>
-            <ac:spMk id="28674" creationId="{D2511AC0-AF8B-AF4F-801B-A04057450E6E}"/>
-          </ac:spMkLst>
-        </pc:spChg>
-      </pc:sldChg>
-      <pc:sldChg chg="modSp add">
-        <pc:chgData name="Long B Nguyen" userId="f59fb8f3-a021-417a-8bc1-65c8d471c621" providerId="ADAL" clId="{5A9EF0C9-9AFC-CD43-B4E5-7BBA0EF183EB}" dt="2019-11-18T13:18:08.703" v="444" actId="255"/>
-        <pc:sldMkLst>
-          <pc:docMk/>
-          <pc:sldMk cId="3821553119" sldId="330"/>
-        </pc:sldMkLst>
-        <pc:spChg chg="mod">
-          <ac:chgData name="Long B Nguyen" userId="f59fb8f3-a021-417a-8bc1-65c8d471c621" providerId="ADAL" clId="{5A9EF0C9-9AFC-CD43-B4E5-7BBA0EF183EB}" dt="2019-11-18T13:12:05.961" v="407" actId="14100"/>
-          <ac:spMkLst>
-            <pc:docMk/>
-            <pc:sldMk cId="3821553119" sldId="330"/>
-            <ac:spMk id="20482" creationId="{E338AC38-25E6-1F42-877D-266C7EA6D0BE}"/>
-          </ac:spMkLst>
-        </pc:spChg>
-        <pc:spChg chg="mod">
-          <ac:chgData name="Long B Nguyen" userId="f59fb8f3-a021-417a-8bc1-65c8d471c621" providerId="ADAL" clId="{5A9EF0C9-9AFC-CD43-B4E5-7BBA0EF183EB}" dt="2019-11-18T13:18:08.703" v="444" actId="255"/>
-          <ac:spMkLst>
-            <pc:docMk/>
-            <pc:sldMk cId="3821553119" sldId="330"/>
-            <ac:spMk id="37890" creationId="{26B59A58-32B6-3145-A467-32659FC1EE99}"/>
-          </ac:spMkLst>
-        </pc:spChg>
-      </pc:sldChg>
-      <pc:sldChg chg="modSp add">
-        <pc:chgData name="Long B Nguyen" userId="f59fb8f3-a021-417a-8bc1-65c8d471c621" providerId="ADAL" clId="{5A9EF0C9-9AFC-CD43-B4E5-7BBA0EF183EB}" dt="2019-11-18T13:08:48.268" v="285" actId="1076"/>
-        <pc:sldMkLst>
-          <pc:docMk/>
-          <pc:sldMk cId="2700196025" sldId="331"/>
-        </pc:sldMkLst>
-        <pc:spChg chg="mod">
-          <ac:chgData name="Long B Nguyen" userId="f59fb8f3-a021-417a-8bc1-65c8d471c621" providerId="ADAL" clId="{5A9EF0C9-9AFC-CD43-B4E5-7BBA0EF183EB}" dt="2019-11-18T13:08:39.358" v="282" actId="14100"/>
-          <ac:spMkLst>
-            <pc:docMk/>
-            <pc:sldMk cId="2700196025" sldId="331"/>
-            <ac:spMk id="30721" creationId="{378752EF-A47C-2F42-B800-CF9B206624FE}"/>
-          </ac:spMkLst>
-        </pc:spChg>
-        <pc:spChg chg="mod">
-          <ac:chgData name="Long B Nguyen" userId="f59fb8f3-a021-417a-8bc1-65c8d471c621" providerId="ADAL" clId="{5A9EF0C9-9AFC-CD43-B4E5-7BBA0EF183EB}" dt="2019-11-18T13:08:45.091" v="284" actId="14100"/>
-          <ac:spMkLst>
-            <pc:docMk/>
-            <pc:sldMk cId="2700196025" sldId="331"/>
-            <ac:spMk id="30722" creationId="{C70E3A34-0037-734F-81D6-0339361ED841}"/>
-          </ac:spMkLst>
-        </pc:spChg>
-        <pc:picChg chg="mod">
-          <ac:chgData name="Long B Nguyen" userId="f59fb8f3-a021-417a-8bc1-65c8d471c621" providerId="ADAL" clId="{5A9EF0C9-9AFC-CD43-B4E5-7BBA0EF183EB}" dt="2019-11-18T13:08:48.268" v="285" actId="1076"/>
-          <ac:picMkLst>
-            <pc:docMk/>
-            <pc:sldMk cId="2700196025" sldId="331"/>
-            <ac:picMk id="30723" creationId="{C0BB68A6-7B73-F24B-8F8E-5F6C3C9DD0D0}"/>
-          </ac:picMkLst>
-        </pc:picChg>
-      </pc:sldChg>
-      <pc:sldChg chg="modSp add del">
-        <pc:chgData name="Long B Nguyen" userId="f59fb8f3-a021-417a-8bc1-65c8d471c621" providerId="ADAL" clId="{5A9EF0C9-9AFC-CD43-B4E5-7BBA0EF183EB}" dt="2019-11-18T13:10:01.641" v="335" actId="2696"/>
-        <pc:sldMkLst>
-          <pc:docMk/>
-          <pc:sldMk cId="1916154440" sldId="332"/>
-        </pc:sldMkLst>
-        <pc:spChg chg="mod">
-          <ac:chgData name="Long B Nguyen" userId="f59fb8f3-a021-417a-8bc1-65c8d471c621" providerId="ADAL" clId="{5A9EF0C9-9AFC-CD43-B4E5-7BBA0EF183EB}" dt="2019-11-18T13:09:56.629" v="333"/>
-          <ac:spMkLst>
-            <pc:docMk/>
-            <pc:sldMk cId="1916154440" sldId="332"/>
-            <ac:spMk id="32770" creationId="{6BE410F6-98AC-5F42-9EDC-D93CEA0547F8}"/>
-          </ac:spMkLst>
-        </pc:spChg>
-      </pc:sldChg>
-      <pc:sldChg chg="modSp add">
-        <pc:chgData name="Long B Nguyen" userId="f59fb8f3-a021-417a-8bc1-65c8d471c621" providerId="ADAL" clId="{5A9EF0C9-9AFC-CD43-B4E5-7BBA0EF183EB}" dt="2019-11-18T13:17:43.974" v="439" actId="20577"/>
-        <pc:sldMkLst>
-          <pc:docMk/>
-          <pc:sldMk cId="908889635" sldId="333"/>
-        </pc:sldMkLst>
-        <pc:spChg chg="mod">
-          <ac:chgData name="Long B Nguyen" userId="f59fb8f3-a021-417a-8bc1-65c8d471c621" providerId="ADAL" clId="{5A9EF0C9-9AFC-CD43-B4E5-7BBA0EF183EB}" dt="2019-11-18T13:10:13.723" v="337" actId="1076"/>
-          <ac:spMkLst>
-            <pc:docMk/>
-            <pc:sldMk cId="908889635" sldId="333"/>
-            <ac:spMk id="34817" creationId="{BBE3E5DC-8BDA-3B4A-81F5-279D96E90D45}"/>
-          </ac:spMkLst>
-        </pc:spChg>
-        <pc:spChg chg="mod">
-          <ac:chgData name="Long B Nguyen" userId="f59fb8f3-a021-417a-8bc1-65c8d471c621" providerId="ADAL" clId="{5A9EF0C9-9AFC-CD43-B4E5-7BBA0EF183EB}" dt="2019-11-18T13:17:43.974" v="439" actId="20577"/>
-          <ac:spMkLst>
-            <pc:docMk/>
-            <pc:sldMk cId="908889635" sldId="333"/>
-            <ac:spMk id="34818" creationId="{22BD1F3C-B9C7-3B4A-947E-5F78FC54900F}"/>
-          </ac:spMkLst>
-        </pc:spChg>
-      </pc:sldChg>
-      <pc:sldChg chg="modSp add">
-        <pc:chgData name="Long B Nguyen" userId="f59fb8f3-a021-417a-8bc1-65c8d471c621" providerId="ADAL" clId="{5A9EF0C9-9AFC-CD43-B4E5-7BBA0EF183EB}" dt="2019-11-18T13:39:24.305" v="456" actId="113"/>
-        <pc:sldMkLst>
-          <pc:docMk/>
-          <pc:sldMk cId="77839182" sldId="334"/>
-        </pc:sldMkLst>
-        <pc:spChg chg="mod">
-          <ac:chgData name="Long B Nguyen" userId="f59fb8f3-a021-417a-8bc1-65c8d471c621" providerId="ADAL" clId="{5A9EF0C9-9AFC-CD43-B4E5-7BBA0EF183EB}" dt="2019-11-18T13:39:24.305" v="456" actId="113"/>
-          <ac:spMkLst>
-            <pc:docMk/>
-            <pc:sldMk cId="77839182" sldId="334"/>
-            <ac:spMk id="9218" creationId="{79CF8456-FAEB-3549-8403-DCA0F6DA26DC}"/>
-          </ac:spMkLst>
-        </pc:spChg>
-        <pc:spChg chg="mod">
-          <ac:chgData name="Long B Nguyen" userId="f59fb8f3-a021-417a-8bc1-65c8d471c621" providerId="ADAL" clId="{5A9EF0C9-9AFC-CD43-B4E5-7BBA0EF183EB}" dt="2019-11-18T13:03:03.619" v="50" actId="14100"/>
-          <ac:spMkLst>
-            <pc:docMk/>
-            <pc:sldMk cId="77839182" sldId="334"/>
-            <ac:spMk id="20482" creationId="{C689D4B9-8B5A-A843-83BB-ABC0EE6CB604}"/>
+            <pc:sldMk cId="4185702486" sldId="558"/>
+            <ac:spMk id="20482" creationId="{6D756BCF-3D62-744E-A1A2-5EA11AF1F5DE}"/>
           </ac:spMkLst>
         </pc:spChg>
       </pc:sldChg>
       <pc:sldChg chg="add">
-        <pc:chgData name="Long B Nguyen" userId="f59fb8f3-a021-417a-8bc1-65c8d471c621" providerId="ADAL" clId="{5A9EF0C9-9AFC-CD43-B4E5-7BBA0EF183EB}" dt="2019-11-18T13:01:06.397" v="24"/>
+        <pc:chgData name="Long B Nguyen" userId="f59fb8f3-a021-417a-8bc1-65c8d471c621" providerId="ADAL" clId="{308CFCF3-47BA-8D4A-8A80-5ECC75BA7E52}" dt="2019-11-19T12:49:08.416" v="0"/>
         <pc:sldMkLst>
           <pc:docMk/>
-          <pc:sldMk cId="2757419012" sldId="335"/>
+          <pc:sldMk cId="2190184513" sldId="559"/>
         </pc:sldMkLst>
       </pc:sldChg>
-      <pc:sldChg chg="modSp add">
-        <pc:chgData name="Long B Nguyen" userId="f59fb8f3-a021-417a-8bc1-65c8d471c621" providerId="ADAL" clId="{5A9EF0C9-9AFC-CD43-B4E5-7BBA0EF183EB}" dt="2019-11-18T13:39:18.809" v="455" actId="113"/>
+      <pc:sldChg chg="add">
+        <pc:chgData name="Long B Nguyen" userId="f59fb8f3-a021-417a-8bc1-65c8d471c621" providerId="ADAL" clId="{308CFCF3-47BA-8D4A-8A80-5ECC75BA7E52}" dt="2019-11-19T12:49:08.416" v="0"/>
         <pc:sldMkLst>
           <pc:docMk/>
-          <pc:sldMk cId="2135354499" sldId="336"/>
+          <pc:sldMk cId="3797534927" sldId="560"/>
         </pc:sldMkLst>
-        <pc:spChg chg="mod">
-          <ac:chgData name="Long B Nguyen" userId="f59fb8f3-a021-417a-8bc1-65c8d471c621" providerId="ADAL" clId="{5A9EF0C9-9AFC-CD43-B4E5-7BBA0EF183EB}" dt="2019-11-18T13:39:18.809" v="455" actId="113"/>
-          <ac:spMkLst>
-            <pc:docMk/>
-            <pc:sldMk cId="2135354499" sldId="336"/>
-            <ac:spMk id="7170" creationId="{63A32A1E-B5AF-FA47-8296-065102CBE2F8}"/>
-          </ac:spMkLst>
-        </pc:spChg>
-        <pc:spChg chg="mod">
-          <ac:chgData name="Long B Nguyen" userId="f59fb8f3-a021-417a-8bc1-65c8d471c621" providerId="ADAL" clId="{5A9EF0C9-9AFC-CD43-B4E5-7BBA0EF183EB}" dt="2019-11-18T13:01:30.748" v="28" actId="14100"/>
-          <ac:spMkLst>
-            <pc:docMk/>
-            <pc:sldMk cId="2135354499" sldId="336"/>
-            <ac:spMk id="20482" creationId="{6D756BCF-3D62-744E-A1A2-5EA11AF1F5DE}"/>
-          </ac:spMkLst>
-        </pc:spChg>
       </pc:sldChg>
-      <pc:sldChg chg="modSp add">
-        <pc:chgData name="Long B Nguyen" userId="f59fb8f3-a021-417a-8bc1-65c8d471c621" providerId="ADAL" clId="{5A9EF0C9-9AFC-CD43-B4E5-7BBA0EF183EB}" dt="2019-11-18T13:39:02.911" v="453" actId="113"/>
+      <pc:sldChg chg="add">
+        <pc:chgData name="Long B Nguyen" userId="f59fb8f3-a021-417a-8bc1-65c8d471c621" providerId="ADAL" clId="{308CFCF3-47BA-8D4A-8A80-5ECC75BA7E52}" dt="2019-11-19T12:49:08.416" v="0"/>
         <pc:sldMkLst>
           <pc:docMk/>
-          <pc:sldMk cId="3927938467" sldId="337"/>
+          <pc:sldMk cId="3461972299" sldId="561"/>
         </pc:sldMkLst>
-        <pc:spChg chg="mod">
-          <ac:chgData name="Long B Nguyen" userId="f59fb8f3-a021-417a-8bc1-65c8d471c621" providerId="ADAL" clId="{5A9EF0C9-9AFC-CD43-B4E5-7BBA0EF183EB}" dt="2019-11-18T13:39:02.911" v="453" actId="113"/>
-          <ac:spMkLst>
-            <pc:docMk/>
-            <pc:sldMk cId="3927938467" sldId="337"/>
-            <ac:spMk id="8194" creationId="{DF253716-2BCC-C248-8F1A-B1F32A7A30A3}"/>
-          </ac:spMkLst>
-        </pc:spChg>
-        <pc:spChg chg="mod">
-          <ac:chgData name="Long B Nguyen" userId="f59fb8f3-a021-417a-8bc1-65c8d471c621" providerId="ADAL" clId="{5A9EF0C9-9AFC-CD43-B4E5-7BBA0EF183EB}" dt="2019-11-18T13:02:33.200" v="38" actId="14100"/>
-          <ac:spMkLst>
-            <pc:docMk/>
-            <pc:sldMk cId="3927938467" sldId="337"/>
-            <ac:spMk id="20482" creationId="{6D756BCF-3D62-744E-A1A2-5EA11AF1F5DE}"/>
-          </ac:spMkLst>
-        </pc:spChg>
       </pc:sldChg>
-      <pc:sldChg chg="modSp add">
-        <pc:chgData name="Long B Nguyen" userId="f59fb8f3-a021-417a-8bc1-65c8d471c621" providerId="ADAL" clId="{5A9EF0C9-9AFC-CD43-B4E5-7BBA0EF183EB}" dt="2019-11-18T13:18:17.688" v="446" actId="14100"/>
+      <pc:sldChg chg="add">
+        <pc:chgData name="Long B Nguyen" userId="f59fb8f3-a021-417a-8bc1-65c8d471c621" providerId="ADAL" clId="{308CFCF3-47BA-8D4A-8A80-5ECC75BA7E52}" dt="2019-11-19T12:49:08.416" v="0"/>
         <pc:sldMkLst>
           <pc:docMk/>
-          <pc:sldMk cId="3666192859" sldId="338"/>
+          <pc:sldMk cId="2056856836" sldId="562"/>
         </pc:sldMkLst>
-        <pc:spChg chg="mod">
-          <ac:chgData name="Long B Nguyen" userId="f59fb8f3-a021-417a-8bc1-65c8d471c621" providerId="ADAL" clId="{5A9EF0C9-9AFC-CD43-B4E5-7BBA0EF183EB}" dt="2019-11-18T13:12:12.656" v="409" actId="14100"/>
-          <ac:spMkLst>
-            <pc:docMk/>
-            <pc:sldMk cId="3666192859" sldId="338"/>
-            <ac:spMk id="20482" creationId="{E338AC38-25E6-1F42-877D-266C7EA6D0BE}"/>
-          </ac:spMkLst>
-        </pc:spChg>
-        <pc:spChg chg="mod">
-          <ac:chgData name="Long B Nguyen" userId="f59fb8f3-a021-417a-8bc1-65c8d471c621" providerId="ADAL" clId="{5A9EF0C9-9AFC-CD43-B4E5-7BBA0EF183EB}" dt="2019-11-18T13:18:17.688" v="446" actId="14100"/>
-          <ac:spMkLst>
-            <pc:docMk/>
-            <pc:sldMk cId="3666192859" sldId="338"/>
-            <ac:spMk id="38914" creationId="{72122B2F-1308-7F43-A2E2-B2A9B8327368}"/>
-          </ac:spMkLst>
-        </pc:spChg>
       </pc:sldChg>
-      <pc:sldChg chg="modSp add">
-        <pc:chgData name="Long B Nguyen" userId="f59fb8f3-a021-417a-8bc1-65c8d471c621" providerId="ADAL" clId="{5A9EF0C9-9AFC-CD43-B4E5-7BBA0EF183EB}" dt="2019-11-18T13:39:33.237" v="457" actId="113"/>
+      <pc:sldChg chg="add">
+        <pc:chgData name="Long B Nguyen" userId="f59fb8f3-a021-417a-8bc1-65c8d471c621" providerId="ADAL" clId="{308CFCF3-47BA-8D4A-8A80-5ECC75BA7E52}" dt="2019-11-19T12:49:08.416" v="0"/>
         <pc:sldMkLst>
           <pc:docMk/>
-          <pc:sldMk cId="109612102" sldId="339"/>
+          <pc:sldMk cId="1129266536" sldId="563"/>
         </pc:sldMkLst>
-        <pc:spChg chg="mod">
-          <ac:chgData name="Long B Nguyen" userId="f59fb8f3-a021-417a-8bc1-65c8d471c621" providerId="ADAL" clId="{5A9EF0C9-9AFC-CD43-B4E5-7BBA0EF183EB}" dt="2019-11-18T13:39:33.237" v="457" actId="113"/>
-          <ac:spMkLst>
-            <pc:docMk/>
-            <pc:sldMk cId="109612102" sldId="339"/>
-            <ac:spMk id="18434" creationId="{DCC791A7-12CD-D84A-9EC8-A0C8BB69E328}"/>
-          </ac:spMkLst>
-        </pc:spChg>
-        <pc:spChg chg="mod">
-          <ac:chgData name="Long B Nguyen" userId="f59fb8f3-a021-417a-8bc1-65c8d471c621" providerId="ADAL" clId="{5A9EF0C9-9AFC-CD43-B4E5-7BBA0EF183EB}" dt="2019-11-18T13:05:45.447" v="194" actId="14100"/>
-          <ac:spMkLst>
-            <pc:docMk/>
-            <pc:sldMk cId="109612102" sldId="339"/>
-            <ac:spMk id="20482" creationId="{AA23FAD0-C454-854B-B4AF-02039D831D3A}"/>
-          </ac:spMkLst>
-        </pc:spChg>
       </pc:sldChg>
-      <pc:sldChg chg="del">
-        <pc:chgData name="Long B Nguyen" userId="f59fb8f3-a021-417a-8bc1-65c8d471c621" providerId="ADAL" clId="{5A9EF0C9-9AFC-CD43-B4E5-7BBA0EF183EB}" dt="2019-11-18T13:43:41.158" v="474" actId="2696"/>
+      <pc:sldChg chg="add">
+        <pc:chgData name="Long B Nguyen" userId="f59fb8f3-a021-417a-8bc1-65c8d471c621" providerId="ADAL" clId="{308CFCF3-47BA-8D4A-8A80-5ECC75BA7E52}" dt="2019-11-19T12:49:08.416" v="0"/>
         <pc:sldMkLst>
           <pc:docMk/>
-          <pc:sldMk cId="2452940635" sldId="402"/>
+          <pc:sldMk cId="602950482" sldId="564"/>
         </pc:sldMkLst>
       </pc:sldChg>
-      <pc:sldChg chg="del">
-        <pc:chgData name="Long B Nguyen" userId="f59fb8f3-a021-417a-8bc1-65c8d471c621" providerId="ADAL" clId="{5A9EF0C9-9AFC-CD43-B4E5-7BBA0EF183EB}" dt="2019-11-18T13:19:01.907" v="449" actId="2696"/>
+      <pc:sldChg chg="add">
+        <pc:chgData name="Long B Nguyen" userId="f59fb8f3-a021-417a-8bc1-65c8d471c621" providerId="ADAL" clId="{308CFCF3-47BA-8D4A-8A80-5ECC75BA7E52}" dt="2019-11-19T12:49:08.416" v="0"/>
         <pc:sldMkLst>
           <pc:docMk/>
-          <pc:sldMk cId="2679786585" sldId="418"/>
+          <pc:sldMk cId="4104989124" sldId="565"/>
         </pc:sldMkLst>
       </pc:sldChg>
-      <pc:sldChg chg="del">
-        <pc:chgData name="Long B Nguyen" userId="f59fb8f3-a021-417a-8bc1-65c8d471c621" providerId="ADAL" clId="{5A9EF0C9-9AFC-CD43-B4E5-7BBA0EF183EB}" dt="2019-11-18T13:19:01.922" v="450" actId="2696"/>
+      <pc:sldChg chg="add">
+        <pc:chgData name="Long B Nguyen" userId="f59fb8f3-a021-417a-8bc1-65c8d471c621" providerId="ADAL" clId="{308CFCF3-47BA-8D4A-8A80-5ECC75BA7E52}" dt="2019-11-19T12:49:08.416" v="0"/>
         <pc:sldMkLst>
           <pc:docMk/>
-          <pc:sldMk cId="9623921" sldId="422"/>
-        </pc:sldMkLst>
-      </pc:sldChg>
-      <pc:sldChg chg="del">
-        <pc:chgData name="Long B Nguyen" userId="f59fb8f3-a021-417a-8bc1-65c8d471c621" providerId="ADAL" clId="{5A9EF0C9-9AFC-CD43-B4E5-7BBA0EF183EB}" dt="2019-11-18T13:19:01.937" v="451" actId="2696"/>
-        <pc:sldMkLst>
-          <pc:docMk/>
-          <pc:sldMk cId="1113409002" sldId="423"/>
-        </pc:sldMkLst>
-      </pc:sldChg>
-      <pc:sldChg chg="delSp modSp add">
-        <pc:chgData name="Long B Nguyen" userId="f59fb8f3-a021-417a-8bc1-65c8d471c621" providerId="ADAL" clId="{5A9EF0C9-9AFC-CD43-B4E5-7BBA0EF183EB}" dt="2019-11-18T13:40:23.254" v="469" actId="113"/>
-        <pc:sldMkLst>
-          <pc:docMk/>
-          <pc:sldMk cId="3594073904" sldId="424"/>
-        </pc:sldMkLst>
-        <pc:spChg chg="mod">
-          <ac:chgData name="Long B Nguyen" userId="f59fb8f3-a021-417a-8bc1-65c8d471c621" providerId="ADAL" clId="{5A9EF0C9-9AFC-CD43-B4E5-7BBA0EF183EB}" dt="2019-11-18T13:40:23.254" v="469" actId="113"/>
-          <ac:spMkLst>
-            <pc:docMk/>
-            <pc:sldMk cId="3594073904" sldId="424"/>
-            <ac:spMk id="30722" creationId="{C70E3A34-0037-734F-81D6-0339361ED841}"/>
-          </ac:spMkLst>
-        </pc:spChg>
-        <pc:picChg chg="del">
-          <ac:chgData name="Long B Nguyen" userId="f59fb8f3-a021-417a-8bc1-65c8d471c621" providerId="ADAL" clId="{5A9EF0C9-9AFC-CD43-B4E5-7BBA0EF183EB}" dt="2019-11-18T13:09:53.030" v="332" actId="478"/>
-          <ac:picMkLst>
-            <pc:docMk/>
-            <pc:sldMk cId="3594073904" sldId="424"/>
-            <ac:picMk id="30723" creationId="{C0BB68A6-7B73-F24B-8F8E-5F6C3C9DD0D0}"/>
-          </ac:picMkLst>
-        </pc:picChg>
-      </pc:sldChg>
-      <pc:sldChg chg="modSp add">
-        <pc:chgData name="Long B Nguyen" userId="f59fb8f3-a021-417a-8bc1-65c8d471c621" providerId="ADAL" clId="{5A9EF0C9-9AFC-CD43-B4E5-7BBA0EF183EB}" dt="2019-11-18T13:40:28.951" v="470" actId="113"/>
-        <pc:sldMkLst>
-          <pc:docMk/>
-          <pc:sldMk cId="1497384401" sldId="425"/>
-        </pc:sldMkLst>
-        <pc:spChg chg="mod">
-          <ac:chgData name="Long B Nguyen" userId="f59fb8f3-a021-417a-8bc1-65c8d471c621" providerId="ADAL" clId="{5A9EF0C9-9AFC-CD43-B4E5-7BBA0EF183EB}" dt="2019-11-18T13:40:28.951" v="470" actId="113"/>
-          <ac:spMkLst>
-            <pc:docMk/>
-            <pc:sldMk cId="1497384401" sldId="425"/>
-            <ac:spMk id="34818" creationId="{22BD1F3C-B9C7-3B4A-947E-5F78FC54900F}"/>
-          </ac:spMkLst>
-        </pc:spChg>
-      </pc:sldChg>
-      <pc:sldChg chg="add">
-        <pc:chgData name="Long B Nguyen" userId="f59fb8f3-a021-417a-8bc1-65c8d471c621" providerId="ADAL" clId="{5A9EF0C9-9AFC-CD43-B4E5-7BBA0EF183EB}" dt="2019-11-18T13:43:39.786" v="473"/>
-        <pc:sldMkLst>
-          <pc:docMk/>
-          <pc:sldMk cId="952274208" sldId="426"/>
-        </pc:sldMkLst>
-      </pc:sldChg>
-      <pc:sldChg chg="add del">
-        <pc:chgData name="Long B Nguyen" userId="f59fb8f3-a021-417a-8bc1-65c8d471c621" providerId="ADAL" clId="{5A9EF0C9-9AFC-CD43-B4E5-7BBA0EF183EB}" dt="2019-11-18T13:14:15.855" v="412" actId="2696"/>
-        <pc:sldMkLst>
-          <pc:docMk/>
-          <pc:sldMk cId="2421242957" sldId="426"/>
+          <pc:sldMk cId="2615412358" sldId="566"/>
         </pc:sldMkLst>
       </pc:sldChg>
     </pc:docChg>
+  </pc:docChgLst>
+  <pc:docChgLst>
+    <pc:chgData name="Long B Nguyen" userId="f59fb8f3-a021-417a-8bc1-65c8d471c621" providerId="ADAL" clId="{359527BD-9D28-FA41-9B76-D4C412CACD55}"/>
+  </pc:docChgLst>
+  <pc:docChgLst>
+    <pc:chgData name="Long B Nguyen" userId="f59fb8f3-a021-417a-8bc1-65c8d471c621" providerId="ADAL" clId="{D93B77CE-F394-FC41-B6D8-2FD1D9E1B7A2}"/>
+  </pc:docChgLst>
+  <pc:docChgLst>
+    <pc:chgData name="Long B Nguyen" userId="f59fb8f3-a021-417a-8bc1-65c8d471c621" providerId="ADAL" clId="{069311B8-5E56-E24D-993B-38D0A9C45058}"/>
+  </pc:docChgLst>
+  <pc:docChgLst>
+    <pc:chgData name="Long B Nguyen" userId="f59fb8f3-a021-417a-8bc1-65c8d471c621" providerId="ADAL" clId="{6CD83B71-C243-244B-B302-DE2E82069201}"/>
+  </pc:docChgLst>
+  <pc:docChgLst>
+    <pc:chgData name="Long B Nguyen" userId="f59fb8f3-a021-417a-8bc1-65c8d471c621" providerId="ADAL" clId="{7CBD4C01-BEFF-0849-BF53-33422C5BC0A3}"/>
   </pc:docChgLst>
 </pc:chgInfo>
 </file>
@@ -994,9 +1911,9 @@
             </a:lvl1pPr>
           </a:lstStyle>
           <a:p>
-            <a:fld id="{6C5ED18F-D37C-994E-A0A4-117D8ED79DF3}" type="datetimeFigureOut">
+            <a:fld id="{29FB45CD-1365-4F4B-B580-C19222E1A371}" type="datetimeFigureOut">
               <a:rPr lang="en-US" smtClean="0"/>
-              <a:t>11/18/19</a:t>
+              <a:t>11/19/19</a:t>
             </a:fld>
             <a:endParaRPr lang="en-US"/>
           </a:p>
@@ -1152,7 +2069,7 @@
             </a:lvl1pPr>
           </a:lstStyle>
           <a:p>
-            <a:fld id="{33A3049E-C750-CC4C-A71E-2B2868147526}" type="slidenum">
+            <a:fld id="{B8FF1548-1F50-8049-A5B3-6549A1D01BC5}" type="slidenum">
               <a:rPr lang="en-US" smtClean="0"/>
               <a:t>‹#›</a:t>
             </a:fld>
@@ -1163,7 +2080,7 @@
     </p:spTree>
     <p:extLst>
       <p:ext uri="{BB962C8B-B14F-4D97-AF65-F5344CB8AC3E}">
-        <p14:creationId xmlns:p14="http://schemas.microsoft.com/office/powerpoint/2010/main" val="1382523726"/>
+        <p14:creationId xmlns:p14="http://schemas.microsoft.com/office/powerpoint/2010/main" val="678156317"/>
       </p:ext>
     </p:extLst>
   </p:cSld>
@@ -1707,7 +2624,7 @@
     </p:spTree>
     <p:extLst>
       <p:ext uri="{BB962C8B-B14F-4D97-AF65-F5344CB8AC3E}">
-        <p14:creationId xmlns:p14="http://schemas.microsoft.com/office/powerpoint/2010/main" val="3095269969"/>
+        <p14:creationId xmlns:p14="http://schemas.microsoft.com/office/powerpoint/2010/main" val="4035721077"/>
       </p:ext>
     </p:extLst>
   </p:cSld>
@@ -2161,7 +3078,7 @@
     </p:spTree>
     <p:extLst>
       <p:ext uri="{BB962C8B-B14F-4D97-AF65-F5344CB8AC3E}">
-        <p14:creationId xmlns:p14="http://schemas.microsoft.com/office/powerpoint/2010/main" val="3645758520"/>
+        <p14:creationId xmlns:p14="http://schemas.microsoft.com/office/powerpoint/2010/main" val="438564065"/>
       </p:ext>
     </p:extLst>
   </p:cSld>
@@ -2615,7 +3532,7 @@
     </p:spTree>
     <p:extLst>
       <p:ext uri="{BB962C8B-B14F-4D97-AF65-F5344CB8AC3E}">
-        <p14:creationId xmlns:p14="http://schemas.microsoft.com/office/powerpoint/2010/main" val="2964722394"/>
+        <p14:creationId xmlns:p14="http://schemas.microsoft.com/office/powerpoint/2010/main" val="887536281"/>
       </p:ext>
     </p:extLst>
   </p:cSld>
@@ -3069,7 +3986,7 @@
     </p:spTree>
     <p:extLst>
       <p:ext uri="{BB962C8B-B14F-4D97-AF65-F5344CB8AC3E}">
-        <p14:creationId xmlns:p14="http://schemas.microsoft.com/office/powerpoint/2010/main" val="3454439325"/>
+        <p14:creationId xmlns:p14="http://schemas.microsoft.com/office/powerpoint/2010/main" val="63053461"/>
       </p:ext>
     </p:extLst>
   </p:cSld>
@@ -3332,7 +4249,7 @@
     </p:spTree>
     <p:extLst>
       <p:ext uri="{BB962C8B-B14F-4D97-AF65-F5344CB8AC3E}">
-        <p14:creationId xmlns:p14="http://schemas.microsoft.com/office/powerpoint/2010/main" val="2739997338"/>
+        <p14:creationId xmlns:p14="http://schemas.microsoft.com/office/powerpoint/2010/main" val="2969066082"/>
       </p:ext>
     </p:extLst>
   </p:cSld>
@@ -3595,7 +4512,7 @@
     </p:spTree>
     <p:extLst>
       <p:ext uri="{BB962C8B-B14F-4D97-AF65-F5344CB8AC3E}">
-        <p14:creationId xmlns:p14="http://schemas.microsoft.com/office/powerpoint/2010/main" val="1938966988"/>
+        <p14:creationId xmlns:p14="http://schemas.microsoft.com/office/powerpoint/2010/main" val="2676377958"/>
       </p:ext>
     </p:extLst>
   </p:cSld>
@@ -3634,17 +4551,15 @@
         </p:nvSpPr>
         <p:spPr>
           <a:xfrm>
-            <a:off x="1941910" y="2095500"/>
-            <a:ext cx="6686549" cy="1885651"/>
+            <a:off x="1143000" y="935302"/>
+            <a:ext cx="6858000" cy="1989667"/>
           </a:xfrm>
         </p:spPr>
         <p:txBody>
-          <a:bodyPr anchor="b">
-            <a:normAutofit/>
-          </a:bodyPr>
+          <a:bodyPr anchor="b"/>
           <a:lstStyle>
-            <a:lvl1pPr>
-              <a:defRPr sz="4050"/>
+            <a:lvl1pPr algn="ctr">
+              <a:defRPr sz="4500"/>
             </a:lvl1pPr>
           </a:lstStyle>
           <a:p>
@@ -3668,103 +4583,48 @@
         </p:nvSpPr>
         <p:spPr>
           <a:xfrm>
-            <a:off x="1941910" y="3981150"/>
-            <a:ext cx="6686549" cy="938569"/>
+            <a:off x="1143000" y="3001698"/>
+            <a:ext cx="6858000" cy="1379802"/>
           </a:xfrm>
         </p:spPr>
         <p:txBody>
-          <a:bodyPr anchor="t"/>
+          <a:bodyPr/>
           <a:lstStyle>
-            <a:lvl1pPr marL="0" indent="0" algn="l">
-              <a:buNone/>
-              <a:defRPr>
-                <a:solidFill>
-                  <a:schemeClr val="tx1">
-                    <a:lumMod val="65000"/>
-                    <a:lumOff val="35000"/>
-                  </a:schemeClr>
-                </a:solidFill>
-              </a:defRPr>
+            <a:lvl1pPr marL="0" indent="0" algn="ctr">
+              <a:buNone/>
+              <a:defRPr sz="1800"/>
             </a:lvl1pPr>
             <a:lvl2pPr marL="342900" indent="0" algn="ctr">
               <a:buNone/>
-              <a:defRPr>
-                <a:solidFill>
-                  <a:schemeClr val="tx1">
-                    <a:tint val="75000"/>
-                  </a:schemeClr>
-                </a:solidFill>
-              </a:defRPr>
+              <a:defRPr sz="1500"/>
             </a:lvl2pPr>
             <a:lvl3pPr marL="685800" indent="0" algn="ctr">
               <a:buNone/>
-              <a:defRPr>
-                <a:solidFill>
-                  <a:schemeClr val="tx1">
-                    <a:tint val="75000"/>
-                  </a:schemeClr>
-                </a:solidFill>
-              </a:defRPr>
+              <a:defRPr sz="1350"/>
             </a:lvl3pPr>
             <a:lvl4pPr marL="1028700" indent="0" algn="ctr">
               <a:buNone/>
-              <a:defRPr>
-                <a:solidFill>
-                  <a:schemeClr val="tx1">
-                    <a:tint val="75000"/>
-                  </a:schemeClr>
-                </a:solidFill>
-              </a:defRPr>
+              <a:defRPr sz="1200"/>
             </a:lvl4pPr>
             <a:lvl5pPr marL="1371600" indent="0" algn="ctr">
               <a:buNone/>
-              <a:defRPr>
-                <a:solidFill>
-                  <a:schemeClr val="tx1">
-                    <a:tint val="75000"/>
-                  </a:schemeClr>
-                </a:solidFill>
-              </a:defRPr>
+              <a:defRPr sz="1200"/>
             </a:lvl5pPr>
             <a:lvl6pPr marL="1714500" indent="0" algn="ctr">
               <a:buNone/>
-              <a:defRPr>
-                <a:solidFill>
-                  <a:schemeClr val="tx1">
-                    <a:tint val="75000"/>
-                  </a:schemeClr>
-                </a:solidFill>
-              </a:defRPr>
+              <a:defRPr sz="1200"/>
             </a:lvl6pPr>
             <a:lvl7pPr marL="2057400" indent="0" algn="ctr">
               <a:buNone/>
-              <a:defRPr>
-                <a:solidFill>
-                  <a:schemeClr val="tx1">
-                    <a:tint val="75000"/>
-                  </a:schemeClr>
-                </a:solidFill>
-              </a:defRPr>
+              <a:defRPr sz="1200"/>
             </a:lvl7pPr>
             <a:lvl8pPr marL="2400300" indent="0" algn="ctr">
               <a:buNone/>
-              <a:defRPr>
-                <a:solidFill>
-                  <a:schemeClr val="tx1">
-                    <a:tint val="75000"/>
-                  </a:schemeClr>
-                </a:solidFill>
-              </a:defRPr>
+              <a:defRPr sz="1200"/>
             </a:lvl8pPr>
             <a:lvl9pPr marL="2743200" indent="0" algn="ctr">
               <a:buNone/>
-              <a:defRPr>
-                <a:solidFill>
-                  <a:schemeClr val="tx1">
-                    <a:tint val="75000"/>
-                  </a:schemeClr>
-                </a:solidFill>
-              </a:defRPr>
+              <a:defRPr sz="1200"/>
             </a:lvl9pPr>
           </a:lstStyle>
           <a:p>
@@ -3791,11 +4651,11 @@
           <a:bodyPr/>
           <a:lstStyle/>
           <a:p>
-            <a:fld id="{AB2458EA-1F5A-154D-AFF5-4CF2DF8977D4}" type="datetimeFigureOut">
+            <a:fld id="{4AAD347D-5ACD-4C99-B74B-A9C85AD731AF}" type="datetimeFigureOut">
               <a:rPr lang="en-US" smtClean="0"/>
-              <a:t>11/18/19</a:t>
+              <a:t>11/19/19</a:t>
             </a:fld>
-            <a:endParaRPr lang="en-US"/>
+            <a:endParaRPr lang="en-US" dirty="0"/>
           </a:p>
         </p:txBody>
       </p:sp>
@@ -3814,91 +4674,9 @@
           <a:bodyPr/>
           <a:lstStyle/>
           <a:p>
-            <a:endParaRPr lang="en-US"/>
+            <a:endParaRPr lang="en-US" dirty="0"/>
           </a:p>
         </p:txBody>
-      </p:sp>
-      <p:sp>
-        <p:nvSpPr>
-          <p:cNvPr id="7" name="Freeform 6"/>
-          <p:cNvSpPr/>
-          <p:nvPr/>
-        </p:nvSpPr>
-        <p:spPr bwMode="auto">
-          <a:xfrm>
-            <a:off x="0" y="3603176"/>
-            <a:ext cx="1308489" cy="648824"/>
-          </a:xfrm>
-          <a:custGeom>
-            <a:avLst/>
-            <a:gdLst/>
-            <a:ahLst/>
-            <a:cxnLst/>
-            <a:rect l="0" t="0" r="r" b="b"/>
-            <a:pathLst>
-              <a:path w="372" h="166">
-                <a:moveTo>
-                  <a:pt x="287" y="166"/>
-                </a:moveTo>
-                <a:cubicBezTo>
-                  <a:pt x="290" y="166"/>
-                  <a:pt x="292" y="165"/>
-                  <a:pt x="293" y="164"/>
-                </a:cubicBezTo>
-                <a:cubicBezTo>
-                  <a:pt x="293" y="163"/>
-                  <a:pt x="294" y="163"/>
-                  <a:pt x="294" y="163"/>
-                </a:cubicBezTo>
-                <a:cubicBezTo>
-                  <a:pt x="370" y="87"/>
-                  <a:pt x="370" y="87"/>
-                  <a:pt x="370" y="87"/>
-                </a:cubicBezTo>
-                <a:cubicBezTo>
-                  <a:pt x="372" y="85"/>
-                  <a:pt x="372" y="81"/>
-                  <a:pt x="370" y="78"/>
-                </a:cubicBezTo>
-                <a:cubicBezTo>
-                  <a:pt x="294" y="3"/>
-                  <a:pt x="294" y="3"/>
-                  <a:pt x="294" y="3"/>
-                </a:cubicBezTo>
-                <a:cubicBezTo>
-                  <a:pt x="294" y="2"/>
-                  <a:pt x="293" y="2"/>
-                  <a:pt x="293" y="2"/>
-                </a:cubicBezTo>
-                <a:cubicBezTo>
-                  <a:pt x="292" y="1"/>
-                  <a:pt x="290" y="0"/>
-                  <a:pt x="287" y="0"/>
-                </a:cubicBezTo>
-                <a:cubicBezTo>
-                  <a:pt x="0" y="0"/>
-                  <a:pt x="0" y="0"/>
-                  <a:pt x="0" y="0"/>
-                </a:cubicBezTo>
-                <a:cubicBezTo>
-                  <a:pt x="0" y="166"/>
-                  <a:pt x="0" y="166"/>
-                  <a:pt x="0" y="166"/>
-                </a:cubicBezTo>
-                <a:lnTo>
-                  <a:pt x="287" y="166"/>
-                </a:lnTo>
-                <a:close/>
-              </a:path>
-            </a:pathLst>
-          </a:custGeom>
-          <a:solidFill>
-            <a:schemeClr val="accent1"/>
-          </a:solidFill>
-          <a:ln>
-            <a:noFill/>
-          </a:ln>
-        </p:spPr>
       </p:sp>
       <p:sp>
         <p:nvSpPr>
@@ -3910,28 +4688,23 @@
             <p:ph type="sldNum" sz="quarter" idx="12"/>
           </p:nvPr>
         </p:nvSpPr>
-        <p:spPr>
-          <a:xfrm>
-            <a:off x="398860" y="3774617"/>
-            <a:ext cx="584825" cy="304271"/>
-          </a:xfrm>
-        </p:spPr>
+        <p:spPr/>
         <p:txBody>
           <a:bodyPr/>
           <a:lstStyle/>
           <a:p>
-            <a:fld id="{45D8DECA-3F01-4D4D-9CE8-CE0BA91433C8}" type="slidenum">
+            <a:fld id="{D57F1E4F-1CFF-5643-939E-02111984F565}" type="slidenum">
               <a:rPr lang="en-US" smtClean="0"/>
               <a:t>‹#›</a:t>
             </a:fld>
-            <a:endParaRPr lang="en-US"/>
+            <a:endParaRPr lang="en-US" dirty="0"/>
           </a:p>
         </p:txBody>
       </p:sp>
     </p:spTree>
     <p:extLst>
       <p:ext uri="{BB962C8B-B14F-4D97-AF65-F5344CB8AC3E}">
-        <p14:creationId xmlns:p14="http://schemas.microsoft.com/office/powerpoint/2010/main" val="2335492032"/>
+        <p14:creationId xmlns:p14="http://schemas.microsoft.com/office/powerpoint/2010/main" val="2242896309"/>
       </p:ext>
     </p:extLst>
   </p:cSld>
@@ -3942,1797 +4715,6 @@
 </file>
 
 <file path=ppt/slideLayouts/slideLayout10.xml><?xml version="1.0" encoding="utf-8"?>
-<p:sldLayout xmlns:a="http://schemas.openxmlformats.org/drawingml/2006/main" xmlns:r="http://schemas.openxmlformats.org/officeDocument/2006/relationships" xmlns:p="http://schemas.openxmlformats.org/presentationml/2006/main" preserve="1">
-  <p:cSld name="Title and Caption">
-    <p:spTree>
-      <p:nvGrpSpPr>
-        <p:cNvPr id="1" name=""/>
-        <p:cNvGrpSpPr/>
-        <p:nvPr/>
-      </p:nvGrpSpPr>
-      <p:grpSpPr>
-        <a:xfrm>
-          <a:off x="0" y="0"/>
-          <a:ext cx="0" cy="0"/>
-          <a:chOff x="0" y="0"/>
-          <a:chExt cx="0" cy="0"/>
-        </a:xfrm>
-      </p:grpSpPr>
-      <p:sp>
-        <p:nvSpPr>
-          <p:cNvPr id="2" name="Title 1"/>
-          <p:cNvSpPr>
-            <a:spLocks noGrp="1"/>
-          </p:cNvSpPr>
-          <p:nvPr>
-            <p:ph type="title"/>
-          </p:nvPr>
-        </p:nvSpPr>
-        <p:spPr>
-          <a:xfrm>
-            <a:off x="1941910" y="508000"/>
-            <a:ext cx="6686549" cy="2597533"/>
-          </a:xfrm>
-        </p:spPr>
-        <p:txBody>
-          <a:bodyPr anchor="ctr">
-            <a:normAutofit/>
-          </a:bodyPr>
-          <a:lstStyle>
-            <a:lvl1pPr algn="l">
-              <a:defRPr sz="3600" b="0" cap="none"/>
-            </a:lvl1pPr>
-          </a:lstStyle>
-          <a:p>
-            <a:r>
-              <a:rPr lang="en-US"/>
-              <a:t>Click to edit Master title style</a:t>
-            </a:r>
-            <a:endParaRPr lang="en-US" dirty="0"/>
-          </a:p>
-        </p:txBody>
-      </p:sp>
-      <p:sp>
-        <p:nvSpPr>
-          <p:cNvPr id="3" name="Text Placeholder 2"/>
-          <p:cNvSpPr>
-            <a:spLocks noGrp="1"/>
-          </p:cNvSpPr>
-          <p:nvPr>
-            <p:ph type="body" idx="1"/>
-          </p:nvPr>
-        </p:nvSpPr>
-        <p:spPr>
-          <a:xfrm>
-            <a:off x="1941910" y="3628372"/>
-            <a:ext cx="6686549" cy="1296553"/>
-          </a:xfrm>
-        </p:spPr>
-        <p:txBody>
-          <a:bodyPr anchor="ctr">
-            <a:normAutofit/>
-          </a:bodyPr>
-          <a:lstStyle>
-            <a:lvl1pPr marL="0" indent="0" algn="l">
-              <a:buNone/>
-              <a:defRPr sz="1350">
-                <a:solidFill>
-                  <a:schemeClr val="tx1">
-                    <a:lumMod val="65000"/>
-                    <a:lumOff val="35000"/>
-                  </a:schemeClr>
-                </a:solidFill>
-              </a:defRPr>
-            </a:lvl1pPr>
-            <a:lvl2pPr marL="342900" indent="0">
-              <a:buNone/>
-              <a:defRPr sz="1350">
-                <a:solidFill>
-                  <a:schemeClr val="tx1">
-                    <a:tint val="75000"/>
-                  </a:schemeClr>
-                </a:solidFill>
-              </a:defRPr>
-            </a:lvl2pPr>
-            <a:lvl3pPr marL="685800" indent="0">
-              <a:buNone/>
-              <a:defRPr sz="1200">
-                <a:solidFill>
-                  <a:schemeClr val="tx1">
-                    <a:tint val="75000"/>
-                  </a:schemeClr>
-                </a:solidFill>
-              </a:defRPr>
-            </a:lvl3pPr>
-            <a:lvl4pPr marL="1028700" indent="0">
-              <a:buNone/>
-              <a:defRPr sz="1050">
-                <a:solidFill>
-                  <a:schemeClr val="tx1">
-                    <a:tint val="75000"/>
-                  </a:schemeClr>
-                </a:solidFill>
-              </a:defRPr>
-            </a:lvl4pPr>
-            <a:lvl5pPr marL="1371600" indent="0">
-              <a:buNone/>
-              <a:defRPr sz="1050">
-                <a:solidFill>
-                  <a:schemeClr val="tx1">
-                    <a:tint val="75000"/>
-                  </a:schemeClr>
-                </a:solidFill>
-              </a:defRPr>
-            </a:lvl5pPr>
-            <a:lvl6pPr marL="1714500" indent="0">
-              <a:buNone/>
-              <a:defRPr sz="1050">
-                <a:solidFill>
-                  <a:schemeClr val="tx1">
-                    <a:tint val="75000"/>
-                  </a:schemeClr>
-                </a:solidFill>
-              </a:defRPr>
-            </a:lvl6pPr>
-            <a:lvl7pPr marL="2057400" indent="0">
-              <a:buNone/>
-              <a:defRPr sz="1050">
-                <a:solidFill>
-                  <a:schemeClr val="tx1">
-                    <a:tint val="75000"/>
-                  </a:schemeClr>
-                </a:solidFill>
-              </a:defRPr>
-            </a:lvl7pPr>
-            <a:lvl8pPr marL="2400300" indent="0">
-              <a:buNone/>
-              <a:defRPr sz="1050">
-                <a:solidFill>
-                  <a:schemeClr val="tx1">
-                    <a:tint val="75000"/>
-                  </a:schemeClr>
-                </a:solidFill>
-              </a:defRPr>
-            </a:lvl8pPr>
-            <a:lvl9pPr marL="2743200" indent="0">
-              <a:buNone/>
-              <a:defRPr sz="1050">
-                <a:solidFill>
-                  <a:schemeClr val="tx1">
-                    <a:tint val="75000"/>
-                  </a:schemeClr>
-                </a:solidFill>
-              </a:defRPr>
-            </a:lvl9pPr>
-          </a:lstStyle>
-          <a:p>
-            <a:pPr lvl="0"/>
-            <a:r>
-              <a:rPr lang="en-US"/>
-              <a:t>Edit Master text styles</a:t>
-            </a:r>
-          </a:p>
-        </p:txBody>
-      </p:sp>
-      <p:sp>
-        <p:nvSpPr>
-          <p:cNvPr id="4" name="Date Placeholder 3"/>
-          <p:cNvSpPr>
-            <a:spLocks noGrp="1"/>
-          </p:cNvSpPr>
-          <p:nvPr>
-            <p:ph type="dt" sz="half" idx="10"/>
-          </p:nvPr>
-        </p:nvSpPr>
-        <p:spPr/>
-        <p:txBody>
-          <a:bodyPr/>
-          <a:lstStyle/>
-          <a:p>
-            <a:fld id="{AB2458EA-1F5A-154D-AFF5-4CF2DF8977D4}" type="datetimeFigureOut">
-              <a:rPr lang="en-US" smtClean="0"/>
-              <a:t>11/18/19</a:t>
-            </a:fld>
-            <a:endParaRPr lang="en-US"/>
-          </a:p>
-        </p:txBody>
-      </p:sp>
-      <p:sp>
-        <p:nvSpPr>
-          <p:cNvPr id="5" name="Footer Placeholder 4"/>
-          <p:cNvSpPr>
-            <a:spLocks noGrp="1"/>
-          </p:cNvSpPr>
-          <p:nvPr>
-            <p:ph type="ftr" sz="quarter" idx="11"/>
-          </p:nvPr>
-        </p:nvSpPr>
-        <p:spPr/>
-        <p:txBody>
-          <a:bodyPr/>
-          <a:lstStyle/>
-          <a:p>
-            <a:endParaRPr lang="en-US"/>
-          </a:p>
-        </p:txBody>
-      </p:sp>
-      <p:sp>
-        <p:nvSpPr>
-          <p:cNvPr id="9" name="Freeform 11"/>
-          <p:cNvSpPr/>
-          <p:nvPr/>
-        </p:nvSpPr>
-        <p:spPr bwMode="auto">
-          <a:xfrm flipV="1">
-            <a:off x="-3141" y="2648479"/>
-            <a:ext cx="1191395" cy="422748"/>
-          </a:xfrm>
-          <a:custGeom>
-            <a:avLst/>
-            <a:gdLst/>
-            <a:ahLst/>
-            <a:cxnLst/>
-            <a:rect l="l" t="t" r="r" b="b"/>
-            <a:pathLst>
-              <a:path w="9248" h="10000">
-                <a:moveTo>
-                  <a:pt x="9248" y="4701"/>
-                </a:moveTo>
-                <a:lnTo>
-                  <a:pt x="7915" y="188"/>
-                </a:lnTo>
-                <a:cubicBezTo>
-                  <a:pt x="7906" y="156"/>
-                  <a:pt x="7895" y="126"/>
-                  <a:pt x="7886" y="94"/>
-                </a:cubicBezTo>
-                <a:cubicBezTo>
-                  <a:pt x="7859" y="0"/>
-                  <a:pt x="7831" y="0"/>
-                  <a:pt x="7803" y="0"/>
-                </a:cubicBezTo>
-                <a:lnTo>
-                  <a:pt x="7275" y="0"/>
-                </a:lnTo>
-                <a:lnTo>
-                  <a:pt x="0" y="70"/>
-                </a:lnTo>
-                <a:cubicBezTo>
-                  <a:pt x="8" y="3380"/>
-                  <a:pt x="17" y="6690"/>
-                  <a:pt x="25" y="10000"/>
-                </a:cubicBezTo>
-                <a:lnTo>
-                  <a:pt x="7275" y="9966"/>
-                </a:lnTo>
-                <a:lnTo>
-                  <a:pt x="7803" y="9966"/>
-                </a:lnTo>
-                <a:cubicBezTo>
-                  <a:pt x="7831" y="9966"/>
-                  <a:pt x="7859" y="9872"/>
-                  <a:pt x="7886" y="9872"/>
-                </a:cubicBezTo>
-                <a:cubicBezTo>
-                  <a:pt x="7886" y="9778"/>
-                  <a:pt x="7915" y="9778"/>
-                  <a:pt x="7915" y="9778"/>
-                </a:cubicBezTo>
-                <a:lnTo>
-                  <a:pt x="9248" y="5265"/>
-                </a:lnTo>
-                <a:cubicBezTo>
-                  <a:pt x="9303" y="5077"/>
-                  <a:pt x="9303" y="4889"/>
-                  <a:pt x="9248" y="4701"/>
-                </a:cubicBezTo>
-                <a:close/>
-              </a:path>
-            </a:pathLst>
-          </a:custGeom>
-          <a:solidFill>
-            <a:schemeClr val="accent1"/>
-          </a:solidFill>
-          <a:ln>
-            <a:noFill/>
-          </a:ln>
-        </p:spPr>
-      </p:sp>
-      <p:sp>
-        <p:nvSpPr>
-          <p:cNvPr id="6" name="Slide Number Placeholder 5"/>
-          <p:cNvSpPr>
-            <a:spLocks noGrp="1"/>
-          </p:cNvSpPr>
-          <p:nvPr>
-            <p:ph type="sldNum" sz="quarter" idx="12"/>
-          </p:nvPr>
-        </p:nvSpPr>
-        <p:spPr>
-          <a:xfrm>
-            <a:off x="398860" y="2703450"/>
-            <a:ext cx="584825" cy="304271"/>
-          </a:xfrm>
-        </p:spPr>
-        <p:txBody>
-          <a:bodyPr/>
-          <a:lstStyle/>
-          <a:p>
-            <a:fld id="{45D8DECA-3F01-4D4D-9CE8-CE0BA91433C8}" type="slidenum">
-              <a:rPr lang="en-US" smtClean="0"/>
-              <a:t>‹#›</a:t>
-            </a:fld>
-            <a:endParaRPr lang="en-US"/>
-          </a:p>
-        </p:txBody>
-      </p:sp>
-    </p:spTree>
-    <p:extLst>
-      <p:ext uri="{BB962C8B-B14F-4D97-AF65-F5344CB8AC3E}">
-        <p14:creationId xmlns:p14="http://schemas.microsoft.com/office/powerpoint/2010/main" val="3252351407"/>
-      </p:ext>
-    </p:extLst>
-  </p:cSld>
-  <p:clrMapOvr>
-    <a:masterClrMapping/>
-  </p:clrMapOvr>
-</p:sldLayout>
-</file>
-
-<file path=ppt/slideLayouts/slideLayout11.xml><?xml version="1.0" encoding="utf-8"?>
-<p:sldLayout xmlns:a="http://schemas.openxmlformats.org/drawingml/2006/main" xmlns:r="http://schemas.openxmlformats.org/officeDocument/2006/relationships" xmlns:p="http://schemas.openxmlformats.org/presentationml/2006/main" preserve="1">
-  <p:cSld name="Quote with Caption">
-    <p:spTree>
-      <p:nvGrpSpPr>
-        <p:cNvPr id="1" name=""/>
-        <p:cNvGrpSpPr/>
-        <p:nvPr/>
-      </p:nvGrpSpPr>
-      <p:grpSpPr>
-        <a:xfrm>
-          <a:off x="0" y="0"/>
-          <a:ext cx="0" cy="0"/>
-          <a:chOff x="0" y="0"/>
-          <a:chExt cx="0" cy="0"/>
-        </a:xfrm>
-      </p:grpSpPr>
-      <p:sp>
-        <p:nvSpPr>
-          <p:cNvPr id="2" name="Title 1"/>
-          <p:cNvSpPr>
-            <a:spLocks noGrp="1"/>
-          </p:cNvSpPr>
-          <p:nvPr>
-            <p:ph type="title"/>
-          </p:nvPr>
-        </p:nvSpPr>
-        <p:spPr>
-          <a:xfrm>
-            <a:off x="2137462" y="508000"/>
-            <a:ext cx="6295445" cy="2413000"/>
-          </a:xfrm>
-        </p:spPr>
-        <p:txBody>
-          <a:bodyPr anchor="ctr">
-            <a:normAutofit/>
-          </a:bodyPr>
-          <a:lstStyle>
-            <a:lvl1pPr algn="l">
-              <a:defRPr sz="3600" b="0" cap="none"/>
-            </a:lvl1pPr>
-          </a:lstStyle>
-          <a:p>
-            <a:r>
-              <a:rPr lang="en-US"/>
-              <a:t>Click to edit Master title style</a:t>
-            </a:r>
-            <a:endParaRPr lang="en-US" dirty="0"/>
-          </a:p>
-        </p:txBody>
-      </p:sp>
-      <p:sp>
-        <p:nvSpPr>
-          <p:cNvPr id="13" name="Text Placeholder 9"/>
-          <p:cNvSpPr>
-            <a:spLocks noGrp="1"/>
-          </p:cNvSpPr>
-          <p:nvPr>
-            <p:ph type="body" sz="quarter" idx="13"/>
-          </p:nvPr>
-        </p:nvSpPr>
-        <p:spPr>
-          <a:xfrm>
-            <a:off x="2456259" y="2921000"/>
-            <a:ext cx="5652416" cy="317500"/>
-          </a:xfrm>
-        </p:spPr>
-        <p:txBody>
-          <a:bodyPr anchor="ctr">
-            <a:noAutofit/>
-          </a:bodyPr>
-          <a:lstStyle>
-            <a:lvl1pPr marL="0" indent="0">
-              <a:buFontTx/>
-              <a:buNone/>
-              <a:defRPr sz="1200">
-                <a:solidFill>
-                  <a:schemeClr val="tx1">
-                    <a:lumMod val="50000"/>
-                    <a:lumOff val="50000"/>
-                  </a:schemeClr>
-                </a:solidFill>
-              </a:defRPr>
-            </a:lvl1pPr>
-            <a:lvl2pPr marL="342900" indent="0">
-              <a:buFontTx/>
-              <a:buNone/>
-              <a:defRPr/>
-            </a:lvl2pPr>
-            <a:lvl3pPr marL="685800" indent="0">
-              <a:buFontTx/>
-              <a:buNone/>
-              <a:defRPr/>
-            </a:lvl3pPr>
-            <a:lvl4pPr marL="1028700" indent="0">
-              <a:buFontTx/>
-              <a:buNone/>
-              <a:defRPr/>
-            </a:lvl4pPr>
-            <a:lvl5pPr marL="1371600" indent="0">
-              <a:buFontTx/>
-              <a:buNone/>
-              <a:defRPr/>
-            </a:lvl5pPr>
-          </a:lstStyle>
-          <a:p>
-            <a:pPr lvl="0"/>
-            <a:r>
-              <a:rPr lang="en-US"/>
-              <a:t>Edit Master text styles</a:t>
-            </a:r>
-          </a:p>
-        </p:txBody>
-      </p:sp>
-      <p:sp>
-        <p:nvSpPr>
-          <p:cNvPr id="3" name="Text Placeholder 2"/>
-          <p:cNvSpPr>
-            <a:spLocks noGrp="1"/>
-          </p:cNvSpPr>
-          <p:nvPr>
-            <p:ph type="body" idx="1"/>
-          </p:nvPr>
-        </p:nvSpPr>
-        <p:spPr>
-          <a:xfrm>
-            <a:off x="1941910" y="3628372"/>
-            <a:ext cx="6686549" cy="1296553"/>
-          </a:xfrm>
-        </p:spPr>
-        <p:txBody>
-          <a:bodyPr anchor="ctr">
-            <a:normAutofit/>
-          </a:bodyPr>
-          <a:lstStyle>
-            <a:lvl1pPr marL="0" indent="0" algn="l">
-              <a:buNone/>
-              <a:defRPr sz="1350">
-                <a:solidFill>
-                  <a:schemeClr val="tx1">
-                    <a:lumMod val="65000"/>
-                    <a:lumOff val="35000"/>
-                  </a:schemeClr>
-                </a:solidFill>
-              </a:defRPr>
-            </a:lvl1pPr>
-            <a:lvl2pPr marL="342900" indent="0">
-              <a:buNone/>
-              <a:defRPr sz="1350">
-                <a:solidFill>
-                  <a:schemeClr val="tx1">
-                    <a:tint val="75000"/>
-                  </a:schemeClr>
-                </a:solidFill>
-              </a:defRPr>
-            </a:lvl2pPr>
-            <a:lvl3pPr marL="685800" indent="0">
-              <a:buNone/>
-              <a:defRPr sz="1200">
-                <a:solidFill>
-                  <a:schemeClr val="tx1">
-                    <a:tint val="75000"/>
-                  </a:schemeClr>
-                </a:solidFill>
-              </a:defRPr>
-            </a:lvl3pPr>
-            <a:lvl4pPr marL="1028700" indent="0">
-              <a:buNone/>
-              <a:defRPr sz="1050">
-                <a:solidFill>
-                  <a:schemeClr val="tx1">
-                    <a:tint val="75000"/>
-                  </a:schemeClr>
-                </a:solidFill>
-              </a:defRPr>
-            </a:lvl4pPr>
-            <a:lvl5pPr marL="1371600" indent="0">
-              <a:buNone/>
-              <a:defRPr sz="1050">
-                <a:solidFill>
-                  <a:schemeClr val="tx1">
-                    <a:tint val="75000"/>
-                  </a:schemeClr>
-                </a:solidFill>
-              </a:defRPr>
-            </a:lvl5pPr>
-            <a:lvl6pPr marL="1714500" indent="0">
-              <a:buNone/>
-              <a:defRPr sz="1050">
-                <a:solidFill>
-                  <a:schemeClr val="tx1">
-                    <a:tint val="75000"/>
-                  </a:schemeClr>
-                </a:solidFill>
-              </a:defRPr>
-            </a:lvl6pPr>
-            <a:lvl7pPr marL="2057400" indent="0">
-              <a:buNone/>
-              <a:defRPr sz="1050">
-                <a:solidFill>
-                  <a:schemeClr val="tx1">
-                    <a:tint val="75000"/>
-                  </a:schemeClr>
-                </a:solidFill>
-              </a:defRPr>
-            </a:lvl7pPr>
-            <a:lvl8pPr marL="2400300" indent="0">
-              <a:buNone/>
-              <a:defRPr sz="1050">
-                <a:solidFill>
-                  <a:schemeClr val="tx1">
-                    <a:tint val="75000"/>
-                  </a:schemeClr>
-                </a:solidFill>
-              </a:defRPr>
-            </a:lvl8pPr>
-            <a:lvl9pPr marL="2743200" indent="0">
-              <a:buNone/>
-              <a:defRPr sz="1050">
-                <a:solidFill>
-                  <a:schemeClr val="tx1">
-                    <a:tint val="75000"/>
-                  </a:schemeClr>
-                </a:solidFill>
-              </a:defRPr>
-            </a:lvl9pPr>
-          </a:lstStyle>
-          <a:p>
-            <a:pPr lvl="0"/>
-            <a:r>
-              <a:rPr lang="en-US"/>
-              <a:t>Edit Master text styles</a:t>
-            </a:r>
-          </a:p>
-        </p:txBody>
-      </p:sp>
-      <p:sp>
-        <p:nvSpPr>
-          <p:cNvPr id="4" name="Date Placeholder 3"/>
-          <p:cNvSpPr>
-            <a:spLocks noGrp="1"/>
-          </p:cNvSpPr>
-          <p:nvPr>
-            <p:ph type="dt" sz="half" idx="10"/>
-          </p:nvPr>
-        </p:nvSpPr>
-        <p:spPr/>
-        <p:txBody>
-          <a:bodyPr/>
-          <a:lstStyle/>
-          <a:p>
-            <a:fld id="{AB2458EA-1F5A-154D-AFF5-4CF2DF8977D4}" type="datetimeFigureOut">
-              <a:rPr lang="en-US" smtClean="0"/>
-              <a:t>11/18/19</a:t>
-            </a:fld>
-            <a:endParaRPr lang="en-US"/>
-          </a:p>
-        </p:txBody>
-      </p:sp>
-      <p:sp>
-        <p:nvSpPr>
-          <p:cNvPr id="5" name="Footer Placeholder 4"/>
-          <p:cNvSpPr>
-            <a:spLocks noGrp="1"/>
-          </p:cNvSpPr>
-          <p:nvPr>
-            <p:ph type="ftr" sz="quarter" idx="11"/>
-          </p:nvPr>
-        </p:nvSpPr>
-        <p:spPr/>
-        <p:txBody>
-          <a:bodyPr/>
-          <a:lstStyle/>
-          <a:p>
-            <a:endParaRPr lang="en-US"/>
-          </a:p>
-        </p:txBody>
-      </p:sp>
-      <p:sp>
-        <p:nvSpPr>
-          <p:cNvPr id="11" name="Freeform 11"/>
-          <p:cNvSpPr/>
-          <p:nvPr/>
-        </p:nvSpPr>
-        <p:spPr bwMode="auto">
-          <a:xfrm flipV="1">
-            <a:off x="-3141" y="2648479"/>
-            <a:ext cx="1191395" cy="422748"/>
-          </a:xfrm>
-          <a:custGeom>
-            <a:avLst/>
-            <a:gdLst/>
-            <a:ahLst/>
-            <a:cxnLst/>
-            <a:rect l="l" t="t" r="r" b="b"/>
-            <a:pathLst>
-              <a:path w="9248" h="10000">
-                <a:moveTo>
-                  <a:pt x="9248" y="4701"/>
-                </a:moveTo>
-                <a:lnTo>
-                  <a:pt x="7915" y="188"/>
-                </a:lnTo>
-                <a:cubicBezTo>
-                  <a:pt x="7906" y="156"/>
-                  <a:pt x="7895" y="126"/>
-                  <a:pt x="7886" y="94"/>
-                </a:cubicBezTo>
-                <a:cubicBezTo>
-                  <a:pt x="7859" y="0"/>
-                  <a:pt x="7831" y="0"/>
-                  <a:pt x="7803" y="0"/>
-                </a:cubicBezTo>
-                <a:lnTo>
-                  <a:pt x="7275" y="0"/>
-                </a:lnTo>
-                <a:lnTo>
-                  <a:pt x="0" y="70"/>
-                </a:lnTo>
-                <a:cubicBezTo>
-                  <a:pt x="8" y="3380"/>
-                  <a:pt x="17" y="6690"/>
-                  <a:pt x="25" y="10000"/>
-                </a:cubicBezTo>
-                <a:lnTo>
-                  <a:pt x="7275" y="9966"/>
-                </a:lnTo>
-                <a:lnTo>
-                  <a:pt x="7803" y="9966"/>
-                </a:lnTo>
-                <a:cubicBezTo>
-                  <a:pt x="7831" y="9966"/>
-                  <a:pt x="7859" y="9872"/>
-                  <a:pt x="7886" y="9872"/>
-                </a:cubicBezTo>
-                <a:cubicBezTo>
-                  <a:pt x="7886" y="9778"/>
-                  <a:pt x="7915" y="9778"/>
-                  <a:pt x="7915" y="9778"/>
-                </a:cubicBezTo>
-                <a:lnTo>
-                  <a:pt x="9248" y="5265"/>
-                </a:lnTo>
-                <a:cubicBezTo>
-                  <a:pt x="9303" y="5077"/>
-                  <a:pt x="9303" y="4889"/>
-                  <a:pt x="9248" y="4701"/>
-                </a:cubicBezTo>
-                <a:close/>
-              </a:path>
-            </a:pathLst>
-          </a:custGeom>
-          <a:solidFill>
-            <a:schemeClr val="accent1"/>
-          </a:solidFill>
-          <a:ln>
-            <a:noFill/>
-          </a:ln>
-        </p:spPr>
-      </p:sp>
-      <p:sp>
-        <p:nvSpPr>
-          <p:cNvPr id="6" name="Slide Number Placeholder 5"/>
-          <p:cNvSpPr>
-            <a:spLocks noGrp="1"/>
-          </p:cNvSpPr>
-          <p:nvPr>
-            <p:ph type="sldNum" sz="quarter" idx="12"/>
-          </p:nvPr>
-        </p:nvSpPr>
-        <p:spPr>
-          <a:xfrm>
-            <a:off x="398860" y="2703450"/>
-            <a:ext cx="584825" cy="304271"/>
-          </a:xfrm>
-        </p:spPr>
-        <p:txBody>
-          <a:bodyPr/>
-          <a:lstStyle/>
-          <a:p>
-            <a:fld id="{45D8DECA-3F01-4D4D-9CE8-CE0BA91433C8}" type="slidenum">
-              <a:rPr lang="en-US" smtClean="0"/>
-              <a:t>‹#›</a:t>
-            </a:fld>
-            <a:endParaRPr lang="en-US"/>
-          </a:p>
-        </p:txBody>
-      </p:sp>
-      <p:sp>
-        <p:nvSpPr>
-          <p:cNvPr id="14" name="TextBox 13"/>
-          <p:cNvSpPr txBox="1"/>
-          <p:nvPr/>
-        </p:nvSpPr>
-        <p:spPr>
-          <a:xfrm>
-            <a:off x="1850739" y="540004"/>
-            <a:ext cx="457200" cy="487313"/>
-          </a:xfrm>
-          <a:prstGeom prst="rect">
-            <a:avLst/>
-          </a:prstGeom>
-        </p:spPr>
-        <p:txBody>
-          <a:bodyPr vert="horz" lIns="68580" tIns="34290" rIns="68580" bIns="34290" rtlCol="0" anchor="ctr">
-            <a:noAutofit/>
-          </a:bodyPr>
-          <a:lstStyle/>
-          <a:p>
-            <a:pPr lvl="0"/>
-            <a:r>
-              <a:rPr lang="en-US" sz="6000" baseline="0" dirty="0">
-                <a:ln w="3175" cmpd="sng">
-                  <a:noFill/>
-                </a:ln>
-                <a:solidFill>
-                  <a:schemeClr val="accent1"/>
-                </a:solidFill>
-                <a:effectLst/>
-                <a:latin typeface="Arial"/>
-              </a:rPr>
-              <a:t>“</a:t>
-            </a:r>
-          </a:p>
-        </p:txBody>
-      </p:sp>
-      <p:sp>
-        <p:nvSpPr>
-          <p:cNvPr id="15" name="TextBox 14"/>
-          <p:cNvSpPr txBox="1"/>
-          <p:nvPr/>
-        </p:nvSpPr>
-        <p:spPr>
-          <a:xfrm>
-            <a:off x="8336139" y="2421089"/>
-            <a:ext cx="457200" cy="487313"/>
-          </a:xfrm>
-          <a:prstGeom prst="rect">
-            <a:avLst/>
-          </a:prstGeom>
-        </p:spPr>
-        <p:txBody>
-          <a:bodyPr vert="horz" lIns="68580" tIns="34290" rIns="68580" bIns="34290" rtlCol="0" anchor="ctr">
-            <a:noAutofit/>
-          </a:bodyPr>
-          <a:lstStyle/>
-          <a:p>
-            <a:pPr lvl="0"/>
-            <a:r>
-              <a:rPr lang="en-US" sz="6000" baseline="0" dirty="0">
-                <a:ln w="3175" cmpd="sng">
-                  <a:noFill/>
-                </a:ln>
-                <a:solidFill>
-                  <a:schemeClr val="accent1"/>
-                </a:solidFill>
-                <a:effectLst/>
-                <a:latin typeface="Arial"/>
-              </a:rPr>
-              <a:t>”</a:t>
-            </a:r>
-          </a:p>
-        </p:txBody>
-      </p:sp>
-    </p:spTree>
-    <p:extLst>
-      <p:ext uri="{BB962C8B-B14F-4D97-AF65-F5344CB8AC3E}">
-        <p14:creationId xmlns:p14="http://schemas.microsoft.com/office/powerpoint/2010/main" val="3717801437"/>
-      </p:ext>
-    </p:extLst>
-  </p:cSld>
-  <p:clrMapOvr>
-    <a:masterClrMapping/>
-  </p:clrMapOvr>
-</p:sldLayout>
-</file>
-
-<file path=ppt/slideLayouts/slideLayout12.xml><?xml version="1.0" encoding="utf-8"?>
-<p:sldLayout xmlns:a="http://schemas.openxmlformats.org/drawingml/2006/main" xmlns:r="http://schemas.openxmlformats.org/officeDocument/2006/relationships" xmlns:p="http://schemas.openxmlformats.org/presentationml/2006/main" preserve="1">
-  <p:cSld name="Name Card">
-    <p:spTree>
-      <p:nvGrpSpPr>
-        <p:cNvPr id="1" name=""/>
-        <p:cNvGrpSpPr/>
-        <p:nvPr/>
-      </p:nvGrpSpPr>
-      <p:grpSpPr>
-        <a:xfrm>
-          <a:off x="0" y="0"/>
-          <a:ext cx="0" cy="0"/>
-          <a:chOff x="0" y="0"/>
-          <a:chExt cx="0" cy="0"/>
-        </a:xfrm>
-      </p:grpSpPr>
-      <p:sp>
-        <p:nvSpPr>
-          <p:cNvPr id="2" name="Title 1"/>
-          <p:cNvSpPr>
-            <a:spLocks noGrp="1"/>
-          </p:cNvSpPr>
-          <p:nvPr>
-            <p:ph type="title"/>
-          </p:nvPr>
-        </p:nvSpPr>
-        <p:spPr>
-          <a:xfrm>
-            <a:off x="1941910" y="2032001"/>
-            <a:ext cx="6686550" cy="2270704"/>
-          </a:xfrm>
-        </p:spPr>
-        <p:txBody>
-          <a:bodyPr anchor="b">
-            <a:normAutofit/>
-          </a:bodyPr>
-          <a:lstStyle>
-            <a:lvl1pPr algn="l">
-              <a:defRPr sz="3600" b="0"/>
-            </a:lvl1pPr>
-          </a:lstStyle>
-          <a:p>
-            <a:r>
-              <a:rPr lang="en-US"/>
-              <a:t>Click to edit Master title style</a:t>
-            </a:r>
-            <a:endParaRPr lang="en-US" dirty="0"/>
-          </a:p>
-        </p:txBody>
-      </p:sp>
-      <p:sp>
-        <p:nvSpPr>
-          <p:cNvPr id="4" name="Text Placeholder 3"/>
-          <p:cNvSpPr>
-            <a:spLocks noGrp="1"/>
-          </p:cNvSpPr>
-          <p:nvPr>
-            <p:ph type="body" sz="half" idx="2"/>
-          </p:nvPr>
-        </p:nvSpPr>
-        <p:spPr>
-          <a:xfrm>
-            <a:off x="1941910" y="4318000"/>
-            <a:ext cx="6686550" cy="608018"/>
-          </a:xfrm>
-        </p:spPr>
-        <p:txBody>
-          <a:bodyPr vert="horz" lIns="91440" tIns="45720" rIns="91440" bIns="45720" rtlCol="0" anchor="t">
-            <a:normAutofit/>
-          </a:bodyPr>
-          <a:lstStyle>
-            <a:lvl1pPr>
-              <a:buNone/>
-              <a:defRPr lang="en-US">
-                <a:solidFill>
-                  <a:schemeClr val="tx1">
-                    <a:lumMod val="65000"/>
-                    <a:lumOff val="35000"/>
-                  </a:schemeClr>
-                </a:solidFill>
-              </a:defRPr>
-            </a:lvl1pPr>
-          </a:lstStyle>
-          <a:p>
-            <a:pPr marL="0" lvl="0" indent="0">
-              <a:buNone/>
-            </a:pPr>
-            <a:r>
-              <a:rPr lang="en-US"/>
-              <a:t>Edit Master text styles</a:t>
-            </a:r>
-          </a:p>
-        </p:txBody>
-      </p:sp>
-      <p:sp>
-        <p:nvSpPr>
-          <p:cNvPr id="5" name="Date Placeholder 4"/>
-          <p:cNvSpPr>
-            <a:spLocks noGrp="1"/>
-          </p:cNvSpPr>
-          <p:nvPr>
-            <p:ph type="dt" sz="half" idx="10"/>
-          </p:nvPr>
-        </p:nvSpPr>
-        <p:spPr/>
-        <p:txBody>
-          <a:bodyPr/>
-          <a:lstStyle/>
-          <a:p>
-            <a:fld id="{AB2458EA-1F5A-154D-AFF5-4CF2DF8977D4}" type="datetimeFigureOut">
-              <a:rPr lang="en-US" smtClean="0"/>
-              <a:t>11/18/19</a:t>
-            </a:fld>
-            <a:endParaRPr lang="en-US"/>
-          </a:p>
-        </p:txBody>
-      </p:sp>
-      <p:sp>
-        <p:nvSpPr>
-          <p:cNvPr id="6" name="Footer Placeholder 5"/>
-          <p:cNvSpPr>
-            <a:spLocks noGrp="1"/>
-          </p:cNvSpPr>
-          <p:nvPr>
-            <p:ph type="ftr" sz="quarter" idx="11"/>
-          </p:nvPr>
-        </p:nvSpPr>
-        <p:spPr/>
-        <p:txBody>
-          <a:bodyPr/>
-          <a:lstStyle/>
-          <a:p>
-            <a:endParaRPr lang="en-US"/>
-          </a:p>
-        </p:txBody>
-      </p:sp>
-      <p:sp>
-        <p:nvSpPr>
-          <p:cNvPr id="9" name="Freeform 11"/>
-          <p:cNvSpPr/>
-          <p:nvPr/>
-        </p:nvSpPr>
-        <p:spPr bwMode="auto">
-          <a:xfrm flipV="1">
-            <a:off x="-3141" y="4093104"/>
-            <a:ext cx="1191395" cy="422748"/>
-          </a:xfrm>
-          <a:custGeom>
-            <a:avLst/>
-            <a:gdLst/>
-            <a:ahLst/>
-            <a:cxnLst/>
-            <a:rect l="l" t="t" r="r" b="b"/>
-            <a:pathLst>
-              <a:path w="9248" h="10000">
-                <a:moveTo>
-                  <a:pt x="9248" y="4701"/>
-                </a:moveTo>
-                <a:lnTo>
-                  <a:pt x="7915" y="188"/>
-                </a:lnTo>
-                <a:cubicBezTo>
-                  <a:pt x="7906" y="156"/>
-                  <a:pt x="7895" y="126"/>
-                  <a:pt x="7886" y="94"/>
-                </a:cubicBezTo>
-                <a:cubicBezTo>
-                  <a:pt x="7859" y="0"/>
-                  <a:pt x="7831" y="0"/>
-                  <a:pt x="7803" y="0"/>
-                </a:cubicBezTo>
-                <a:lnTo>
-                  <a:pt x="7275" y="0"/>
-                </a:lnTo>
-                <a:lnTo>
-                  <a:pt x="0" y="70"/>
-                </a:lnTo>
-                <a:cubicBezTo>
-                  <a:pt x="8" y="3380"/>
-                  <a:pt x="17" y="6690"/>
-                  <a:pt x="25" y="10000"/>
-                </a:cubicBezTo>
-                <a:lnTo>
-                  <a:pt x="7275" y="9966"/>
-                </a:lnTo>
-                <a:lnTo>
-                  <a:pt x="7803" y="9966"/>
-                </a:lnTo>
-                <a:cubicBezTo>
-                  <a:pt x="7831" y="9966"/>
-                  <a:pt x="7859" y="9872"/>
-                  <a:pt x="7886" y="9872"/>
-                </a:cubicBezTo>
-                <a:cubicBezTo>
-                  <a:pt x="7886" y="9778"/>
-                  <a:pt x="7915" y="9778"/>
-                  <a:pt x="7915" y="9778"/>
-                </a:cubicBezTo>
-                <a:lnTo>
-                  <a:pt x="9248" y="5265"/>
-                </a:lnTo>
-                <a:cubicBezTo>
-                  <a:pt x="9303" y="5077"/>
-                  <a:pt x="9303" y="4889"/>
-                  <a:pt x="9248" y="4701"/>
-                </a:cubicBezTo>
-                <a:close/>
-              </a:path>
-            </a:pathLst>
-          </a:custGeom>
-          <a:solidFill>
-            <a:schemeClr val="accent1"/>
-          </a:solidFill>
-          <a:ln>
-            <a:noFill/>
-          </a:ln>
-        </p:spPr>
-      </p:sp>
-      <p:sp>
-        <p:nvSpPr>
-          <p:cNvPr id="7" name="Slide Number Placeholder 6"/>
-          <p:cNvSpPr>
-            <a:spLocks noGrp="1"/>
-          </p:cNvSpPr>
-          <p:nvPr>
-            <p:ph type="sldNum" sz="quarter" idx="12"/>
-          </p:nvPr>
-        </p:nvSpPr>
-        <p:spPr>
-          <a:xfrm>
-            <a:off x="398860" y="4152573"/>
-            <a:ext cx="584825" cy="304271"/>
-          </a:xfrm>
-        </p:spPr>
-        <p:txBody>
-          <a:bodyPr/>
-          <a:lstStyle/>
-          <a:p>
-            <a:fld id="{45D8DECA-3F01-4D4D-9CE8-CE0BA91433C8}" type="slidenum">
-              <a:rPr lang="en-US" smtClean="0"/>
-              <a:t>‹#›</a:t>
-            </a:fld>
-            <a:endParaRPr lang="en-US"/>
-          </a:p>
-        </p:txBody>
-      </p:sp>
-    </p:spTree>
-    <p:extLst>
-      <p:ext uri="{BB962C8B-B14F-4D97-AF65-F5344CB8AC3E}">
-        <p14:creationId xmlns:p14="http://schemas.microsoft.com/office/powerpoint/2010/main" val="4261027299"/>
-      </p:ext>
-    </p:extLst>
-  </p:cSld>
-  <p:clrMapOvr>
-    <a:masterClrMapping/>
-  </p:clrMapOvr>
-</p:sldLayout>
-</file>
-
-<file path=ppt/slideLayouts/slideLayout13.xml><?xml version="1.0" encoding="utf-8"?>
-<p:sldLayout xmlns:a="http://schemas.openxmlformats.org/drawingml/2006/main" xmlns:r="http://schemas.openxmlformats.org/officeDocument/2006/relationships" xmlns:p="http://schemas.openxmlformats.org/presentationml/2006/main" preserve="1">
-  <p:cSld name="Quote Name Card">
-    <p:spTree>
-      <p:nvGrpSpPr>
-        <p:cNvPr id="1" name=""/>
-        <p:cNvGrpSpPr/>
-        <p:nvPr/>
-      </p:nvGrpSpPr>
-      <p:grpSpPr>
-        <a:xfrm>
-          <a:off x="0" y="0"/>
-          <a:ext cx="0" cy="0"/>
-          <a:chOff x="0" y="0"/>
-          <a:chExt cx="0" cy="0"/>
-        </a:xfrm>
-      </p:grpSpPr>
-      <p:sp>
-        <p:nvSpPr>
-          <p:cNvPr id="12" name="Title 1"/>
-          <p:cNvSpPr>
-            <a:spLocks noGrp="1"/>
-          </p:cNvSpPr>
-          <p:nvPr>
-            <p:ph type="title"/>
-          </p:nvPr>
-        </p:nvSpPr>
-        <p:spPr>
-          <a:xfrm>
-            <a:off x="2137462" y="508000"/>
-            <a:ext cx="6295445" cy="2413000"/>
-          </a:xfrm>
-        </p:spPr>
-        <p:txBody>
-          <a:bodyPr anchor="ctr">
-            <a:normAutofit/>
-          </a:bodyPr>
-          <a:lstStyle>
-            <a:lvl1pPr algn="l">
-              <a:defRPr sz="3600" b="0" cap="none"/>
-            </a:lvl1pPr>
-          </a:lstStyle>
-          <a:p>
-            <a:r>
-              <a:rPr lang="en-US"/>
-              <a:t>Click to edit Master title style</a:t>
-            </a:r>
-            <a:endParaRPr lang="en-US" dirty="0"/>
-          </a:p>
-        </p:txBody>
-      </p:sp>
-      <p:sp>
-        <p:nvSpPr>
-          <p:cNvPr id="21" name="Text Placeholder 9"/>
-          <p:cNvSpPr>
-            <a:spLocks noGrp="1"/>
-          </p:cNvSpPr>
-          <p:nvPr>
-            <p:ph type="body" sz="quarter" idx="13"/>
-          </p:nvPr>
-        </p:nvSpPr>
-        <p:spPr>
-          <a:xfrm>
-            <a:off x="1941909" y="3619500"/>
-            <a:ext cx="6686550" cy="698500"/>
-          </a:xfrm>
-        </p:spPr>
-        <p:txBody>
-          <a:bodyPr anchor="b">
-            <a:noAutofit/>
-          </a:bodyPr>
-          <a:lstStyle>
-            <a:lvl1pPr marL="0" indent="0">
-              <a:buFontTx/>
-              <a:buNone/>
-              <a:defRPr sz="1800">
-                <a:solidFill>
-                  <a:schemeClr val="accent1"/>
-                </a:solidFill>
-              </a:defRPr>
-            </a:lvl1pPr>
-            <a:lvl2pPr marL="342900" indent="0">
-              <a:buFontTx/>
-              <a:buNone/>
-              <a:defRPr/>
-            </a:lvl2pPr>
-            <a:lvl3pPr marL="685800" indent="0">
-              <a:buFontTx/>
-              <a:buNone/>
-              <a:defRPr/>
-            </a:lvl3pPr>
-            <a:lvl4pPr marL="1028700" indent="0">
-              <a:buFontTx/>
-              <a:buNone/>
-              <a:defRPr/>
-            </a:lvl4pPr>
-            <a:lvl5pPr marL="1371600" indent="0">
-              <a:buFontTx/>
-              <a:buNone/>
-              <a:defRPr/>
-            </a:lvl5pPr>
-          </a:lstStyle>
-          <a:p>
-            <a:pPr lvl="0"/>
-            <a:r>
-              <a:rPr lang="en-US"/>
-              <a:t>Edit Master text styles</a:t>
-            </a:r>
-          </a:p>
-        </p:txBody>
-      </p:sp>
-      <p:sp>
-        <p:nvSpPr>
-          <p:cNvPr id="4" name="Text Placeholder 3"/>
-          <p:cNvSpPr>
-            <a:spLocks noGrp="1"/>
-          </p:cNvSpPr>
-          <p:nvPr>
-            <p:ph type="body" sz="half" idx="2"/>
-          </p:nvPr>
-        </p:nvSpPr>
-        <p:spPr>
-          <a:xfrm>
-            <a:off x="1941910" y="4318000"/>
-            <a:ext cx="6686550" cy="608018"/>
-          </a:xfrm>
-        </p:spPr>
-        <p:txBody>
-          <a:bodyPr vert="horz" lIns="91440" tIns="45720" rIns="91440" bIns="45720" rtlCol="0" anchor="t">
-            <a:normAutofit/>
-          </a:bodyPr>
-          <a:lstStyle>
-            <a:lvl1pPr>
-              <a:buNone/>
-              <a:defRPr lang="en-US">
-                <a:solidFill>
-                  <a:schemeClr val="tx1">
-                    <a:lumMod val="65000"/>
-                    <a:lumOff val="35000"/>
-                  </a:schemeClr>
-                </a:solidFill>
-              </a:defRPr>
-            </a:lvl1pPr>
-          </a:lstStyle>
-          <a:p>
-            <a:pPr marL="0" lvl="0" indent="0">
-              <a:buNone/>
-            </a:pPr>
-            <a:r>
-              <a:rPr lang="en-US"/>
-              <a:t>Edit Master text styles</a:t>
-            </a:r>
-          </a:p>
-        </p:txBody>
-      </p:sp>
-      <p:sp>
-        <p:nvSpPr>
-          <p:cNvPr id="5" name="Date Placeholder 4"/>
-          <p:cNvSpPr>
-            <a:spLocks noGrp="1"/>
-          </p:cNvSpPr>
-          <p:nvPr>
-            <p:ph type="dt" sz="half" idx="10"/>
-          </p:nvPr>
-        </p:nvSpPr>
-        <p:spPr/>
-        <p:txBody>
-          <a:bodyPr/>
-          <a:lstStyle/>
-          <a:p>
-            <a:fld id="{AB2458EA-1F5A-154D-AFF5-4CF2DF8977D4}" type="datetimeFigureOut">
-              <a:rPr lang="en-US" smtClean="0"/>
-              <a:t>11/18/19</a:t>
-            </a:fld>
-            <a:endParaRPr lang="en-US"/>
-          </a:p>
-        </p:txBody>
-      </p:sp>
-      <p:sp>
-        <p:nvSpPr>
-          <p:cNvPr id="6" name="Footer Placeholder 5"/>
-          <p:cNvSpPr>
-            <a:spLocks noGrp="1"/>
-          </p:cNvSpPr>
-          <p:nvPr>
-            <p:ph type="ftr" sz="quarter" idx="11"/>
-          </p:nvPr>
-        </p:nvSpPr>
-        <p:spPr/>
-        <p:txBody>
-          <a:bodyPr/>
-          <a:lstStyle/>
-          <a:p>
-            <a:endParaRPr lang="en-US"/>
-          </a:p>
-        </p:txBody>
-      </p:sp>
-      <p:sp>
-        <p:nvSpPr>
-          <p:cNvPr id="11" name="Freeform 11"/>
-          <p:cNvSpPr/>
-          <p:nvPr/>
-        </p:nvSpPr>
-        <p:spPr bwMode="auto">
-          <a:xfrm flipV="1">
-            <a:off x="-3141" y="4093104"/>
-            <a:ext cx="1191395" cy="422748"/>
-          </a:xfrm>
-          <a:custGeom>
-            <a:avLst/>
-            <a:gdLst/>
-            <a:ahLst/>
-            <a:cxnLst/>
-            <a:rect l="l" t="t" r="r" b="b"/>
-            <a:pathLst>
-              <a:path w="9248" h="10000">
-                <a:moveTo>
-                  <a:pt x="9248" y="4701"/>
-                </a:moveTo>
-                <a:lnTo>
-                  <a:pt x="7915" y="188"/>
-                </a:lnTo>
-                <a:cubicBezTo>
-                  <a:pt x="7906" y="156"/>
-                  <a:pt x="7895" y="126"/>
-                  <a:pt x="7886" y="94"/>
-                </a:cubicBezTo>
-                <a:cubicBezTo>
-                  <a:pt x="7859" y="0"/>
-                  <a:pt x="7831" y="0"/>
-                  <a:pt x="7803" y="0"/>
-                </a:cubicBezTo>
-                <a:lnTo>
-                  <a:pt x="7275" y="0"/>
-                </a:lnTo>
-                <a:lnTo>
-                  <a:pt x="0" y="70"/>
-                </a:lnTo>
-                <a:cubicBezTo>
-                  <a:pt x="8" y="3380"/>
-                  <a:pt x="17" y="6690"/>
-                  <a:pt x="25" y="10000"/>
-                </a:cubicBezTo>
-                <a:lnTo>
-                  <a:pt x="7275" y="9966"/>
-                </a:lnTo>
-                <a:lnTo>
-                  <a:pt x="7803" y="9966"/>
-                </a:lnTo>
-                <a:cubicBezTo>
-                  <a:pt x="7831" y="9966"/>
-                  <a:pt x="7859" y="9872"/>
-                  <a:pt x="7886" y="9872"/>
-                </a:cubicBezTo>
-                <a:cubicBezTo>
-                  <a:pt x="7886" y="9778"/>
-                  <a:pt x="7915" y="9778"/>
-                  <a:pt x="7915" y="9778"/>
-                </a:cubicBezTo>
-                <a:lnTo>
-                  <a:pt x="9248" y="5265"/>
-                </a:lnTo>
-                <a:cubicBezTo>
-                  <a:pt x="9303" y="5077"/>
-                  <a:pt x="9303" y="4889"/>
-                  <a:pt x="9248" y="4701"/>
-                </a:cubicBezTo>
-                <a:close/>
-              </a:path>
-            </a:pathLst>
-          </a:custGeom>
-          <a:solidFill>
-            <a:schemeClr val="accent1"/>
-          </a:solidFill>
-          <a:ln>
-            <a:noFill/>
-          </a:ln>
-        </p:spPr>
-      </p:sp>
-      <p:sp>
-        <p:nvSpPr>
-          <p:cNvPr id="7" name="Slide Number Placeholder 6"/>
-          <p:cNvSpPr>
-            <a:spLocks noGrp="1"/>
-          </p:cNvSpPr>
-          <p:nvPr>
-            <p:ph type="sldNum" sz="quarter" idx="12"/>
-          </p:nvPr>
-        </p:nvSpPr>
-        <p:spPr>
-          <a:xfrm>
-            <a:off x="398860" y="4152573"/>
-            <a:ext cx="584825" cy="304271"/>
-          </a:xfrm>
-        </p:spPr>
-        <p:txBody>
-          <a:bodyPr/>
-          <a:lstStyle/>
-          <a:p>
-            <a:fld id="{45D8DECA-3F01-4D4D-9CE8-CE0BA91433C8}" type="slidenum">
-              <a:rPr lang="en-US" smtClean="0"/>
-              <a:t>‹#›</a:t>
-            </a:fld>
-            <a:endParaRPr lang="en-US"/>
-          </a:p>
-        </p:txBody>
-      </p:sp>
-      <p:sp>
-        <p:nvSpPr>
-          <p:cNvPr id="17" name="TextBox 16"/>
-          <p:cNvSpPr txBox="1"/>
-          <p:nvPr/>
-        </p:nvSpPr>
-        <p:spPr>
-          <a:xfrm>
-            <a:off x="1850739" y="540004"/>
-            <a:ext cx="457200" cy="487313"/>
-          </a:xfrm>
-          <a:prstGeom prst="rect">
-            <a:avLst/>
-          </a:prstGeom>
-        </p:spPr>
-        <p:txBody>
-          <a:bodyPr vert="horz" lIns="68580" tIns="34290" rIns="68580" bIns="34290" rtlCol="0" anchor="ctr">
-            <a:noAutofit/>
-          </a:bodyPr>
-          <a:lstStyle/>
-          <a:p>
-            <a:pPr lvl="0"/>
-            <a:r>
-              <a:rPr lang="en-US" sz="6000" baseline="0" dirty="0">
-                <a:ln w="3175" cmpd="sng">
-                  <a:noFill/>
-                </a:ln>
-                <a:solidFill>
-                  <a:schemeClr val="accent1"/>
-                </a:solidFill>
-                <a:effectLst/>
-                <a:latin typeface="Arial"/>
-              </a:rPr>
-              <a:t>“</a:t>
-            </a:r>
-          </a:p>
-        </p:txBody>
-      </p:sp>
-      <p:sp>
-        <p:nvSpPr>
-          <p:cNvPr id="18" name="TextBox 17"/>
-          <p:cNvSpPr txBox="1"/>
-          <p:nvPr/>
-        </p:nvSpPr>
-        <p:spPr>
-          <a:xfrm>
-            <a:off x="8336139" y="2421089"/>
-            <a:ext cx="457200" cy="487313"/>
-          </a:xfrm>
-          <a:prstGeom prst="rect">
-            <a:avLst/>
-          </a:prstGeom>
-        </p:spPr>
-        <p:txBody>
-          <a:bodyPr vert="horz" lIns="68580" tIns="34290" rIns="68580" bIns="34290" rtlCol="0" anchor="ctr">
-            <a:noAutofit/>
-          </a:bodyPr>
-          <a:lstStyle/>
-          <a:p>
-            <a:pPr lvl="0"/>
-            <a:r>
-              <a:rPr lang="en-US" sz="6000" baseline="0" dirty="0">
-                <a:ln w="3175" cmpd="sng">
-                  <a:noFill/>
-                </a:ln>
-                <a:solidFill>
-                  <a:schemeClr val="accent1"/>
-                </a:solidFill>
-                <a:effectLst/>
-                <a:latin typeface="Arial"/>
-              </a:rPr>
-              <a:t>”</a:t>
-            </a:r>
-          </a:p>
-        </p:txBody>
-      </p:sp>
-    </p:spTree>
-    <p:extLst>
-      <p:ext uri="{BB962C8B-B14F-4D97-AF65-F5344CB8AC3E}">
-        <p14:creationId xmlns:p14="http://schemas.microsoft.com/office/powerpoint/2010/main" val="2658242710"/>
-      </p:ext>
-    </p:extLst>
-  </p:cSld>
-  <p:clrMapOvr>
-    <a:masterClrMapping/>
-  </p:clrMapOvr>
-</p:sldLayout>
-</file>
-
-<file path=ppt/slideLayouts/slideLayout14.xml><?xml version="1.0" encoding="utf-8"?>
-<p:sldLayout xmlns:a="http://schemas.openxmlformats.org/drawingml/2006/main" xmlns:r="http://schemas.openxmlformats.org/officeDocument/2006/relationships" xmlns:p="http://schemas.openxmlformats.org/presentationml/2006/main" preserve="1">
-  <p:cSld name="True or False">
-    <p:spTree>
-      <p:nvGrpSpPr>
-        <p:cNvPr id="1" name=""/>
-        <p:cNvGrpSpPr/>
-        <p:nvPr/>
-      </p:nvGrpSpPr>
-      <p:grpSpPr>
-        <a:xfrm>
-          <a:off x="0" y="0"/>
-          <a:ext cx="0" cy="0"/>
-          <a:chOff x="0" y="0"/>
-          <a:chExt cx="0" cy="0"/>
-        </a:xfrm>
-      </p:grpSpPr>
-      <p:sp>
-        <p:nvSpPr>
-          <p:cNvPr id="2" name="Title 1"/>
-          <p:cNvSpPr>
-            <a:spLocks noGrp="1"/>
-          </p:cNvSpPr>
-          <p:nvPr>
-            <p:ph type="title"/>
-          </p:nvPr>
-        </p:nvSpPr>
-        <p:spPr>
-          <a:xfrm>
-            <a:off x="1941910" y="522839"/>
-            <a:ext cx="6686549" cy="2400017"/>
-          </a:xfrm>
-        </p:spPr>
-        <p:txBody>
-          <a:bodyPr anchor="ctr">
-            <a:normAutofit/>
-          </a:bodyPr>
-          <a:lstStyle>
-            <a:lvl1pPr algn="l">
-              <a:defRPr sz="3600" b="0"/>
-            </a:lvl1pPr>
-          </a:lstStyle>
-          <a:p>
-            <a:r>
-              <a:rPr lang="en-US"/>
-              <a:t>Click to edit Master title style</a:t>
-            </a:r>
-            <a:endParaRPr lang="en-US" dirty="0"/>
-          </a:p>
-        </p:txBody>
-      </p:sp>
-      <p:sp>
-        <p:nvSpPr>
-          <p:cNvPr id="21" name="Text Placeholder 9"/>
-          <p:cNvSpPr>
-            <a:spLocks noGrp="1"/>
-          </p:cNvSpPr>
-          <p:nvPr>
-            <p:ph type="body" sz="quarter" idx="13"/>
-          </p:nvPr>
-        </p:nvSpPr>
-        <p:spPr>
-          <a:xfrm>
-            <a:off x="1941909" y="3619500"/>
-            <a:ext cx="6686550" cy="698500"/>
-          </a:xfrm>
-        </p:spPr>
-        <p:txBody>
-          <a:bodyPr anchor="b">
-            <a:noAutofit/>
-          </a:bodyPr>
-          <a:lstStyle>
-            <a:lvl1pPr marL="0" indent="0">
-              <a:buFontTx/>
-              <a:buNone/>
-              <a:defRPr sz="1800">
-                <a:solidFill>
-                  <a:schemeClr val="accent1"/>
-                </a:solidFill>
-              </a:defRPr>
-            </a:lvl1pPr>
-            <a:lvl2pPr marL="342900" indent="0">
-              <a:buFontTx/>
-              <a:buNone/>
-              <a:defRPr/>
-            </a:lvl2pPr>
-            <a:lvl3pPr marL="685800" indent="0">
-              <a:buFontTx/>
-              <a:buNone/>
-              <a:defRPr/>
-            </a:lvl3pPr>
-            <a:lvl4pPr marL="1028700" indent="0">
-              <a:buFontTx/>
-              <a:buNone/>
-              <a:defRPr/>
-            </a:lvl4pPr>
-            <a:lvl5pPr marL="1371600" indent="0">
-              <a:buFontTx/>
-              <a:buNone/>
-              <a:defRPr/>
-            </a:lvl5pPr>
-          </a:lstStyle>
-          <a:p>
-            <a:pPr lvl="0"/>
-            <a:r>
-              <a:rPr lang="en-US"/>
-              <a:t>Edit Master text styles</a:t>
-            </a:r>
-          </a:p>
-        </p:txBody>
-      </p:sp>
-      <p:sp>
-        <p:nvSpPr>
-          <p:cNvPr id="4" name="Text Placeholder 3"/>
-          <p:cNvSpPr>
-            <a:spLocks noGrp="1"/>
-          </p:cNvSpPr>
-          <p:nvPr>
-            <p:ph type="body" sz="half" idx="2"/>
-          </p:nvPr>
-        </p:nvSpPr>
-        <p:spPr>
-          <a:xfrm>
-            <a:off x="1941910" y="4318000"/>
-            <a:ext cx="6686550" cy="608018"/>
-          </a:xfrm>
-        </p:spPr>
-        <p:txBody>
-          <a:bodyPr vert="horz" lIns="91440" tIns="45720" rIns="91440" bIns="45720" rtlCol="0" anchor="t">
-            <a:normAutofit/>
-          </a:bodyPr>
-          <a:lstStyle>
-            <a:lvl1pPr>
-              <a:buNone/>
-              <a:defRPr lang="en-US">
-                <a:solidFill>
-                  <a:schemeClr val="tx1">
-                    <a:lumMod val="65000"/>
-                    <a:lumOff val="35000"/>
-                  </a:schemeClr>
-                </a:solidFill>
-              </a:defRPr>
-            </a:lvl1pPr>
-          </a:lstStyle>
-          <a:p>
-            <a:pPr marL="0" lvl="0" indent="0">
-              <a:buNone/>
-            </a:pPr>
-            <a:r>
-              <a:rPr lang="en-US"/>
-              <a:t>Edit Master text styles</a:t>
-            </a:r>
-          </a:p>
-        </p:txBody>
-      </p:sp>
-      <p:sp>
-        <p:nvSpPr>
-          <p:cNvPr id="5" name="Date Placeholder 4"/>
-          <p:cNvSpPr>
-            <a:spLocks noGrp="1"/>
-          </p:cNvSpPr>
-          <p:nvPr>
-            <p:ph type="dt" sz="half" idx="10"/>
-          </p:nvPr>
-        </p:nvSpPr>
-        <p:spPr/>
-        <p:txBody>
-          <a:bodyPr/>
-          <a:lstStyle/>
-          <a:p>
-            <a:fld id="{AB2458EA-1F5A-154D-AFF5-4CF2DF8977D4}" type="datetimeFigureOut">
-              <a:rPr lang="en-US" smtClean="0"/>
-              <a:t>11/18/19</a:t>
-            </a:fld>
-            <a:endParaRPr lang="en-US"/>
-          </a:p>
-        </p:txBody>
-      </p:sp>
-      <p:sp>
-        <p:nvSpPr>
-          <p:cNvPr id="6" name="Footer Placeholder 5"/>
-          <p:cNvSpPr>
-            <a:spLocks noGrp="1"/>
-          </p:cNvSpPr>
-          <p:nvPr>
-            <p:ph type="ftr" sz="quarter" idx="11"/>
-          </p:nvPr>
-        </p:nvSpPr>
-        <p:spPr/>
-        <p:txBody>
-          <a:bodyPr/>
-          <a:lstStyle/>
-          <a:p>
-            <a:endParaRPr lang="en-US"/>
-          </a:p>
-        </p:txBody>
-      </p:sp>
-      <p:sp>
-        <p:nvSpPr>
-          <p:cNvPr id="9" name="Freeform 11"/>
-          <p:cNvSpPr/>
-          <p:nvPr/>
-        </p:nvSpPr>
-        <p:spPr bwMode="auto">
-          <a:xfrm flipV="1">
-            <a:off x="-3141" y="4093104"/>
-            <a:ext cx="1191395" cy="422748"/>
-          </a:xfrm>
-          <a:custGeom>
-            <a:avLst/>
-            <a:gdLst/>
-            <a:ahLst/>
-            <a:cxnLst/>
-            <a:rect l="l" t="t" r="r" b="b"/>
-            <a:pathLst>
-              <a:path w="9248" h="10000">
-                <a:moveTo>
-                  <a:pt x="9248" y="4701"/>
-                </a:moveTo>
-                <a:lnTo>
-                  <a:pt x="7915" y="188"/>
-                </a:lnTo>
-                <a:cubicBezTo>
-                  <a:pt x="7906" y="156"/>
-                  <a:pt x="7895" y="126"/>
-                  <a:pt x="7886" y="94"/>
-                </a:cubicBezTo>
-                <a:cubicBezTo>
-                  <a:pt x="7859" y="0"/>
-                  <a:pt x="7831" y="0"/>
-                  <a:pt x="7803" y="0"/>
-                </a:cubicBezTo>
-                <a:lnTo>
-                  <a:pt x="7275" y="0"/>
-                </a:lnTo>
-                <a:lnTo>
-                  <a:pt x="0" y="70"/>
-                </a:lnTo>
-                <a:cubicBezTo>
-                  <a:pt x="8" y="3380"/>
-                  <a:pt x="17" y="6690"/>
-                  <a:pt x="25" y="10000"/>
-                </a:cubicBezTo>
-                <a:lnTo>
-                  <a:pt x="7275" y="9966"/>
-                </a:lnTo>
-                <a:lnTo>
-                  <a:pt x="7803" y="9966"/>
-                </a:lnTo>
-                <a:cubicBezTo>
-                  <a:pt x="7831" y="9966"/>
-                  <a:pt x="7859" y="9872"/>
-                  <a:pt x="7886" y="9872"/>
-                </a:cubicBezTo>
-                <a:cubicBezTo>
-                  <a:pt x="7886" y="9778"/>
-                  <a:pt x="7915" y="9778"/>
-                  <a:pt x="7915" y="9778"/>
-                </a:cubicBezTo>
-                <a:lnTo>
-                  <a:pt x="9248" y="5265"/>
-                </a:lnTo>
-                <a:cubicBezTo>
-                  <a:pt x="9303" y="5077"/>
-                  <a:pt x="9303" y="4889"/>
-                  <a:pt x="9248" y="4701"/>
-                </a:cubicBezTo>
-                <a:close/>
-              </a:path>
-            </a:pathLst>
-          </a:custGeom>
-          <a:solidFill>
-            <a:schemeClr val="accent1"/>
-          </a:solidFill>
-          <a:ln>
-            <a:noFill/>
-          </a:ln>
-        </p:spPr>
-      </p:sp>
-      <p:sp>
-        <p:nvSpPr>
-          <p:cNvPr id="7" name="Slide Number Placeholder 6"/>
-          <p:cNvSpPr>
-            <a:spLocks noGrp="1"/>
-          </p:cNvSpPr>
-          <p:nvPr>
-            <p:ph type="sldNum" sz="quarter" idx="12"/>
-          </p:nvPr>
-        </p:nvSpPr>
-        <p:spPr>
-          <a:xfrm>
-            <a:off x="398860" y="4152573"/>
-            <a:ext cx="584825" cy="304271"/>
-          </a:xfrm>
-        </p:spPr>
-        <p:txBody>
-          <a:bodyPr/>
-          <a:lstStyle/>
-          <a:p>
-            <a:fld id="{45D8DECA-3F01-4D4D-9CE8-CE0BA91433C8}" type="slidenum">
-              <a:rPr lang="en-US" smtClean="0"/>
-              <a:t>‹#›</a:t>
-            </a:fld>
-            <a:endParaRPr lang="en-US"/>
-          </a:p>
-        </p:txBody>
-      </p:sp>
-    </p:spTree>
-    <p:extLst>
-      <p:ext uri="{BB962C8B-B14F-4D97-AF65-F5344CB8AC3E}">
-        <p14:creationId xmlns:p14="http://schemas.microsoft.com/office/powerpoint/2010/main" val="829123754"/>
-      </p:ext>
-    </p:extLst>
-  </p:cSld>
-  <p:clrMapOvr>
-    <a:masterClrMapping/>
-  </p:clrMapOvr>
-</p:sldLayout>
-</file>
-
-<file path=ppt/slideLayouts/slideLayout15.xml><?xml version="1.0" encoding="utf-8"?>
 <p:sldLayout xmlns:a="http://schemas.openxmlformats.org/drawingml/2006/main" xmlns:r="http://schemas.openxmlformats.org/officeDocument/2006/relationships" xmlns:p="http://schemas.openxmlformats.org/presentationml/2006/main" type="vertTx" preserve="1">
   <p:cSld name="Title and Vertical Text">
     <p:spTree>
@@ -5784,7 +4766,7 @@
         </p:nvSpPr>
         <p:spPr/>
         <p:txBody>
-          <a:bodyPr vert="eaVert" anchor="t"/>
+          <a:bodyPr vert="eaVert"/>
           <a:lstStyle/>
           <a:p>
             <a:pPr lvl="0"/>
@@ -5839,11 +4821,11 @@
           <a:bodyPr/>
           <a:lstStyle/>
           <a:p>
-            <a:fld id="{AB2458EA-1F5A-154D-AFF5-4CF2DF8977D4}" type="datetimeFigureOut">
+            <a:fld id="{4509A250-FF31-4206-8172-F9D3106AACB1}" type="datetimeFigureOut">
               <a:rPr lang="en-US" smtClean="0"/>
-              <a:t>11/18/19</a:t>
+              <a:t>11/19/19</a:t>
             </a:fld>
-            <a:endParaRPr lang="en-US"/>
+            <a:endParaRPr lang="en-US" dirty="0"/>
           </a:p>
         </p:txBody>
       </p:sp>
@@ -5862,91 +4844,9 @@
           <a:bodyPr/>
           <a:lstStyle/>
           <a:p>
-            <a:endParaRPr lang="en-US"/>
+            <a:endParaRPr lang="en-US" dirty="0"/>
           </a:p>
         </p:txBody>
-      </p:sp>
-      <p:sp>
-        <p:nvSpPr>
-          <p:cNvPr id="8" name="Freeform 11"/>
-          <p:cNvSpPr/>
-          <p:nvPr/>
-        </p:nvSpPr>
-        <p:spPr bwMode="auto">
-          <a:xfrm flipV="1">
-            <a:off x="-3141" y="595313"/>
-            <a:ext cx="1191395" cy="422748"/>
-          </a:xfrm>
-          <a:custGeom>
-            <a:avLst/>
-            <a:gdLst/>
-            <a:ahLst/>
-            <a:cxnLst/>
-            <a:rect l="l" t="t" r="r" b="b"/>
-            <a:pathLst>
-              <a:path w="9248" h="10000">
-                <a:moveTo>
-                  <a:pt x="9248" y="4701"/>
-                </a:moveTo>
-                <a:lnTo>
-                  <a:pt x="7915" y="188"/>
-                </a:lnTo>
-                <a:cubicBezTo>
-                  <a:pt x="7906" y="156"/>
-                  <a:pt x="7895" y="126"/>
-                  <a:pt x="7886" y="94"/>
-                </a:cubicBezTo>
-                <a:cubicBezTo>
-                  <a:pt x="7859" y="0"/>
-                  <a:pt x="7831" y="0"/>
-                  <a:pt x="7803" y="0"/>
-                </a:cubicBezTo>
-                <a:lnTo>
-                  <a:pt x="7275" y="0"/>
-                </a:lnTo>
-                <a:lnTo>
-                  <a:pt x="0" y="70"/>
-                </a:lnTo>
-                <a:cubicBezTo>
-                  <a:pt x="8" y="3380"/>
-                  <a:pt x="17" y="6690"/>
-                  <a:pt x="25" y="10000"/>
-                </a:cubicBezTo>
-                <a:lnTo>
-                  <a:pt x="7275" y="9966"/>
-                </a:lnTo>
-                <a:lnTo>
-                  <a:pt x="7803" y="9966"/>
-                </a:lnTo>
-                <a:cubicBezTo>
-                  <a:pt x="7831" y="9966"/>
-                  <a:pt x="7859" y="9872"/>
-                  <a:pt x="7886" y="9872"/>
-                </a:cubicBezTo>
-                <a:cubicBezTo>
-                  <a:pt x="7886" y="9778"/>
-                  <a:pt x="7915" y="9778"/>
-                  <a:pt x="7915" y="9778"/>
-                </a:cubicBezTo>
-                <a:lnTo>
-                  <a:pt x="9248" y="5265"/>
-                </a:lnTo>
-                <a:cubicBezTo>
-                  <a:pt x="9303" y="5077"/>
-                  <a:pt x="9303" y="4889"/>
-                  <a:pt x="9248" y="4701"/>
-                </a:cubicBezTo>
-                <a:close/>
-              </a:path>
-            </a:pathLst>
-          </a:custGeom>
-          <a:solidFill>
-            <a:schemeClr val="accent1"/>
-          </a:solidFill>
-          <a:ln>
-            <a:noFill/>
-          </a:ln>
-        </p:spPr>
       </p:sp>
       <p:sp>
         <p:nvSpPr>
@@ -5963,18 +4863,18 @@
           <a:bodyPr/>
           <a:lstStyle/>
           <a:p>
-            <a:fld id="{45D8DECA-3F01-4D4D-9CE8-CE0BA91433C8}" type="slidenum">
+            <a:fld id="{D57F1E4F-1CFF-5643-939E-02111984F565}" type="slidenum">
               <a:rPr lang="en-US" smtClean="0"/>
               <a:t>‹#›</a:t>
             </a:fld>
-            <a:endParaRPr lang="en-US"/>
+            <a:endParaRPr lang="en-US" dirty="0"/>
           </a:p>
         </p:txBody>
       </p:sp>
     </p:spTree>
     <p:extLst>
       <p:ext uri="{BB962C8B-B14F-4D97-AF65-F5344CB8AC3E}">
-        <p14:creationId xmlns:p14="http://schemas.microsoft.com/office/powerpoint/2010/main" val="1206924652"/>
+        <p14:creationId xmlns:p14="http://schemas.microsoft.com/office/powerpoint/2010/main" val="2102194714"/>
       </p:ext>
     </p:extLst>
   </p:cSld>
@@ -5984,7 +4884,7 @@
 </p:sldLayout>
 </file>
 
-<file path=ppt/slideLayouts/slideLayout16.xml><?xml version="1.0" encoding="utf-8"?>
+<file path=ppt/slideLayouts/slideLayout11.xml><?xml version="1.0" encoding="utf-8"?>
 <p:sldLayout xmlns:a="http://schemas.openxmlformats.org/drawingml/2006/main" xmlns:r="http://schemas.openxmlformats.org/officeDocument/2006/relationships" xmlns:p="http://schemas.openxmlformats.org/presentationml/2006/main" type="vertTitleAndTx" preserve="1">
   <p:cSld name="Vertical Title and Text">
     <p:spTree>
@@ -6013,12 +4913,12 @@
         </p:nvSpPr>
         <p:spPr>
           <a:xfrm>
-            <a:off x="6971109" y="522838"/>
-            <a:ext cx="1655701" cy="4403181"/>
+            <a:off x="6543675" y="304271"/>
+            <a:ext cx="1971675" cy="4843198"/>
           </a:xfrm>
         </p:spPr>
         <p:txBody>
-          <a:bodyPr vert="eaVert" anchor="ctr"/>
+          <a:bodyPr vert="eaVert"/>
           <a:lstStyle/>
           <a:p>
             <a:r>
@@ -6041,8 +4941,8 @@
         </p:nvSpPr>
         <p:spPr>
           <a:xfrm>
-            <a:off x="1941909" y="522838"/>
-            <a:ext cx="4857750" cy="4403181"/>
+            <a:off x="628650" y="304271"/>
+            <a:ext cx="5800725" cy="4843198"/>
           </a:xfrm>
         </p:spPr>
         <p:txBody>
@@ -6101,11 +5001,11 @@
           <a:bodyPr/>
           <a:lstStyle/>
           <a:p>
-            <a:fld id="{AB2458EA-1F5A-154D-AFF5-4CF2DF8977D4}" type="datetimeFigureOut">
+            <a:fld id="{4509A250-FF31-4206-8172-F9D3106AACB1}" type="datetimeFigureOut">
               <a:rPr lang="en-US" smtClean="0"/>
-              <a:t>11/18/19</a:t>
+              <a:t>11/19/19</a:t>
             </a:fld>
-            <a:endParaRPr lang="en-US"/>
+            <a:endParaRPr lang="en-US" dirty="0"/>
           </a:p>
         </p:txBody>
       </p:sp>
@@ -6124,91 +5024,9 @@
           <a:bodyPr/>
           <a:lstStyle/>
           <a:p>
-            <a:endParaRPr lang="en-US"/>
+            <a:endParaRPr lang="en-US" dirty="0"/>
           </a:p>
         </p:txBody>
-      </p:sp>
-      <p:sp>
-        <p:nvSpPr>
-          <p:cNvPr id="8" name="Freeform 11"/>
-          <p:cNvSpPr/>
-          <p:nvPr/>
-        </p:nvSpPr>
-        <p:spPr bwMode="auto">
-          <a:xfrm flipV="1">
-            <a:off x="-3141" y="595313"/>
-            <a:ext cx="1191395" cy="422748"/>
-          </a:xfrm>
-          <a:custGeom>
-            <a:avLst/>
-            <a:gdLst/>
-            <a:ahLst/>
-            <a:cxnLst/>
-            <a:rect l="l" t="t" r="r" b="b"/>
-            <a:pathLst>
-              <a:path w="9248" h="10000">
-                <a:moveTo>
-                  <a:pt x="9248" y="4701"/>
-                </a:moveTo>
-                <a:lnTo>
-                  <a:pt x="7915" y="188"/>
-                </a:lnTo>
-                <a:cubicBezTo>
-                  <a:pt x="7906" y="156"/>
-                  <a:pt x="7895" y="126"/>
-                  <a:pt x="7886" y="94"/>
-                </a:cubicBezTo>
-                <a:cubicBezTo>
-                  <a:pt x="7859" y="0"/>
-                  <a:pt x="7831" y="0"/>
-                  <a:pt x="7803" y="0"/>
-                </a:cubicBezTo>
-                <a:lnTo>
-                  <a:pt x="7275" y="0"/>
-                </a:lnTo>
-                <a:lnTo>
-                  <a:pt x="0" y="70"/>
-                </a:lnTo>
-                <a:cubicBezTo>
-                  <a:pt x="8" y="3380"/>
-                  <a:pt x="17" y="6690"/>
-                  <a:pt x="25" y="10000"/>
-                </a:cubicBezTo>
-                <a:lnTo>
-                  <a:pt x="7275" y="9966"/>
-                </a:lnTo>
-                <a:lnTo>
-                  <a:pt x="7803" y="9966"/>
-                </a:lnTo>
-                <a:cubicBezTo>
-                  <a:pt x="7831" y="9966"/>
-                  <a:pt x="7859" y="9872"/>
-                  <a:pt x="7886" y="9872"/>
-                </a:cubicBezTo>
-                <a:cubicBezTo>
-                  <a:pt x="7886" y="9778"/>
-                  <a:pt x="7915" y="9778"/>
-                  <a:pt x="7915" y="9778"/>
-                </a:cubicBezTo>
-                <a:lnTo>
-                  <a:pt x="9248" y="5265"/>
-                </a:lnTo>
-                <a:cubicBezTo>
-                  <a:pt x="9303" y="5077"/>
-                  <a:pt x="9303" y="4889"/>
-                  <a:pt x="9248" y="4701"/>
-                </a:cubicBezTo>
-                <a:close/>
-              </a:path>
-            </a:pathLst>
-          </a:custGeom>
-          <a:solidFill>
-            <a:schemeClr val="accent1"/>
-          </a:solidFill>
-          <a:ln>
-            <a:noFill/>
-          </a:ln>
-        </p:spPr>
       </p:sp>
       <p:sp>
         <p:nvSpPr>
@@ -6225,18 +5043,18 @@
           <a:bodyPr/>
           <a:lstStyle/>
           <a:p>
-            <a:fld id="{45D8DECA-3F01-4D4D-9CE8-CE0BA91433C8}" type="slidenum">
+            <a:fld id="{D57F1E4F-1CFF-5643-939E-02111984F565}" type="slidenum">
               <a:rPr lang="en-US" smtClean="0"/>
               <a:t>‹#›</a:t>
             </a:fld>
-            <a:endParaRPr lang="en-US"/>
+            <a:endParaRPr lang="en-US" dirty="0"/>
           </a:p>
         </p:txBody>
       </p:sp>
     </p:spTree>
     <p:extLst>
       <p:ext uri="{BB962C8B-B14F-4D97-AF65-F5344CB8AC3E}">
-        <p14:creationId xmlns:p14="http://schemas.microsoft.com/office/powerpoint/2010/main" val="450388928"/>
+        <p14:creationId xmlns:p14="http://schemas.microsoft.com/office/powerpoint/2010/main" val="2452237543"/>
       </p:ext>
     </p:extLst>
   </p:cSld>
@@ -6273,12 +5091,7 @@
             <p:ph type="title"/>
           </p:nvPr>
         </p:nvSpPr>
-        <p:spPr>
-          <a:xfrm>
-            <a:off x="1944694" y="520092"/>
-            <a:ext cx="6683765" cy="1067408"/>
-          </a:xfrm>
-        </p:spPr>
+        <p:spPr/>
         <p:txBody>
           <a:bodyPr/>
           <a:lstStyle/>
@@ -6301,12 +5114,7 @@
             <p:ph idx="1"/>
           </p:nvPr>
         </p:nvSpPr>
-        <p:spPr>
-          <a:xfrm>
-            <a:off x="1941909" y="1778000"/>
-            <a:ext cx="6686550" cy="3148018"/>
-          </a:xfrm>
-        </p:spPr>
+        <p:spPr/>
         <p:txBody>
           <a:bodyPr/>
           <a:lstStyle/>
@@ -6363,11 +5171,11 @@
           <a:bodyPr/>
           <a:lstStyle/>
           <a:p>
-            <a:fld id="{AB2458EA-1F5A-154D-AFF5-4CF2DF8977D4}" type="datetimeFigureOut">
+            <a:fld id="{4509A250-FF31-4206-8172-F9D3106AACB1}" type="datetimeFigureOut">
               <a:rPr lang="en-US" smtClean="0"/>
-              <a:t>11/18/19</a:t>
+              <a:t>11/19/19</a:t>
             </a:fld>
-            <a:endParaRPr lang="en-US"/>
+            <a:endParaRPr lang="en-US" dirty="0"/>
           </a:p>
         </p:txBody>
       </p:sp>
@@ -6386,91 +5194,9 @@
           <a:bodyPr/>
           <a:lstStyle/>
           <a:p>
-            <a:endParaRPr lang="en-US"/>
+            <a:endParaRPr lang="en-US" dirty="0"/>
           </a:p>
         </p:txBody>
-      </p:sp>
-      <p:sp>
-        <p:nvSpPr>
-          <p:cNvPr id="8" name="Freeform 11"/>
-          <p:cNvSpPr/>
-          <p:nvPr/>
-        </p:nvSpPr>
-        <p:spPr bwMode="auto">
-          <a:xfrm flipV="1">
-            <a:off x="-3141" y="595313"/>
-            <a:ext cx="1191395" cy="422748"/>
-          </a:xfrm>
-          <a:custGeom>
-            <a:avLst/>
-            <a:gdLst/>
-            <a:ahLst/>
-            <a:cxnLst/>
-            <a:rect l="l" t="t" r="r" b="b"/>
-            <a:pathLst>
-              <a:path w="9248" h="10000">
-                <a:moveTo>
-                  <a:pt x="9248" y="4701"/>
-                </a:moveTo>
-                <a:lnTo>
-                  <a:pt x="7915" y="188"/>
-                </a:lnTo>
-                <a:cubicBezTo>
-                  <a:pt x="7906" y="156"/>
-                  <a:pt x="7895" y="126"/>
-                  <a:pt x="7886" y="94"/>
-                </a:cubicBezTo>
-                <a:cubicBezTo>
-                  <a:pt x="7859" y="0"/>
-                  <a:pt x="7831" y="0"/>
-                  <a:pt x="7803" y="0"/>
-                </a:cubicBezTo>
-                <a:lnTo>
-                  <a:pt x="7275" y="0"/>
-                </a:lnTo>
-                <a:lnTo>
-                  <a:pt x="0" y="70"/>
-                </a:lnTo>
-                <a:cubicBezTo>
-                  <a:pt x="8" y="3380"/>
-                  <a:pt x="17" y="6690"/>
-                  <a:pt x="25" y="10000"/>
-                </a:cubicBezTo>
-                <a:lnTo>
-                  <a:pt x="7275" y="9966"/>
-                </a:lnTo>
-                <a:lnTo>
-                  <a:pt x="7803" y="9966"/>
-                </a:lnTo>
-                <a:cubicBezTo>
-                  <a:pt x="7831" y="9966"/>
-                  <a:pt x="7859" y="9872"/>
-                  <a:pt x="7886" y="9872"/>
-                </a:cubicBezTo>
-                <a:cubicBezTo>
-                  <a:pt x="7886" y="9778"/>
-                  <a:pt x="7915" y="9778"/>
-                  <a:pt x="7915" y="9778"/>
-                </a:cubicBezTo>
-                <a:lnTo>
-                  <a:pt x="9248" y="5265"/>
-                </a:lnTo>
-                <a:cubicBezTo>
-                  <a:pt x="9303" y="5077"/>
-                  <a:pt x="9303" y="4889"/>
-                  <a:pt x="9248" y="4701"/>
-                </a:cubicBezTo>
-                <a:close/>
-              </a:path>
-            </a:pathLst>
-          </a:custGeom>
-          <a:solidFill>
-            <a:schemeClr val="accent1"/>
-          </a:solidFill>
-          <a:ln>
-            <a:noFill/>
-          </a:ln>
-        </p:spPr>
       </p:sp>
       <p:sp>
         <p:nvSpPr>
@@ -6487,18 +5213,18 @@
           <a:bodyPr/>
           <a:lstStyle/>
           <a:p>
-            <a:fld id="{45D8DECA-3F01-4D4D-9CE8-CE0BA91433C8}" type="slidenum">
+            <a:fld id="{D57F1E4F-1CFF-5643-939E-02111984F565}" type="slidenum">
               <a:rPr lang="en-US" smtClean="0"/>
               <a:t>‹#›</a:t>
             </a:fld>
-            <a:endParaRPr lang="en-US"/>
+            <a:endParaRPr lang="en-US" dirty="0"/>
           </a:p>
         </p:txBody>
       </p:sp>
     </p:spTree>
     <p:extLst>
       <p:ext uri="{BB962C8B-B14F-4D97-AF65-F5344CB8AC3E}">
-        <p14:creationId xmlns:p14="http://schemas.microsoft.com/office/powerpoint/2010/main" val="3954532618"/>
+        <p14:creationId xmlns:p14="http://schemas.microsoft.com/office/powerpoint/2010/main" val="2809770191"/>
       </p:ext>
     </p:extLst>
   </p:cSld>
@@ -6537,15 +5263,15 @@
         </p:nvSpPr>
         <p:spPr>
           <a:xfrm>
-            <a:off x="1941910" y="1715625"/>
-            <a:ext cx="6686549" cy="1224000"/>
+            <a:off x="623888" y="1424782"/>
+            <a:ext cx="7886700" cy="2377281"/>
           </a:xfrm>
         </p:spPr>
         <p:txBody>
           <a:bodyPr anchor="b"/>
           <a:lstStyle>
-            <a:lvl1pPr algn="l">
-              <a:defRPr sz="3000" b="0" cap="none"/>
+            <a:lvl1pPr>
+              <a:defRPr sz="4500"/>
             </a:lvl1pPr>
           </a:lstStyle>
           <a:p>
@@ -6569,27 +5295,26 @@
         </p:nvSpPr>
         <p:spPr>
           <a:xfrm>
-            <a:off x="1941910" y="2941774"/>
-            <a:ext cx="6686549" cy="717000"/>
+            <a:off x="623888" y="3824553"/>
+            <a:ext cx="7886700" cy="1250156"/>
           </a:xfrm>
         </p:spPr>
         <p:txBody>
-          <a:bodyPr anchor="t"/>
+          <a:bodyPr/>
           <a:lstStyle>
-            <a:lvl1pPr marL="0" indent="0" algn="l">
-              <a:buNone/>
-              <a:defRPr sz="1500">
+            <a:lvl1pPr marL="0" indent="0">
+              <a:buNone/>
+              <a:defRPr sz="1800">
                 <a:solidFill>
                   <a:schemeClr val="tx1">
-                    <a:lumMod val="65000"/>
-                    <a:lumOff val="35000"/>
+                    <a:tint val="75000"/>
                   </a:schemeClr>
                 </a:solidFill>
               </a:defRPr>
             </a:lvl1pPr>
             <a:lvl2pPr marL="342900" indent="0">
               <a:buNone/>
-              <a:defRPr sz="1350">
+              <a:defRPr sz="1500">
                 <a:solidFill>
                   <a:schemeClr val="tx1">
                     <a:tint val="75000"/>
@@ -6599,7 +5324,7 @@
             </a:lvl2pPr>
             <a:lvl3pPr marL="685800" indent="0">
               <a:buNone/>
-              <a:defRPr sz="1200">
+              <a:defRPr sz="1350">
                 <a:solidFill>
                   <a:schemeClr val="tx1">
                     <a:tint val="75000"/>
@@ -6609,7 +5334,7 @@
             </a:lvl3pPr>
             <a:lvl4pPr marL="1028700" indent="0">
               <a:buNone/>
-              <a:defRPr sz="1050">
+              <a:defRPr sz="1200">
                 <a:solidFill>
                   <a:schemeClr val="tx1">
                     <a:tint val="75000"/>
@@ -6619,7 +5344,7 @@
             </a:lvl4pPr>
             <a:lvl5pPr marL="1371600" indent="0">
               <a:buNone/>
-              <a:defRPr sz="1050">
+              <a:defRPr sz="1200">
                 <a:solidFill>
                   <a:schemeClr val="tx1">
                     <a:tint val="75000"/>
@@ -6629,7 +5354,7 @@
             </a:lvl5pPr>
             <a:lvl6pPr marL="1714500" indent="0">
               <a:buNone/>
-              <a:defRPr sz="1050">
+              <a:defRPr sz="1200">
                 <a:solidFill>
                   <a:schemeClr val="tx1">
                     <a:tint val="75000"/>
@@ -6639,7 +5364,7 @@
             </a:lvl6pPr>
             <a:lvl7pPr marL="2057400" indent="0">
               <a:buNone/>
-              <a:defRPr sz="1050">
+              <a:defRPr sz="1200">
                 <a:solidFill>
                   <a:schemeClr val="tx1">
                     <a:tint val="75000"/>
@@ -6649,7 +5374,7 @@
             </a:lvl7pPr>
             <a:lvl8pPr marL="2400300" indent="0">
               <a:buNone/>
-              <a:defRPr sz="1050">
+              <a:defRPr sz="1200">
                 <a:solidFill>
                   <a:schemeClr val="tx1">
                     <a:tint val="75000"/>
@@ -6659,7 +5384,7 @@
             </a:lvl8pPr>
             <a:lvl9pPr marL="2743200" indent="0">
               <a:buNone/>
-              <a:defRPr sz="1050">
+              <a:defRPr sz="1200">
                 <a:solidFill>
                   <a:schemeClr val="tx1">
                     <a:tint val="75000"/>
@@ -6692,11 +5417,11 @@
           <a:bodyPr/>
           <a:lstStyle/>
           <a:p>
-            <a:fld id="{AB2458EA-1F5A-154D-AFF5-4CF2DF8977D4}" type="datetimeFigureOut">
+            <a:fld id="{9796027F-7875-4030-9381-8BD8C4F21935}" type="datetimeFigureOut">
               <a:rPr lang="en-US" smtClean="0"/>
-              <a:t>11/18/19</a:t>
+              <a:t>11/19/19</a:t>
             </a:fld>
-            <a:endParaRPr lang="en-US"/>
+            <a:endParaRPr lang="en-US" dirty="0"/>
           </a:p>
         </p:txBody>
       </p:sp>
@@ -6715,91 +5440,9 @@
           <a:bodyPr/>
           <a:lstStyle/>
           <a:p>
-            <a:endParaRPr lang="en-US"/>
+            <a:endParaRPr lang="en-US" dirty="0"/>
           </a:p>
         </p:txBody>
-      </p:sp>
-      <p:sp>
-        <p:nvSpPr>
-          <p:cNvPr id="9" name="Freeform 11"/>
-          <p:cNvSpPr/>
-          <p:nvPr/>
-        </p:nvSpPr>
-        <p:spPr bwMode="auto">
-          <a:xfrm flipV="1">
-            <a:off x="-3141" y="2648479"/>
-            <a:ext cx="1191395" cy="422748"/>
-          </a:xfrm>
-          <a:custGeom>
-            <a:avLst/>
-            <a:gdLst/>
-            <a:ahLst/>
-            <a:cxnLst/>
-            <a:rect l="l" t="t" r="r" b="b"/>
-            <a:pathLst>
-              <a:path w="9248" h="10000">
-                <a:moveTo>
-                  <a:pt x="9248" y="4701"/>
-                </a:moveTo>
-                <a:lnTo>
-                  <a:pt x="7915" y="188"/>
-                </a:lnTo>
-                <a:cubicBezTo>
-                  <a:pt x="7906" y="156"/>
-                  <a:pt x="7895" y="126"/>
-                  <a:pt x="7886" y="94"/>
-                </a:cubicBezTo>
-                <a:cubicBezTo>
-                  <a:pt x="7859" y="0"/>
-                  <a:pt x="7831" y="0"/>
-                  <a:pt x="7803" y="0"/>
-                </a:cubicBezTo>
-                <a:lnTo>
-                  <a:pt x="7275" y="0"/>
-                </a:lnTo>
-                <a:lnTo>
-                  <a:pt x="0" y="70"/>
-                </a:lnTo>
-                <a:cubicBezTo>
-                  <a:pt x="8" y="3380"/>
-                  <a:pt x="17" y="6690"/>
-                  <a:pt x="25" y="10000"/>
-                </a:cubicBezTo>
-                <a:lnTo>
-                  <a:pt x="7275" y="9966"/>
-                </a:lnTo>
-                <a:lnTo>
-                  <a:pt x="7803" y="9966"/>
-                </a:lnTo>
-                <a:cubicBezTo>
-                  <a:pt x="7831" y="9966"/>
-                  <a:pt x="7859" y="9872"/>
-                  <a:pt x="7886" y="9872"/>
-                </a:cubicBezTo>
-                <a:cubicBezTo>
-                  <a:pt x="7886" y="9778"/>
-                  <a:pt x="7915" y="9778"/>
-                  <a:pt x="7915" y="9778"/>
-                </a:cubicBezTo>
-                <a:lnTo>
-                  <a:pt x="9248" y="5265"/>
-                </a:lnTo>
-                <a:cubicBezTo>
-                  <a:pt x="9303" y="5077"/>
-                  <a:pt x="9303" y="4889"/>
-                  <a:pt x="9248" y="4701"/>
-                </a:cubicBezTo>
-                <a:close/>
-              </a:path>
-            </a:pathLst>
-          </a:custGeom>
-          <a:solidFill>
-            <a:schemeClr val="accent1"/>
-          </a:solidFill>
-          <a:ln>
-            <a:noFill/>
-          </a:ln>
-        </p:spPr>
       </p:sp>
       <p:sp>
         <p:nvSpPr>
@@ -6811,28 +5454,23 @@
             <p:ph type="sldNum" sz="quarter" idx="12"/>
           </p:nvPr>
         </p:nvSpPr>
-        <p:spPr>
-          <a:xfrm>
-            <a:off x="398860" y="2703450"/>
-            <a:ext cx="584825" cy="304271"/>
-          </a:xfrm>
-        </p:spPr>
+        <p:spPr/>
         <p:txBody>
           <a:bodyPr/>
           <a:lstStyle/>
           <a:p>
-            <a:fld id="{45D8DECA-3F01-4D4D-9CE8-CE0BA91433C8}" type="slidenum">
+            <a:fld id="{D57F1E4F-1CFF-5643-939E-02111984F565}" type="slidenum">
               <a:rPr lang="en-US" smtClean="0"/>
               <a:t>‹#›</a:t>
             </a:fld>
-            <a:endParaRPr lang="en-US"/>
+            <a:endParaRPr lang="en-US" dirty="0"/>
           </a:p>
         </p:txBody>
       </p:sp>
     </p:spTree>
     <p:extLst>
       <p:ext uri="{BB962C8B-B14F-4D97-AF65-F5344CB8AC3E}">
-        <p14:creationId xmlns:p14="http://schemas.microsoft.com/office/powerpoint/2010/main" val="3574061778"/>
+        <p14:creationId xmlns:p14="http://schemas.microsoft.com/office/powerpoint/2010/main" val="3884383673"/>
       </p:ext>
     </p:extLst>
   </p:cSld>
@@ -6861,7 +5499,7 @@
       </p:grpSpPr>
       <p:sp>
         <p:nvSpPr>
-          <p:cNvPr id="8" name="Title 7"/>
+          <p:cNvPr id="2" name="Title 1"/>
           <p:cNvSpPr>
             <a:spLocks noGrp="1"/>
           </p:cNvSpPr>
@@ -6894,14 +5532,12 @@
         </p:nvSpPr>
         <p:spPr>
           <a:xfrm>
-            <a:off x="1941909" y="1778000"/>
-            <a:ext cx="3235398" cy="3148018"/>
+            <a:off x="628650" y="1521354"/>
+            <a:ext cx="3886200" cy="3626115"/>
           </a:xfrm>
         </p:spPr>
         <p:txBody>
-          <a:bodyPr>
-            <a:normAutofit/>
-          </a:bodyPr>
+          <a:bodyPr/>
           <a:lstStyle/>
           <a:p>
             <a:pPr lvl="0"/>
@@ -6953,14 +5589,12 @@
         </p:nvSpPr>
         <p:spPr>
           <a:xfrm>
-            <a:off x="5393060" y="1771852"/>
-            <a:ext cx="3235398" cy="3148018"/>
+            <a:off x="4629150" y="1521354"/>
+            <a:ext cx="3886200" cy="3626115"/>
           </a:xfrm>
         </p:spPr>
         <p:txBody>
-          <a:bodyPr>
-            <a:normAutofit/>
-          </a:bodyPr>
+          <a:bodyPr/>
           <a:lstStyle/>
           <a:p>
             <a:pPr lvl="0"/>
@@ -7015,11 +5649,11 @@
           <a:bodyPr/>
           <a:lstStyle/>
           <a:p>
-            <a:fld id="{AB2458EA-1F5A-154D-AFF5-4CF2DF8977D4}" type="datetimeFigureOut">
+            <a:fld id="{9796027F-7875-4030-9381-8BD8C4F21935}" type="datetimeFigureOut">
               <a:rPr lang="en-US" smtClean="0"/>
-              <a:t>11/18/19</a:t>
+              <a:t>11/19/19</a:t>
             </a:fld>
-            <a:endParaRPr lang="en-US"/>
+            <a:endParaRPr lang="en-US" dirty="0"/>
           </a:p>
         </p:txBody>
       </p:sp>
@@ -7038,95 +5672,13 @@
           <a:bodyPr/>
           <a:lstStyle/>
           <a:p>
-            <a:endParaRPr lang="en-US"/>
+            <a:endParaRPr lang="en-US" dirty="0"/>
           </a:p>
         </p:txBody>
       </p:sp>
       <p:sp>
         <p:nvSpPr>
-          <p:cNvPr id="10" name="Freeform 11"/>
-          <p:cNvSpPr/>
-          <p:nvPr/>
-        </p:nvSpPr>
-        <p:spPr bwMode="auto">
-          <a:xfrm flipV="1">
-            <a:off x="-3141" y="595313"/>
-            <a:ext cx="1191395" cy="422748"/>
-          </a:xfrm>
-          <a:custGeom>
-            <a:avLst/>
-            <a:gdLst/>
-            <a:ahLst/>
-            <a:cxnLst/>
-            <a:rect l="l" t="t" r="r" b="b"/>
-            <a:pathLst>
-              <a:path w="9248" h="10000">
-                <a:moveTo>
-                  <a:pt x="9248" y="4701"/>
-                </a:moveTo>
-                <a:lnTo>
-                  <a:pt x="7915" y="188"/>
-                </a:lnTo>
-                <a:cubicBezTo>
-                  <a:pt x="7906" y="156"/>
-                  <a:pt x="7895" y="126"/>
-                  <a:pt x="7886" y="94"/>
-                </a:cubicBezTo>
-                <a:cubicBezTo>
-                  <a:pt x="7859" y="0"/>
-                  <a:pt x="7831" y="0"/>
-                  <a:pt x="7803" y="0"/>
-                </a:cubicBezTo>
-                <a:lnTo>
-                  <a:pt x="7275" y="0"/>
-                </a:lnTo>
-                <a:lnTo>
-                  <a:pt x="0" y="70"/>
-                </a:lnTo>
-                <a:cubicBezTo>
-                  <a:pt x="8" y="3380"/>
-                  <a:pt x="17" y="6690"/>
-                  <a:pt x="25" y="10000"/>
-                </a:cubicBezTo>
-                <a:lnTo>
-                  <a:pt x="7275" y="9966"/>
-                </a:lnTo>
-                <a:lnTo>
-                  <a:pt x="7803" y="9966"/>
-                </a:lnTo>
-                <a:cubicBezTo>
-                  <a:pt x="7831" y="9966"/>
-                  <a:pt x="7859" y="9872"/>
-                  <a:pt x="7886" y="9872"/>
-                </a:cubicBezTo>
-                <a:cubicBezTo>
-                  <a:pt x="7886" y="9778"/>
-                  <a:pt x="7915" y="9778"/>
-                  <a:pt x="7915" y="9778"/>
-                </a:cubicBezTo>
-                <a:lnTo>
-                  <a:pt x="9248" y="5265"/>
-                </a:lnTo>
-                <a:cubicBezTo>
-                  <a:pt x="9303" y="5077"/>
-                  <a:pt x="9303" y="4889"/>
-                  <a:pt x="9248" y="4701"/>
-                </a:cubicBezTo>
-                <a:close/>
-              </a:path>
-            </a:pathLst>
-          </a:custGeom>
-          <a:solidFill>
-            <a:schemeClr val="accent1"/>
-          </a:solidFill>
-          <a:ln>
-            <a:noFill/>
-          </a:ln>
-        </p:spPr>
-      </p:sp>
-      <p:sp>
-        <p:nvSpPr>
-          <p:cNvPr id="11" name="Slide Number Placeholder 5"/>
+          <p:cNvPr id="7" name="Slide Number Placeholder 6"/>
           <p:cNvSpPr>
             <a:spLocks noGrp="1"/>
           </p:cNvSpPr>
@@ -7134,39 +5686,29 @@
             <p:ph type="sldNum" sz="quarter" idx="12"/>
           </p:nvPr>
         </p:nvSpPr>
-        <p:spPr>
-          <a:xfrm>
-            <a:off x="398860" y="656485"/>
-            <a:ext cx="584825" cy="304271"/>
-          </a:xfrm>
-        </p:spPr>
+        <p:spPr/>
         <p:txBody>
           <a:bodyPr/>
           <a:lstStyle/>
           <a:p>
-            <a:fld id="{45D8DECA-3F01-4D4D-9CE8-CE0BA91433C8}" type="slidenum">
+            <a:fld id="{D57F1E4F-1CFF-5643-939E-02111984F565}" type="slidenum">
               <a:rPr lang="en-US" smtClean="0"/>
               <a:t>‹#›</a:t>
             </a:fld>
-            <a:endParaRPr lang="en-US"/>
+            <a:endParaRPr lang="en-US" dirty="0"/>
           </a:p>
         </p:txBody>
       </p:sp>
     </p:spTree>
     <p:extLst>
       <p:ext uri="{BB962C8B-B14F-4D97-AF65-F5344CB8AC3E}">
-        <p14:creationId xmlns:p14="http://schemas.microsoft.com/office/powerpoint/2010/main" val="1957116483"/>
+        <p14:creationId xmlns:p14="http://schemas.microsoft.com/office/powerpoint/2010/main" val="2674480817"/>
       </p:ext>
     </p:extLst>
   </p:cSld>
   <p:clrMapOvr>
     <a:masterClrMapping/>
   </p:clrMapOvr>
-  <p:extLst>
-    <p:ext uri="{DCECCB84-F9BA-43D5-87BE-67443E8EF086}">
-      <p15:sldGuideLst xmlns:p15="http://schemas.microsoft.com/office/powerpoint/2012/main"/>
-    </p:ext>
-  </p:extLst>
 </p:sldLayout>
 </file>
 
@@ -7189,7 +5731,7 @@
       </p:grpSpPr>
       <p:sp>
         <p:nvSpPr>
-          <p:cNvPr id="10" name="Title 9"/>
+          <p:cNvPr id="2" name="Title 1"/>
           <p:cNvSpPr>
             <a:spLocks noGrp="1"/>
           </p:cNvSpPr>
@@ -7197,7 +5739,12 @@
             <p:ph type="title"/>
           </p:nvPr>
         </p:nvSpPr>
-        <p:spPr/>
+        <p:spPr>
+          <a:xfrm>
+            <a:off x="629841" y="304271"/>
+            <a:ext cx="7886700" cy="1104636"/>
+          </a:xfrm>
+        </p:spPr>
         <p:txBody>
           <a:bodyPr/>
           <a:lstStyle/>
@@ -7222,18 +5769,16 @@
         </p:nvSpPr>
         <p:spPr>
           <a:xfrm>
-            <a:off x="2204530" y="1643919"/>
-            <a:ext cx="2994549" cy="480218"/>
+            <a:off x="629842" y="1400969"/>
+            <a:ext cx="3868340" cy="686593"/>
           </a:xfrm>
         </p:spPr>
         <p:txBody>
-          <a:bodyPr anchor="b">
-            <a:noAutofit/>
-          </a:bodyPr>
+          <a:bodyPr anchor="b"/>
           <a:lstStyle>
             <a:lvl1pPr marL="0" indent="0">
               <a:buNone/>
-              <a:defRPr sz="1800" b="0"/>
+              <a:defRPr sz="1800" b="1"/>
             </a:lvl1pPr>
             <a:lvl2pPr marL="342900" indent="0">
               <a:buNone/>
@@ -7289,14 +5834,12 @@
         </p:nvSpPr>
         <p:spPr>
           <a:xfrm>
-            <a:off x="1941909" y="2124138"/>
-            <a:ext cx="3257170" cy="2795050"/>
+            <a:off x="629842" y="2087563"/>
+            <a:ext cx="3868340" cy="3070490"/>
           </a:xfrm>
         </p:spPr>
         <p:txBody>
-          <a:bodyPr>
-            <a:normAutofit/>
-          </a:bodyPr>
+          <a:bodyPr/>
           <a:lstStyle/>
           <a:p>
             <a:pPr lvl="0"/>
@@ -7348,18 +5891,16 @@
         </p:nvSpPr>
         <p:spPr>
           <a:xfrm>
-            <a:off x="5629972" y="1641229"/>
-            <a:ext cx="2999251" cy="480218"/>
+            <a:off x="4629150" y="1400969"/>
+            <a:ext cx="3887391" cy="686593"/>
           </a:xfrm>
         </p:spPr>
         <p:txBody>
-          <a:bodyPr anchor="b">
-            <a:noAutofit/>
-          </a:bodyPr>
+          <a:bodyPr anchor="b"/>
           <a:lstStyle>
             <a:lvl1pPr marL="0" indent="0">
               <a:buNone/>
-              <a:defRPr sz="1800" b="0"/>
+              <a:defRPr sz="1800" b="1"/>
             </a:lvl1pPr>
             <a:lvl2pPr marL="342900" indent="0">
               <a:buNone/>
@@ -7415,14 +5956,12 @@
         </p:nvSpPr>
         <p:spPr>
           <a:xfrm>
-            <a:off x="5375218" y="2121448"/>
-            <a:ext cx="3254006" cy="2795050"/>
+            <a:off x="4629150" y="2087563"/>
+            <a:ext cx="3887391" cy="3070490"/>
           </a:xfrm>
         </p:spPr>
         <p:txBody>
-          <a:bodyPr>
-            <a:normAutofit/>
-          </a:bodyPr>
+          <a:bodyPr/>
           <a:lstStyle/>
           <a:p>
             <a:pPr lvl="0"/>
@@ -7477,11 +6016,11 @@
           <a:bodyPr/>
           <a:lstStyle/>
           <a:p>
-            <a:fld id="{AB2458EA-1F5A-154D-AFF5-4CF2DF8977D4}" type="datetimeFigureOut">
+            <a:fld id="{9796027F-7875-4030-9381-8BD8C4F21935}" type="datetimeFigureOut">
               <a:rPr lang="en-US" smtClean="0"/>
-              <a:t>11/18/19</a:t>
+              <a:t>11/19/19</a:t>
             </a:fld>
-            <a:endParaRPr lang="en-US"/>
+            <a:endParaRPr lang="en-US" dirty="0"/>
           </a:p>
         </p:txBody>
       </p:sp>
@@ -7500,95 +6039,13 @@
           <a:bodyPr/>
           <a:lstStyle/>
           <a:p>
-            <a:endParaRPr lang="en-US"/>
+            <a:endParaRPr lang="en-US" dirty="0"/>
           </a:p>
         </p:txBody>
       </p:sp>
       <p:sp>
         <p:nvSpPr>
-          <p:cNvPr id="12" name="Freeform 11"/>
-          <p:cNvSpPr/>
-          <p:nvPr/>
-        </p:nvSpPr>
-        <p:spPr bwMode="auto">
-          <a:xfrm flipV="1">
-            <a:off x="-3141" y="595313"/>
-            <a:ext cx="1191395" cy="422748"/>
-          </a:xfrm>
-          <a:custGeom>
-            <a:avLst/>
-            <a:gdLst/>
-            <a:ahLst/>
-            <a:cxnLst/>
-            <a:rect l="l" t="t" r="r" b="b"/>
-            <a:pathLst>
-              <a:path w="9248" h="10000">
-                <a:moveTo>
-                  <a:pt x="9248" y="4701"/>
-                </a:moveTo>
-                <a:lnTo>
-                  <a:pt x="7915" y="188"/>
-                </a:lnTo>
-                <a:cubicBezTo>
-                  <a:pt x="7906" y="156"/>
-                  <a:pt x="7895" y="126"/>
-                  <a:pt x="7886" y="94"/>
-                </a:cubicBezTo>
-                <a:cubicBezTo>
-                  <a:pt x="7859" y="0"/>
-                  <a:pt x="7831" y="0"/>
-                  <a:pt x="7803" y="0"/>
-                </a:cubicBezTo>
-                <a:lnTo>
-                  <a:pt x="7275" y="0"/>
-                </a:lnTo>
-                <a:lnTo>
-                  <a:pt x="0" y="70"/>
-                </a:lnTo>
-                <a:cubicBezTo>
-                  <a:pt x="8" y="3380"/>
-                  <a:pt x="17" y="6690"/>
-                  <a:pt x="25" y="10000"/>
-                </a:cubicBezTo>
-                <a:lnTo>
-                  <a:pt x="7275" y="9966"/>
-                </a:lnTo>
-                <a:lnTo>
-                  <a:pt x="7803" y="9966"/>
-                </a:lnTo>
-                <a:cubicBezTo>
-                  <a:pt x="7831" y="9966"/>
-                  <a:pt x="7859" y="9872"/>
-                  <a:pt x="7886" y="9872"/>
-                </a:cubicBezTo>
-                <a:cubicBezTo>
-                  <a:pt x="7886" y="9778"/>
-                  <a:pt x="7915" y="9778"/>
-                  <a:pt x="7915" y="9778"/>
-                </a:cubicBezTo>
-                <a:lnTo>
-                  <a:pt x="9248" y="5265"/>
-                </a:lnTo>
-                <a:cubicBezTo>
-                  <a:pt x="9303" y="5077"/>
-                  <a:pt x="9303" y="4889"/>
-                  <a:pt x="9248" y="4701"/>
-                </a:cubicBezTo>
-                <a:close/>
-              </a:path>
-            </a:pathLst>
-          </a:custGeom>
-          <a:solidFill>
-            <a:schemeClr val="accent1"/>
-          </a:solidFill>
-          <a:ln>
-            <a:noFill/>
-          </a:ln>
-        </p:spPr>
-      </p:sp>
-      <p:sp>
-        <p:nvSpPr>
-          <p:cNvPr id="13" name="Slide Number Placeholder 5"/>
+          <p:cNvPr id="9" name="Slide Number Placeholder 8"/>
           <p:cNvSpPr>
             <a:spLocks noGrp="1"/>
           </p:cNvSpPr>
@@ -7596,39 +6053,29 @@
             <p:ph type="sldNum" sz="quarter" idx="12"/>
           </p:nvPr>
         </p:nvSpPr>
-        <p:spPr>
-          <a:xfrm>
-            <a:off x="398860" y="656485"/>
-            <a:ext cx="584825" cy="304271"/>
-          </a:xfrm>
-        </p:spPr>
+        <p:spPr/>
         <p:txBody>
           <a:bodyPr/>
           <a:lstStyle/>
           <a:p>
-            <a:fld id="{45D8DECA-3F01-4D4D-9CE8-CE0BA91433C8}" type="slidenum">
+            <a:fld id="{D57F1E4F-1CFF-5643-939E-02111984F565}" type="slidenum">
               <a:rPr lang="en-US" smtClean="0"/>
               <a:t>‹#›</a:t>
             </a:fld>
-            <a:endParaRPr lang="en-US"/>
+            <a:endParaRPr lang="en-US" dirty="0"/>
           </a:p>
         </p:txBody>
       </p:sp>
     </p:spTree>
     <p:extLst>
       <p:ext uri="{BB962C8B-B14F-4D97-AF65-F5344CB8AC3E}">
-        <p14:creationId xmlns:p14="http://schemas.microsoft.com/office/powerpoint/2010/main" val="3291662951"/>
+        <p14:creationId xmlns:p14="http://schemas.microsoft.com/office/powerpoint/2010/main" val="2099681077"/>
       </p:ext>
     </p:extLst>
   </p:cSld>
   <p:clrMapOvr>
     <a:masterClrMapping/>
   </p:clrMapOvr>
-  <p:extLst>
-    <p:ext uri="{DCECCB84-F9BA-43D5-87BE-67443E8EF086}">
-      <p15:sldGuideLst xmlns:p15="http://schemas.microsoft.com/office/powerpoint/2012/main"/>
-    </p:ext>
-  </p:extLst>
 </p:sldLayout>
 </file>
 
@@ -7687,11 +6134,11 @@
           <a:bodyPr/>
           <a:lstStyle/>
           <a:p>
-            <a:fld id="{AB2458EA-1F5A-154D-AFF5-4CF2DF8977D4}" type="datetimeFigureOut">
+            <a:fld id="{4509A250-FF31-4206-8172-F9D3106AACB1}" type="datetimeFigureOut">
               <a:rPr lang="en-US" smtClean="0"/>
-              <a:t>11/18/19</a:t>
+              <a:t>11/19/19</a:t>
             </a:fld>
-            <a:endParaRPr lang="en-US"/>
+            <a:endParaRPr lang="en-US" dirty="0"/>
           </a:p>
         </p:txBody>
       </p:sp>
@@ -7710,91 +6157,9 @@
           <a:bodyPr/>
           <a:lstStyle/>
           <a:p>
-            <a:endParaRPr lang="en-US"/>
+            <a:endParaRPr lang="en-US" dirty="0"/>
           </a:p>
         </p:txBody>
-      </p:sp>
-      <p:sp>
-        <p:nvSpPr>
-          <p:cNvPr id="7" name="Freeform 11"/>
-          <p:cNvSpPr/>
-          <p:nvPr/>
-        </p:nvSpPr>
-        <p:spPr bwMode="auto">
-          <a:xfrm flipV="1">
-            <a:off x="-3141" y="595313"/>
-            <a:ext cx="1191395" cy="422748"/>
-          </a:xfrm>
-          <a:custGeom>
-            <a:avLst/>
-            <a:gdLst/>
-            <a:ahLst/>
-            <a:cxnLst/>
-            <a:rect l="l" t="t" r="r" b="b"/>
-            <a:pathLst>
-              <a:path w="9248" h="10000">
-                <a:moveTo>
-                  <a:pt x="9248" y="4701"/>
-                </a:moveTo>
-                <a:lnTo>
-                  <a:pt x="7915" y="188"/>
-                </a:lnTo>
-                <a:cubicBezTo>
-                  <a:pt x="7906" y="156"/>
-                  <a:pt x="7895" y="126"/>
-                  <a:pt x="7886" y="94"/>
-                </a:cubicBezTo>
-                <a:cubicBezTo>
-                  <a:pt x="7859" y="0"/>
-                  <a:pt x="7831" y="0"/>
-                  <a:pt x="7803" y="0"/>
-                </a:cubicBezTo>
-                <a:lnTo>
-                  <a:pt x="7275" y="0"/>
-                </a:lnTo>
-                <a:lnTo>
-                  <a:pt x="0" y="70"/>
-                </a:lnTo>
-                <a:cubicBezTo>
-                  <a:pt x="8" y="3380"/>
-                  <a:pt x="17" y="6690"/>
-                  <a:pt x="25" y="10000"/>
-                </a:cubicBezTo>
-                <a:lnTo>
-                  <a:pt x="7275" y="9966"/>
-                </a:lnTo>
-                <a:lnTo>
-                  <a:pt x="7803" y="9966"/>
-                </a:lnTo>
-                <a:cubicBezTo>
-                  <a:pt x="7831" y="9966"/>
-                  <a:pt x="7859" y="9872"/>
-                  <a:pt x="7886" y="9872"/>
-                </a:cubicBezTo>
-                <a:cubicBezTo>
-                  <a:pt x="7886" y="9778"/>
-                  <a:pt x="7915" y="9778"/>
-                  <a:pt x="7915" y="9778"/>
-                </a:cubicBezTo>
-                <a:lnTo>
-                  <a:pt x="9248" y="5265"/>
-                </a:lnTo>
-                <a:cubicBezTo>
-                  <a:pt x="9303" y="5077"/>
-                  <a:pt x="9303" y="4889"/>
-                  <a:pt x="9248" y="4701"/>
-                </a:cubicBezTo>
-                <a:close/>
-              </a:path>
-            </a:pathLst>
-          </a:custGeom>
-          <a:solidFill>
-            <a:schemeClr val="accent1"/>
-          </a:solidFill>
-          <a:ln>
-            <a:noFill/>
-          </a:ln>
-        </p:spPr>
       </p:sp>
       <p:sp>
         <p:nvSpPr>
@@ -7811,18 +6176,18 @@
           <a:bodyPr/>
           <a:lstStyle/>
           <a:p>
-            <a:fld id="{45D8DECA-3F01-4D4D-9CE8-CE0BA91433C8}" type="slidenum">
+            <a:fld id="{D57F1E4F-1CFF-5643-939E-02111984F565}" type="slidenum">
               <a:rPr lang="en-US" smtClean="0"/>
               <a:t>‹#›</a:t>
             </a:fld>
-            <a:endParaRPr lang="en-US"/>
+            <a:endParaRPr lang="en-US" dirty="0"/>
           </a:p>
         </p:txBody>
       </p:sp>
     </p:spTree>
     <p:extLst>
       <p:ext uri="{BB962C8B-B14F-4D97-AF65-F5344CB8AC3E}">
-        <p14:creationId xmlns:p14="http://schemas.microsoft.com/office/powerpoint/2010/main" val="1472760922"/>
+        <p14:creationId xmlns:p14="http://schemas.microsoft.com/office/powerpoint/2010/main" val="308543471"/>
       </p:ext>
     </p:extLst>
   </p:cSld>
@@ -7864,11 +6229,11 @@
           <a:bodyPr/>
           <a:lstStyle/>
           <a:p>
-            <a:fld id="{AB2458EA-1F5A-154D-AFF5-4CF2DF8977D4}" type="datetimeFigureOut">
+            <a:fld id="{4509A250-FF31-4206-8172-F9D3106AACB1}" type="datetimeFigureOut">
               <a:rPr lang="en-US" smtClean="0"/>
-              <a:t>11/18/19</a:t>
+              <a:t>11/19/19</a:t>
             </a:fld>
-            <a:endParaRPr lang="en-US"/>
+            <a:endParaRPr lang="en-US" dirty="0"/>
           </a:p>
         </p:txBody>
       </p:sp>
@@ -7887,91 +6252,9 @@
           <a:bodyPr/>
           <a:lstStyle/>
           <a:p>
-            <a:endParaRPr lang="en-US"/>
+            <a:endParaRPr lang="en-US" dirty="0"/>
           </a:p>
         </p:txBody>
-      </p:sp>
-      <p:sp>
-        <p:nvSpPr>
-          <p:cNvPr id="6" name="Freeform 11"/>
-          <p:cNvSpPr/>
-          <p:nvPr/>
-        </p:nvSpPr>
-        <p:spPr bwMode="auto">
-          <a:xfrm flipV="1">
-            <a:off x="-3141" y="595313"/>
-            <a:ext cx="1191395" cy="422748"/>
-          </a:xfrm>
-          <a:custGeom>
-            <a:avLst/>
-            <a:gdLst/>
-            <a:ahLst/>
-            <a:cxnLst/>
-            <a:rect l="l" t="t" r="r" b="b"/>
-            <a:pathLst>
-              <a:path w="9248" h="10000">
-                <a:moveTo>
-                  <a:pt x="9248" y="4701"/>
-                </a:moveTo>
-                <a:lnTo>
-                  <a:pt x="7915" y="188"/>
-                </a:lnTo>
-                <a:cubicBezTo>
-                  <a:pt x="7906" y="156"/>
-                  <a:pt x="7895" y="126"/>
-                  <a:pt x="7886" y="94"/>
-                </a:cubicBezTo>
-                <a:cubicBezTo>
-                  <a:pt x="7859" y="0"/>
-                  <a:pt x="7831" y="0"/>
-                  <a:pt x="7803" y="0"/>
-                </a:cubicBezTo>
-                <a:lnTo>
-                  <a:pt x="7275" y="0"/>
-                </a:lnTo>
-                <a:lnTo>
-                  <a:pt x="0" y="70"/>
-                </a:lnTo>
-                <a:cubicBezTo>
-                  <a:pt x="8" y="3380"/>
-                  <a:pt x="17" y="6690"/>
-                  <a:pt x="25" y="10000"/>
-                </a:cubicBezTo>
-                <a:lnTo>
-                  <a:pt x="7275" y="9966"/>
-                </a:lnTo>
-                <a:lnTo>
-                  <a:pt x="7803" y="9966"/>
-                </a:lnTo>
-                <a:cubicBezTo>
-                  <a:pt x="7831" y="9966"/>
-                  <a:pt x="7859" y="9872"/>
-                  <a:pt x="7886" y="9872"/>
-                </a:cubicBezTo>
-                <a:cubicBezTo>
-                  <a:pt x="7886" y="9778"/>
-                  <a:pt x="7915" y="9778"/>
-                  <a:pt x="7915" y="9778"/>
-                </a:cubicBezTo>
-                <a:lnTo>
-                  <a:pt x="9248" y="5265"/>
-                </a:lnTo>
-                <a:cubicBezTo>
-                  <a:pt x="9303" y="5077"/>
-                  <a:pt x="9303" y="4889"/>
-                  <a:pt x="9248" y="4701"/>
-                </a:cubicBezTo>
-                <a:close/>
-              </a:path>
-            </a:pathLst>
-          </a:custGeom>
-          <a:solidFill>
-            <a:schemeClr val="accent1"/>
-          </a:solidFill>
-          <a:ln>
-            <a:noFill/>
-          </a:ln>
-        </p:spPr>
       </p:sp>
       <p:sp>
         <p:nvSpPr>
@@ -7988,18 +6271,18 @@
           <a:bodyPr/>
           <a:lstStyle/>
           <a:p>
-            <a:fld id="{45D8DECA-3F01-4D4D-9CE8-CE0BA91433C8}" type="slidenum">
+            <a:fld id="{D57F1E4F-1CFF-5643-939E-02111984F565}" type="slidenum">
               <a:rPr lang="en-US" smtClean="0"/>
               <a:t>‹#›</a:t>
             </a:fld>
-            <a:endParaRPr lang="en-US"/>
+            <a:endParaRPr lang="en-US" dirty="0"/>
           </a:p>
         </p:txBody>
       </p:sp>
     </p:spTree>
     <p:extLst>
       <p:ext uri="{BB962C8B-B14F-4D97-AF65-F5344CB8AC3E}">
-        <p14:creationId xmlns:p14="http://schemas.microsoft.com/office/powerpoint/2010/main" val="1095233237"/>
+        <p14:creationId xmlns:p14="http://schemas.microsoft.com/office/powerpoint/2010/main" val="3042545756"/>
       </p:ext>
     </p:extLst>
   </p:cSld>
@@ -8038,15 +6321,15 @@
         </p:nvSpPr>
         <p:spPr>
           <a:xfrm>
-            <a:off x="1941910" y="371740"/>
-            <a:ext cx="2628899" cy="813593"/>
+            <a:off x="629841" y="381000"/>
+            <a:ext cx="2949178" cy="1333500"/>
           </a:xfrm>
         </p:spPr>
         <p:txBody>
           <a:bodyPr anchor="b"/>
           <a:lstStyle>
-            <a:lvl1pPr algn="l">
-              <a:defRPr sz="1500" b="0"/>
+            <a:lvl1pPr>
+              <a:defRPr sz="2400"/>
             </a:lvl1pPr>
           </a:lstStyle>
           <a:p>
@@ -8070,15 +6353,41 @@
         </p:nvSpPr>
         <p:spPr>
           <a:xfrm>
-            <a:off x="4742259" y="371741"/>
-            <a:ext cx="3886200" cy="4512469"/>
+            <a:off x="3887391" y="822855"/>
+            <a:ext cx="4629150" cy="4061354"/>
           </a:xfrm>
         </p:spPr>
         <p:txBody>
-          <a:bodyPr anchor="ctr">
-            <a:normAutofit/>
-          </a:bodyPr>
-          <a:lstStyle/>
+          <a:bodyPr/>
+          <a:lstStyle>
+            <a:lvl1pPr>
+              <a:defRPr sz="2400"/>
+            </a:lvl1pPr>
+            <a:lvl2pPr>
+              <a:defRPr sz="2100"/>
+            </a:lvl2pPr>
+            <a:lvl3pPr>
+              <a:defRPr sz="1800"/>
+            </a:lvl3pPr>
+            <a:lvl4pPr>
+              <a:defRPr sz="1500"/>
+            </a:lvl4pPr>
+            <a:lvl5pPr>
+              <a:defRPr sz="1500"/>
+            </a:lvl5pPr>
+            <a:lvl6pPr>
+              <a:defRPr sz="1500"/>
+            </a:lvl6pPr>
+            <a:lvl7pPr>
+              <a:defRPr sz="1500"/>
+            </a:lvl7pPr>
+            <a:lvl8pPr>
+              <a:defRPr sz="1500"/>
+            </a:lvl8pPr>
+            <a:lvl9pPr>
+              <a:defRPr sz="1500"/>
+            </a:lvl9pPr>
+          </a:lstStyle>
           <a:p>
             <a:pPr lvl="0"/>
             <a:r>
@@ -8129,8 +6438,8 @@
         </p:nvSpPr>
         <p:spPr>
           <a:xfrm>
-            <a:off x="1941910" y="1332178"/>
-            <a:ext cx="2628899" cy="3552030"/>
+            <a:off x="629841" y="1714500"/>
+            <a:ext cx="2949178" cy="3176323"/>
           </a:xfrm>
         </p:spPr>
         <p:txBody>
@@ -8138,39 +6447,39 @@
           <a:lstStyle>
             <a:lvl1pPr marL="0" indent="0">
               <a:buNone/>
-              <a:defRPr sz="1050"/>
+              <a:defRPr sz="1200"/>
             </a:lvl1pPr>
             <a:lvl2pPr marL="342900" indent="0">
               <a:buNone/>
-              <a:defRPr sz="900"/>
+              <a:defRPr sz="1050"/>
             </a:lvl2pPr>
             <a:lvl3pPr marL="685800" indent="0">
               <a:buNone/>
-              <a:defRPr sz="750"/>
+              <a:defRPr sz="900"/>
             </a:lvl3pPr>
             <a:lvl4pPr marL="1028700" indent="0">
               <a:buNone/>
-              <a:defRPr sz="675"/>
+              <a:defRPr sz="750"/>
             </a:lvl4pPr>
             <a:lvl5pPr marL="1371600" indent="0">
               <a:buNone/>
-              <a:defRPr sz="675"/>
+              <a:defRPr sz="750"/>
             </a:lvl5pPr>
             <a:lvl6pPr marL="1714500" indent="0">
               <a:buNone/>
-              <a:defRPr sz="675"/>
+              <a:defRPr sz="750"/>
             </a:lvl6pPr>
             <a:lvl7pPr marL="2057400" indent="0">
               <a:buNone/>
-              <a:defRPr sz="675"/>
+              <a:defRPr sz="750"/>
             </a:lvl7pPr>
             <a:lvl8pPr marL="2400300" indent="0">
               <a:buNone/>
-              <a:defRPr sz="675"/>
+              <a:defRPr sz="750"/>
             </a:lvl8pPr>
             <a:lvl9pPr marL="2743200" indent="0">
               <a:buNone/>
-              <a:defRPr sz="675"/>
+              <a:defRPr sz="750"/>
             </a:lvl9pPr>
           </a:lstStyle>
           <a:p>
@@ -8197,11 +6506,11 @@
           <a:bodyPr/>
           <a:lstStyle/>
           <a:p>
-            <a:fld id="{AB2458EA-1F5A-154D-AFF5-4CF2DF8977D4}" type="datetimeFigureOut">
+            <a:fld id="{4509A250-FF31-4206-8172-F9D3106AACB1}" type="datetimeFigureOut">
               <a:rPr lang="en-US" smtClean="0"/>
-              <a:t>11/18/19</a:t>
+              <a:t>11/19/19</a:t>
             </a:fld>
-            <a:endParaRPr lang="en-US"/>
+            <a:endParaRPr lang="en-US" dirty="0"/>
           </a:p>
         </p:txBody>
       </p:sp>
@@ -8220,91 +6529,9 @@
           <a:bodyPr/>
           <a:lstStyle/>
           <a:p>
-            <a:endParaRPr lang="en-US"/>
+            <a:endParaRPr lang="en-US" dirty="0"/>
           </a:p>
         </p:txBody>
-      </p:sp>
-      <p:sp>
-        <p:nvSpPr>
-          <p:cNvPr id="9" name="Freeform 11"/>
-          <p:cNvSpPr/>
-          <p:nvPr/>
-        </p:nvSpPr>
-        <p:spPr bwMode="auto">
-          <a:xfrm flipV="1">
-            <a:off x="-3141" y="595313"/>
-            <a:ext cx="1191395" cy="422748"/>
-          </a:xfrm>
-          <a:custGeom>
-            <a:avLst/>
-            <a:gdLst/>
-            <a:ahLst/>
-            <a:cxnLst/>
-            <a:rect l="l" t="t" r="r" b="b"/>
-            <a:pathLst>
-              <a:path w="9248" h="10000">
-                <a:moveTo>
-                  <a:pt x="9248" y="4701"/>
-                </a:moveTo>
-                <a:lnTo>
-                  <a:pt x="7915" y="188"/>
-                </a:lnTo>
-                <a:cubicBezTo>
-                  <a:pt x="7906" y="156"/>
-                  <a:pt x="7895" y="126"/>
-                  <a:pt x="7886" y="94"/>
-                </a:cubicBezTo>
-                <a:cubicBezTo>
-                  <a:pt x="7859" y="0"/>
-                  <a:pt x="7831" y="0"/>
-                  <a:pt x="7803" y="0"/>
-                </a:cubicBezTo>
-                <a:lnTo>
-                  <a:pt x="7275" y="0"/>
-                </a:lnTo>
-                <a:lnTo>
-                  <a:pt x="0" y="70"/>
-                </a:lnTo>
-                <a:cubicBezTo>
-                  <a:pt x="8" y="3380"/>
-                  <a:pt x="17" y="6690"/>
-                  <a:pt x="25" y="10000"/>
-                </a:cubicBezTo>
-                <a:lnTo>
-                  <a:pt x="7275" y="9966"/>
-                </a:lnTo>
-                <a:lnTo>
-                  <a:pt x="7803" y="9966"/>
-                </a:lnTo>
-                <a:cubicBezTo>
-                  <a:pt x="7831" y="9966"/>
-                  <a:pt x="7859" y="9872"/>
-                  <a:pt x="7886" y="9872"/>
-                </a:cubicBezTo>
-                <a:cubicBezTo>
-                  <a:pt x="7886" y="9778"/>
-                  <a:pt x="7915" y="9778"/>
-                  <a:pt x="7915" y="9778"/>
-                </a:cubicBezTo>
-                <a:lnTo>
-                  <a:pt x="9248" y="5265"/>
-                </a:lnTo>
-                <a:cubicBezTo>
-                  <a:pt x="9303" y="5077"/>
-                  <a:pt x="9303" y="4889"/>
-                  <a:pt x="9248" y="4701"/>
-                </a:cubicBezTo>
-                <a:close/>
-              </a:path>
-            </a:pathLst>
-          </a:custGeom>
-          <a:solidFill>
-            <a:schemeClr val="accent1"/>
-          </a:solidFill>
-          <a:ln>
-            <a:noFill/>
-          </a:ln>
-        </p:spPr>
       </p:sp>
       <p:sp>
         <p:nvSpPr>
@@ -8321,29 +6548,24 @@
           <a:bodyPr/>
           <a:lstStyle/>
           <a:p>
-            <a:fld id="{45D8DECA-3F01-4D4D-9CE8-CE0BA91433C8}" type="slidenum">
+            <a:fld id="{D57F1E4F-1CFF-5643-939E-02111984F565}" type="slidenum">
               <a:rPr lang="en-US" smtClean="0"/>
               <a:t>‹#›</a:t>
             </a:fld>
-            <a:endParaRPr lang="en-US"/>
+            <a:endParaRPr lang="en-US" dirty="0"/>
           </a:p>
         </p:txBody>
       </p:sp>
     </p:spTree>
     <p:extLst>
       <p:ext uri="{BB962C8B-B14F-4D97-AF65-F5344CB8AC3E}">
-        <p14:creationId xmlns:p14="http://schemas.microsoft.com/office/powerpoint/2010/main" val="3756608574"/>
+        <p14:creationId xmlns:p14="http://schemas.microsoft.com/office/powerpoint/2010/main" val="1103316182"/>
       </p:ext>
     </p:extLst>
   </p:cSld>
   <p:clrMapOvr>
     <a:masterClrMapping/>
   </p:clrMapOvr>
-  <p:extLst>
-    <p:ext uri="{DCECCB84-F9BA-43D5-87BE-67443E8EF086}">
-      <p15:sldGuideLst xmlns:p15="http://schemas.microsoft.com/office/powerpoint/2012/main"/>
-    </p:ext>
-  </p:extLst>
 </p:sldLayout>
 </file>
 
@@ -8376,17 +6598,15 @@
         </p:nvSpPr>
         <p:spPr>
           <a:xfrm>
-            <a:off x="1941910" y="4000500"/>
-            <a:ext cx="6686550" cy="472282"/>
+            <a:off x="629841" y="381000"/>
+            <a:ext cx="2949178" cy="1333500"/>
           </a:xfrm>
         </p:spPr>
         <p:txBody>
-          <a:bodyPr anchor="b">
-            <a:normAutofit/>
-          </a:bodyPr>
+          <a:bodyPr anchor="b"/>
           <a:lstStyle>
-            <a:lvl1pPr algn="l">
-              <a:defRPr sz="1800" b="0"/>
+            <a:lvl1pPr>
+              <a:defRPr sz="2400"/>
             </a:lvl1pPr>
           </a:lstStyle>
           <a:p>
@@ -8410,50 +6630,48 @@
         </p:nvSpPr>
         <p:spPr>
           <a:xfrm>
-            <a:off x="1941909" y="529138"/>
-            <a:ext cx="6686550" cy="3212475"/>
+            <a:off x="3887391" y="822855"/>
+            <a:ext cx="4629150" cy="4061354"/>
           </a:xfrm>
         </p:spPr>
         <p:txBody>
-          <a:bodyPr anchor="t">
-            <a:normAutofit/>
-          </a:bodyPr>
+          <a:bodyPr anchor="t"/>
           <a:lstStyle>
-            <a:lvl1pPr marL="0" indent="0" algn="ctr">
-              <a:buNone/>
-              <a:defRPr sz="1200"/>
+            <a:lvl1pPr marL="0" indent="0">
+              <a:buNone/>
+              <a:defRPr sz="2400"/>
             </a:lvl1pPr>
             <a:lvl2pPr marL="342900" indent="0">
               <a:buNone/>
-              <a:defRPr sz="1200"/>
+              <a:defRPr sz="2100"/>
             </a:lvl2pPr>
             <a:lvl3pPr marL="685800" indent="0">
               <a:buNone/>
-              <a:defRPr sz="1200"/>
+              <a:defRPr sz="1800"/>
             </a:lvl3pPr>
             <a:lvl4pPr marL="1028700" indent="0">
               <a:buNone/>
-              <a:defRPr sz="1200"/>
+              <a:defRPr sz="1500"/>
             </a:lvl4pPr>
             <a:lvl5pPr marL="1371600" indent="0">
               <a:buNone/>
-              <a:defRPr sz="1200"/>
+              <a:defRPr sz="1500"/>
             </a:lvl5pPr>
             <a:lvl6pPr marL="1714500" indent="0">
               <a:buNone/>
-              <a:defRPr sz="1200"/>
+              <a:defRPr sz="1500"/>
             </a:lvl6pPr>
             <a:lvl7pPr marL="2057400" indent="0">
               <a:buNone/>
-              <a:defRPr sz="1200"/>
+              <a:defRPr sz="1500"/>
             </a:lvl7pPr>
             <a:lvl8pPr marL="2400300" indent="0">
               <a:buNone/>
-              <a:defRPr sz="1200"/>
+              <a:defRPr sz="1500"/>
             </a:lvl8pPr>
             <a:lvl9pPr marL="2743200" indent="0">
               <a:buNone/>
-              <a:defRPr sz="1200"/>
+              <a:defRPr sz="1500"/>
             </a:lvl9pPr>
           </a:lstStyle>
           <a:p>
@@ -8477,50 +6695,48 @@
         </p:nvSpPr>
         <p:spPr>
           <a:xfrm>
-            <a:off x="1941910" y="4472782"/>
-            <a:ext cx="6686550" cy="411427"/>
+            <a:off x="629841" y="1714500"/>
+            <a:ext cx="2949178" cy="3176323"/>
           </a:xfrm>
         </p:spPr>
         <p:txBody>
-          <a:bodyPr>
-            <a:normAutofit/>
-          </a:bodyPr>
+          <a:bodyPr/>
           <a:lstStyle>
             <a:lvl1pPr marL="0" indent="0">
               <a:buNone/>
-              <a:defRPr sz="900"/>
+              <a:defRPr sz="1200"/>
             </a:lvl1pPr>
             <a:lvl2pPr marL="342900" indent="0">
               <a:buNone/>
-              <a:defRPr sz="900"/>
+              <a:defRPr sz="1050"/>
             </a:lvl2pPr>
             <a:lvl3pPr marL="685800" indent="0">
               <a:buNone/>
-              <a:defRPr sz="750"/>
+              <a:defRPr sz="900"/>
             </a:lvl3pPr>
             <a:lvl4pPr marL="1028700" indent="0">
               <a:buNone/>
-              <a:defRPr sz="675"/>
+              <a:defRPr sz="750"/>
             </a:lvl4pPr>
             <a:lvl5pPr marL="1371600" indent="0">
               <a:buNone/>
-              <a:defRPr sz="675"/>
+              <a:defRPr sz="750"/>
             </a:lvl5pPr>
             <a:lvl6pPr marL="1714500" indent="0">
               <a:buNone/>
-              <a:defRPr sz="675"/>
+              <a:defRPr sz="750"/>
             </a:lvl6pPr>
             <a:lvl7pPr marL="2057400" indent="0">
               <a:buNone/>
-              <a:defRPr sz="675"/>
+              <a:defRPr sz="750"/>
             </a:lvl7pPr>
             <a:lvl8pPr marL="2400300" indent="0">
               <a:buNone/>
-              <a:defRPr sz="675"/>
+              <a:defRPr sz="750"/>
             </a:lvl8pPr>
             <a:lvl9pPr marL="2743200" indent="0">
               <a:buNone/>
-              <a:defRPr sz="675"/>
+              <a:defRPr sz="750"/>
             </a:lvl9pPr>
           </a:lstStyle>
           <a:p>
@@ -8547,11 +6763,11 @@
           <a:bodyPr/>
           <a:lstStyle/>
           <a:p>
-            <a:fld id="{AB2458EA-1F5A-154D-AFF5-4CF2DF8977D4}" type="datetimeFigureOut">
+            <a:fld id="{4509A250-FF31-4206-8172-F9D3106AACB1}" type="datetimeFigureOut">
               <a:rPr lang="en-US" smtClean="0"/>
-              <a:t>11/18/19</a:t>
+              <a:t>11/19/19</a:t>
             </a:fld>
-            <a:endParaRPr lang="en-US"/>
+            <a:endParaRPr lang="en-US" dirty="0"/>
           </a:p>
         </p:txBody>
       </p:sp>
@@ -8570,91 +6786,9 @@
           <a:bodyPr/>
           <a:lstStyle/>
           <a:p>
-            <a:endParaRPr lang="en-US"/>
+            <a:endParaRPr lang="en-US" dirty="0"/>
           </a:p>
         </p:txBody>
-      </p:sp>
-      <p:sp>
-        <p:nvSpPr>
-          <p:cNvPr id="9" name="Freeform 11"/>
-          <p:cNvSpPr/>
-          <p:nvPr/>
-        </p:nvSpPr>
-        <p:spPr bwMode="auto">
-          <a:xfrm flipV="1">
-            <a:off x="-3141" y="4093104"/>
-            <a:ext cx="1191395" cy="422748"/>
-          </a:xfrm>
-          <a:custGeom>
-            <a:avLst/>
-            <a:gdLst/>
-            <a:ahLst/>
-            <a:cxnLst/>
-            <a:rect l="l" t="t" r="r" b="b"/>
-            <a:pathLst>
-              <a:path w="9248" h="10000">
-                <a:moveTo>
-                  <a:pt x="9248" y="4701"/>
-                </a:moveTo>
-                <a:lnTo>
-                  <a:pt x="7915" y="188"/>
-                </a:lnTo>
-                <a:cubicBezTo>
-                  <a:pt x="7906" y="156"/>
-                  <a:pt x="7895" y="126"/>
-                  <a:pt x="7886" y="94"/>
-                </a:cubicBezTo>
-                <a:cubicBezTo>
-                  <a:pt x="7859" y="0"/>
-                  <a:pt x="7831" y="0"/>
-                  <a:pt x="7803" y="0"/>
-                </a:cubicBezTo>
-                <a:lnTo>
-                  <a:pt x="7275" y="0"/>
-                </a:lnTo>
-                <a:lnTo>
-                  <a:pt x="0" y="70"/>
-                </a:lnTo>
-                <a:cubicBezTo>
-                  <a:pt x="8" y="3380"/>
-                  <a:pt x="17" y="6690"/>
-                  <a:pt x="25" y="10000"/>
-                </a:cubicBezTo>
-                <a:lnTo>
-                  <a:pt x="7275" y="9966"/>
-                </a:lnTo>
-                <a:lnTo>
-                  <a:pt x="7803" y="9966"/>
-                </a:lnTo>
-                <a:cubicBezTo>
-                  <a:pt x="7831" y="9966"/>
-                  <a:pt x="7859" y="9872"/>
-                  <a:pt x="7886" y="9872"/>
-                </a:cubicBezTo>
-                <a:cubicBezTo>
-                  <a:pt x="7886" y="9778"/>
-                  <a:pt x="7915" y="9778"/>
-                  <a:pt x="7915" y="9778"/>
-                </a:cubicBezTo>
-                <a:lnTo>
-                  <a:pt x="9248" y="5265"/>
-                </a:lnTo>
-                <a:cubicBezTo>
-                  <a:pt x="9303" y="5077"/>
-                  <a:pt x="9303" y="4889"/>
-                  <a:pt x="9248" y="4701"/>
-                </a:cubicBezTo>
-                <a:close/>
-              </a:path>
-            </a:pathLst>
-          </a:custGeom>
-          <a:solidFill>
-            <a:schemeClr val="accent1"/>
-          </a:solidFill>
-          <a:ln>
-            <a:noFill/>
-          </a:ln>
-        </p:spPr>
       </p:sp>
       <p:sp>
         <p:nvSpPr>
@@ -8666,28 +6800,23 @@
             <p:ph type="sldNum" sz="quarter" idx="12"/>
           </p:nvPr>
         </p:nvSpPr>
-        <p:spPr>
-          <a:xfrm>
-            <a:off x="398860" y="4152573"/>
-            <a:ext cx="584825" cy="304271"/>
-          </a:xfrm>
-        </p:spPr>
+        <p:spPr/>
         <p:txBody>
           <a:bodyPr/>
           <a:lstStyle/>
           <a:p>
-            <a:fld id="{45D8DECA-3F01-4D4D-9CE8-CE0BA91433C8}" type="slidenum">
+            <a:fld id="{D57F1E4F-1CFF-5643-939E-02111984F565}" type="slidenum">
               <a:rPr lang="en-US" smtClean="0"/>
               <a:t>‹#›</a:t>
             </a:fld>
-            <a:endParaRPr lang="en-US"/>
+            <a:endParaRPr lang="en-US" dirty="0"/>
           </a:p>
         </p:txBody>
       </p:sp>
     </p:spTree>
     <p:extLst>
       <p:ext uri="{BB962C8B-B14F-4D97-AF65-F5344CB8AC3E}">
-        <p14:creationId xmlns:p14="http://schemas.microsoft.com/office/powerpoint/2010/main" val="1417303461"/>
+        <p14:creationId xmlns:p14="http://schemas.microsoft.com/office/powerpoint/2010/main" val="1066140422"/>
       </p:ext>
     </p:extLst>
   </p:cSld>
@@ -8701,8 +6830,8 @@
 <p:sldMaster xmlns:a="http://schemas.openxmlformats.org/drawingml/2006/main" xmlns:r="http://schemas.openxmlformats.org/officeDocument/2006/relationships" xmlns:p="http://schemas.openxmlformats.org/presentationml/2006/main">
   <p:cSld>
     <p:bg>
-      <p:bgRef idx="1003">
-        <a:schemeClr val="bg2"/>
+      <p:bgRef idx="1001">
+        <a:schemeClr val="bg1"/>
       </p:bgRef>
     </p:bg>
     <p:spTree>
@@ -8719,1823 +6848,6 @@
           <a:chExt cx="0" cy="0"/>
         </a:xfrm>
       </p:grpSpPr>
-      <p:grpSp>
-        <p:nvGrpSpPr>
-          <p:cNvPr id="23" name="Group 22"/>
-          <p:cNvGrpSpPr/>
-          <p:nvPr/>
-        </p:nvGrpSpPr>
-        <p:grpSpPr>
-          <a:xfrm>
-            <a:off x="1" y="190500"/>
-            <a:ext cx="2138637" cy="5532190"/>
-            <a:chOff x="2487613" y="285750"/>
-            <a:chExt cx="2428875" cy="5654676"/>
-          </a:xfrm>
-        </p:grpSpPr>
-        <p:sp>
-          <p:nvSpPr>
-            <p:cNvPr id="24" name="Freeform 11"/>
-            <p:cNvSpPr/>
-            <p:nvPr/>
-          </p:nvSpPr>
-          <p:spPr bwMode="auto">
-            <a:xfrm>
-              <a:off x="2487613" y="2284413"/>
-              <a:ext cx="85725" cy="533400"/>
-            </a:xfrm>
-            <a:custGeom>
-              <a:avLst/>
-              <a:gdLst/>
-              <a:ahLst/>
-              <a:cxnLst/>
-              <a:rect l="0" t="0" r="r" b="b"/>
-              <a:pathLst>
-                <a:path w="22" h="136">
-                  <a:moveTo>
-                    <a:pt x="22" y="136"/>
-                  </a:moveTo>
-                  <a:cubicBezTo>
-                    <a:pt x="20" y="117"/>
-                    <a:pt x="19" y="99"/>
-                    <a:pt x="17" y="80"/>
-                  </a:cubicBezTo>
-                  <a:cubicBezTo>
-                    <a:pt x="11" y="54"/>
-                    <a:pt x="6" y="27"/>
-                    <a:pt x="0" y="0"/>
-                  </a:cubicBezTo>
-                  <a:cubicBezTo>
-                    <a:pt x="0" y="35"/>
-                    <a:pt x="0" y="35"/>
-                    <a:pt x="0" y="35"/>
-                  </a:cubicBezTo>
-                  <a:cubicBezTo>
-                    <a:pt x="6" y="64"/>
-                    <a:pt x="13" y="94"/>
-                    <a:pt x="20" y="124"/>
-                  </a:cubicBezTo>
-                  <a:cubicBezTo>
-                    <a:pt x="20" y="128"/>
-                    <a:pt x="21" y="132"/>
-                    <a:pt x="22" y="136"/>
-                  </a:cubicBezTo>
-                  <a:close/>
-                </a:path>
-              </a:pathLst>
-            </a:custGeom>
-            <a:solidFill>
-              <a:schemeClr val="tx2">
-                <a:alpha val="20000"/>
-              </a:schemeClr>
-            </a:solidFill>
-            <a:ln>
-              <a:noFill/>
-            </a:ln>
-          </p:spPr>
-        </p:sp>
-        <p:sp>
-          <p:nvSpPr>
-            <p:cNvPr id="25" name="Freeform 12"/>
-            <p:cNvSpPr/>
-            <p:nvPr/>
-          </p:nvSpPr>
-          <p:spPr bwMode="auto">
-            <a:xfrm>
-              <a:off x="2597151" y="2779713"/>
-              <a:ext cx="550863" cy="1978025"/>
-            </a:xfrm>
-            <a:custGeom>
-              <a:avLst/>
-              <a:gdLst/>
-              <a:ahLst/>
-              <a:cxnLst/>
-              <a:rect l="0" t="0" r="r" b="b"/>
-              <a:pathLst>
-                <a:path w="140" h="504">
-                  <a:moveTo>
-                    <a:pt x="86" y="350"/>
-                  </a:moveTo>
-                  <a:cubicBezTo>
-                    <a:pt x="103" y="402"/>
-                    <a:pt x="120" y="453"/>
-                    <a:pt x="139" y="504"/>
-                  </a:cubicBezTo>
-                  <a:cubicBezTo>
-                    <a:pt x="139" y="495"/>
-                    <a:pt x="139" y="487"/>
-                    <a:pt x="140" y="478"/>
-                  </a:cubicBezTo>
-                  <a:cubicBezTo>
-                    <a:pt x="124" y="435"/>
-                    <a:pt x="109" y="391"/>
-                    <a:pt x="95" y="347"/>
-                  </a:cubicBezTo>
-                  <a:cubicBezTo>
-                    <a:pt x="58" y="233"/>
-                    <a:pt x="27" y="117"/>
-                    <a:pt x="0" y="0"/>
-                  </a:cubicBezTo>
-                  <a:cubicBezTo>
-                    <a:pt x="2" y="20"/>
-                    <a:pt x="4" y="41"/>
-                    <a:pt x="6" y="61"/>
-                  </a:cubicBezTo>
-                  <a:cubicBezTo>
-                    <a:pt x="30" y="158"/>
-                    <a:pt x="56" y="255"/>
-                    <a:pt x="86" y="350"/>
-                  </a:cubicBezTo>
-                  <a:close/>
-                </a:path>
-              </a:pathLst>
-            </a:custGeom>
-            <a:solidFill>
-              <a:schemeClr val="tx2">
-                <a:alpha val="20000"/>
-              </a:schemeClr>
-            </a:solidFill>
-            <a:ln>
-              <a:noFill/>
-            </a:ln>
-          </p:spPr>
-        </p:sp>
-        <p:sp>
-          <p:nvSpPr>
-            <p:cNvPr id="26" name="Freeform 13"/>
-            <p:cNvSpPr/>
-            <p:nvPr/>
-          </p:nvSpPr>
-          <p:spPr bwMode="auto">
-            <a:xfrm>
-              <a:off x="3175001" y="4730750"/>
-              <a:ext cx="519113" cy="1209675"/>
-            </a:xfrm>
-            <a:custGeom>
-              <a:avLst/>
-              <a:gdLst/>
-              <a:ahLst/>
-              <a:cxnLst/>
-              <a:rect l="0" t="0" r="r" b="b"/>
-              <a:pathLst>
-                <a:path w="132" h="308">
-                  <a:moveTo>
-                    <a:pt x="8" y="22"/>
-                  </a:moveTo>
-                  <a:cubicBezTo>
-                    <a:pt x="5" y="15"/>
-                    <a:pt x="2" y="8"/>
-                    <a:pt x="0" y="0"/>
-                  </a:cubicBezTo>
-                  <a:cubicBezTo>
-                    <a:pt x="0" y="10"/>
-                    <a:pt x="0" y="19"/>
-                    <a:pt x="0" y="29"/>
-                  </a:cubicBezTo>
-                  <a:cubicBezTo>
-                    <a:pt x="21" y="85"/>
-                    <a:pt x="44" y="140"/>
-                    <a:pt x="68" y="194"/>
-                  </a:cubicBezTo>
-                  <a:cubicBezTo>
-                    <a:pt x="85" y="232"/>
-                    <a:pt x="104" y="270"/>
-                    <a:pt x="123" y="308"/>
-                  </a:cubicBezTo>
-                  <a:cubicBezTo>
-                    <a:pt x="132" y="308"/>
-                    <a:pt x="132" y="308"/>
-                    <a:pt x="132" y="308"/>
-                  </a:cubicBezTo>
-                  <a:cubicBezTo>
-                    <a:pt x="113" y="269"/>
-                    <a:pt x="94" y="230"/>
-                    <a:pt x="77" y="190"/>
-                  </a:cubicBezTo>
-                  <a:cubicBezTo>
-                    <a:pt x="52" y="135"/>
-                    <a:pt x="29" y="79"/>
-                    <a:pt x="8" y="22"/>
-                  </a:cubicBezTo>
-                  <a:close/>
-                </a:path>
-              </a:pathLst>
-            </a:custGeom>
-            <a:solidFill>
-              <a:schemeClr val="tx2">
-                <a:alpha val="20000"/>
-              </a:schemeClr>
-            </a:solidFill>
-            <a:ln>
-              <a:noFill/>
-            </a:ln>
-          </p:spPr>
-        </p:sp>
-        <p:sp>
-          <p:nvSpPr>
-            <p:cNvPr id="27" name="Freeform 14"/>
-            <p:cNvSpPr/>
-            <p:nvPr/>
-          </p:nvSpPr>
-          <p:spPr bwMode="auto">
-            <a:xfrm>
-              <a:off x="3305176" y="5630863"/>
-              <a:ext cx="146050" cy="309563"/>
-            </a:xfrm>
-            <a:custGeom>
-              <a:avLst/>
-              <a:gdLst/>
-              <a:ahLst/>
-              <a:cxnLst/>
-              <a:rect l="0" t="0" r="r" b="b"/>
-              <a:pathLst>
-                <a:path w="37" h="79">
-                  <a:moveTo>
-                    <a:pt x="28" y="79"/>
-                  </a:moveTo>
-                  <a:cubicBezTo>
-                    <a:pt x="37" y="79"/>
-                    <a:pt x="37" y="79"/>
-                    <a:pt x="37" y="79"/>
-                  </a:cubicBezTo>
-                  <a:cubicBezTo>
-                    <a:pt x="24" y="53"/>
-                    <a:pt x="12" y="27"/>
-                    <a:pt x="0" y="0"/>
-                  </a:cubicBezTo>
-                  <a:cubicBezTo>
-                    <a:pt x="8" y="27"/>
-                    <a:pt x="17" y="53"/>
-                    <a:pt x="28" y="79"/>
-                  </a:cubicBezTo>
-                  <a:close/>
-                </a:path>
-              </a:pathLst>
-            </a:custGeom>
-            <a:solidFill>
-              <a:schemeClr val="tx2">
-                <a:alpha val="20000"/>
-              </a:schemeClr>
-            </a:solidFill>
-            <a:ln>
-              <a:noFill/>
-            </a:ln>
-          </p:spPr>
-        </p:sp>
-        <p:sp>
-          <p:nvSpPr>
-            <p:cNvPr id="28" name="Freeform 15"/>
-            <p:cNvSpPr/>
-            <p:nvPr/>
-          </p:nvSpPr>
-          <p:spPr bwMode="auto">
-            <a:xfrm>
-              <a:off x="2573338" y="2817813"/>
-              <a:ext cx="700088" cy="2835275"/>
-            </a:xfrm>
-            <a:custGeom>
-              <a:avLst/>
-              <a:gdLst/>
-              <a:ahLst/>
-              <a:cxnLst/>
-              <a:rect l="0" t="0" r="r" b="b"/>
-              <a:pathLst>
-                <a:path w="178" h="722">
-                  <a:moveTo>
-                    <a:pt x="162" y="660"/>
-                  </a:moveTo>
-                  <a:cubicBezTo>
-                    <a:pt x="145" y="618"/>
-                    <a:pt x="130" y="576"/>
-                    <a:pt x="116" y="534"/>
-                  </a:cubicBezTo>
-                  <a:cubicBezTo>
-                    <a:pt x="84" y="437"/>
-                    <a:pt x="59" y="337"/>
-                    <a:pt x="40" y="236"/>
-                  </a:cubicBezTo>
-                  <a:cubicBezTo>
-                    <a:pt x="29" y="175"/>
-                    <a:pt x="20" y="113"/>
-                    <a:pt x="12" y="51"/>
-                  </a:cubicBezTo>
-                  <a:cubicBezTo>
-                    <a:pt x="8" y="34"/>
-                    <a:pt x="4" y="17"/>
-                    <a:pt x="0" y="0"/>
-                  </a:cubicBezTo>
-                  <a:cubicBezTo>
-                    <a:pt x="8" y="79"/>
-                    <a:pt x="19" y="159"/>
-                    <a:pt x="33" y="237"/>
-                  </a:cubicBezTo>
-                  <a:cubicBezTo>
-                    <a:pt x="51" y="339"/>
-                    <a:pt x="76" y="439"/>
-                    <a:pt x="107" y="537"/>
-                  </a:cubicBezTo>
-                  <a:cubicBezTo>
-                    <a:pt x="123" y="586"/>
-                    <a:pt x="141" y="634"/>
-                    <a:pt x="160" y="681"/>
-                  </a:cubicBezTo>
-                  <a:cubicBezTo>
-                    <a:pt x="166" y="695"/>
-                    <a:pt x="172" y="708"/>
-                    <a:pt x="178" y="722"/>
-                  </a:cubicBezTo>
-                  <a:cubicBezTo>
-                    <a:pt x="176" y="717"/>
-                    <a:pt x="175" y="713"/>
-                    <a:pt x="174" y="708"/>
-                  </a:cubicBezTo>
-                  <a:cubicBezTo>
-                    <a:pt x="169" y="692"/>
-                    <a:pt x="165" y="676"/>
-                    <a:pt x="162" y="660"/>
-                  </a:cubicBezTo>
-                  <a:close/>
-                </a:path>
-              </a:pathLst>
-            </a:custGeom>
-            <a:solidFill>
-              <a:schemeClr val="tx2">
-                <a:alpha val="20000"/>
-              </a:schemeClr>
-            </a:solidFill>
-            <a:ln>
-              <a:noFill/>
-            </a:ln>
-          </p:spPr>
-        </p:sp>
-        <p:sp>
-          <p:nvSpPr>
-            <p:cNvPr id="29" name="Freeform 16"/>
-            <p:cNvSpPr/>
-            <p:nvPr/>
-          </p:nvSpPr>
-          <p:spPr bwMode="auto">
-            <a:xfrm>
-              <a:off x="2506663" y="285750"/>
-              <a:ext cx="90488" cy="2493963"/>
-            </a:xfrm>
-            <a:custGeom>
-              <a:avLst/>
-              <a:gdLst/>
-              <a:ahLst/>
-              <a:cxnLst/>
-              <a:rect l="0" t="0" r="r" b="b"/>
-              <a:pathLst>
-                <a:path w="23" h="635">
-                  <a:moveTo>
-                    <a:pt x="11" y="577"/>
-                  </a:moveTo>
-                  <a:cubicBezTo>
-                    <a:pt x="12" y="581"/>
-                    <a:pt x="12" y="585"/>
-                    <a:pt x="12" y="589"/>
-                  </a:cubicBezTo>
-                  <a:cubicBezTo>
-                    <a:pt x="15" y="603"/>
-                    <a:pt x="19" y="617"/>
-                    <a:pt x="22" y="632"/>
-                  </a:cubicBezTo>
-                  <a:cubicBezTo>
-                    <a:pt x="22" y="633"/>
-                    <a:pt x="22" y="634"/>
-                    <a:pt x="23" y="635"/>
-                  </a:cubicBezTo>
-                  <a:cubicBezTo>
-                    <a:pt x="21" y="615"/>
-                    <a:pt x="19" y="596"/>
-                    <a:pt x="17" y="576"/>
-                  </a:cubicBezTo>
-                  <a:cubicBezTo>
-                    <a:pt x="9" y="474"/>
-                    <a:pt x="5" y="372"/>
-                    <a:pt x="5" y="269"/>
-                  </a:cubicBezTo>
-                  <a:cubicBezTo>
-                    <a:pt x="6" y="179"/>
-                    <a:pt x="9" y="90"/>
-                    <a:pt x="15" y="0"/>
-                  </a:cubicBezTo>
-                  <a:cubicBezTo>
-                    <a:pt x="12" y="0"/>
-                    <a:pt x="12" y="0"/>
-                    <a:pt x="12" y="0"/>
-                  </a:cubicBezTo>
-                  <a:cubicBezTo>
-                    <a:pt x="5" y="89"/>
-                    <a:pt x="2" y="179"/>
-                    <a:pt x="1" y="269"/>
-                  </a:cubicBezTo>
-                  <a:cubicBezTo>
-                    <a:pt x="0" y="372"/>
-                    <a:pt x="3" y="474"/>
-                    <a:pt x="11" y="577"/>
-                  </a:cubicBezTo>
-                  <a:close/>
-                </a:path>
-              </a:pathLst>
-            </a:custGeom>
-            <a:solidFill>
-              <a:schemeClr val="tx2">
-                <a:alpha val="20000"/>
-              </a:schemeClr>
-            </a:solidFill>
-            <a:ln>
-              <a:noFill/>
-            </a:ln>
-          </p:spPr>
-        </p:sp>
-        <p:sp>
-          <p:nvSpPr>
-            <p:cNvPr id="30" name="Freeform 17"/>
-            <p:cNvSpPr/>
-            <p:nvPr/>
-          </p:nvSpPr>
-          <p:spPr bwMode="auto">
-            <a:xfrm>
-              <a:off x="2554288" y="2598738"/>
-              <a:ext cx="66675" cy="420688"/>
-            </a:xfrm>
-            <a:custGeom>
-              <a:avLst/>
-              <a:gdLst/>
-              <a:ahLst/>
-              <a:cxnLst/>
-              <a:rect l="0" t="0" r="r" b="b"/>
-              <a:pathLst>
-                <a:path w="17" h="107">
-                  <a:moveTo>
-                    <a:pt x="0" y="0"/>
-                  </a:moveTo>
-                  <a:cubicBezTo>
-                    <a:pt x="2" y="19"/>
-                    <a:pt x="3" y="37"/>
-                    <a:pt x="5" y="56"/>
-                  </a:cubicBezTo>
-                  <a:cubicBezTo>
-                    <a:pt x="9" y="73"/>
-                    <a:pt x="13" y="90"/>
-                    <a:pt x="17" y="107"/>
-                  </a:cubicBezTo>
-                  <a:cubicBezTo>
-                    <a:pt x="15" y="87"/>
-                    <a:pt x="13" y="66"/>
-                    <a:pt x="11" y="46"/>
-                  </a:cubicBezTo>
-                  <a:cubicBezTo>
-                    <a:pt x="10" y="45"/>
-                    <a:pt x="10" y="44"/>
-                    <a:pt x="10" y="43"/>
-                  </a:cubicBezTo>
-                  <a:cubicBezTo>
-                    <a:pt x="7" y="28"/>
-                    <a:pt x="3" y="14"/>
-                    <a:pt x="0" y="0"/>
-                  </a:cubicBezTo>
-                  <a:close/>
-                </a:path>
-              </a:pathLst>
-            </a:custGeom>
-            <a:solidFill>
-              <a:schemeClr val="tx2">
-                <a:alpha val="20000"/>
-              </a:schemeClr>
-            </a:solidFill>
-            <a:ln>
-              <a:noFill/>
-            </a:ln>
-          </p:spPr>
-        </p:sp>
-        <p:sp>
-          <p:nvSpPr>
-            <p:cNvPr id="31" name="Freeform 18"/>
-            <p:cNvSpPr/>
-            <p:nvPr/>
-          </p:nvSpPr>
-          <p:spPr bwMode="auto">
-            <a:xfrm>
-              <a:off x="3143251" y="4757738"/>
-              <a:ext cx="161925" cy="873125"/>
-            </a:xfrm>
-            <a:custGeom>
-              <a:avLst/>
-              <a:gdLst/>
-              <a:ahLst/>
-              <a:cxnLst/>
-              <a:rect l="0" t="0" r="r" b="b"/>
-              <a:pathLst>
-                <a:path w="41" h="222">
-                  <a:moveTo>
-                    <a:pt x="0" y="0"/>
-                  </a:moveTo>
-                  <a:cubicBezTo>
-                    <a:pt x="0" y="31"/>
-                    <a:pt x="2" y="62"/>
-                    <a:pt x="5" y="93"/>
-                  </a:cubicBezTo>
-                  <a:cubicBezTo>
-                    <a:pt x="8" y="117"/>
-                    <a:pt x="12" y="142"/>
-                    <a:pt x="17" y="166"/>
-                  </a:cubicBezTo>
-                  <a:cubicBezTo>
-                    <a:pt x="19" y="172"/>
-                    <a:pt x="22" y="178"/>
-                    <a:pt x="24" y="184"/>
-                  </a:cubicBezTo>
-                  <a:cubicBezTo>
-                    <a:pt x="30" y="197"/>
-                    <a:pt x="35" y="209"/>
-                    <a:pt x="41" y="222"/>
-                  </a:cubicBezTo>
-                  <a:cubicBezTo>
-                    <a:pt x="40" y="219"/>
-                    <a:pt x="39" y="215"/>
-                    <a:pt x="38" y="212"/>
-                  </a:cubicBezTo>
-                  <a:cubicBezTo>
-                    <a:pt x="26" y="172"/>
-                    <a:pt x="18" y="132"/>
-                    <a:pt x="13" y="92"/>
-                  </a:cubicBezTo>
-                  <a:cubicBezTo>
-                    <a:pt x="11" y="68"/>
-                    <a:pt x="9" y="45"/>
-                    <a:pt x="8" y="22"/>
-                  </a:cubicBezTo>
-                  <a:cubicBezTo>
-                    <a:pt x="8" y="21"/>
-                    <a:pt x="7" y="20"/>
-                    <a:pt x="7" y="18"/>
-                  </a:cubicBezTo>
-                  <a:cubicBezTo>
-                    <a:pt x="5" y="12"/>
-                    <a:pt x="2" y="6"/>
-                    <a:pt x="0" y="0"/>
-                  </a:cubicBezTo>
-                  <a:close/>
-                </a:path>
-              </a:pathLst>
-            </a:custGeom>
-            <a:solidFill>
-              <a:schemeClr val="tx2">
-                <a:alpha val="20000"/>
-              </a:schemeClr>
-            </a:solidFill>
-            <a:ln>
-              <a:noFill/>
-            </a:ln>
-          </p:spPr>
-        </p:sp>
-        <p:sp>
-          <p:nvSpPr>
-            <p:cNvPr id="32" name="Freeform 19"/>
-            <p:cNvSpPr/>
-            <p:nvPr/>
-          </p:nvSpPr>
-          <p:spPr bwMode="auto">
-            <a:xfrm>
-              <a:off x="3148013" y="1282700"/>
-              <a:ext cx="1768475" cy="3448050"/>
-            </a:xfrm>
-            <a:custGeom>
-              <a:avLst/>
-              <a:gdLst/>
-              <a:ahLst/>
-              <a:cxnLst/>
-              <a:rect l="0" t="0" r="r" b="b"/>
-              <a:pathLst>
-                <a:path w="450" h="878">
-                  <a:moveTo>
-                    <a:pt x="7" y="854"/>
-                  </a:moveTo>
-                  <a:cubicBezTo>
-                    <a:pt x="10" y="772"/>
-                    <a:pt x="26" y="691"/>
-                    <a:pt x="50" y="613"/>
-                  </a:cubicBezTo>
-                  <a:cubicBezTo>
-                    <a:pt x="75" y="535"/>
-                    <a:pt x="109" y="460"/>
-                    <a:pt x="149" y="388"/>
-                  </a:cubicBezTo>
-                  <a:cubicBezTo>
-                    <a:pt x="189" y="316"/>
-                    <a:pt x="235" y="248"/>
-                    <a:pt x="285" y="183"/>
-                  </a:cubicBezTo>
-                  <a:cubicBezTo>
-                    <a:pt x="310" y="151"/>
-                    <a:pt x="337" y="119"/>
-                    <a:pt x="364" y="89"/>
-                  </a:cubicBezTo>
-                  <a:cubicBezTo>
-                    <a:pt x="378" y="74"/>
-                    <a:pt x="392" y="58"/>
-                    <a:pt x="406" y="44"/>
-                  </a:cubicBezTo>
-                  <a:cubicBezTo>
-                    <a:pt x="421" y="29"/>
-                    <a:pt x="435" y="15"/>
-                    <a:pt x="450" y="1"/>
-                  </a:cubicBezTo>
-                  <a:cubicBezTo>
-                    <a:pt x="450" y="0"/>
-                    <a:pt x="450" y="0"/>
-                    <a:pt x="450" y="0"/>
-                  </a:cubicBezTo>
-                  <a:cubicBezTo>
-                    <a:pt x="434" y="14"/>
-                    <a:pt x="420" y="28"/>
-                    <a:pt x="405" y="43"/>
-                  </a:cubicBezTo>
-                  <a:cubicBezTo>
-                    <a:pt x="391" y="57"/>
-                    <a:pt x="377" y="72"/>
-                    <a:pt x="363" y="88"/>
-                  </a:cubicBezTo>
-                  <a:cubicBezTo>
-                    <a:pt x="335" y="118"/>
-                    <a:pt x="308" y="149"/>
-                    <a:pt x="283" y="181"/>
-                  </a:cubicBezTo>
-                  <a:cubicBezTo>
-                    <a:pt x="232" y="246"/>
-                    <a:pt x="185" y="314"/>
-                    <a:pt x="145" y="386"/>
-                  </a:cubicBezTo>
-                  <a:cubicBezTo>
-                    <a:pt x="104" y="457"/>
-                    <a:pt x="70" y="533"/>
-                    <a:pt x="45" y="611"/>
-                  </a:cubicBezTo>
-                  <a:cubicBezTo>
-                    <a:pt x="19" y="690"/>
-                    <a:pt x="3" y="771"/>
-                    <a:pt x="0" y="854"/>
-                  </a:cubicBezTo>
-                  <a:cubicBezTo>
-                    <a:pt x="0" y="856"/>
-                    <a:pt x="0" y="857"/>
-                    <a:pt x="0" y="859"/>
-                  </a:cubicBezTo>
-                  <a:cubicBezTo>
-                    <a:pt x="2" y="865"/>
-                    <a:pt x="4" y="872"/>
-                    <a:pt x="7" y="878"/>
-                  </a:cubicBezTo>
-                  <a:cubicBezTo>
-                    <a:pt x="7" y="870"/>
-                    <a:pt x="7" y="862"/>
-                    <a:pt x="7" y="854"/>
-                  </a:cubicBezTo>
-                  <a:close/>
-                </a:path>
-              </a:pathLst>
-            </a:custGeom>
-            <a:solidFill>
-              <a:schemeClr val="tx2">
-                <a:alpha val="20000"/>
-              </a:schemeClr>
-            </a:solidFill>
-            <a:ln>
-              <a:noFill/>
-            </a:ln>
-          </p:spPr>
-        </p:sp>
-        <p:sp>
-          <p:nvSpPr>
-            <p:cNvPr id="33" name="Freeform 20"/>
-            <p:cNvSpPr/>
-            <p:nvPr/>
-          </p:nvSpPr>
-          <p:spPr bwMode="auto">
-            <a:xfrm>
-              <a:off x="3273426" y="5653088"/>
-              <a:ext cx="138113" cy="287338"/>
-            </a:xfrm>
-            <a:custGeom>
-              <a:avLst/>
-              <a:gdLst/>
-              <a:ahLst/>
-              <a:cxnLst/>
-              <a:rect l="0" t="0" r="r" b="b"/>
-              <a:pathLst>
-                <a:path w="35" h="73">
-                  <a:moveTo>
-                    <a:pt x="0" y="0"/>
-                  </a:moveTo>
-                  <a:cubicBezTo>
-                    <a:pt x="7" y="24"/>
-                    <a:pt x="16" y="49"/>
-                    <a:pt x="26" y="73"/>
-                  </a:cubicBezTo>
-                  <a:cubicBezTo>
-                    <a:pt x="35" y="73"/>
-                    <a:pt x="35" y="73"/>
-                    <a:pt x="35" y="73"/>
-                  </a:cubicBezTo>
-                  <a:cubicBezTo>
-                    <a:pt x="23" y="49"/>
-                    <a:pt x="11" y="24"/>
-                    <a:pt x="0" y="0"/>
-                  </a:cubicBezTo>
-                  <a:close/>
-                </a:path>
-              </a:pathLst>
-            </a:custGeom>
-            <a:solidFill>
-              <a:schemeClr val="tx2">
-                <a:alpha val="20000"/>
-              </a:schemeClr>
-            </a:solidFill>
-            <a:ln>
-              <a:noFill/>
-            </a:ln>
-          </p:spPr>
-        </p:sp>
-        <p:sp>
-          <p:nvSpPr>
-            <p:cNvPr id="34" name="Freeform 21"/>
-            <p:cNvSpPr/>
-            <p:nvPr/>
-          </p:nvSpPr>
-          <p:spPr bwMode="auto">
-            <a:xfrm>
-              <a:off x="3143251" y="4656138"/>
-              <a:ext cx="31750" cy="188913"/>
-            </a:xfrm>
-            <a:custGeom>
-              <a:avLst/>
-              <a:gdLst/>
-              <a:ahLst/>
-              <a:cxnLst/>
-              <a:rect l="0" t="0" r="r" b="b"/>
-              <a:pathLst>
-                <a:path w="8" h="48">
-                  <a:moveTo>
-                    <a:pt x="7" y="44"/>
-                  </a:moveTo>
-                  <a:cubicBezTo>
-                    <a:pt x="7" y="46"/>
-                    <a:pt x="8" y="47"/>
-                    <a:pt x="8" y="48"/>
-                  </a:cubicBezTo>
-                  <a:cubicBezTo>
-                    <a:pt x="8" y="38"/>
-                    <a:pt x="8" y="29"/>
-                    <a:pt x="8" y="19"/>
-                  </a:cubicBezTo>
-                  <a:cubicBezTo>
-                    <a:pt x="5" y="13"/>
-                    <a:pt x="3" y="6"/>
-                    <a:pt x="1" y="0"/>
-                  </a:cubicBezTo>
-                  <a:cubicBezTo>
-                    <a:pt x="0" y="9"/>
-                    <a:pt x="0" y="17"/>
-                    <a:pt x="0" y="26"/>
-                  </a:cubicBezTo>
-                  <a:cubicBezTo>
-                    <a:pt x="2" y="32"/>
-                    <a:pt x="5" y="38"/>
-                    <a:pt x="7" y="44"/>
-                  </a:cubicBezTo>
-                  <a:close/>
-                </a:path>
-              </a:pathLst>
-            </a:custGeom>
-            <a:solidFill>
-              <a:schemeClr val="tx2">
-                <a:alpha val="20000"/>
-              </a:schemeClr>
-            </a:solidFill>
-            <a:ln>
-              <a:noFill/>
-            </a:ln>
-          </p:spPr>
-        </p:sp>
-        <p:sp>
-          <p:nvSpPr>
-            <p:cNvPr id="35" name="Freeform 22"/>
-            <p:cNvSpPr/>
-            <p:nvPr/>
-          </p:nvSpPr>
-          <p:spPr bwMode="auto">
-            <a:xfrm>
-              <a:off x="3211513" y="5410200"/>
-              <a:ext cx="203200" cy="530225"/>
-            </a:xfrm>
-            <a:custGeom>
-              <a:avLst/>
-              <a:gdLst/>
-              <a:ahLst/>
-              <a:cxnLst/>
-              <a:rect l="0" t="0" r="r" b="b"/>
-              <a:pathLst>
-                <a:path w="52" h="135">
-                  <a:moveTo>
-                    <a:pt x="7" y="18"/>
-                  </a:moveTo>
-                  <a:cubicBezTo>
-                    <a:pt x="5" y="12"/>
-                    <a:pt x="2" y="6"/>
-                    <a:pt x="0" y="0"/>
-                  </a:cubicBezTo>
-                  <a:cubicBezTo>
-                    <a:pt x="3" y="16"/>
-                    <a:pt x="7" y="32"/>
-                    <a:pt x="12" y="48"/>
-                  </a:cubicBezTo>
-                  <a:cubicBezTo>
-                    <a:pt x="13" y="53"/>
-                    <a:pt x="14" y="57"/>
-                    <a:pt x="16" y="62"/>
-                  </a:cubicBezTo>
-                  <a:cubicBezTo>
-                    <a:pt x="27" y="86"/>
-                    <a:pt x="39" y="111"/>
-                    <a:pt x="51" y="135"/>
-                  </a:cubicBezTo>
-                  <a:cubicBezTo>
-                    <a:pt x="52" y="135"/>
-                    <a:pt x="52" y="135"/>
-                    <a:pt x="52" y="135"/>
-                  </a:cubicBezTo>
-                  <a:cubicBezTo>
-                    <a:pt x="41" y="109"/>
-                    <a:pt x="32" y="83"/>
-                    <a:pt x="24" y="56"/>
-                  </a:cubicBezTo>
-                  <a:cubicBezTo>
-                    <a:pt x="18" y="43"/>
-                    <a:pt x="13" y="31"/>
-                    <a:pt x="7" y="18"/>
-                  </a:cubicBezTo>
-                  <a:close/>
-                </a:path>
-              </a:pathLst>
-            </a:custGeom>
-            <a:solidFill>
-              <a:schemeClr val="tx2">
-                <a:alpha val="20000"/>
-              </a:schemeClr>
-            </a:solidFill>
-            <a:ln>
-              <a:noFill/>
-            </a:ln>
-          </p:spPr>
-        </p:sp>
-      </p:grpSp>
-      <p:grpSp>
-        <p:nvGrpSpPr>
-          <p:cNvPr id="10" name="Group 9"/>
-          <p:cNvGrpSpPr/>
-          <p:nvPr/>
-        </p:nvGrpSpPr>
-        <p:grpSpPr>
-          <a:xfrm>
-            <a:off x="20416" y="-655"/>
-            <a:ext cx="1767506" cy="5711699"/>
-            <a:chOff x="6627813" y="194833"/>
-            <a:chExt cx="1952625" cy="5678918"/>
-          </a:xfrm>
-        </p:grpSpPr>
-        <p:sp>
-          <p:nvSpPr>
-            <p:cNvPr id="11" name="Freeform 27"/>
-            <p:cNvSpPr/>
-            <p:nvPr/>
-          </p:nvSpPr>
-          <p:spPr bwMode="auto">
-            <a:xfrm>
-              <a:off x="6627813" y="194833"/>
-              <a:ext cx="409575" cy="3646488"/>
-            </a:xfrm>
-            <a:custGeom>
-              <a:avLst/>
-              <a:gdLst/>
-              <a:ahLst/>
-              <a:cxnLst/>
-              <a:rect l="0" t="0" r="r" b="b"/>
-              <a:pathLst>
-                <a:path w="103" h="920">
-                  <a:moveTo>
-                    <a:pt x="7" y="210"/>
-                  </a:moveTo>
-                  <a:cubicBezTo>
-                    <a:pt x="11" y="288"/>
-                    <a:pt x="17" y="367"/>
-                    <a:pt x="26" y="445"/>
-                  </a:cubicBezTo>
-                  <a:cubicBezTo>
-                    <a:pt x="34" y="523"/>
-                    <a:pt x="44" y="601"/>
-                    <a:pt x="57" y="679"/>
-                  </a:cubicBezTo>
-                  <a:cubicBezTo>
-                    <a:pt x="69" y="757"/>
-                    <a:pt x="84" y="834"/>
-                    <a:pt x="101" y="911"/>
-                  </a:cubicBezTo>
-                  <a:cubicBezTo>
-                    <a:pt x="102" y="914"/>
-                    <a:pt x="103" y="917"/>
-                    <a:pt x="103" y="920"/>
-                  </a:cubicBezTo>
-                  <a:cubicBezTo>
-                    <a:pt x="102" y="905"/>
-                    <a:pt x="100" y="889"/>
-                    <a:pt x="99" y="874"/>
-                  </a:cubicBezTo>
-                  <a:cubicBezTo>
-                    <a:pt x="99" y="871"/>
-                    <a:pt x="99" y="868"/>
-                    <a:pt x="99" y="866"/>
-                  </a:cubicBezTo>
-                  <a:cubicBezTo>
-                    <a:pt x="85" y="803"/>
-                    <a:pt x="73" y="741"/>
-                    <a:pt x="63" y="678"/>
-                  </a:cubicBezTo>
-                  <a:cubicBezTo>
-                    <a:pt x="50" y="600"/>
-                    <a:pt x="39" y="523"/>
-                    <a:pt x="30" y="444"/>
-                  </a:cubicBezTo>
-                  <a:cubicBezTo>
-                    <a:pt x="21" y="366"/>
-                    <a:pt x="14" y="288"/>
-                    <a:pt x="9" y="209"/>
-                  </a:cubicBezTo>
-                  <a:cubicBezTo>
-                    <a:pt x="7" y="170"/>
-                    <a:pt x="5" y="131"/>
-                    <a:pt x="3" y="92"/>
-                  </a:cubicBezTo>
-                  <a:cubicBezTo>
-                    <a:pt x="2" y="61"/>
-                    <a:pt x="1" y="31"/>
-                    <a:pt x="1" y="0"/>
-                  </a:cubicBezTo>
-                  <a:cubicBezTo>
-                    <a:pt x="0" y="0"/>
-                    <a:pt x="0" y="0"/>
-                    <a:pt x="0" y="0"/>
-                  </a:cubicBezTo>
-                  <a:cubicBezTo>
-                    <a:pt x="0" y="31"/>
-                    <a:pt x="1" y="61"/>
-                    <a:pt x="1" y="92"/>
-                  </a:cubicBezTo>
-                  <a:cubicBezTo>
-                    <a:pt x="3" y="131"/>
-                    <a:pt x="4" y="170"/>
-                    <a:pt x="7" y="210"/>
-                  </a:cubicBezTo>
-                  <a:close/>
-                </a:path>
-              </a:pathLst>
-            </a:custGeom>
-            <a:solidFill>
-              <a:schemeClr val="tx2"/>
-            </a:solidFill>
-            <a:ln>
-              <a:noFill/>
-            </a:ln>
-          </p:spPr>
-        </p:sp>
-        <p:sp>
-          <p:nvSpPr>
-            <p:cNvPr id="12" name="Freeform 28"/>
-            <p:cNvSpPr/>
-            <p:nvPr/>
-          </p:nvSpPr>
-          <p:spPr bwMode="auto">
-            <a:xfrm>
-              <a:off x="7061201" y="3771900"/>
-              <a:ext cx="350838" cy="1309688"/>
-            </a:xfrm>
-            <a:custGeom>
-              <a:avLst/>
-              <a:gdLst/>
-              <a:ahLst/>
-              <a:cxnLst/>
-              <a:rect l="0" t="0" r="r" b="b"/>
-              <a:pathLst>
-                <a:path w="88" h="330">
-                  <a:moveTo>
-                    <a:pt x="53" y="229"/>
-                  </a:moveTo>
-                  <a:cubicBezTo>
-                    <a:pt x="64" y="263"/>
-                    <a:pt x="75" y="297"/>
-                    <a:pt x="88" y="330"/>
-                  </a:cubicBezTo>
-                  <a:cubicBezTo>
-                    <a:pt x="88" y="323"/>
-                    <a:pt x="88" y="315"/>
-                    <a:pt x="88" y="308"/>
-                  </a:cubicBezTo>
-                  <a:cubicBezTo>
-                    <a:pt x="88" y="307"/>
-                    <a:pt x="88" y="305"/>
-                    <a:pt x="88" y="304"/>
-                  </a:cubicBezTo>
-                  <a:cubicBezTo>
-                    <a:pt x="79" y="278"/>
-                    <a:pt x="70" y="252"/>
-                    <a:pt x="62" y="226"/>
-                  </a:cubicBezTo>
-                  <a:cubicBezTo>
-                    <a:pt x="38" y="152"/>
-                    <a:pt x="17" y="76"/>
-                    <a:pt x="0" y="0"/>
-                  </a:cubicBezTo>
-                  <a:cubicBezTo>
-                    <a:pt x="2" y="21"/>
-                    <a:pt x="4" y="42"/>
-                    <a:pt x="7" y="63"/>
-                  </a:cubicBezTo>
-                  <a:cubicBezTo>
-                    <a:pt x="21" y="119"/>
-                    <a:pt x="36" y="174"/>
-                    <a:pt x="53" y="229"/>
-                  </a:cubicBezTo>
-                  <a:close/>
-                </a:path>
-              </a:pathLst>
-            </a:custGeom>
-            <a:solidFill>
-              <a:schemeClr val="tx2"/>
-            </a:solidFill>
-            <a:ln>
-              <a:noFill/>
-            </a:ln>
-          </p:spPr>
-        </p:sp>
-        <p:sp>
-          <p:nvSpPr>
-            <p:cNvPr id="13" name="Freeform 29"/>
-            <p:cNvSpPr/>
-            <p:nvPr/>
-          </p:nvSpPr>
-          <p:spPr bwMode="auto">
-            <a:xfrm>
-              <a:off x="7439026" y="5053013"/>
-              <a:ext cx="357188" cy="820738"/>
-            </a:xfrm>
-            <a:custGeom>
-              <a:avLst/>
-              <a:gdLst/>
-              <a:ahLst/>
-              <a:cxnLst/>
-              <a:rect l="0" t="0" r="r" b="b"/>
-              <a:pathLst>
-                <a:path w="90" h="207">
-                  <a:moveTo>
-                    <a:pt x="6" y="15"/>
-                  </a:moveTo>
-                  <a:cubicBezTo>
-                    <a:pt x="4" y="10"/>
-                    <a:pt x="2" y="5"/>
-                    <a:pt x="0" y="0"/>
-                  </a:cubicBezTo>
-                  <a:cubicBezTo>
-                    <a:pt x="0" y="9"/>
-                    <a:pt x="0" y="19"/>
-                    <a:pt x="1" y="29"/>
-                  </a:cubicBezTo>
-                  <a:cubicBezTo>
-                    <a:pt x="14" y="62"/>
-                    <a:pt x="27" y="95"/>
-                    <a:pt x="42" y="127"/>
-                  </a:cubicBezTo>
-                  <a:cubicBezTo>
-                    <a:pt x="54" y="154"/>
-                    <a:pt x="67" y="181"/>
-                    <a:pt x="80" y="207"/>
-                  </a:cubicBezTo>
-                  <a:cubicBezTo>
-                    <a:pt x="90" y="207"/>
-                    <a:pt x="90" y="207"/>
-                    <a:pt x="90" y="207"/>
-                  </a:cubicBezTo>
-                  <a:cubicBezTo>
-                    <a:pt x="76" y="180"/>
-                    <a:pt x="63" y="152"/>
-                    <a:pt x="50" y="123"/>
-                  </a:cubicBezTo>
-                  <a:cubicBezTo>
-                    <a:pt x="34" y="88"/>
-                    <a:pt x="20" y="51"/>
-                    <a:pt x="6" y="15"/>
-                  </a:cubicBezTo>
-                  <a:close/>
-                </a:path>
-              </a:pathLst>
-            </a:custGeom>
-            <a:solidFill>
-              <a:schemeClr val="tx2"/>
-            </a:solidFill>
-            <a:ln>
-              <a:noFill/>
-            </a:ln>
-          </p:spPr>
-        </p:sp>
-        <p:sp>
-          <p:nvSpPr>
-            <p:cNvPr id="14" name="Freeform 30"/>
-            <p:cNvSpPr/>
-            <p:nvPr/>
-          </p:nvSpPr>
-          <p:spPr bwMode="auto">
-            <a:xfrm>
-              <a:off x="7037388" y="3811588"/>
-              <a:ext cx="457200" cy="1852613"/>
-            </a:xfrm>
-            <a:custGeom>
-              <a:avLst/>
-              <a:gdLst/>
-              <a:ahLst/>
-              <a:cxnLst/>
-              <a:rect l="0" t="0" r="r" b="b"/>
-              <a:pathLst>
-                <a:path w="115" h="467">
-                  <a:moveTo>
-                    <a:pt x="101" y="409"/>
-                  </a:moveTo>
-                  <a:cubicBezTo>
-                    <a:pt x="93" y="388"/>
-                    <a:pt x="85" y="366"/>
-                    <a:pt x="78" y="344"/>
-                  </a:cubicBezTo>
-                  <a:cubicBezTo>
-                    <a:pt x="57" y="281"/>
-                    <a:pt x="41" y="216"/>
-                    <a:pt x="29" y="151"/>
-                  </a:cubicBezTo>
-                  <a:cubicBezTo>
-                    <a:pt x="22" y="119"/>
-                    <a:pt x="17" y="86"/>
-                    <a:pt x="13" y="53"/>
-                  </a:cubicBezTo>
-                  <a:cubicBezTo>
-                    <a:pt x="9" y="35"/>
-                    <a:pt x="4" y="18"/>
-                    <a:pt x="0" y="0"/>
-                  </a:cubicBezTo>
-                  <a:cubicBezTo>
-                    <a:pt x="5" y="51"/>
-                    <a:pt x="12" y="102"/>
-                    <a:pt x="21" y="152"/>
-                  </a:cubicBezTo>
-                  <a:cubicBezTo>
-                    <a:pt x="33" y="218"/>
-                    <a:pt x="49" y="283"/>
-                    <a:pt x="69" y="347"/>
-                  </a:cubicBezTo>
-                  <a:cubicBezTo>
-                    <a:pt x="79" y="378"/>
-                    <a:pt x="90" y="410"/>
-                    <a:pt x="103" y="441"/>
-                  </a:cubicBezTo>
-                  <a:cubicBezTo>
-                    <a:pt x="107" y="449"/>
-                    <a:pt x="111" y="458"/>
-                    <a:pt x="115" y="467"/>
-                  </a:cubicBezTo>
-                  <a:cubicBezTo>
-                    <a:pt x="114" y="464"/>
-                    <a:pt x="113" y="461"/>
-                    <a:pt x="112" y="458"/>
-                  </a:cubicBezTo>
-                  <a:cubicBezTo>
-                    <a:pt x="108" y="442"/>
-                    <a:pt x="104" y="425"/>
-                    <a:pt x="101" y="409"/>
-                  </a:cubicBezTo>
-                  <a:close/>
-                </a:path>
-              </a:pathLst>
-            </a:custGeom>
-            <a:solidFill>
-              <a:schemeClr val="tx2"/>
-            </a:solidFill>
-            <a:ln>
-              <a:noFill/>
-            </a:ln>
-          </p:spPr>
-        </p:sp>
-        <p:sp>
-          <p:nvSpPr>
-            <p:cNvPr id="15" name="Freeform 31"/>
-            <p:cNvSpPr/>
-            <p:nvPr/>
-          </p:nvSpPr>
-          <p:spPr bwMode="auto">
-            <a:xfrm>
-              <a:off x="6992938" y="1263650"/>
-              <a:ext cx="144463" cy="2508250"/>
-            </a:xfrm>
-            <a:custGeom>
-              <a:avLst/>
-              <a:gdLst/>
-              <a:ahLst/>
-              <a:cxnLst/>
-              <a:rect l="0" t="0" r="r" b="b"/>
-              <a:pathLst>
-                <a:path w="36" h="633">
-                  <a:moveTo>
-                    <a:pt x="17" y="633"/>
-                  </a:moveTo>
-                  <a:cubicBezTo>
-                    <a:pt x="15" y="621"/>
-                    <a:pt x="14" y="609"/>
-                    <a:pt x="13" y="597"/>
-                  </a:cubicBezTo>
-                  <a:cubicBezTo>
-                    <a:pt x="8" y="530"/>
-                    <a:pt x="5" y="464"/>
-                    <a:pt x="5" y="398"/>
-                  </a:cubicBezTo>
-                  <a:cubicBezTo>
-                    <a:pt x="5" y="331"/>
-                    <a:pt x="8" y="265"/>
-                    <a:pt x="13" y="198"/>
-                  </a:cubicBezTo>
-                  <a:cubicBezTo>
-                    <a:pt x="15" y="165"/>
-                    <a:pt x="18" y="132"/>
-                    <a:pt x="22" y="99"/>
-                  </a:cubicBezTo>
-                  <a:cubicBezTo>
-                    <a:pt x="26" y="66"/>
-                    <a:pt x="30" y="33"/>
-                    <a:pt x="36" y="0"/>
-                  </a:cubicBezTo>
-                  <a:cubicBezTo>
-                    <a:pt x="35" y="0"/>
-                    <a:pt x="35" y="0"/>
-                    <a:pt x="35" y="0"/>
-                  </a:cubicBezTo>
-                  <a:cubicBezTo>
-                    <a:pt x="29" y="33"/>
-                    <a:pt x="24" y="66"/>
-                    <a:pt x="20" y="99"/>
-                  </a:cubicBezTo>
-                  <a:cubicBezTo>
-                    <a:pt x="16" y="132"/>
-                    <a:pt x="13" y="165"/>
-                    <a:pt x="10" y="198"/>
-                  </a:cubicBezTo>
-                  <a:cubicBezTo>
-                    <a:pt x="4" y="264"/>
-                    <a:pt x="1" y="331"/>
-                    <a:pt x="1" y="398"/>
-                  </a:cubicBezTo>
-                  <a:cubicBezTo>
-                    <a:pt x="0" y="461"/>
-                    <a:pt x="2" y="525"/>
-                    <a:pt x="7" y="589"/>
-                  </a:cubicBezTo>
-                  <a:cubicBezTo>
-                    <a:pt x="10" y="603"/>
-                    <a:pt x="13" y="618"/>
-                    <a:pt x="16" y="632"/>
-                  </a:cubicBezTo>
-                  <a:cubicBezTo>
-                    <a:pt x="16" y="632"/>
-                    <a:pt x="17" y="633"/>
-                    <a:pt x="17" y="633"/>
-                  </a:cubicBezTo>
-                  <a:close/>
-                </a:path>
-              </a:pathLst>
-            </a:custGeom>
-            <a:solidFill>
-              <a:schemeClr val="tx2"/>
-            </a:solidFill>
-            <a:ln>
-              <a:noFill/>
-            </a:ln>
-          </p:spPr>
-        </p:sp>
-        <p:sp>
-          <p:nvSpPr>
-            <p:cNvPr id="16" name="Freeform 32"/>
-            <p:cNvSpPr/>
-            <p:nvPr/>
-          </p:nvSpPr>
-          <p:spPr bwMode="auto">
-            <a:xfrm>
-              <a:off x="7526338" y="5640388"/>
-              <a:ext cx="111125" cy="233363"/>
-            </a:xfrm>
-            <a:custGeom>
-              <a:avLst/>
-              <a:gdLst/>
-              <a:ahLst/>
-              <a:cxnLst/>
-              <a:rect l="0" t="0" r="r" b="b"/>
-              <a:pathLst>
-                <a:path w="28" h="59">
-                  <a:moveTo>
-                    <a:pt x="22" y="59"/>
-                  </a:moveTo>
-                  <a:cubicBezTo>
-                    <a:pt x="28" y="59"/>
-                    <a:pt x="28" y="59"/>
-                    <a:pt x="28" y="59"/>
-                  </a:cubicBezTo>
-                  <a:cubicBezTo>
-                    <a:pt x="18" y="40"/>
-                    <a:pt x="9" y="20"/>
-                    <a:pt x="0" y="0"/>
-                  </a:cubicBezTo>
-                  <a:cubicBezTo>
-                    <a:pt x="6" y="20"/>
-                    <a:pt x="13" y="40"/>
-                    <a:pt x="22" y="59"/>
-                  </a:cubicBezTo>
-                  <a:close/>
-                </a:path>
-              </a:pathLst>
-            </a:custGeom>
-            <a:solidFill>
-              <a:schemeClr val="tx2"/>
-            </a:solidFill>
-            <a:ln>
-              <a:noFill/>
-            </a:ln>
-          </p:spPr>
-        </p:sp>
-        <p:sp>
-          <p:nvSpPr>
-            <p:cNvPr id="17" name="Freeform 33"/>
-            <p:cNvSpPr/>
-            <p:nvPr/>
-          </p:nvSpPr>
-          <p:spPr bwMode="auto">
-            <a:xfrm>
-              <a:off x="7021513" y="3598863"/>
-              <a:ext cx="68263" cy="423863"/>
-            </a:xfrm>
-            <a:custGeom>
-              <a:avLst/>
-              <a:gdLst/>
-              <a:ahLst/>
-              <a:cxnLst/>
-              <a:rect l="0" t="0" r="r" b="b"/>
-              <a:pathLst>
-                <a:path w="17" h="107">
-                  <a:moveTo>
-                    <a:pt x="4" y="54"/>
-                  </a:moveTo>
-                  <a:cubicBezTo>
-                    <a:pt x="8" y="72"/>
-                    <a:pt x="13" y="89"/>
-                    <a:pt x="17" y="107"/>
-                  </a:cubicBezTo>
-                  <a:cubicBezTo>
-                    <a:pt x="14" y="86"/>
-                    <a:pt x="12" y="65"/>
-                    <a:pt x="10" y="44"/>
-                  </a:cubicBezTo>
-                  <a:cubicBezTo>
-                    <a:pt x="10" y="44"/>
-                    <a:pt x="9" y="43"/>
-                    <a:pt x="9" y="43"/>
-                  </a:cubicBezTo>
-                  <a:cubicBezTo>
-                    <a:pt x="6" y="29"/>
-                    <a:pt x="3" y="14"/>
-                    <a:pt x="0" y="0"/>
-                  </a:cubicBezTo>
-                  <a:cubicBezTo>
-                    <a:pt x="0" y="2"/>
-                    <a:pt x="0" y="5"/>
-                    <a:pt x="0" y="8"/>
-                  </a:cubicBezTo>
-                  <a:cubicBezTo>
-                    <a:pt x="1" y="23"/>
-                    <a:pt x="3" y="39"/>
-                    <a:pt x="4" y="54"/>
-                  </a:cubicBezTo>
-                  <a:close/>
-                </a:path>
-              </a:pathLst>
-            </a:custGeom>
-            <a:solidFill>
-              <a:schemeClr val="tx2"/>
-            </a:solidFill>
-            <a:ln>
-              <a:noFill/>
-            </a:ln>
-          </p:spPr>
-        </p:sp>
-        <p:sp>
-          <p:nvSpPr>
-            <p:cNvPr id="18" name="Freeform 34"/>
-            <p:cNvSpPr/>
-            <p:nvPr/>
-          </p:nvSpPr>
-          <p:spPr bwMode="auto">
-            <a:xfrm>
-              <a:off x="7412038" y="2801938"/>
-              <a:ext cx="1168400" cy="2251075"/>
-            </a:xfrm>
-            <a:custGeom>
-              <a:avLst/>
-              <a:gdLst/>
-              <a:ahLst/>
-              <a:cxnLst/>
-              <a:rect l="0" t="0" r="r" b="b"/>
-              <a:pathLst>
-                <a:path w="294" h="568">
-                  <a:moveTo>
-                    <a:pt x="8" y="553"/>
-                  </a:moveTo>
-                  <a:cubicBezTo>
-                    <a:pt x="9" y="501"/>
-                    <a:pt x="19" y="448"/>
-                    <a:pt x="35" y="397"/>
-                  </a:cubicBezTo>
-                  <a:cubicBezTo>
-                    <a:pt x="51" y="347"/>
-                    <a:pt x="73" y="298"/>
-                    <a:pt x="99" y="252"/>
-                  </a:cubicBezTo>
-                  <a:cubicBezTo>
-                    <a:pt x="124" y="205"/>
-                    <a:pt x="154" y="161"/>
-                    <a:pt x="187" y="119"/>
-                  </a:cubicBezTo>
-                  <a:cubicBezTo>
-                    <a:pt x="203" y="98"/>
-                    <a:pt x="220" y="77"/>
-                    <a:pt x="238" y="58"/>
-                  </a:cubicBezTo>
-                  <a:cubicBezTo>
-                    <a:pt x="247" y="48"/>
-                    <a:pt x="256" y="38"/>
-                    <a:pt x="265" y="28"/>
-                  </a:cubicBezTo>
-                  <a:cubicBezTo>
-                    <a:pt x="274" y="19"/>
-                    <a:pt x="284" y="9"/>
-                    <a:pt x="294" y="0"/>
-                  </a:cubicBezTo>
-                  <a:cubicBezTo>
-                    <a:pt x="293" y="0"/>
-                    <a:pt x="293" y="0"/>
-                    <a:pt x="293" y="0"/>
-                  </a:cubicBezTo>
-                  <a:cubicBezTo>
-                    <a:pt x="283" y="9"/>
-                    <a:pt x="273" y="18"/>
-                    <a:pt x="264" y="27"/>
-                  </a:cubicBezTo>
-                  <a:cubicBezTo>
-                    <a:pt x="255" y="37"/>
-                    <a:pt x="246" y="47"/>
-                    <a:pt x="237" y="56"/>
-                  </a:cubicBezTo>
-                  <a:cubicBezTo>
-                    <a:pt x="218" y="76"/>
-                    <a:pt x="201" y="96"/>
-                    <a:pt x="185" y="117"/>
-                  </a:cubicBezTo>
-                  <a:cubicBezTo>
-                    <a:pt x="151" y="159"/>
-                    <a:pt x="121" y="203"/>
-                    <a:pt x="95" y="249"/>
-                  </a:cubicBezTo>
-                  <a:cubicBezTo>
-                    <a:pt x="68" y="296"/>
-                    <a:pt x="46" y="345"/>
-                    <a:pt x="30" y="396"/>
-                  </a:cubicBezTo>
-                  <a:cubicBezTo>
-                    <a:pt x="13" y="445"/>
-                    <a:pt x="3" y="497"/>
-                    <a:pt x="0" y="549"/>
-                  </a:cubicBezTo>
-                  <a:cubicBezTo>
-                    <a:pt x="3" y="555"/>
-                    <a:pt x="5" y="561"/>
-                    <a:pt x="7" y="568"/>
-                  </a:cubicBezTo>
-                  <a:cubicBezTo>
-                    <a:pt x="7" y="563"/>
-                    <a:pt x="7" y="558"/>
-                    <a:pt x="8" y="553"/>
-                  </a:cubicBezTo>
-                  <a:close/>
-                </a:path>
-              </a:pathLst>
-            </a:custGeom>
-            <a:solidFill>
-              <a:schemeClr val="tx2"/>
-            </a:solidFill>
-            <a:ln>
-              <a:noFill/>
-            </a:ln>
-          </p:spPr>
-        </p:sp>
-        <p:sp>
-          <p:nvSpPr>
-            <p:cNvPr id="19" name="Freeform 35"/>
-            <p:cNvSpPr/>
-            <p:nvPr/>
-          </p:nvSpPr>
-          <p:spPr bwMode="auto">
-            <a:xfrm>
-              <a:off x="7494588" y="5664200"/>
-              <a:ext cx="100013" cy="209550"/>
-            </a:xfrm>
-            <a:custGeom>
-              <a:avLst/>
-              <a:gdLst/>
-              <a:ahLst/>
-              <a:cxnLst/>
-              <a:rect l="0" t="0" r="r" b="b"/>
-              <a:pathLst>
-                <a:path w="25" h="53">
-                  <a:moveTo>
-                    <a:pt x="0" y="0"/>
-                  </a:moveTo>
-                  <a:cubicBezTo>
-                    <a:pt x="5" y="18"/>
-                    <a:pt x="12" y="36"/>
-                    <a:pt x="19" y="53"/>
-                  </a:cubicBezTo>
-                  <a:cubicBezTo>
-                    <a:pt x="25" y="53"/>
-                    <a:pt x="25" y="53"/>
-                    <a:pt x="25" y="53"/>
-                  </a:cubicBezTo>
-                  <a:cubicBezTo>
-                    <a:pt x="16" y="36"/>
-                    <a:pt x="8" y="18"/>
-                    <a:pt x="0" y="0"/>
-                  </a:cubicBezTo>
-                  <a:close/>
-                </a:path>
-              </a:pathLst>
-            </a:custGeom>
-            <a:solidFill>
-              <a:schemeClr val="tx2"/>
-            </a:solidFill>
-            <a:ln>
-              <a:noFill/>
-            </a:ln>
-          </p:spPr>
-        </p:sp>
-        <p:sp>
-          <p:nvSpPr>
-            <p:cNvPr id="20" name="Freeform 36"/>
-            <p:cNvSpPr/>
-            <p:nvPr/>
-          </p:nvSpPr>
-          <p:spPr bwMode="auto">
-            <a:xfrm>
-              <a:off x="7412038" y="5081588"/>
-              <a:ext cx="114300" cy="558800"/>
-            </a:xfrm>
-            <a:custGeom>
-              <a:avLst/>
-              <a:gdLst/>
-              <a:ahLst/>
-              <a:cxnLst/>
-              <a:rect l="0" t="0" r="r" b="b"/>
-              <a:pathLst>
-                <a:path w="29" h="141">
-                  <a:moveTo>
-                    <a:pt x="0" y="0"/>
-                  </a:moveTo>
-                  <a:cubicBezTo>
-                    <a:pt x="0" y="30"/>
-                    <a:pt x="2" y="60"/>
-                    <a:pt x="7" y="89"/>
-                  </a:cubicBezTo>
-                  <a:cubicBezTo>
-                    <a:pt x="11" y="98"/>
-                    <a:pt x="14" y="108"/>
-                    <a:pt x="18" y="117"/>
-                  </a:cubicBezTo>
-                  <a:cubicBezTo>
-                    <a:pt x="22" y="125"/>
-                    <a:pt x="25" y="133"/>
-                    <a:pt x="29" y="141"/>
-                  </a:cubicBezTo>
-                  <a:cubicBezTo>
-                    <a:pt x="28" y="139"/>
-                    <a:pt x="28" y="137"/>
-                    <a:pt x="27" y="135"/>
-                  </a:cubicBezTo>
-                  <a:cubicBezTo>
-                    <a:pt x="16" y="98"/>
-                    <a:pt x="10" y="60"/>
-                    <a:pt x="8" y="22"/>
-                  </a:cubicBezTo>
-                  <a:cubicBezTo>
-                    <a:pt x="7" y="18"/>
-                    <a:pt x="5" y="15"/>
-                    <a:pt x="4" y="11"/>
-                  </a:cubicBezTo>
-                  <a:cubicBezTo>
-                    <a:pt x="2" y="7"/>
-                    <a:pt x="1" y="3"/>
-                    <a:pt x="0" y="0"/>
-                  </a:cubicBezTo>
-                  <a:close/>
-                </a:path>
-              </a:pathLst>
-            </a:custGeom>
-            <a:solidFill>
-              <a:schemeClr val="tx2"/>
-            </a:solidFill>
-            <a:ln>
-              <a:noFill/>
-            </a:ln>
-          </p:spPr>
-        </p:sp>
-        <p:sp>
-          <p:nvSpPr>
-            <p:cNvPr id="21" name="Freeform 37"/>
-            <p:cNvSpPr/>
-            <p:nvPr/>
-          </p:nvSpPr>
-          <p:spPr bwMode="auto">
-            <a:xfrm>
-              <a:off x="7412038" y="4978400"/>
-              <a:ext cx="31750" cy="188913"/>
-            </a:xfrm>
-            <a:custGeom>
-              <a:avLst/>
-              <a:gdLst/>
-              <a:ahLst/>
-              <a:cxnLst/>
-              <a:rect l="0" t="0" r="r" b="b"/>
-              <a:pathLst>
-                <a:path w="8" h="48">
-                  <a:moveTo>
-                    <a:pt x="0" y="26"/>
-                  </a:moveTo>
-                  <a:cubicBezTo>
-                    <a:pt x="1" y="29"/>
-                    <a:pt x="2" y="33"/>
-                    <a:pt x="4" y="37"/>
-                  </a:cubicBezTo>
-                  <a:cubicBezTo>
-                    <a:pt x="5" y="41"/>
-                    <a:pt x="7" y="44"/>
-                    <a:pt x="8" y="48"/>
-                  </a:cubicBezTo>
-                  <a:cubicBezTo>
-                    <a:pt x="7" y="38"/>
-                    <a:pt x="7" y="28"/>
-                    <a:pt x="7" y="19"/>
-                  </a:cubicBezTo>
-                  <a:cubicBezTo>
-                    <a:pt x="5" y="12"/>
-                    <a:pt x="3" y="6"/>
-                    <a:pt x="0" y="0"/>
-                  </a:cubicBezTo>
-                  <a:cubicBezTo>
-                    <a:pt x="0" y="1"/>
-                    <a:pt x="0" y="3"/>
-                    <a:pt x="0" y="4"/>
-                  </a:cubicBezTo>
-                  <a:cubicBezTo>
-                    <a:pt x="0" y="11"/>
-                    <a:pt x="0" y="19"/>
-                    <a:pt x="0" y="26"/>
-                  </a:cubicBezTo>
-                  <a:close/>
-                </a:path>
-              </a:pathLst>
-            </a:custGeom>
-            <a:solidFill>
-              <a:schemeClr val="tx2"/>
-            </a:solidFill>
-            <a:ln>
-              <a:noFill/>
-            </a:ln>
-          </p:spPr>
-        </p:sp>
-        <p:sp>
-          <p:nvSpPr>
-            <p:cNvPr id="22" name="Freeform 38"/>
-            <p:cNvSpPr/>
-            <p:nvPr/>
-          </p:nvSpPr>
-          <p:spPr bwMode="auto">
-            <a:xfrm>
-              <a:off x="7439026" y="5434013"/>
-              <a:ext cx="174625" cy="439738"/>
-            </a:xfrm>
-            <a:custGeom>
-              <a:avLst/>
-              <a:gdLst/>
-              <a:ahLst/>
-              <a:cxnLst/>
-              <a:rect l="0" t="0" r="r" b="b"/>
-              <a:pathLst>
-                <a:path w="44" h="111">
-                  <a:moveTo>
-                    <a:pt x="11" y="28"/>
-                  </a:moveTo>
-                  <a:cubicBezTo>
-                    <a:pt x="7" y="19"/>
-                    <a:pt x="4" y="9"/>
-                    <a:pt x="0" y="0"/>
-                  </a:cubicBezTo>
-                  <a:cubicBezTo>
-                    <a:pt x="3" y="16"/>
-                    <a:pt x="7" y="33"/>
-                    <a:pt x="11" y="49"/>
-                  </a:cubicBezTo>
-                  <a:cubicBezTo>
-                    <a:pt x="12" y="52"/>
-                    <a:pt x="13" y="55"/>
-                    <a:pt x="14" y="58"/>
-                  </a:cubicBezTo>
-                  <a:cubicBezTo>
-                    <a:pt x="22" y="76"/>
-                    <a:pt x="30" y="94"/>
-                    <a:pt x="39" y="111"/>
-                  </a:cubicBezTo>
-                  <a:cubicBezTo>
-                    <a:pt x="44" y="111"/>
-                    <a:pt x="44" y="111"/>
-                    <a:pt x="44" y="111"/>
-                  </a:cubicBezTo>
-                  <a:cubicBezTo>
-                    <a:pt x="35" y="92"/>
-                    <a:pt x="28" y="72"/>
-                    <a:pt x="22" y="52"/>
-                  </a:cubicBezTo>
-                  <a:cubicBezTo>
-                    <a:pt x="18" y="44"/>
-                    <a:pt x="15" y="36"/>
-                    <a:pt x="11" y="28"/>
-                  </a:cubicBezTo>
-                  <a:close/>
-                </a:path>
-              </a:pathLst>
-            </a:custGeom>
-            <a:solidFill>
-              <a:schemeClr val="tx2"/>
-            </a:solidFill>
-            <a:ln>
-              <a:noFill/>
-            </a:ln>
-          </p:spPr>
-        </p:sp>
-      </p:grpSp>
-      <p:sp>
-        <p:nvSpPr>
-          <p:cNvPr id="7" name="Rectangle 6"/>
-          <p:cNvSpPr/>
-          <p:nvPr/>
-        </p:nvSpPr>
-        <p:spPr>
-          <a:xfrm>
-            <a:off x="0" y="0"/>
-            <a:ext cx="137160" cy="5715000"/>
-          </a:xfrm>
-          <a:prstGeom prst="rect">
-            <a:avLst/>
-          </a:prstGeom>
-          <a:solidFill>
-            <a:schemeClr val="tx2"/>
-          </a:solidFill>
-          <a:ln>
-            <a:noFill/>
-          </a:ln>
-          <a:effectLst/>
-        </p:spPr>
-        <p:style>
-          <a:lnRef idx="1">
-            <a:schemeClr val="accent1"/>
-          </a:lnRef>
-          <a:fillRef idx="3">
-            <a:schemeClr val="accent1"/>
-          </a:fillRef>
-          <a:effectRef idx="2">
-            <a:schemeClr val="accent1"/>
-          </a:effectRef>
-          <a:fontRef idx="minor">
-            <a:schemeClr val="lt1"/>
-          </a:fontRef>
-        </p:style>
-      </p:sp>
       <p:sp>
         <p:nvSpPr>
           <p:cNvPr id="2" name="Title Placeholder 1"/>
@@ -10548,15 +6860,15 @@
         </p:nvSpPr>
         <p:spPr>
           <a:xfrm>
-            <a:off x="1944694" y="520092"/>
-            <a:ext cx="6683765" cy="1067408"/>
+            <a:off x="628650" y="304271"/>
+            <a:ext cx="7886700" cy="1104636"/>
           </a:xfrm>
           <a:prstGeom prst="rect">
             <a:avLst/>
           </a:prstGeom>
         </p:spPr>
         <p:txBody>
-          <a:bodyPr vert="horz" lIns="91440" tIns="45720" rIns="91440" bIns="45720" rtlCol="0" anchor="t">
+          <a:bodyPr vert="horz" lIns="91440" tIns="45720" rIns="91440" bIns="45720" rtlCol="0" anchor="ctr">
             <a:normAutofit/>
           </a:bodyPr>
           <a:lstStyle/>
@@ -10581,8 +6893,8 @@
         </p:nvSpPr>
         <p:spPr>
           <a:xfrm>
-            <a:off x="1941909" y="1778000"/>
-            <a:ext cx="6686550" cy="3238500"/>
+            <a:off x="628650" y="1521354"/>
+            <a:ext cx="7886700" cy="3626115"/>
           </a:xfrm>
           <a:prstGeom prst="rect">
             <a:avLst/>
@@ -10643,8 +6955,8 @@
         </p:nvSpPr>
         <p:spPr>
           <a:xfrm>
-            <a:off x="7771210" y="5108698"/>
-            <a:ext cx="859712" cy="308663"/>
+            <a:off x="628650" y="5296959"/>
+            <a:ext cx="2057400" cy="304271"/>
           </a:xfrm>
           <a:prstGeom prst="rect">
             <a:avLst/>
@@ -10653,8 +6965,8 @@
         <p:txBody>
           <a:bodyPr vert="horz" lIns="91440" tIns="45720" rIns="91440" bIns="45720" rtlCol="0" anchor="ctr"/>
           <a:lstStyle>
-            <a:lvl1pPr algn="r">
-              <a:defRPr sz="675">
+            <a:lvl1pPr algn="l">
+              <a:defRPr sz="900">
                 <a:solidFill>
                   <a:schemeClr val="tx1">
                     <a:tint val="75000"/>
@@ -10664,11 +6976,11 @@
             </a:lvl1pPr>
           </a:lstStyle>
           <a:p>
-            <a:fld id="{AB2458EA-1F5A-154D-AFF5-4CF2DF8977D4}" type="datetimeFigureOut">
+            <a:fld id="{4AAD347D-5ACD-4C99-B74B-A9C85AD731AF}" type="datetimeFigureOut">
               <a:rPr lang="en-US" smtClean="0"/>
-              <a:t>11/18/19</a:t>
+              <a:t>11/19/19</a:t>
             </a:fld>
-            <a:endParaRPr lang="en-US"/>
+            <a:endParaRPr lang="en-US" dirty="0"/>
           </a:p>
         </p:txBody>
       </p:sp>
@@ -10684,8 +6996,8 @@
         </p:nvSpPr>
         <p:spPr>
           <a:xfrm>
-            <a:off x="1941910" y="5113174"/>
-            <a:ext cx="5714999" cy="304271"/>
+            <a:off x="3028950" y="5296959"/>
+            <a:ext cx="3086100" cy="304271"/>
           </a:xfrm>
           <a:prstGeom prst="rect">
             <a:avLst/>
@@ -10694,8 +7006,8 @@
         <p:txBody>
           <a:bodyPr vert="horz" lIns="91440" tIns="45720" rIns="91440" bIns="45720" rtlCol="0" anchor="ctr"/>
           <a:lstStyle>
-            <a:lvl1pPr algn="l">
-              <a:defRPr sz="675">
+            <a:lvl1pPr algn="ctr">
+              <a:defRPr sz="900">
                 <a:solidFill>
                   <a:schemeClr val="tx1">
                     <a:tint val="75000"/>
@@ -10705,7 +7017,7 @@
             </a:lvl1pPr>
           </a:lstStyle>
           <a:p>
-            <a:endParaRPr lang="en-US"/>
+            <a:endParaRPr lang="en-US" dirty="0"/>
           </a:p>
         </p:txBody>
       </p:sp>
@@ -10719,10 +7031,10 @@
             <p:ph type="sldNum" sz="quarter" idx="4"/>
           </p:nvPr>
         </p:nvSpPr>
-        <p:spPr bwMode="gray">
+        <p:spPr>
           <a:xfrm>
-            <a:off x="398860" y="656485"/>
-            <a:ext cx="584825" cy="304271"/>
+            <a:off x="6457950" y="5296959"/>
+            <a:ext cx="2057400" cy="304271"/>
           </a:xfrm>
           <a:prstGeom prst="rect">
             <a:avLst/>
@@ -10732,335 +7044,223 @@
           <a:bodyPr vert="horz" lIns="91440" tIns="45720" rIns="91440" bIns="45720" rtlCol="0" anchor="ctr"/>
           <a:lstStyle>
             <a:lvl1pPr algn="r">
-              <a:defRPr sz="1500">
-                <a:solidFill>
-                  <a:srgbClr val="FEFFFF"/>
+              <a:defRPr sz="900">
+                <a:solidFill>
+                  <a:schemeClr val="tx1">
+                    <a:tint val="75000"/>
+                  </a:schemeClr>
                 </a:solidFill>
               </a:defRPr>
             </a:lvl1pPr>
           </a:lstStyle>
           <a:p>
-            <a:fld id="{45D8DECA-3F01-4D4D-9CE8-CE0BA91433C8}" type="slidenum">
+            <a:fld id="{D57F1E4F-1CFF-5643-939E-02111984F565}" type="slidenum">
               <a:rPr lang="en-US" smtClean="0"/>
               <a:t>‹#›</a:t>
             </a:fld>
-            <a:endParaRPr lang="en-US"/>
+            <a:endParaRPr lang="en-US" dirty="0"/>
           </a:p>
         </p:txBody>
       </p:sp>
     </p:spTree>
     <p:extLst>
       <p:ext uri="{BB962C8B-B14F-4D97-AF65-F5344CB8AC3E}">
-        <p14:creationId xmlns:p14="http://schemas.microsoft.com/office/powerpoint/2010/main" val="3943043087"/>
+        <p14:creationId xmlns:p14="http://schemas.microsoft.com/office/powerpoint/2010/main" val="2137727167"/>
       </p:ext>
     </p:extLst>
   </p:cSld>
   <p:clrMap bg1="lt1" tx1="dk1" bg2="lt2" tx2="dk2" accent1="accent1" accent2="accent2" accent3="accent3" accent4="accent4" accent5="accent5" accent6="accent6" hlink="hlink" folHlink="folHlink"/>
   <p:sldLayoutIdLst>
-    <p:sldLayoutId id="2147484243" r:id="rId1"/>
-    <p:sldLayoutId id="2147484244" r:id="rId2"/>
-    <p:sldLayoutId id="2147484245" r:id="rId3"/>
-    <p:sldLayoutId id="2147484246" r:id="rId4"/>
-    <p:sldLayoutId id="2147484247" r:id="rId5"/>
-    <p:sldLayoutId id="2147484248" r:id="rId6"/>
-    <p:sldLayoutId id="2147484249" r:id="rId7"/>
-    <p:sldLayoutId id="2147484250" r:id="rId8"/>
-    <p:sldLayoutId id="2147484251" r:id="rId9"/>
-    <p:sldLayoutId id="2147484252" r:id="rId10"/>
-    <p:sldLayoutId id="2147484253" r:id="rId11"/>
-    <p:sldLayoutId id="2147484254" r:id="rId12"/>
-    <p:sldLayoutId id="2147484255" r:id="rId13"/>
-    <p:sldLayoutId id="2147484256" r:id="rId14"/>
-    <p:sldLayoutId id="2147484257" r:id="rId15"/>
-    <p:sldLayoutId id="2147484258" r:id="rId16"/>
+    <p:sldLayoutId id="2147483792" r:id="rId1"/>
+    <p:sldLayoutId id="2147483793" r:id="rId2"/>
+    <p:sldLayoutId id="2147483794" r:id="rId3"/>
+    <p:sldLayoutId id="2147483795" r:id="rId4"/>
+    <p:sldLayoutId id="2147483796" r:id="rId5"/>
+    <p:sldLayoutId id="2147483797" r:id="rId6"/>
+    <p:sldLayoutId id="2147483798" r:id="rId7"/>
+    <p:sldLayoutId id="2147483799" r:id="rId8"/>
+    <p:sldLayoutId id="2147483800" r:id="rId9"/>
+    <p:sldLayoutId id="2147483801" r:id="rId10"/>
+    <p:sldLayoutId id="2147483802" r:id="rId11"/>
   </p:sldLayoutIdLst>
+  <p:hf sldNum="0" hdr="0" ftr="0" dt="0"/>
   <p:txStyles>
     <p:titleStyle>
-      <a:lvl1pPr algn="l" defTabSz="342900" rtl="0" eaLnBrk="1" latinLnBrk="0" hangingPunct="1">
+      <a:lvl1pPr algn="l" defTabSz="685800" rtl="0" eaLnBrk="1" latinLnBrk="0" hangingPunct="1">
+        <a:lnSpc>
+          <a:spcPct val="90000"/>
+        </a:lnSpc>
         <a:spcBef>
           <a:spcPct val="0"/>
         </a:spcBef>
         <a:buNone/>
-        <a:defRPr sz="2700" kern="1200">
+        <a:defRPr sz="3300" kern="1200">
           <a:solidFill>
-            <a:schemeClr val="tx1">
-              <a:lumMod val="85000"/>
-              <a:lumOff val="15000"/>
-            </a:schemeClr>
+            <a:schemeClr val="tx1"/>
           </a:solidFill>
           <a:latin typeface="+mj-lt"/>
           <a:ea typeface="+mj-ea"/>
           <a:cs typeface="+mj-cs"/>
         </a:defRPr>
       </a:lvl1pPr>
-      <a:lvl2pPr eaLnBrk="1" hangingPunct="1">
-        <a:defRPr>
-          <a:solidFill>
-            <a:schemeClr val="tx2"/>
-          </a:solidFill>
-        </a:defRPr>
-      </a:lvl2pPr>
-      <a:lvl3pPr eaLnBrk="1" hangingPunct="1">
-        <a:defRPr>
-          <a:solidFill>
-            <a:schemeClr val="tx2"/>
-          </a:solidFill>
-        </a:defRPr>
-      </a:lvl3pPr>
-      <a:lvl4pPr eaLnBrk="1" hangingPunct="1">
-        <a:defRPr>
-          <a:solidFill>
-            <a:schemeClr val="tx2"/>
-          </a:solidFill>
-        </a:defRPr>
-      </a:lvl4pPr>
-      <a:lvl5pPr eaLnBrk="1" hangingPunct="1">
-        <a:defRPr>
-          <a:solidFill>
-            <a:schemeClr val="tx2"/>
-          </a:solidFill>
-        </a:defRPr>
-      </a:lvl5pPr>
-      <a:lvl6pPr eaLnBrk="1" hangingPunct="1">
-        <a:defRPr>
-          <a:solidFill>
-            <a:schemeClr val="tx2"/>
-          </a:solidFill>
-        </a:defRPr>
-      </a:lvl6pPr>
-      <a:lvl7pPr eaLnBrk="1" hangingPunct="1">
-        <a:defRPr>
-          <a:solidFill>
-            <a:schemeClr val="tx2"/>
-          </a:solidFill>
-        </a:defRPr>
-      </a:lvl7pPr>
-      <a:lvl8pPr eaLnBrk="1" hangingPunct="1">
-        <a:defRPr>
-          <a:solidFill>
-            <a:schemeClr val="tx2"/>
-          </a:solidFill>
-        </a:defRPr>
-      </a:lvl8pPr>
-      <a:lvl9pPr eaLnBrk="1" hangingPunct="1">
-        <a:defRPr>
-          <a:solidFill>
-            <a:schemeClr val="tx2"/>
-          </a:solidFill>
-        </a:defRPr>
-      </a:lvl9pPr>
     </p:titleStyle>
     <p:bodyStyle>
-      <a:lvl1pPr marL="257175" indent="-257175" algn="l" defTabSz="342900" rtl="0" eaLnBrk="1" latinLnBrk="0" hangingPunct="1">
+      <a:lvl1pPr marL="171450" indent="-171450" algn="l" defTabSz="685800" rtl="0" eaLnBrk="1" latinLnBrk="0" hangingPunct="1">
+        <a:lnSpc>
+          <a:spcPct val="90000"/>
+        </a:lnSpc>
         <a:spcBef>
           <a:spcPts val="750"/>
         </a:spcBef>
-        <a:spcAft>
-          <a:spcPts val="0"/>
-        </a:spcAft>
-        <a:buClr>
-          <a:schemeClr val="accent1"/>
-        </a:buClr>
-        <a:buFont typeface="Wingdings 3" charset="2"/>
-        <a:buChar char=""/>
-        <a:defRPr sz="1350" kern="1200">
+        <a:buFont typeface="Arial" panose="020B0604020202020204" pitchFamily="34" charset="0"/>
+        <a:buChar char="•"/>
+        <a:defRPr sz="2100" kern="1200">
           <a:solidFill>
-            <a:schemeClr val="tx1">
-              <a:lumMod val="75000"/>
-              <a:lumOff val="25000"/>
-            </a:schemeClr>
+            <a:schemeClr val="tx1"/>
           </a:solidFill>
           <a:latin typeface="+mn-lt"/>
           <a:ea typeface="+mn-ea"/>
           <a:cs typeface="+mn-cs"/>
         </a:defRPr>
       </a:lvl1pPr>
-      <a:lvl2pPr marL="557213" indent="-214313" algn="l" defTabSz="342900" rtl="0" eaLnBrk="1" latinLnBrk="0" hangingPunct="1">
+      <a:lvl2pPr marL="514350" indent="-171450" algn="l" defTabSz="685800" rtl="0" eaLnBrk="1" latinLnBrk="0" hangingPunct="1">
+        <a:lnSpc>
+          <a:spcPct val="90000"/>
+        </a:lnSpc>
         <a:spcBef>
-          <a:spcPts val="750"/>
+          <a:spcPts val="375"/>
         </a:spcBef>
-        <a:spcAft>
-          <a:spcPts val="0"/>
-        </a:spcAft>
-        <a:buClr>
-          <a:schemeClr val="accent1"/>
-        </a:buClr>
-        <a:buFont typeface="Wingdings 3" charset="2"/>
-        <a:buChar char=""/>
-        <a:defRPr sz="1200" kern="1200">
+        <a:buFont typeface="Arial" panose="020B0604020202020204" pitchFamily="34" charset="0"/>
+        <a:buChar char="•"/>
+        <a:defRPr sz="1800" kern="1200">
           <a:solidFill>
-            <a:schemeClr val="tx1">
-              <a:lumMod val="75000"/>
-              <a:lumOff val="25000"/>
-            </a:schemeClr>
+            <a:schemeClr val="tx1"/>
           </a:solidFill>
           <a:latin typeface="+mn-lt"/>
           <a:ea typeface="+mn-ea"/>
           <a:cs typeface="+mn-cs"/>
         </a:defRPr>
       </a:lvl2pPr>
-      <a:lvl3pPr marL="857250" indent="-171450" algn="l" defTabSz="342900" rtl="0" eaLnBrk="1" latinLnBrk="0" hangingPunct="1">
+      <a:lvl3pPr marL="857250" indent="-171450" algn="l" defTabSz="685800" rtl="0" eaLnBrk="1" latinLnBrk="0" hangingPunct="1">
+        <a:lnSpc>
+          <a:spcPct val="90000"/>
+        </a:lnSpc>
         <a:spcBef>
-          <a:spcPts val="750"/>
+          <a:spcPts val="375"/>
         </a:spcBef>
-        <a:spcAft>
-          <a:spcPts val="0"/>
-        </a:spcAft>
-        <a:buClr>
-          <a:schemeClr val="accent1"/>
-        </a:buClr>
-        <a:buFont typeface="Wingdings 3" charset="2"/>
-        <a:buChar char=""/>
-        <a:defRPr sz="1050" kern="1200">
+        <a:buFont typeface="Arial" panose="020B0604020202020204" pitchFamily="34" charset="0"/>
+        <a:buChar char="•"/>
+        <a:defRPr sz="1500" kern="1200">
           <a:solidFill>
-            <a:schemeClr val="tx1">
-              <a:lumMod val="75000"/>
-              <a:lumOff val="25000"/>
-            </a:schemeClr>
+            <a:schemeClr val="tx1"/>
           </a:solidFill>
           <a:latin typeface="+mn-lt"/>
           <a:ea typeface="+mn-ea"/>
           <a:cs typeface="+mn-cs"/>
         </a:defRPr>
       </a:lvl3pPr>
-      <a:lvl4pPr marL="1200150" indent="-171450" algn="l" defTabSz="342900" rtl="0" eaLnBrk="1" latinLnBrk="0" hangingPunct="1">
+      <a:lvl4pPr marL="1200150" indent="-171450" algn="l" defTabSz="685800" rtl="0" eaLnBrk="1" latinLnBrk="0" hangingPunct="1">
+        <a:lnSpc>
+          <a:spcPct val="90000"/>
+        </a:lnSpc>
         <a:spcBef>
-          <a:spcPts val="750"/>
+          <a:spcPts val="375"/>
         </a:spcBef>
-        <a:spcAft>
-          <a:spcPts val="0"/>
-        </a:spcAft>
-        <a:buClr>
-          <a:schemeClr val="accent1"/>
-        </a:buClr>
-        <a:buFont typeface="Wingdings 3" charset="2"/>
-        <a:buChar char=""/>
-        <a:defRPr sz="900" kern="1200">
+        <a:buFont typeface="Arial" panose="020B0604020202020204" pitchFamily="34" charset="0"/>
+        <a:buChar char="•"/>
+        <a:defRPr sz="1350" kern="1200">
           <a:solidFill>
-            <a:schemeClr val="tx1">
-              <a:lumMod val="75000"/>
-              <a:lumOff val="25000"/>
-            </a:schemeClr>
+            <a:schemeClr val="tx1"/>
           </a:solidFill>
           <a:latin typeface="+mn-lt"/>
           <a:ea typeface="+mn-ea"/>
           <a:cs typeface="+mn-cs"/>
         </a:defRPr>
       </a:lvl4pPr>
-      <a:lvl5pPr marL="1543050" indent="-171450" algn="l" defTabSz="342900" rtl="0" eaLnBrk="1" latinLnBrk="0" hangingPunct="1">
+      <a:lvl5pPr marL="1543050" indent="-171450" algn="l" defTabSz="685800" rtl="0" eaLnBrk="1" latinLnBrk="0" hangingPunct="1">
+        <a:lnSpc>
+          <a:spcPct val="90000"/>
+        </a:lnSpc>
         <a:spcBef>
-          <a:spcPts val="750"/>
+          <a:spcPts val="375"/>
         </a:spcBef>
-        <a:spcAft>
-          <a:spcPts val="0"/>
-        </a:spcAft>
-        <a:buClr>
-          <a:schemeClr val="accent1"/>
-        </a:buClr>
-        <a:buFont typeface="Wingdings 3" charset="2"/>
-        <a:buChar char=""/>
-        <a:defRPr sz="900" kern="1200">
+        <a:buFont typeface="Arial" panose="020B0604020202020204" pitchFamily="34" charset="0"/>
+        <a:buChar char="•"/>
+        <a:defRPr sz="1350" kern="1200">
           <a:solidFill>
-            <a:schemeClr val="tx1">
-              <a:lumMod val="75000"/>
-              <a:lumOff val="25000"/>
-            </a:schemeClr>
+            <a:schemeClr val="tx1"/>
           </a:solidFill>
           <a:latin typeface="+mn-lt"/>
           <a:ea typeface="+mn-ea"/>
           <a:cs typeface="+mn-cs"/>
         </a:defRPr>
       </a:lvl5pPr>
-      <a:lvl6pPr marL="1885950" indent="-171450" algn="l" defTabSz="342900" rtl="0" eaLnBrk="1" latinLnBrk="0" hangingPunct="1">
+      <a:lvl6pPr marL="1885950" indent="-171450" algn="l" defTabSz="685800" rtl="0" eaLnBrk="1" latinLnBrk="0" hangingPunct="1">
+        <a:lnSpc>
+          <a:spcPct val="90000"/>
+        </a:lnSpc>
         <a:spcBef>
-          <a:spcPts val="750"/>
+          <a:spcPts val="375"/>
         </a:spcBef>
-        <a:spcAft>
-          <a:spcPts val="0"/>
-        </a:spcAft>
-        <a:buClr>
-          <a:schemeClr val="accent1"/>
-        </a:buClr>
-        <a:buFont typeface="Wingdings 3" charset="2"/>
-        <a:buChar char=""/>
-        <a:defRPr sz="900" kern="1200">
+        <a:buFont typeface="Arial" panose="020B0604020202020204" pitchFamily="34" charset="0"/>
+        <a:buChar char="•"/>
+        <a:defRPr sz="1350" kern="1200">
           <a:solidFill>
-            <a:schemeClr val="tx1">
-              <a:lumMod val="75000"/>
-              <a:lumOff val="25000"/>
-            </a:schemeClr>
+            <a:schemeClr val="tx1"/>
           </a:solidFill>
           <a:latin typeface="+mn-lt"/>
           <a:ea typeface="+mn-ea"/>
           <a:cs typeface="+mn-cs"/>
         </a:defRPr>
       </a:lvl6pPr>
-      <a:lvl7pPr marL="2228850" indent="-171450" algn="l" defTabSz="342900" rtl="0" eaLnBrk="1" latinLnBrk="0" hangingPunct="1">
+      <a:lvl7pPr marL="2228850" indent="-171450" algn="l" defTabSz="685800" rtl="0" eaLnBrk="1" latinLnBrk="0" hangingPunct="1">
+        <a:lnSpc>
+          <a:spcPct val="90000"/>
+        </a:lnSpc>
         <a:spcBef>
-          <a:spcPts val="750"/>
+          <a:spcPts val="375"/>
         </a:spcBef>
-        <a:spcAft>
-          <a:spcPts val="0"/>
-        </a:spcAft>
-        <a:buClr>
-          <a:schemeClr val="accent1"/>
-        </a:buClr>
-        <a:buFont typeface="Wingdings 3" charset="2"/>
-        <a:buChar char=""/>
-        <a:defRPr sz="900" kern="1200">
+        <a:buFont typeface="Arial" panose="020B0604020202020204" pitchFamily="34" charset="0"/>
+        <a:buChar char="•"/>
+        <a:defRPr sz="1350" kern="1200">
           <a:solidFill>
-            <a:schemeClr val="tx1">
-              <a:lumMod val="75000"/>
-              <a:lumOff val="25000"/>
-            </a:schemeClr>
+            <a:schemeClr val="tx1"/>
           </a:solidFill>
           <a:latin typeface="+mn-lt"/>
           <a:ea typeface="+mn-ea"/>
           <a:cs typeface="+mn-cs"/>
         </a:defRPr>
       </a:lvl7pPr>
-      <a:lvl8pPr marL="2571750" indent="-171450" algn="l" defTabSz="342900" rtl="0" eaLnBrk="1" latinLnBrk="0" hangingPunct="1">
+      <a:lvl8pPr marL="2571750" indent="-171450" algn="l" defTabSz="685800" rtl="0" eaLnBrk="1" latinLnBrk="0" hangingPunct="1">
+        <a:lnSpc>
+          <a:spcPct val="90000"/>
+        </a:lnSpc>
         <a:spcBef>
-          <a:spcPts val="750"/>
+          <a:spcPts val="375"/>
         </a:spcBef>
-        <a:spcAft>
-          <a:spcPts val="0"/>
-        </a:spcAft>
-        <a:buClr>
-          <a:schemeClr val="accent1"/>
-        </a:buClr>
-        <a:buFont typeface="Wingdings 3" charset="2"/>
-        <a:buChar char=""/>
-        <a:defRPr sz="900" kern="1200">
+        <a:buFont typeface="Arial" panose="020B0604020202020204" pitchFamily="34" charset="0"/>
+        <a:buChar char="•"/>
+        <a:defRPr sz="1350" kern="1200">
           <a:solidFill>
-            <a:schemeClr val="tx1">
-              <a:lumMod val="75000"/>
-              <a:lumOff val="25000"/>
-            </a:schemeClr>
+            <a:schemeClr val="tx1"/>
           </a:solidFill>
           <a:latin typeface="+mn-lt"/>
           <a:ea typeface="+mn-ea"/>
           <a:cs typeface="+mn-cs"/>
         </a:defRPr>
       </a:lvl8pPr>
-      <a:lvl9pPr marL="2914650" indent="-171450" algn="l" defTabSz="342900" rtl="0" eaLnBrk="1" latinLnBrk="0" hangingPunct="1">
+      <a:lvl9pPr marL="2914650" indent="-171450" algn="l" defTabSz="685800" rtl="0" eaLnBrk="1" latinLnBrk="0" hangingPunct="1">
+        <a:lnSpc>
+          <a:spcPct val="90000"/>
+        </a:lnSpc>
         <a:spcBef>
-          <a:spcPts val="750"/>
+          <a:spcPts val="375"/>
         </a:spcBef>
-        <a:spcAft>
-          <a:spcPts val="0"/>
-        </a:spcAft>
-        <a:buClr>
-          <a:schemeClr val="accent1"/>
-        </a:buClr>
-        <a:buFont typeface="Wingdings 3" charset="2"/>
-        <a:buChar char=""/>
-        <a:defRPr sz="900" kern="1200">
+        <a:buFont typeface="Arial" panose="020B0604020202020204" pitchFamily="34" charset="0"/>
+        <a:buChar char="•"/>
+        <a:defRPr sz="1350" kern="1200">
           <a:solidFill>
-            <a:schemeClr val="tx1">
-              <a:lumMod val="75000"/>
-              <a:lumOff val="25000"/>
-            </a:schemeClr>
+            <a:schemeClr val="tx1"/>
           </a:solidFill>
           <a:latin typeface="+mn-lt"/>
           <a:ea typeface="+mn-ea"/>
@@ -11072,7 +7272,7 @@
       <a:defPPr>
         <a:defRPr lang="en-US"/>
       </a:defPPr>
-      <a:lvl1pPr marL="0" algn="l" defTabSz="342900" rtl="0" eaLnBrk="1" latinLnBrk="0" hangingPunct="1">
+      <a:lvl1pPr marL="0" algn="l" defTabSz="685800" rtl="0" eaLnBrk="1" latinLnBrk="0" hangingPunct="1">
         <a:defRPr sz="1350" kern="1200">
           <a:solidFill>
             <a:schemeClr val="tx1"/>
@@ -11082,7 +7282,7 @@
           <a:cs typeface="+mn-cs"/>
         </a:defRPr>
       </a:lvl1pPr>
-      <a:lvl2pPr marL="342900" algn="l" defTabSz="342900" rtl="0" eaLnBrk="1" latinLnBrk="0" hangingPunct="1">
+      <a:lvl2pPr marL="342900" algn="l" defTabSz="685800" rtl="0" eaLnBrk="1" latinLnBrk="0" hangingPunct="1">
         <a:defRPr sz="1350" kern="1200">
           <a:solidFill>
             <a:schemeClr val="tx1"/>
@@ -11092,7 +7292,7 @@
           <a:cs typeface="+mn-cs"/>
         </a:defRPr>
       </a:lvl2pPr>
-      <a:lvl3pPr marL="685800" algn="l" defTabSz="342900" rtl="0" eaLnBrk="1" latinLnBrk="0" hangingPunct="1">
+      <a:lvl3pPr marL="685800" algn="l" defTabSz="685800" rtl="0" eaLnBrk="1" latinLnBrk="0" hangingPunct="1">
         <a:defRPr sz="1350" kern="1200">
           <a:solidFill>
             <a:schemeClr val="tx1"/>
@@ -11102,7 +7302,7 @@
           <a:cs typeface="+mn-cs"/>
         </a:defRPr>
       </a:lvl3pPr>
-      <a:lvl4pPr marL="1028700" algn="l" defTabSz="342900" rtl="0" eaLnBrk="1" latinLnBrk="0" hangingPunct="1">
+      <a:lvl4pPr marL="1028700" algn="l" defTabSz="685800" rtl="0" eaLnBrk="1" latinLnBrk="0" hangingPunct="1">
         <a:defRPr sz="1350" kern="1200">
           <a:solidFill>
             <a:schemeClr val="tx1"/>
@@ -11112,7 +7312,7 @@
           <a:cs typeface="+mn-cs"/>
         </a:defRPr>
       </a:lvl4pPr>
-      <a:lvl5pPr marL="1371600" algn="l" defTabSz="342900" rtl="0" eaLnBrk="1" latinLnBrk="0" hangingPunct="1">
+      <a:lvl5pPr marL="1371600" algn="l" defTabSz="685800" rtl="0" eaLnBrk="1" latinLnBrk="0" hangingPunct="1">
         <a:defRPr sz="1350" kern="1200">
           <a:solidFill>
             <a:schemeClr val="tx1"/>
@@ -11122,7 +7322,7 @@
           <a:cs typeface="+mn-cs"/>
         </a:defRPr>
       </a:lvl5pPr>
-      <a:lvl6pPr marL="1714500" algn="l" defTabSz="342900" rtl="0" eaLnBrk="1" latinLnBrk="0" hangingPunct="1">
+      <a:lvl6pPr marL="1714500" algn="l" defTabSz="685800" rtl="0" eaLnBrk="1" latinLnBrk="0" hangingPunct="1">
         <a:defRPr sz="1350" kern="1200">
           <a:solidFill>
             <a:schemeClr val="tx1"/>
@@ -11132,7 +7332,7 @@
           <a:cs typeface="+mn-cs"/>
         </a:defRPr>
       </a:lvl6pPr>
-      <a:lvl7pPr marL="2057400" algn="l" defTabSz="342900" rtl="0" eaLnBrk="1" latinLnBrk="0" hangingPunct="1">
+      <a:lvl7pPr marL="2057400" algn="l" defTabSz="685800" rtl="0" eaLnBrk="1" latinLnBrk="0" hangingPunct="1">
         <a:defRPr sz="1350" kern="1200">
           <a:solidFill>
             <a:schemeClr val="tx1"/>
@@ -11142,7 +7342,7 @@
           <a:cs typeface="+mn-cs"/>
         </a:defRPr>
       </a:lvl7pPr>
-      <a:lvl8pPr marL="2400300" algn="l" defTabSz="342900" rtl="0" eaLnBrk="1" latinLnBrk="0" hangingPunct="1">
+      <a:lvl8pPr marL="2400300" algn="l" defTabSz="685800" rtl="0" eaLnBrk="1" latinLnBrk="0" hangingPunct="1">
         <a:defRPr sz="1350" kern="1200">
           <a:solidFill>
             <a:schemeClr val="tx1"/>
@@ -11152,7 +7352,7 @@
           <a:cs typeface="+mn-cs"/>
         </a:defRPr>
       </a:lvl8pPr>
-      <a:lvl9pPr marL="2743200" algn="l" defTabSz="342900" rtl="0" eaLnBrk="1" latinLnBrk="0" hangingPunct="1">
+      <a:lvl9pPr marL="2743200" algn="l" defTabSz="685800" rtl="0" eaLnBrk="1" latinLnBrk="0" hangingPunct="1">
         <a:defRPr sz="1350" kern="1200">
           <a:solidFill>
             <a:schemeClr val="tx1"/>
@@ -11164,11 +7364,6 @@
       </a:lvl9pPr>
     </p:otherStyle>
   </p:txStyles>
-  <p:extLst>
-    <p:ext uri="{27BBF7A9-308A-43DC-89C8-2F10F3537804}">
-      <p15:sldGuideLst xmlns:p15="http://schemas.microsoft.com/office/powerpoint/2012/main"/>
-    </p:ext>
-  </p:extLst>
 </p:sldMaster>
 </file>
 
@@ -11266,7 +7461,7 @@
     </p:spTree>
     <p:extLst>
       <p:ext uri="{BB962C8B-B14F-4D97-AF65-F5344CB8AC3E}">
-        <p14:creationId xmlns:p14="http://schemas.microsoft.com/office/powerpoint/2010/main" val="3974137643"/>
+        <p14:creationId xmlns:p14="http://schemas.microsoft.com/office/powerpoint/2010/main" val="847347657"/>
       </p:ext>
     </p:extLst>
   </p:cSld>
@@ -11474,7 +7669,7 @@
     </p:spTree>
     <p:extLst>
       <p:ext uri="{BB962C8B-B14F-4D97-AF65-F5344CB8AC3E}">
-        <p14:creationId xmlns:p14="http://schemas.microsoft.com/office/powerpoint/2010/main" val="4068538264"/>
+        <p14:creationId xmlns:p14="http://schemas.microsoft.com/office/powerpoint/2010/main" val="1871198671"/>
       </p:ext>
     </p:extLst>
   </p:cSld>
@@ -11794,7 +7989,7 @@
     </p:spTree>
     <p:extLst>
       <p:ext uri="{BB962C8B-B14F-4D97-AF65-F5344CB8AC3E}">
-        <p14:creationId xmlns:p14="http://schemas.microsoft.com/office/powerpoint/2010/main" val="4260195558"/>
+        <p14:creationId xmlns:p14="http://schemas.microsoft.com/office/powerpoint/2010/main" val="3585856351"/>
       </p:ext>
     </p:extLst>
   </p:cSld>
@@ -12136,7 +8331,7 @@
     </p:spTree>
     <p:extLst>
       <p:ext uri="{BB962C8B-B14F-4D97-AF65-F5344CB8AC3E}">
-        <p14:creationId xmlns:p14="http://schemas.microsoft.com/office/powerpoint/2010/main" val="3526380873"/>
+        <p14:creationId xmlns:p14="http://schemas.microsoft.com/office/powerpoint/2010/main" val="863905040"/>
       </p:ext>
     </p:extLst>
   </p:cSld>
@@ -12244,7 +8439,7 @@
     </p:spTree>
     <p:extLst>
       <p:ext uri="{BB962C8B-B14F-4D97-AF65-F5344CB8AC3E}">
-        <p14:creationId xmlns:p14="http://schemas.microsoft.com/office/powerpoint/2010/main" val="3790295461"/>
+        <p14:creationId xmlns:p14="http://schemas.microsoft.com/office/powerpoint/2010/main" val="3175113722"/>
       </p:ext>
     </p:extLst>
   </p:cSld>
@@ -12376,7 +8571,7 @@
     </p:spTree>
     <p:extLst>
       <p:ext uri="{BB962C8B-B14F-4D97-AF65-F5344CB8AC3E}">
-        <p14:creationId xmlns:p14="http://schemas.microsoft.com/office/powerpoint/2010/main" val="2244539106"/>
+        <p14:creationId xmlns:p14="http://schemas.microsoft.com/office/powerpoint/2010/main" val="3276587347"/>
       </p:ext>
     </p:extLst>
   </p:cSld>
@@ -12618,7 +8813,7 @@
     </p:spTree>
     <p:extLst>
       <p:ext uri="{BB962C8B-B14F-4D97-AF65-F5344CB8AC3E}">
-        <p14:creationId xmlns:p14="http://schemas.microsoft.com/office/powerpoint/2010/main" val="109612102"/>
+        <p14:creationId xmlns:p14="http://schemas.microsoft.com/office/powerpoint/2010/main" val="3461972299"/>
       </p:ext>
     </p:extLst>
   </p:cSld>
@@ -12938,7 +9133,7 @@
     </p:spTree>
     <p:extLst>
       <p:ext uri="{BB962C8B-B14F-4D97-AF65-F5344CB8AC3E}">
-        <p14:creationId xmlns:p14="http://schemas.microsoft.com/office/powerpoint/2010/main" val="4294450420"/>
+        <p14:creationId xmlns:p14="http://schemas.microsoft.com/office/powerpoint/2010/main" val="518539467"/>
       </p:ext>
     </p:extLst>
   </p:cSld>
@@ -13156,7 +9351,7 @@
     </p:spTree>
     <p:extLst>
       <p:ext uri="{BB962C8B-B14F-4D97-AF65-F5344CB8AC3E}">
-        <p14:creationId xmlns:p14="http://schemas.microsoft.com/office/powerpoint/2010/main" val="4031124925"/>
+        <p14:creationId xmlns:p14="http://schemas.microsoft.com/office/powerpoint/2010/main" val="2878693247"/>
       </p:ext>
     </p:extLst>
   </p:cSld>
@@ -13472,7 +9667,7 @@
     </p:spTree>
     <p:extLst>
       <p:ext uri="{BB962C8B-B14F-4D97-AF65-F5344CB8AC3E}">
-        <p14:creationId xmlns:p14="http://schemas.microsoft.com/office/powerpoint/2010/main" val="3192863612"/>
+        <p14:creationId xmlns:p14="http://schemas.microsoft.com/office/powerpoint/2010/main" val="3014449171"/>
       </p:ext>
     </p:extLst>
   </p:cSld>
@@ -13868,7 +10063,7 @@
     </p:spTree>
     <p:extLst>
       <p:ext uri="{BB962C8B-B14F-4D97-AF65-F5344CB8AC3E}">
-        <p14:creationId xmlns:p14="http://schemas.microsoft.com/office/powerpoint/2010/main" val="1480112524"/>
+        <p14:creationId xmlns:p14="http://schemas.microsoft.com/office/powerpoint/2010/main" val="2537719982"/>
       </p:ext>
     </p:extLst>
   </p:cSld>
@@ -14086,7 +10281,7 @@
               <a:buNone/>
               <a:defRPr/>
             </a:pPr>
-            <a:endParaRPr lang="en-US" sz="1600" dirty="0">
+            <a:endParaRPr lang="en-US" sz="1800" dirty="0">
               <a:cs typeface="Tahoma"/>
             </a:endParaRPr>
           </a:p>
@@ -14095,28 +10290,19 @@
               <a:defRPr/>
             </a:pPr>
             <a:r>
-              <a:rPr lang="en-US" sz="1600" dirty="0">
-                <a:solidFill>
-                  <a:schemeClr val="tx2"/>
-                </a:solidFill>
+              <a:rPr lang="en-US" sz="1800" dirty="0">
                 <a:cs typeface="Tahoma"/>
               </a:rPr>
               <a:t>Processing started by Ben Fry and Casey </a:t>
             </a:r>
             <a:r>
-              <a:rPr lang="en-US" sz="1600" dirty="0" err="1">
-                <a:solidFill>
-                  <a:schemeClr val="tx2"/>
-                </a:solidFill>
+              <a:rPr lang="en-US" sz="1800" dirty="0" err="1">
                 <a:cs typeface="Tahoma"/>
               </a:rPr>
               <a:t>Reas</a:t>
             </a:r>
             <a:r>
-              <a:rPr lang="en-US" sz="1600" dirty="0">
-                <a:solidFill>
-                  <a:schemeClr val="tx2"/>
-                </a:solidFill>
+              <a:rPr lang="en-US" sz="1800" dirty="0">
                 <a:cs typeface="Tahoma"/>
               </a:rPr>
               <a:t> while both were graduate students at MIT Media Lab in 2001.</a:t>
@@ -14127,10 +10313,7 @@
               <a:defRPr/>
             </a:pPr>
             <a:r>
-              <a:rPr lang="en-US" sz="1600" dirty="0">
-                <a:solidFill>
-                  <a:schemeClr val="tx2"/>
-                </a:solidFill>
+              <a:rPr lang="en-US" sz="1800" dirty="0">
                 <a:cs typeface="Tahoma"/>
               </a:rPr>
               <a:t>Processing is Java.</a:t>
@@ -14141,10 +10324,7 @@
               <a:defRPr/>
             </a:pPr>
             <a:r>
-              <a:rPr lang="en-US" sz="1600" dirty="0">
-                <a:solidFill>
-                  <a:schemeClr val="tx2"/>
-                </a:solidFill>
+              <a:rPr lang="en-US" sz="1800" dirty="0">
                 <a:cs typeface="Tahoma"/>
               </a:rPr>
               <a:t>Designed for visual artists with limited programming experience who want to create art without knowing complicated Java syntax.</a:t>
@@ -14155,10 +10335,7 @@
               <a:defRPr/>
             </a:pPr>
             <a:r>
-              <a:rPr lang="en-US" sz="1600" dirty="0">
-                <a:solidFill>
-                  <a:schemeClr val="tx2"/>
-                </a:solidFill>
+              <a:rPr lang="en-US" sz="1800" dirty="0">
                 <a:cs typeface="Tahoma"/>
               </a:rPr>
               <a:t>In its current version, hundred of libraries have been written for computer vision, data visualization, music composition, networking, 3D drawings and programming electronics.  </a:t>
@@ -14168,10 +10345,7 @@
             <a:pPr eaLnBrk="1" hangingPunct="1">
               <a:defRPr/>
             </a:pPr>
-            <a:endParaRPr lang="en-US" sz="1600" dirty="0">
-              <a:solidFill>
-                <a:schemeClr val="tx2"/>
-              </a:solidFill>
+            <a:endParaRPr lang="en-US" sz="1800" dirty="0">
               <a:cs typeface="Tahoma"/>
             </a:endParaRPr>
           </a:p>
@@ -14180,7 +10354,7 @@
     </p:spTree>
     <p:extLst>
       <p:ext uri="{BB962C8B-B14F-4D97-AF65-F5344CB8AC3E}">
-        <p14:creationId xmlns:p14="http://schemas.microsoft.com/office/powerpoint/2010/main" val="2539776959"/>
+        <p14:creationId xmlns:p14="http://schemas.microsoft.com/office/powerpoint/2010/main" val="3515362357"/>
       </p:ext>
     </p:extLst>
   </p:cSld>
@@ -14654,7 +10828,7 @@
     </p:spTree>
     <p:extLst>
       <p:ext uri="{BB962C8B-B14F-4D97-AF65-F5344CB8AC3E}">
-        <p14:creationId xmlns:p14="http://schemas.microsoft.com/office/powerpoint/2010/main" val="1126550256"/>
+        <p14:creationId xmlns:p14="http://schemas.microsoft.com/office/powerpoint/2010/main" val="73332731"/>
       </p:ext>
     </p:extLst>
   </p:cSld>
@@ -14952,7 +11126,7 @@
     </p:spTree>
     <p:extLst>
       <p:ext uri="{BB962C8B-B14F-4D97-AF65-F5344CB8AC3E}">
-        <p14:creationId xmlns:p14="http://schemas.microsoft.com/office/powerpoint/2010/main" val="1013976948"/>
+        <p14:creationId xmlns:p14="http://schemas.microsoft.com/office/powerpoint/2010/main" val="3935762855"/>
       </p:ext>
     </p:extLst>
   </p:cSld>
@@ -15378,7 +11552,7 @@
     </p:spTree>
     <p:extLst>
       <p:ext uri="{BB962C8B-B14F-4D97-AF65-F5344CB8AC3E}">
-        <p14:creationId xmlns:p14="http://schemas.microsoft.com/office/powerpoint/2010/main" val="940827800"/>
+        <p14:creationId xmlns:p14="http://schemas.microsoft.com/office/powerpoint/2010/main" val="2056856836"/>
       </p:ext>
     </p:extLst>
   </p:cSld>
@@ -15563,7 +11737,7 @@
     </p:spTree>
     <p:extLst>
       <p:ext uri="{BB962C8B-B14F-4D97-AF65-F5344CB8AC3E}">
-        <p14:creationId xmlns:p14="http://schemas.microsoft.com/office/powerpoint/2010/main" val="2700196025"/>
+        <p14:creationId xmlns:p14="http://schemas.microsoft.com/office/powerpoint/2010/main" val="1129266536"/>
       </p:ext>
     </p:extLst>
   </p:cSld>
@@ -15759,7 +11933,7 @@
     </p:spTree>
     <p:extLst>
       <p:ext uri="{BB962C8B-B14F-4D97-AF65-F5344CB8AC3E}">
-        <p14:creationId xmlns:p14="http://schemas.microsoft.com/office/powerpoint/2010/main" val="3594073904"/>
+        <p14:creationId xmlns:p14="http://schemas.microsoft.com/office/powerpoint/2010/main" val="3212712238"/>
       </p:ext>
     </p:extLst>
   </p:cSld>
@@ -15916,7 +12090,7 @@
     </p:spTree>
     <p:extLst>
       <p:ext uri="{BB962C8B-B14F-4D97-AF65-F5344CB8AC3E}">
-        <p14:creationId xmlns:p14="http://schemas.microsoft.com/office/powerpoint/2010/main" val="908889635"/>
+        <p14:creationId xmlns:p14="http://schemas.microsoft.com/office/powerpoint/2010/main" val="602950482"/>
       </p:ext>
     </p:extLst>
   </p:cSld>
@@ -16192,7 +12366,7 @@
     </p:spTree>
     <p:extLst>
       <p:ext uri="{BB962C8B-B14F-4D97-AF65-F5344CB8AC3E}">
-        <p14:creationId xmlns:p14="http://schemas.microsoft.com/office/powerpoint/2010/main" val="1497384401"/>
+        <p14:creationId xmlns:p14="http://schemas.microsoft.com/office/powerpoint/2010/main" val="2744089513"/>
       </p:ext>
     </p:extLst>
   </p:cSld>
@@ -16359,7 +12533,7 @@
     </p:spTree>
     <p:extLst>
       <p:ext uri="{BB962C8B-B14F-4D97-AF65-F5344CB8AC3E}">
-        <p14:creationId xmlns:p14="http://schemas.microsoft.com/office/powerpoint/2010/main" val="2757419012"/>
+        <p14:creationId xmlns:p14="http://schemas.microsoft.com/office/powerpoint/2010/main" val="4104989124"/>
       </p:ext>
     </p:extLst>
   </p:cSld>
@@ -16532,7 +12706,7 @@
     </p:spTree>
     <p:extLst>
       <p:ext uri="{BB962C8B-B14F-4D97-AF65-F5344CB8AC3E}">
-        <p14:creationId xmlns:p14="http://schemas.microsoft.com/office/powerpoint/2010/main" val="2067246317"/>
+        <p14:creationId xmlns:p14="http://schemas.microsoft.com/office/powerpoint/2010/main" val="1925491708"/>
       </p:ext>
     </p:extLst>
   </p:cSld>
@@ -16722,7 +12896,7 @@
     </p:spTree>
     <p:extLst>
       <p:ext uri="{BB962C8B-B14F-4D97-AF65-F5344CB8AC3E}">
-        <p14:creationId xmlns:p14="http://schemas.microsoft.com/office/powerpoint/2010/main" val="3821553119"/>
+        <p14:creationId xmlns:p14="http://schemas.microsoft.com/office/powerpoint/2010/main" val="1369627949"/>
       </p:ext>
     </p:extLst>
   </p:cSld>
@@ -16768,7 +12942,7 @@
         </p:nvSpPr>
         <p:spPr>
           <a:xfrm>
-            <a:off x="1944694" y="520092"/>
+            <a:off x="1058869" y="520092"/>
             <a:ext cx="6683765" cy="522324"/>
           </a:xfrm>
         </p:spPr>
@@ -17000,7 +13174,7 @@
     </p:spTree>
     <p:extLst>
       <p:ext uri="{BB962C8B-B14F-4D97-AF65-F5344CB8AC3E}">
-        <p14:creationId xmlns:p14="http://schemas.microsoft.com/office/powerpoint/2010/main" val="2715817869"/>
+        <p14:creationId xmlns:p14="http://schemas.microsoft.com/office/powerpoint/2010/main" val="56364418"/>
       </p:ext>
     </p:extLst>
   </p:cSld>
@@ -17199,7 +13373,7 @@
     </p:spTree>
     <p:extLst>
       <p:ext uri="{BB962C8B-B14F-4D97-AF65-F5344CB8AC3E}">
-        <p14:creationId xmlns:p14="http://schemas.microsoft.com/office/powerpoint/2010/main" val="3666192859"/>
+        <p14:creationId xmlns:p14="http://schemas.microsoft.com/office/powerpoint/2010/main" val="2615412358"/>
       </p:ext>
     </p:extLst>
   </p:cSld>
@@ -17394,7 +13568,7 @@
     </p:spTree>
     <p:extLst>
       <p:ext uri="{BB962C8B-B14F-4D97-AF65-F5344CB8AC3E}">
-        <p14:creationId xmlns:p14="http://schemas.microsoft.com/office/powerpoint/2010/main" val="3648743365"/>
+        <p14:creationId xmlns:p14="http://schemas.microsoft.com/office/powerpoint/2010/main" val="856464997"/>
       </p:ext>
     </p:extLst>
   </p:cSld>
@@ -17611,7 +13785,7 @@
     </p:spTree>
     <p:extLst>
       <p:ext uri="{BB962C8B-B14F-4D97-AF65-F5344CB8AC3E}">
-        <p14:creationId xmlns:p14="http://schemas.microsoft.com/office/powerpoint/2010/main" val="952274208"/>
+        <p14:creationId xmlns:p14="http://schemas.microsoft.com/office/powerpoint/2010/main" val="3169230028"/>
       </p:ext>
     </p:extLst>
   </p:cSld>
@@ -17656,7 +13830,7 @@
         </p:nvSpPr>
         <p:spPr>
           <a:xfrm>
-            <a:off x="1944694" y="520092"/>
+            <a:off x="1135069" y="520092"/>
             <a:ext cx="6683765" cy="531468"/>
           </a:xfrm>
         </p:spPr>
@@ -17946,7 +14120,7 @@
     </p:spTree>
     <p:extLst>
       <p:ext uri="{BB962C8B-B14F-4D97-AF65-F5344CB8AC3E}">
-        <p14:creationId xmlns:p14="http://schemas.microsoft.com/office/powerpoint/2010/main" val="2135354499"/>
+        <p14:creationId xmlns:p14="http://schemas.microsoft.com/office/powerpoint/2010/main" val="4185702486"/>
       </p:ext>
     </p:extLst>
   </p:cSld>
@@ -18195,7 +14369,7 @@
     </p:spTree>
     <p:extLst>
       <p:ext uri="{BB962C8B-B14F-4D97-AF65-F5344CB8AC3E}">
-        <p14:creationId xmlns:p14="http://schemas.microsoft.com/office/powerpoint/2010/main" val="3927938467"/>
+        <p14:creationId xmlns:p14="http://schemas.microsoft.com/office/powerpoint/2010/main" val="2190184513"/>
       </p:ext>
     </p:extLst>
   </p:cSld>
@@ -18488,7 +14662,7 @@
     </p:spTree>
     <p:extLst>
       <p:ext uri="{BB962C8B-B14F-4D97-AF65-F5344CB8AC3E}">
-        <p14:creationId xmlns:p14="http://schemas.microsoft.com/office/powerpoint/2010/main" val="77839182"/>
+        <p14:creationId xmlns:p14="http://schemas.microsoft.com/office/powerpoint/2010/main" val="3797534927"/>
       </p:ext>
     </p:extLst>
   </p:cSld>
@@ -18763,7 +14937,7 @@
     </p:spTree>
     <p:extLst>
       <p:ext uri="{BB962C8B-B14F-4D97-AF65-F5344CB8AC3E}">
-        <p14:creationId xmlns:p14="http://schemas.microsoft.com/office/powerpoint/2010/main" val="4028667397"/>
+        <p14:creationId xmlns:p14="http://schemas.microsoft.com/office/powerpoint/2010/main" val="1880090826"/>
       </p:ext>
     </p:extLst>
   </p:cSld>
@@ -18970,7 +15144,7 @@
     </p:spTree>
     <p:extLst>
       <p:ext uri="{BB962C8B-B14F-4D97-AF65-F5344CB8AC3E}">
-        <p14:creationId xmlns:p14="http://schemas.microsoft.com/office/powerpoint/2010/main" val="3457588280"/>
+        <p14:creationId xmlns:p14="http://schemas.microsoft.com/office/powerpoint/2010/main" val="1769313612"/>
       </p:ext>
     </p:extLst>
   </p:cSld>
@@ -19229,7 +15403,7 @@
     </p:spTree>
     <p:extLst>
       <p:ext uri="{BB962C8B-B14F-4D97-AF65-F5344CB8AC3E}">
-        <p14:creationId xmlns:p14="http://schemas.microsoft.com/office/powerpoint/2010/main" val="732809715"/>
+        <p14:creationId xmlns:p14="http://schemas.microsoft.com/office/powerpoint/2010/main" val="3855133670"/>
       </p:ext>
     </p:extLst>
   </p:cSld>
@@ -19241,9 +15415,9 @@
 </file>
 
 <file path=ppt/theme/theme1.xml><?xml version="1.0" encoding="utf-8"?>
-<a:theme xmlns:a="http://schemas.openxmlformats.org/drawingml/2006/main" name="Wisp">
+<a:theme xmlns:a="http://schemas.openxmlformats.org/drawingml/2006/main" name="Office Theme">
   <a:themeElements>
-    <a:clrScheme name="Wisp">
+    <a:clrScheme name="Office Theme">
       <a:dk1>
         <a:sysClr val="windowText" lastClr="000000"/>
       </a:dk1>
@@ -19251,48 +15425,50 @@
         <a:sysClr val="window" lastClr="FFFFFF"/>
       </a:lt1>
       <a:dk2>
-        <a:srgbClr val="766F54"/>
+        <a:srgbClr val="44546A"/>
       </a:dk2>
       <a:lt2>
-        <a:srgbClr val="E3EACF"/>
+        <a:srgbClr val="E7E6E6"/>
       </a:lt2>
       <a:accent1>
-        <a:srgbClr val="A53010"/>
+        <a:srgbClr val="4472C4"/>
       </a:accent1>
       <a:accent2>
-        <a:srgbClr val="DE7E18"/>
+        <a:srgbClr val="ED7D31"/>
       </a:accent2>
       <a:accent3>
-        <a:srgbClr val="9F8351"/>
+        <a:srgbClr val="A5A5A5"/>
       </a:accent3>
       <a:accent4>
-        <a:srgbClr val="728653"/>
+        <a:srgbClr val="FFC000"/>
       </a:accent4>
       <a:accent5>
-        <a:srgbClr val="92AA4C"/>
+        <a:srgbClr val="5B9BD5"/>
       </a:accent5>
       <a:accent6>
-        <a:srgbClr val="6AAC91"/>
+        <a:srgbClr val="70AD47"/>
       </a:accent6>
       <a:hlink>
-        <a:srgbClr val="FB4A18"/>
+        <a:srgbClr val="0563C1"/>
       </a:hlink>
       <a:folHlink>
-        <a:srgbClr val="FB9318"/>
+        <a:srgbClr val="954F72"/>
       </a:folHlink>
     </a:clrScheme>
-    <a:fontScheme name="Wisp">
+    <a:fontScheme name="Gill Sans MT">
       <a:majorFont>
-        <a:latin typeface="Century Gothic" panose="020B0502020202020204"/>
+        <a:latin typeface="Gill Sans MT" panose="020B0502020104020203"/>
         <a:ea typeface=""/>
         <a:cs typeface=""/>
-        <a:font script="Jpan" typeface="メイリオ"/>
-        <a:font script="Hang" typeface="HY중고딕"/>
-        <a:font script="Hans" typeface="幼圆"/>
+        <a:font script="Grek" typeface="Corbel"/>
+        <a:font script="Cyrl" typeface="Corbel"/>
+        <a:font script="Jpan" typeface="HGｺﾞｼｯｸE"/>
+        <a:font script="Hang" typeface="휴먼매직체"/>
+        <a:font script="Hans" typeface="华文中宋"/>
         <a:font script="Hant" typeface="微軟正黑體"/>
-        <a:font script="Arab" typeface="Tahoma"/>
-        <a:font script="Hebr" typeface="Gisha"/>
-        <a:font script="Thai" typeface="DilleniaUPC"/>
+        <a:font script="Arab" typeface="Majalla UI"/>
+        <a:font script="Hebr" typeface="Arial"/>
+        <a:font script="Thai" typeface="Cordia New"/>
         <a:font script="Ethi" typeface="Nyala"/>
         <a:font script="Beng" typeface="Vrinda"/>
         <a:font script="Gujr" typeface="Shruti"/>
@@ -19318,16 +15494,18 @@
         <a:font script="Geor" typeface="Sylfaen"/>
       </a:majorFont>
       <a:minorFont>
-        <a:latin typeface="Century Gothic" panose="020B0502020202020204"/>
+        <a:latin typeface="Gill Sans MT" panose="020B0502020104020203"/>
         <a:ea typeface=""/>
         <a:cs typeface=""/>
-        <a:font script="Jpan" typeface="メイリオ"/>
-        <a:font script="Hang" typeface="HY중고딕"/>
-        <a:font script="Hans" typeface="幼圆"/>
+        <a:font script="Grek" typeface="Corbel"/>
+        <a:font script="Cyrl" typeface="Corbel"/>
+        <a:font script="Jpan" typeface="HGｺﾞｼｯｸE"/>
+        <a:font script="Hang" typeface="휴먼매직체"/>
+        <a:font script="Hans" typeface="华文中宋"/>
         <a:font script="Hant" typeface="微軟正黑體"/>
-        <a:font script="Arab" typeface="Tahoma"/>
-        <a:font script="Hebr" typeface="Gisha"/>
-        <a:font script="Thai" typeface="DilleniaUPC"/>
+        <a:font script="Arab" typeface="Majalla UI"/>
+        <a:font script="Hebr" typeface="Arial"/>
+        <a:font script="Thai" typeface="Cordia New"/>
         <a:font script="Ethi" typeface="Nyala"/>
         <a:font script="Beng" typeface="Vrinda"/>
         <a:font script="Gujr" typeface="Shruti"/>
@@ -19353,29 +15531,58 @@
         <a:font script="Geor" typeface="Sylfaen"/>
       </a:minorFont>
     </a:fontScheme>
-    <a:fmtScheme name="Wisp">
+    <a:fmtScheme name="Office Theme">
       <a:fillStyleLst>
         <a:solidFill>
           <a:schemeClr val="phClr"/>
-        </a:solidFill>
-        <a:solidFill>
-          <a:schemeClr val="phClr">
-            <a:tint val="70000"/>
-            <a:lumMod val="104000"/>
-          </a:schemeClr>
         </a:solidFill>
         <a:gradFill rotWithShape="1">
           <a:gsLst>
             <a:gs pos="0">
               <a:schemeClr val="phClr">
-                <a:tint val="96000"/>
-                <a:lumMod val="104000"/>
+                <a:lumMod val="110000"/>
+                <a:satMod val="105000"/>
+                <a:tint val="67000"/>
+              </a:schemeClr>
+            </a:gs>
+            <a:gs pos="50000">
+              <a:schemeClr val="phClr">
+                <a:lumMod val="105000"/>
+                <a:satMod val="103000"/>
+                <a:tint val="73000"/>
               </a:schemeClr>
             </a:gs>
             <a:gs pos="100000">
               <a:schemeClr val="phClr">
-                <a:shade val="98000"/>
-                <a:lumMod val="94000"/>
+                <a:lumMod val="105000"/>
+                <a:satMod val="109000"/>
+                <a:tint val="81000"/>
+              </a:schemeClr>
+            </a:gs>
+          </a:gsLst>
+          <a:lin ang="5400000" scaled="0"/>
+        </a:gradFill>
+        <a:gradFill rotWithShape="1">
+          <a:gsLst>
+            <a:gs pos="0">
+              <a:schemeClr val="phClr">
+                <a:satMod val="103000"/>
+                <a:lumMod val="102000"/>
+                <a:tint val="94000"/>
+              </a:schemeClr>
+            </a:gs>
+            <a:gs pos="50000">
+              <a:schemeClr val="phClr">
+                <a:satMod val="110000"/>
+                <a:lumMod val="100000"/>
+                <a:shade val="100000"/>
+              </a:schemeClr>
+            </a:gs>
+            <a:gs pos="100000">
+              <a:schemeClr val="phClr">
+                <a:lumMod val="99000"/>
+                <a:satMod val="120000"/>
+                <a:shade val="78000"/>
               </a:schemeClr>
             </a:gs>
           </a:gsLst>
@@ -19383,25 +15590,26 @@
         </a:gradFill>
       </a:fillStyleLst>
       <a:lnStyleLst>
-        <a:ln w="9525" cap="rnd" cmpd="sng" algn="ctr">
-          <a:solidFill>
-            <a:schemeClr val="phClr">
-              <a:shade val="90000"/>
-            </a:schemeClr>
-          </a:solidFill>
-          <a:prstDash val="solid"/>
-        </a:ln>
-        <a:ln w="15875" cap="rnd" cmpd="sng" algn="ctr">
+        <a:ln w="6350" cap="flat" cmpd="sng" algn="ctr">
           <a:solidFill>
             <a:schemeClr val="phClr"/>
           </a:solidFill>
           <a:prstDash val="solid"/>
+          <a:miter lim="800000"/>
         </a:ln>
-        <a:ln w="22225" cap="rnd" cmpd="sng" algn="ctr">
+        <a:ln w="12700" cap="flat" cmpd="sng" algn="ctr">
           <a:solidFill>
             <a:schemeClr val="phClr"/>
           </a:solidFill>
           <a:prstDash val="solid"/>
+          <a:miter lim="800000"/>
+        </a:ln>
+        <a:ln w="19050" cap="flat" cmpd="sng" algn="ctr">
+          <a:solidFill>
+            <a:schemeClr val="phClr"/>
+          </a:solidFill>
+          <a:prstDash val="solid"/>
+          <a:miter lim="800000"/>
         </a:ln>
       </a:lnStyleLst>
       <a:effectStyleLst>
@@ -19409,19 +15617,13 @@
           <a:effectLst/>
         </a:effectStyle>
         <a:effectStyle>
-          <a:effectLst>
-            <a:outerShdw blurRad="38100" dist="25400" dir="5400000" rotWithShape="0">
-              <a:srgbClr val="000000">
-                <a:alpha val="25000"/>
-              </a:srgbClr>
-            </a:outerShdw>
-          </a:effectLst>
+          <a:effectLst/>
         </a:effectStyle>
         <a:effectStyle>
           <a:effectLst>
-            <a:outerShdw blurRad="50800" dist="38100" dir="5400000" rotWithShape="0">
+            <a:outerShdw blurRad="57150" dist="19050" dir="5400000" algn="ctr" rotWithShape="0">
               <a:srgbClr val="000000">
-                <a:alpha val="60000"/>
+                <a:alpha val="63000"/>
               </a:srgbClr>
             </a:outerShdw>
           </a:effectLst>
@@ -19431,44 +15633,38 @@
         <a:solidFill>
           <a:schemeClr val="phClr"/>
         </a:solidFill>
+        <a:solidFill>
+          <a:schemeClr val="phClr">
+            <a:tint val="95000"/>
+            <a:satMod val="170000"/>
+          </a:schemeClr>
+        </a:solidFill>
         <a:gradFill rotWithShape="1">
           <a:gsLst>
             <a:gs pos="0">
               <a:schemeClr val="phClr">
-                <a:tint val="90000"/>
-                <a:lumMod val="120000"/>
+                <a:tint val="93000"/>
+                <a:satMod val="150000"/>
+                <a:shade val="98000"/>
+                <a:lumMod val="102000"/>
+              </a:schemeClr>
+            </a:gs>
+            <a:gs pos="50000">
+              <a:schemeClr val="phClr">
+                <a:tint val="98000"/>
+                <a:satMod val="130000"/>
+                <a:shade val="90000"/>
+                <a:lumMod val="103000"/>
               </a:schemeClr>
             </a:gs>
             <a:gs pos="100000">
               <a:schemeClr val="phClr">
-                <a:shade val="98000"/>
+                <a:shade val="63000"/>
                 <a:satMod val="120000"/>
-                <a:lumMod val="98000"/>
               </a:schemeClr>
             </a:gs>
           </a:gsLst>
           <a:lin ang="5400000" scaled="0"/>
-        </a:gradFill>
-        <a:gradFill rotWithShape="1">
-          <a:gsLst>
-            <a:gs pos="0">
-              <a:schemeClr val="phClr">
-                <a:tint val="90000"/>
-                <a:satMod val="92000"/>
-                <a:lumMod val="120000"/>
-              </a:schemeClr>
-            </a:gs>
-            <a:gs pos="100000">
-              <a:schemeClr val="phClr">
-                <a:shade val="98000"/>
-                <a:satMod val="120000"/>
-                <a:lumMod val="98000"/>
-              </a:schemeClr>
-            </a:gs>
-          </a:gsLst>
-          <a:path path="circle">
-            <a:fillToRect l="50000" t="50000" r="100000" b="100000"/>
-          </a:path>
         </a:gradFill>
       </a:bgFillStyleLst>
     </a:fmtScheme>
@@ -19477,7 +15673,7 @@
   <a:extraClrSchemeLst/>
   <a:extLst>
     <a:ext uri="{05A4C25C-085E-4340-85A3-A5531E510DB2}">
-      <thm15:themeFamily xmlns:thm15="http://schemas.microsoft.com/office/thememl/2012/main" name="Wisp" id="{7CB32D59-10C0-40DD-B7BD-2E94284A981C}" vid="{24B1A44C-C006-48B2-A4D7-E5549B3D8CD4}"/>
+      <thm15:themeFamily xmlns:thm15="http://schemas.microsoft.com/office/thememl/2012/main" name="Office Theme" id="{62F939B6-93AF-4DB8-9C6B-D6C7DFDC589F}" vid="{4A3C46E8-61CC-4603-A589-7422A47A8E4A}"/>
     </a:ext>
   </a:extLst>
 </a:theme>

--- a/courses/apcsa/processing/processing1.pptx
+++ b/courses/apcsa/processing/processing1.pptx
@@ -144,15 +144,6 @@
     </p:ext>
   </p:extLst>
 </p:presentation>
-</file>
-
-<file path=ppt/revisionInfo.xml><?xml version="1.0" encoding="utf-8"?>
-<p1510:revInfo xmlns:a="http://schemas.openxmlformats.org/drawingml/2006/main" xmlns:r="http://schemas.openxmlformats.org/officeDocument/2006/relationships" xmlns:p1510="http://schemas.microsoft.com/office/powerpoint/2015/10/main">
-  <p1510:revLst>
-    <p1510:client id="{308CFCF3-47BA-8D4A-8A80-5ECC75BA7E52}" v="2" dt="2019-11-19T12:50:23.367"/>
-    <p1510:client id="{59CB9C7B-CBC7-E549-B176-97F9C29CB310}" v="4309" dt="2019-11-19T12:45:57.102"/>
-  </p1510:revLst>
-</p1510:revInfo>
 </file>
 
 <file path=ppt/changesInfos/changesInfo1.xml><?xml version="1.0" encoding="utf-8"?>
@@ -1826,6 +1817,30 @@
     <pc:chgData name="Long B Nguyen" userId="f59fb8f3-a021-417a-8bc1-65c8d471c621" providerId="ADAL" clId="{6CD83B71-C243-244B-B302-DE2E82069201}"/>
   </pc:docChgLst>
   <pc:docChgLst>
+    <pc:chgData name="Long B Nguyen" userId="f59fb8f3-a021-417a-8bc1-65c8d471c621" providerId="ADAL" clId="{8C729B60-193B-8444-910A-752A96A0942F}"/>
+    <pc:docChg chg="modSld">
+      <pc:chgData name="Long B Nguyen" userId="f59fb8f3-a021-417a-8bc1-65c8d471c621" providerId="ADAL" clId="{8C729B60-193B-8444-910A-752A96A0942F}" dt="2020-03-29T01:57:52.362" v="1" actId="20577"/>
+      <pc:docMkLst>
+        <pc:docMk/>
+      </pc:docMkLst>
+      <pc:sldChg chg="modSp">
+        <pc:chgData name="Long B Nguyen" userId="f59fb8f3-a021-417a-8bc1-65c8d471c621" providerId="ADAL" clId="{8C729B60-193B-8444-910A-752A96A0942F}" dt="2020-03-29T01:57:52.362" v="1" actId="20577"/>
+        <pc:sldMkLst>
+          <pc:docMk/>
+          <pc:sldMk cId="1880090826" sldId="316"/>
+        </pc:sldMkLst>
+        <pc:spChg chg="mod">
+          <ac:chgData name="Long B Nguyen" userId="f59fb8f3-a021-417a-8bc1-65c8d471c621" providerId="ADAL" clId="{8C729B60-193B-8444-910A-752A96A0942F}" dt="2020-03-29T01:57:52.362" v="1" actId="20577"/>
+          <ac:spMkLst>
+            <pc:docMk/>
+            <pc:sldMk cId="1880090826" sldId="316"/>
+            <ac:spMk id="10242" creationId="{2E23079A-5ACF-FA4B-BC1D-0D52C05F7CA4}"/>
+          </ac:spMkLst>
+        </pc:spChg>
+      </pc:sldChg>
+    </pc:docChg>
+  </pc:docChgLst>
+  <pc:docChgLst>
     <pc:chgData name="Long B Nguyen" userId="f59fb8f3-a021-417a-8bc1-65c8d471c621" providerId="ADAL" clId="{7CBD4C01-BEFF-0849-BF53-33422C5BC0A3}"/>
   </pc:docChgLst>
 </pc:chgInfo>
@@ -1913,7 +1928,7 @@
           <a:p>
             <a:fld id="{29FB45CD-1365-4F4B-B580-C19222E1A371}" type="datetimeFigureOut">
               <a:rPr lang="en-US" smtClean="0"/>
-              <a:t>11/19/19</a:t>
+              <a:t>3/28/20</a:t>
             </a:fld>
             <a:endParaRPr lang="en-US"/>
           </a:p>
@@ -4653,7 +4668,7 @@
           <a:p>
             <a:fld id="{4AAD347D-5ACD-4C99-B74B-A9C85AD731AF}" type="datetimeFigureOut">
               <a:rPr lang="en-US" smtClean="0"/>
-              <a:t>11/19/19</a:t>
+              <a:t>3/28/20</a:t>
             </a:fld>
             <a:endParaRPr lang="en-US" dirty="0"/>
           </a:p>
@@ -4823,7 +4838,7 @@
           <a:p>
             <a:fld id="{4509A250-FF31-4206-8172-F9D3106AACB1}" type="datetimeFigureOut">
               <a:rPr lang="en-US" smtClean="0"/>
-              <a:t>11/19/19</a:t>
+              <a:t>3/28/20</a:t>
             </a:fld>
             <a:endParaRPr lang="en-US" dirty="0"/>
           </a:p>
@@ -5003,7 +5018,7 @@
           <a:p>
             <a:fld id="{4509A250-FF31-4206-8172-F9D3106AACB1}" type="datetimeFigureOut">
               <a:rPr lang="en-US" smtClean="0"/>
-              <a:t>11/19/19</a:t>
+              <a:t>3/28/20</a:t>
             </a:fld>
             <a:endParaRPr lang="en-US" dirty="0"/>
           </a:p>
@@ -5173,7 +5188,7 @@
           <a:p>
             <a:fld id="{4509A250-FF31-4206-8172-F9D3106AACB1}" type="datetimeFigureOut">
               <a:rPr lang="en-US" smtClean="0"/>
-              <a:t>11/19/19</a:t>
+              <a:t>3/28/20</a:t>
             </a:fld>
             <a:endParaRPr lang="en-US" dirty="0"/>
           </a:p>
@@ -5419,7 +5434,7 @@
           <a:p>
             <a:fld id="{9796027F-7875-4030-9381-8BD8C4F21935}" type="datetimeFigureOut">
               <a:rPr lang="en-US" smtClean="0"/>
-              <a:t>11/19/19</a:t>
+              <a:t>3/28/20</a:t>
             </a:fld>
             <a:endParaRPr lang="en-US" dirty="0"/>
           </a:p>
@@ -5651,7 +5666,7 @@
           <a:p>
             <a:fld id="{9796027F-7875-4030-9381-8BD8C4F21935}" type="datetimeFigureOut">
               <a:rPr lang="en-US" smtClean="0"/>
-              <a:t>11/19/19</a:t>
+              <a:t>3/28/20</a:t>
             </a:fld>
             <a:endParaRPr lang="en-US" dirty="0"/>
           </a:p>
@@ -6018,7 +6033,7 @@
           <a:p>
             <a:fld id="{9796027F-7875-4030-9381-8BD8C4F21935}" type="datetimeFigureOut">
               <a:rPr lang="en-US" smtClean="0"/>
-              <a:t>11/19/19</a:t>
+              <a:t>3/28/20</a:t>
             </a:fld>
             <a:endParaRPr lang="en-US" dirty="0"/>
           </a:p>
@@ -6136,7 +6151,7 @@
           <a:p>
             <a:fld id="{4509A250-FF31-4206-8172-F9D3106AACB1}" type="datetimeFigureOut">
               <a:rPr lang="en-US" smtClean="0"/>
-              <a:t>11/19/19</a:t>
+              <a:t>3/28/20</a:t>
             </a:fld>
             <a:endParaRPr lang="en-US" dirty="0"/>
           </a:p>
@@ -6231,7 +6246,7 @@
           <a:p>
             <a:fld id="{4509A250-FF31-4206-8172-F9D3106AACB1}" type="datetimeFigureOut">
               <a:rPr lang="en-US" smtClean="0"/>
-              <a:t>11/19/19</a:t>
+              <a:t>3/28/20</a:t>
             </a:fld>
             <a:endParaRPr lang="en-US" dirty="0"/>
           </a:p>
@@ -6508,7 +6523,7 @@
           <a:p>
             <a:fld id="{4509A250-FF31-4206-8172-F9D3106AACB1}" type="datetimeFigureOut">
               <a:rPr lang="en-US" smtClean="0"/>
-              <a:t>11/19/19</a:t>
+              <a:t>3/28/20</a:t>
             </a:fld>
             <a:endParaRPr lang="en-US" dirty="0"/>
           </a:p>
@@ -6765,7 +6780,7 @@
           <a:p>
             <a:fld id="{4509A250-FF31-4206-8172-F9D3106AACB1}" type="datetimeFigureOut">
               <a:rPr lang="en-US" smtClean="0"/>
-              <a:t>11/19/19</a:t>
+              <a:t>3/28/20</a:t>
             </a:fld>
             <a:endParaRPr lang="en-US" dirty="0"/>
           </a:p>
@@ -6978,7 +6993,7 @@
           <a:p>
             <a:fld id="{4AAD347D-5ACD-4C99-B74B-A9C85AD731AF}" type="datetimeFigureOut">
               <a:rPr lang="en-US" smtClean="0"/>
-              <a:t>11/19/19</a:t>
+              <a:t>3/28/20</a:t>
             </a:fld>
             <a:endParaRPr lang="en-US" dirty="0"/>
           </a:p>
@@ -14865,7 +14880,27 @@
                 <a:latin typeface="Courier New" panose="02070309020205020404" pitchFamily="49" charset="0"/>
                 <a:ea typeface="ＭＳ Ｐゴシック" panose="020B0600070205080204" pitchFamily="34" charset="-128"/>
               </a:rPr>
-              <a:t>// modify and update them in draw().</a:t>
+              <a:t>// </a:t>
+            </a:r>
+            <a:r>
+              <a:rPr lang="en-US" altLang="en-US" sz="1667" b="1">
+                <a:solidFill>
+                  <a:srgbClr val="008000"/>
+                </a:solidFill>
+                <a:latin typeface="Courier New" panose="02070309020205020404" pitchFamily="49" charset="0"/>
+                <a:ea typeface="ＭＳ Ｐゴシック" panose="020B0600070205080204" pitchFamily="34" charset="-128"/>
+              </a:rPr>
+              <a:t>modify and update </a:t>
+            </a:r>
+            <a:r>
+              <a:rPr lang="en-US" altLang="en-US" sz="1667" b="1" dirty="0">
+                <a:solidFill>
+                  <a:srgbClr val="008000"/>
+                </a:solidFill>
+                <a:latin typeface="Courier New" panose="02070309020205020404" pitchFamily="49" charset="0"/>
+                <a:ea typeface="ＭＳ Ｐゴシック" panose="020B0600070205080204" pitchFamily="34" charset="-128"/>
+              </a:rPr>
+              <a:t>them in draw().</a:t>
             </a:r>
           </a:p>
           <a:p>
